--- a/iPlanner Documentation/[V0.5]/Sequence Diagrams.pptx
+++ b/iPlanner Documentation/[V0.5]/Sequence Diagrams.pptx
@@ -5,29 +5,30 @@
     <p:sldMasterId id="2147483648" r:id="rId1"/>
   </p:sldMasterIdLst>
   <p:notesMasterIdLst>
-    <p:notesMasterId r:id="rId22"/>
+    <p:notesMasterId r:id="rId23"/>
   </p:notesMasterIdLst>
   <p:sldIdLst>
     <p:sldId id="274" r:id="rId2"/>
     <p:sldId id="272" r:id="rId3"/>
     <p:sldId id="259" r:id="rId4"/>
     <p:sldId id="256" r:id="rId5"/>
-    <p:sldId id="276" r:id="rId6"/>
-    <p:sldId id="275" r:id="rId7"/>
-    <p:sldId id="257" r:id="rId8"/>
-    <p:sldId id="277" r:id="rId9"/>
-    <p:sldId id="258" r:id="rId10"/>
-    <p:sldId id="278" r:id="rId11"/>
-    <p:sldId id="279" r:id="rId12"/>
-    <p:sldId id="273" r:id="rId13"/>
-    <p:sldId id="268" r:id="rId14"/>
-    <p:sldId id="269" r:id="rId15"/>
-    <p:sldId id="270" r:id="rId16"/>
-    <p:sldId id="280" r:id="rId17"/>
-    <p:sldId id="281" r:id="rId18"/>
-    <p:sldId id="282" r:id="rId19"/>
-    <p:sldId id="283" r:id="rId20"/>
-    <p:sldId id="284" r:id="rId21"/>
+    <p:sldId id="286" r:id="rId6"/>
+    <p:sldId id="276" r:id="rId7"/>
+    <p:sldId id="275" r:id="rId8"/>
+    <p:sldId id="257" r:id="rId9"/>
+    <p:sldId id="277" r:id="rId10"/>
+    <p:sldId id="258" r:id="rId11"/>
+    <p:sldId id="278" r:id="rId12"/>
+    <p:sldId id="279" r:id="rId13"/>
+    <p:sldId id="273" r:id="rId14"/>
+    <p:sldId id="268" r:id="rId15"/>
+    <p:sldId id="269" r:id="rId16"/>
+    <p:sldId id="270" r:id="rId17"/>
+    <p:sldId id="280" r:id="rId18"/>
+    <p:sldId id="281" r:id="rId19"/>
+    <p:sldId id="282" r:id="rId20"/>
+    <p:sldId id="283" r:id="rId21"/>
+    <p:sldId id="284" r:id="rId22"/>
   </p:sldIdLst>
   <p:sldSz cx="12192000" cy="6858000"/>
   <p:notesSz cx="6858000" cy="9144000"/>
@@ -216,7 +217,7 @@
           <a:p>
             <a:fld id="{CCD2DA94-2B89-4C03-A5C8-11369AE12B4A}" type="datetimeFigureOut">
               <a:rPr lang="en-US" smtClean="0"/>
-              <a:t>3/20/2015</a:t>
+              <a:t>4/13/2015</a:t>
             </a:fld>
             <a:endParaRPr lang="en-US" dirty="0"/>
           </a:p>
@@ -626,11 +627,19 @@
           <a:p>
             <a:r>
               <a:rPr lang="en-US" dirty="0" smtClean="0"/>
-              <a:t>SORT WITH INVALID</a:t>
+              <a:t>SORT WITH VALID</a:t>
             </a:r>
             <a:r>
               <a:rPr lang="en-US" baseline="0" dirty="0" smtClean="0"/>
               <a:t> CONDITION</a:t>
+            </a:r>
+            <a:r>
+              <a:rPr lang="en-US" dirty="0" smtClean="0"/>
+              <a:t> (type,</a:t>
+            </a:r>
+            <a:r>
+              <a:rPr lang="en-US" baseline="0" dirty="0" smtClean="0"/>
+              <a:t> start date, end date, priority, label)</a:t>
             </a:r>
             <a:endParaRPr lang="en-US" dirty="0"/>
           </a:p>
@@ -662,7 +671,7 @@
     </p:spTree>
     <p:extLst>
       <p:ext uri="{BB962C8B-B14F-4D97-AF65-F5344CB8AC3E}">
-        <p14:creationId xmlns:p14="http://schemas.microsoft.com/office/powerpoint/2010/main" val="274746342"/>
+        <p14:creationId xmlns:p14="http://schemas.microsoft.com/office/powerpoint/2010/main" val="771782958"/>
       </p:ext>
     </p:extLst>
   </p:cSld>
@@ -718,11 +727,11 @@
           <a:p>
             <a:r>
               <a:rPr lang="en-US" dirty="0" smtClean="0"/>
-              <a:t>SEARCH (only</a:t>
+              <a:t>SORT WITH INVALID</a:t>
             </a:r>
             <a:r>
               <a:rPr lang="en-US" baseline="0" dirty="0" smtClean="0"/>
-              <a:t> searches in Item name and description)</a:t>
+              <a:t> CONDITION</a:t>
             </a:r>
             <a:endParaRPr lang="en-US" dirty="0"/>
           </a:p>
@@ -754,7 +763,7 @@
     </p:spTree>
     <p:extLst>
       <p:ext uri="{BB962C8B-B14F-4D97-AF65-F5344CB8AC3E}">
-        <p14:creationId xmlns:p14="http://schemas.microsoft.com/office/powerpoint/2010/main" val="1172498211"/>
+        <p14:creationId xmlns:p14="http://schemas.microsoft.com/office/powerpoint/2010/main" val="274746342"/>
       </p:ext>
     </p:extLst>
   </p:cSld>
@@ -846,7 +855,7 @@
     </p:spTree>
     <p:extLst>
       <p:ext uri="{BB962C8B-B14F-4D97-AF65-F5344CB8AC3E}">
-        <p14:creationId xmlns:p14="http://schemas.microsoft.com/office/powerpoint/2010/main" val="1340898551"/>
+        <p14:creationId xmlns:p14="http://schemas.microsoft.com/office/powerpoint/2010/main" val="1172498211"/>
       </p:ext>
     </p:extLst>
   </p:cSld>
@@ -902,11 +911,11 @@
           <a:p>
             <a:r>
               <a:rPr lang="en-US" dirty="0" smtClean="0"/>
-              <a:t>SORT WITH INVALID</a:t>
+              <a:t>SEARCH (only</a:t>
             </a:r>
             <a:r>
               <a:rPr lang="en-US" baseline="0" dirty="0" smtClean="0"/>
-              <a:t> CONDITION</a:t>
+              <a:t> searches in Item name and description)</a:t>
             </a:r>
             <a:endParaRPr lang="en-US" dirty="0"/>
           </a:p>
@@ -938,7 +947,7 @@
     </p:spTree>
     <p:extLst>
       <p:ext uri="{BB962C8B-B14F-4D97-AF65-F5344CB8AC3E}">
-        <p14:creationId xmlns:p14="http://schemas.microsoft.com/office/powerpoint/2010/main" val="25861805"/>
+        <p14:creationId xmlns:p14="http://schemas.microsoft.com/office/powerpoint/2010/main" val="1340898551"/>
       </p:ext>
     </p:extLst>
   </p:cSld>
@@ -994,19 +1003,11 @@
           <a:p>
             <a:r>
               <a:rPr lang="en-US" dirty="0" smtClean="0"/>
-              <a:t>SORT WITH VALID</a:t>
+              <a:t>SORT WITH INVALID</a:t>
             </a:r>
             <a:r>
               <a:rPr lang="en-US" baseline="0" dirty="0" smtClean="0"/>
               <a:t> CONDITION</a:t>
-            </a:r>
-            <a:r>
-              <a:rPr lang="en-US" dirty="0" smtClean="0"/>
-              <a:t> (type,</a:t>
-            </a:r>
-            <a:r>
-              <a:rPr lang="en-US" baseline="0" dirty="0" smtClean="0"/>
-              <a:t> start date, end date, priority, label)</a:t>
             </a:r>
             <a:endParaRPr lang="en-US" dirty="0"/>
           </a:p>
@@ -1029,7 +1030,7 @@
           <a:p>
             <a:fld id="{ED72BDE7-56BA-4B81-A572-E8A25E19317F}" type="slidenum">
               <a:rPr lang="en-US" smtClean="0"/>
-              <a:t>19</a:t>
+              <a:t>18</a:t>
             </a:fld>
             <a:endParaRPr lang="en-US"/>
           </a:p>
@@ -1038,7 +1039,7 @@
     </p:spTree>
     <p:extLst>
       <p:ext uri="{BB962C8B-B14F-4D97-AF65-F5344CB8AC3E}">
-        <p14:creationId xmlns:p14="http://schemas.microsoft.com/office/powerpoint/2010/main" val="1728290079"/>
+        <p14:creationId xmlns:p14="http://schemas.microsoft.com/office/powerpoint/2010/main" val="25861805"/>
       </p:ext>
     </p:extLst>
   </p:cSld>
@@ -1130,6 +1131,106 @@
             <a:fld id="{ED72BDE7-56BA-4B81-A572-E8A25E19317F}" type="slidenum">
               <a:rPr lang="en-US" smtClean="0"/>
               <a:t>20</a:t>
+            </a:fld>
+            <a:endParaRPr lang="en-US"/>
+          </a:p>
+        </p:txBody>
+      </p:sp>
+    </p:spTree>
+    <p:extLst>
+      <p:ext uri="{BB962C8B-B14F-4D97-AF65-F5344CB8AC3E}">
+        <p14:creationId xmlns:p14="http://schemas.microsoft.com/office/powerpoint/2010/main" val="1728290079"/>
+      </p:ext>
+    </p:extLst>
+  </p:cSld>
+  <p:clrMapOvr>
+    <a:masterClrMapping/>
+  </p:clrMapOvr>
+</p:notes>
+</file>
+
+<file path=ppt/notesSlides/notesSlide16.xml><?xml version="1.0" encoding="utf-8"?>
+<p:notes xmlns:a="http://schemas.openxmlformats.org/drawingml/2006/main" xmlns:r="http://schemas.openxmlformats.org/officeDocument/2006/relationships" xmlns:p="http://schemas.openxmlformats.org/presentationml/2006/main">
+  <p:cSld>
+    <p:spTree>
+      <p:nvGrpSpPr>
+        <p:cNvPr id="1" name=""/>
+        <p:cNvGrpSpPr/>
+        <p:nvPr/>
+      </p:nvGrpSpPr>
+      <p:grpSpPr>
+        <a:xfrm>
+          <a:off x="0" y="0"/>
+          <a:ext cx="0" cy="0"/>
+          <a:chOff x="0" y="0"/>
+          <a:chExt cx="0" cy="0"/>
+        </a:xfrm>
+      </p:grpSpPr>
+      <p:sp>
+        <p:nvSpPr>
+          <p:cNvPr id="2" name="Slide Image Placeholder 1"/>
+          <p:cNvSpPr>
+            <a:spLocks noGrp="1" noRot="1" noChangeAspect="1"/>
+          </p:cNvSpPr>
+          <p:nvPr>
+            <p:ph type="sldImg"/>
+          </p:nvPr>
+        </p:nvSpPr>
+        <p:spPr/>
+      </p:sp>
+      <p:sp>
+        <p:nvSpPr>
+          <p:cNvPr id="3" name="Notes Placeholder 2"/>
+          <p:cNvSpPr>
+            <a:spLocks noGrp="1"/>
+          </p:cNvSpPr>
+          <p:nvPr>
+            <p:ph type="body" idx="1"/>
+          </p:nvPr>
+        </p:nvSpPr>
+        <p:spPr/>
+        <p:txBody>
+          <a:bodyPr/>
+          <a:lstStyle/>
+          <a:p>
+            <a:r>
+              <a:rPr lang="en-US" dirty="0" smtClean="0"/>
+              <a:t>SORT WITH VALID</a:t>
+            </a:r>
+            <a:r>
+              <a:rPr lang="en-US" baseline="0" dirty="0" smtClean="0"/>
+              <a:t> CONDITION</a:t>
+            </a:r>
+            <a:r>
+              <a:rPr lang="en-US" dirty="0" smtClean="0"/>
+              <a:t> (type,</a:t>
+            </a:r>
+            <a:r>
+              <a:rPr lang="en-US" baseline="0" dirty="0" smtClean="0"/>
+              <a:t> start date, end date, priority, label)</a:t>
+            </a:r>
+            <a:endParaRPr lang="en-US" dirty="0"/>
+          </a:p>
+        </p:txBody>
+      </p:sp>
+      <p:sp>
+        <p:nvSpPr>
+          <p:cNvPr id="4" name="Slide Number Placeholder 3"/>
+          <p:cNvSpPr>
+            <a:spLocks noGrp="1"/>
+          </p:cNvSpPr>
+          <p:nvPr>
+            <p:ph type="sldNum" sz="quarter" idx="10"/>
+          </p:nvPr>
+        </p:nvSpPr>
+        <p:spPr/>
+        <p:txBody>
+          <a:bodyPr/>
+          <a:lstStyle/>
+          <a:p>
+            <a:fld id="{ED72BDE7-56BA-4B81-A572-E8A25E19317F}" type="slidenum">
+              <a:rPr lang="en-US" smtClean="0"/>
+              <a:t>21</a:t>
             </a:fld>
             <a:endParaRPr lang="en-US"/>
           </a:p>
@@ -1202,11 +1303,7 @@
             </a:r>
             <a:r>
               <a:rPr lang="en-US" dirty="0" smtClean="0"/>
-              <a:t> ITEM, but failure</a:t>
-            </a:r>
-            <a:r>
-              <a:rPr lang="en-US" baseline="0" dirty="0" smtClean="0"/>
-              <a:t> at Storage end</a:t>
+              <a:t> ITEM</a:t>
             </a:r>
             <a:endParaRPr lang="en-US" dirty="0"/>
           </a:p>
@@ -1238,7 +1335,7 @@
     </p:spTree>
     <p:extLst>
       <p:ext uri="{BB962C8B-B14F-4D97-AF65-F5344CB8AC3E}">
-        <p14:creationId xmlns:p14="http://schemas.microsoft.com/office/powerpoint/2010/main" val="1655017365"/>
+        <p14:creationId xmlns:p14="http://schemas.microsoft.com/office/powerpoint/2010/main" val="720453397"/>
       </p:ext>
     </p:extLst>
   </p:cSld>
@@ -1298,23 +1395,15 @@
             </a:r>
             <a:r>
               <a:rPr lang="en-US" u="sng" dirty="0" smtClean="0"/>
-              <a:t>INVALID</a:t>
+              <a:t>VALID</a:t>
             </a:r>
             <a:r>
               <a:rPr lang="en-US" dirty="0" smtClean="0"/>
-              <a:t> ITEM, failure</a:t>
+              <a:t> ITEM, but failure</a:t>
             </a:r>
             <a:r>
               <a:rPr lang="en-US" baseline="0" dirty="0" smtClean="0"/>
-              <a:t> at Logic’s end (</a:t>
-            </a:r>
-            <a:r>
-              <a:rPr lang="en-US" baseline="0" dirty="0" err="1" smtClean="0"/>
-              <a:t>i.e</a:t>
-            </a:r>
-            <a:r>
-              <a:rPr lang="en-US" baseline="0" dirty="0" smtClean="0"/>
-              <a:t> Logic detects that the Item violates certain rules)</a:t>
+              <a:t> at Storage end</a:t>
             </a:r>
             <a:endParaRPr lang="en-US" dirty="0"/>
           </a:p>
@@ -1346,7 +1435,7 @@
     </p:spTree>
     <p:extLst>
       <p:ext uri="{BB962C8B-B14F-4D97-AF65-F5344CB8AC3E}">
-        <p14:creationId xmlns:p14="http://schemas.microsoft.com/office/powerpoint/2010/main" val="209870941"/>
+        <p14:creationId xmlns:p14="http://schemas.microsoft.com/office/powerpoint/2010/main" val="1655017365"/>
       </p:ext>
     </p:extLst>
   </p:cSld>
@@ -1402,15 +1491,27 @@
           <a:p>
             <a:r>
               <a:rPr lang="en-US" dirty="0" smtClean="0"/>
-              <a:t>DELETE </a:t>
+              <a:t>ADD </a:t>
             </a:r>
             <a:r>
               <a:rPr lang="en-US" u="sng" dirty="0" smtClean="0"/>
-              <a:t>VALID</a:t>
+              <a:t>INVALID</a:t>
             </a:r>
             <a:r>
               <a:rPr lang="en-US" dirty="0" smtClean="0"/>
-              <a:t> ITEM</a:t>
+              <a:t> ITEM, failure</a:t>
+            </a:r>
+            <a:r>
+              <a:rPr lang="en-US" baseline="0" dirty="0" smtClean="0"/>
+              <a:t> at Logic’s end (</a:t>
+            </a:r>
+            <a:r>
+              <a:rPr lang="en-US" baseline="0" dirty="0" err="1" smtClean="0"/>
+              <a:t>i.e</a:t>
+            </a:r>
+            <a:r>
+              <a:rPr lang="en-US" baseline="0" dirty="0" smtClean="0"/>
+              <a:t> Logic detects that the Item violates certain rules)</a:t>
             </a:r>
             <a:endParaRPr lang="en-US" dirty="0"/>
           </a:p>
@@ -1442,7 +1543,7 @@
     </p:spTree>
     <p:extLst>
       <p:ext uri="{BB962C8B-B14F-4D97-AF65-F5344CB8AC3E}">
-        <p14:creationId xmlns:p14="http://schemas.microsoft.com/office/powerpoint/2010/main" val="1385831308"/>
+        <p14:creationId xmlns:p14="http://schemas.microsoft.com/office/powerpoint/2010/main" val="209870941"/>
       </p:ext>
     </p:extLst>
   </p:cSld>
@@ -1502,23 +1603,11 @@
             </a:r>
             <a:r>
               <a:rPr lang="en-US" u="sng" dirty="0" smtClean="0"/>
-              <a:t>INVALID</a:t>
+              <a:t>VALID</a:t>
             </a:r>
             <a:r>
               <a:rPr lang="en-US" dirty="0" smtClean="0"/>
-              <a:t> ITEM (</a:t>
-            </a:r>
-            <a:r>
-              <a:rPr lang="en-US" dirty="0" err="1" smtClean="0"/>
-              <a:t>i.e</a:t>
-            </a:r>
-            <a:r>
-              <a:rPr lang="en-US" dirty="0" smtClean="0"/>
-              <a:t> invalid</a:t>
-            </a:r>
-            <a:r>
-              <a:rPr lang="en-US" baseline="0" dirty="0" smtClean="0"/>
-              <a:t> index), failure at Storage end</a:t>
+              <a:t> ITEM</a:t>
             </a:r>
             <a:endParaRPr lang="en-US" dirty="0"/>
           </a:p>
@@ -1550,7 +1639,7 @@
     </p:spTree>
     <p:extLst>
       <p:ext uri="{BB962C8B-B14F-4D97-AF65-F5344CB8AC3E}">
-        <p14:creationId xmlns:p14="http://schemas.microsoft.com/office/powerpoint/2010/main" val="4204081683"/>
+        <p14:creationId xmlns:p14="http://schemas.microsoft.com/office/powerpoint/2010/main" val="1385831308"/>
       </p:ext>
     </p:extLst>
   </p:cSld>
@@ -1606,15 +1695,27 @@
           <a:p>
             <a:r>
               <a:rPr lang="en-US" dirty="0" smtClean="0"/>
-              <a:t>EDIT </a:t>
+              <a:t>DELETE </a:t>
             </a:r>
             <a:r>
               <a:rPr lang="en-US" u="sng" dirty="0" smtClean="0"/>
-              <a:t>VALID</a:t>
+              <a:t>INVALID</a:t>
             </a:r>
             <a:r>
               <a:rPr lang="en-US" dirty="0" smtClean="0"/>
-              <a:t> ITEM</a:t>
+              <a:t> ITEM (</a:t>
+            </a:r>
+            <a:r>
+              <a:rPr lang="en-US" dirty="0" err="1" smtClean="0"/>
+              <a:t>i.e</a:t>
+            </a:r>
+            <a:r>
+              <a:rPr lang="en-US" dirty="0" smtClean="0"/>
+              <a:t> invalid</a:t>
+            </a:r>
+            <a:r>
+              <a:rPr lang="en-US" baseline="0" dirty="0" smtClean="0"/>
+              <a:t> index), failure at Storage end</a:t>
             </a:r>
             <a:endParaRPr lang="en-US" dirty="0"/>
           </a:p>
@@ -1646,7 +1747,7 @@
     </p:spTree>
     <p:extLst>
       <p:ext uri="{BB962C8B-B14F-4D97-AF65-F5344CB8AC3E}">
-        <p14:creationId xmlns:p14="http://schemas.microsoft.com/office/powerpoint/2010/main" val="4240240703"/>
+        <p14:creationId xmlns:p14="http://schemas.microsoft.com/office/powerpoint/2010/main" val="4204081683"/>
       </p:ext>
     </p:extLst>
   </p:cSld>
@@ -1710,19 +1811,7 @@
             </a:r>
             <a:r>
               <a:rPr lang="en-US" dirty="0" smtClean="0"/>
-              <a:t> ITEM, failure</a:t>
-            </a:r>
-            <a:r>
-              <a:rPr lang="en-US" baseline="0" dirty="0" smtClean="0"/>
-              <a:t> at Logic’s end (</a:t>
-            </a:r>
-            <a:r>
-              <a:rPr lang="en-US" baseline="0" dirty="0" err="1" smtClean="0"/>
-              <a:t>i.e</a:t>
-            </a:r>
-            <a:r>
-              <a:rPr lang="en-US" baseline="0" dirty="0" smtClean="0"/>
-              <a:t> Logic detects that the edited Item violates certain rules)</a:t>
+              <a:t> ITEM</a:t>
             </a:r>
             <a:endParaRPr lang="en-US" dirty="0"/>
           </a:p>
@@ -1754,7 +1843,7 @@
     </p:spTree>
     <p:extLst>
       <p:ext uri="{BB962C8B-B14F-4D97-AF65-F5344CB8AC3E}">
-        <p14:creationId xmlns:p14="http://schemas.microsoft.com/office/powerpoint/2010/main" val="600830252"/>
+        <p14:creationId xmlns:p14="http://schemas.microsoft.com/office/powerpoint/2010/main" val="4240240703"/>
       </p:ext>
     </p:extLst>
   </p:cSld>
@@ -1814,23 +1903,23 @@
             </a:r>
             <a:r>
               <a:rPr lang="en-US" u="sng" dirty="0" smtClean="0"/>
-              <a:t>INVALID</a:t>
+              <a:t>VALID</a:t>
             </a:r>
             <a:r>
               <a:rPr lang="en-US" dirty="0" smtClean="0"/>
-              <a:t> ITEM (</a:t>
-            </a:r>
-            <a:r>
-              <a:rPr lang="en-US" dirty="0" err="1" smtClean="0"/>
+              <a:t> ITEM, failure</a:t>
+            </a:r>
+            <a:r>
+              <a:rPr lang="en-US" baseline="0" dirty="0" smtClean="0"/>
+              <a:t> at Logic’s end (</a:t>
+            </a:r>
+            <a:r>
+              <a:rPr lang="en-US" baseline="0" dirty="0" err="1" smtClean="0"/>
               <a:t>i.e</a:t>
             </a:r>
             <a:r>
-              <a:rPr lang="en-US" dirty="0" smtClean="0"/>
-              <a:t> invalid</a:t>
-            </a:r>
-            <a:r>
               <a:rPr lang="en-US" baseline="0" dirty="0" smtClean="0"/>
-              <a:t> index), failure at Storage end</a:t>
+              <a:t> Logic detects that the edited Item violates certain rules)</a:t>
             </a:r>
             <a:endParaRPr lang="en-US" dirty="0"/>
           </a:p>
@@ -1855,14 +1944,14 @@
               <a:rPr lang="en-US" smtClean="0"/>
               <a:t>11</a:t>
             </a:fld>
-            <a:endParaRPr lang="en-US" dirty="0"/>
+            <a:endParaRPr lang="en-US"/>
           </a:p>
         </p:txBody>
       </p:sp>
     </p:spTree>
     <p:extLst>
       <p:ext uri="{BB962C8B-B14F-4D97-AF65-F5344CB8AC3E}">
-        <p14:creationId xmlns:p14="http://schemas.microsoft.com/office/powerpoint/2010/main" val="4283380764"/>
+        <p14:creationId xmlns:p14="http://schemas.microsoft.com/office/powerpoint/2010/main" val="600830252"/>
       </p:ext>
     </p:extLst>
   </p:cSld>
@@ -1918,19 +2007,27 @@
           <a:p>
             <a:r>
               <a:rPr lang="en-US" dirty="0" smtClean="0"/>
-              <a:t>SORT WITH VALID</a:t>
+              <a:t>EDIT </a:t>
+            </a:r>
+            <a:r>
+              <a:rPr lang="en-US" u="sng" dirty="0" smtClean="0"/>
+              <a:t>INVALID</a:t>
+            </a:r>
+            <a:r>
+              <a:rPr lang="en-US" dirty="0" smtClean="0"/>
+              <a:t> ITEM (</a:t>
+            </a:r>
+            <a:r>
+              <a:rPr lang="en-US" dirty="0" err="1" smtClean="0"/>
+              <a:t>i.e</a:t>
+            </a:r>
+            <a:r>
+              <a:rPr lang="en-US" dirty="0" smtClean="0"/>
+              <a:t> invalid</a:t>
             </a:r>
             <a:r>
               <a:rPr lang="en-US" baseline="0" dirty="0" smtClean="0"/>
-              <a:t> CONDITION</a:t>
-            </a:r>
-            <a:r>
-              <a:rPr lang="en-US" dirty="0" smtClean="0"/>
-              <a:t> (type,</a:t>
-            </a:r>
-            <a:r>
-              <a:rPr lang="en-US" baseline="0" dirty="0" smtClean="0"/>
-              <a:t> start date, end date, priority, label)</a:t>
+              <a:t> index), failure at Storage end</a:t>
             </a:r>
             <a:endParaRPr lang="en-US" dirty="0"/>
           </a:p>
@@ -1953,16 +2050,16 @@
           <a:p>
             <a:fld id="{ED72BDE7-56BA-4B81-A572-E8A25E19317F}" type="slidenum">
               <a:rPr lang="en-US" smtClean="0"/>
-              <a:t>13</a:t>
+              <a:t>12</a:t>
             </a:fld>
-            <a:endParaRPr lang="en-US"/>
+            <a:endParaRPr lang="en-US" dirty="0"/>
           </a:p>
         </p:txBody>
       </p:sp>
     </p:spTree>
     <p:extLst>
       <p:ext uri="{BB962C8B-B14F-4D97-AF65-F5344CB8AC3E}">
-        <p14:creationId xmlns:p14="http://schemas.microsoft.com/office/powerpoint/2010/main" val="771782958"/>
+        <p14:creationId xmlns:p14="http://schemas.microsoft.com/office/powerpoint/2010/main" val="4283380764"/>
       </p:ext>
     </p:extLst>
   </p:cSld>
@@ -2103,7 +2200,7 @@
           <a:p>
             <a:fld id="{289FC17C-D719-4ECA-A539-1291997E53FC}" type="datetimeFigureOut">
               <a:rPr lang="en-US" smtClean="0"/>
-              <a:t>3/20/2015</a:t>
+              <a:t>4/13/2015</a:t>
             </a:fld>
             <a:endParaRPr lang="en-US" dirty="0"/>
           </a:p>
@@ -2273,7 +2370,7 @@
           <a:p>
             <a:fld id="{289FC17C-D719-4ECA-A539-1291997E53FC}" type="datetimeFigureOut">
               <a:rPr lang="en-US" smtClean="0"/>
-              <a:t>3/20/2015</a:t>
+              <a:t>4/13/2015</a:t>
             </a:fld>
             <a:endParaRPr lang="en-US" dirty="0"/>
           </a:p>
@@ -2453,7 +2550,7 @@
           <a:p>
             <a:fld id="{289FC17C-D719-4ECA-A539-1291997E53FC}" type="datetimeFigureOut">
               <a:rPr lang="en-US" smtClean="0"/>
-              <a:t>3/20/2015</a:t>
+              <a:t>4/13/2015</a:t>
             </a:fld>
             <a:endParaRPr lang="en-US" dirty="0"/>
           </a:p>
@@ -2623,7 +2720,7 @@
           <a:p>
             <a:fld id="{289FC17C-D719-4ECA-A539-1291997E53FC}" type="datetimeFigureOut">
               <a:rPr lang="en-US" smtClean="0"/>
-              <a:t>3/20/2015</a:t>
+              <a:t>4/13/2015</a:t>
             </a:fld>
             <a:endParaRPr lang="en-US" dirty="0"/>
           </a:p>
@@ -2869,7 +2966,7 @@
           <a:p>
             <a:fld id="{289FC17C-D719-4ECA-A539-1291997E53FC}" type="datetimeFigureOut">
               <a:rPr lang="en-US" smtClean="0"/>
-              <a:t>3/20/2015</a:t>
+              <a:t>4/13/2015</a:t>
             </a:fld>
             <a:endParaRPr lang="en-US" dirty="0"/>
           </a:p>
@@ -3101,7 +3198,7 @@
           <a:p>
             <a:fld id="{289FC17C-D719-4ECA-A539-1291997E53FC}" type="datetimeFigureOut">
               <a:rPr lang="en-US" smtClean="0"/>
-              <a:t>3/20/2015</a:t>
+              <a:t>4/13/2015</a:t>
             </a:fld>
             <a:endParaRPr lang="en-US" dirty="0"/>
           </a:p>
@@ -3468,7 +3565,7 @@
           <a:p>
             <a:fld id="{289FC17C-D719-4ECA-A539-1291997E53FC}" type="datetimeFigureOut">
               <a:rPr lang="en-US" smtClean="0"/>
-              <a:t>3/20/2015</a:t>
+              <a:t>4/13/2015</a:t>
             </a:fld>
             <a:endParaRPr lang="en-US" dirty="0"/>
           </a:p>
@@ -3586,7 +3683,7 @@
           <a:p>
             <a:fld id="{289FC17C-D719-4ECA-A539-1291997E53FC}" type="datetimeFigureOut">
               <a:rPr lang="en-US" smtClean="0"/>
-              <a:t>3/20/2015</a:t>
+              <a:t>4/13/2015</a:t>
             </a:fld>
             <a:endParaRPr lang="en-US" dirty="0"/>
           </a:p>
@@ -3681,7 +3778,7 @@
           <a:p>
             <a:fld id="{289FC17C-D719-4ECA-A539-1291997E53FC}" type="datetimeFigureOut">
               <a:rPr lang="en-US" smtClean="0"/>
-              <a:t>3/20/2015</a:t>
+              <a:t>4/13/2015</a:t>
             </a:fld>
             <a:endParaRPr lang="en-US" dirty="0"/>
           </a:p>
@@ -3958,7 +4055,7 @@
           <a:p>
             <a:fld id="{289FC17C-D719-4ECA-A539-1291997E53FC}" type="datetimeFigureOut">
               <a:rPr lang="en-US" smtClean="0"/>
-              <a:t>3/20/2015</a:t>
+              <a:t>4/13/2015</a:t>
             </a:fld>
             <a:endParaRPr lang="en-US" dirty="0"/>
           </a:p>
@@ -4211,7 +4308,7 @@
           <a:p>
             <a:fld id="{289FC17C-D719-4ECA-A539-1291997E53FC}" type="datetimeFigureOut">
               <a:rPr lang="en-US" smtClean="0"/>
-              <a:t>3/20/2015</a:t>
+              <a:t>4/13/2015</a:t>
             </a:fld>
             <a:endParaRPr lang="en-US" dirty="0"/>
           </a:p>
@@ -4424,7 +4521,7 @@
           <a:p>
             <a:fld id="{289FC17C-D719-4ECA-A539-1291997E53FC}" type="datetimeFigureOut">
               <a:rPr lang="en-US" smtClean="0"/>
-              <a:t>3/20/2015</a:t>
+              <a:t>4/13/2015</a:t>
             </a:fld>
             <a:endParaRPr lang="en-US" dirty="0"/>
           </a:p>
@@ -4933,7 +5030,6 @@
               <a:rPr lang="en-US" sz="2400" dirty="0" smtClean="0"/>
               <a:t>delete</a:t>
             </a:r>
-            <a:endParaRPr lang="en-US" sz="2400" dirty="0" smtClean="0"/>
           </a:p>
           <a:p>
             <a:r>
@@ -5920,6 +6016,1311 @@
           </a:fontRef>
         </p:style>
       </p:cxnSp>
+      <p:sp>
+        <p:nvSpPr>
+          <p:cNvPr id="58" name="TextBox 57"/>
+          <p:cNvSpPr txBox="1"/>
+          <p:nvPr/>
+        </p:nvSpPr>
+        <p:spPr>
+          <a:xfrm>
+            <a:off x="1533244" y="1061031"/>
+            <a:ext cx="2233119" cy="276999"/>
+          </a:xfrm>
+          <a:prstGeom prst="rect">
+            <a:avLst/>
+          </a:prstGeom>
+          <a:noFill/>
+        </p:spPr>
+        <p:txBody>
+          <a:bodyPr wrap="square" rtlCol="0">
+            <a:spAutoFit/>
+          </a:bodyPr>
+          <a:lstStyle/>
+          <a:p>
+            <a:pPr algn="ctr"/>
+            <a:r>
+              <a:rPr lang="en-US" sz="1200" dirty="0" err="1" smtClean="0"/>
+              <a:t>userInput</a:t>
+            </a:r>
+            <a:endParaRPr lang="en-US" sz="1200" dirty="0" smtClean="0"/>
+          </a:p>
+        </p:txBody>
+      </p:sp>
+      <p:sp>
+        <p:nvSpPr>
+          <p:cNvPr id="59" name="TextBox 58"/>
+          <p:cNvSpPr txBox="1"/>
+          <p:nvPr/>
+        </p:nvSpPr>
+        <p:spPr>
+          <a:xfrm>
+            <a:off x="6102777" y="1449198"/>
+            <a:ext cx="2314668" cy="276999"/>
+          </a:xfrm>
+          <a:prstGeom prst="rect">
+            <a:avLst/>
+          </a:prstGeom>
+          <a:noFill/>
+        </p:spPr>
+        <p:txBody>
+          <a:bodyPr wrap="square" rtlCol="0">
+            <a:spAutoFit/>
+          </a:bodyPr>
+          <a:lstStyle/>
+          <a:p>
+            <a:pPr algn="ctr"/>
+            <a:r>
+              <a:rPr lang="en-US" sz="1200" i="1" dirty="0" err="1" smtClean="0"/>
+              <a:t>parseUserInput</a:t>
+            </a:r>
+            <a:r>
+              <a:rPr lang="en-US" sz="1200" i="1" dirty="0" smtClean="0"/>
+              <a:t>(</a:t>
+            </a:r>
+            <a:r>
+              <a:rPr lang="en-US" sz="1200" i="1" dirty="0" err="1" smtClean="0"/>
+              <a:t>userInput</a:t>
+            </a:r>
+            <a:r>
+              <a:rPr lang="en-US" sz="1200" i="1" dirty="0" smtClean="0"/>
+              <a:t>)</a:t>
+            </a:r>
+          </a:p>
+        </p:txBody>
+      </p:sp>
+      <p:sp>
+        <p:nvSpPr>
+          <p:cNvPr id="60" name="TextBox 59"/>
+          <p:cNvSpPr txBox="1"/>
+          <p:nvPr/>
+        </p:nvSpPr>
+        <p:spPr>
+          <a:xfrm>
+            <a:off x="6102777" y="1777013"/>
+            <a:ext cx="2314668" cy="276999"/>
+          </a:xfrm>
+          <a:prstGeom prst="rect">
+            <a:avLst/>
+          </a:prstGeom>
+          <a:noFill/>
+        </p:spPr>
+        <p:txBody>
+          <a:bodyPr wrap="square" rtlCol="0">
+            <a:spAutoFit/>
+          </a:bodyPr>
+          <a:lstStyle/>
+          <a:p>
+            <a:pPr algn="ctr"/>
+            <a:r>
+              <a:rPr lang="en-US" sz="1200" i="1" dirty="0" err="1" smtClean="0"/>
+              <a:t>instructionsForLogic</a:t>
+            </a:r>
+            <a:r>
+              <a:rPr lang="en-US" sz="1200" i="1" dirty="0" smtClean="0"/>
+              <a:t> </a:t>
+            </a:r>
+            <a:r>
+              <a:rPr lang="en-US" sz="1200" dirty="0" smtClean="0"/>
+              <a:t>EDIT</a:t>
+            </a:r>
+          </a:p>
+        </p:txBody>
+      </p:sp>
+      <p:grpSp>
+        <p:nvGrpSpPr>
+          <p:cNvPr id="77" name="Group 76"/>
+          <p:cNvGrpSpPr/>
+          <p:nvPr/>
+        </p:nvGrpSpPr>
+        <p:grpSpPr>
+          <a:xfrm>
+            <a:off x="5750956" y="542380"/>
+            <a:ext cx="663964" cy="5022310"/>
+            <a:chOff x="3477172" y="543032"/>
+            <a:chExt cx="663964" cy="5179848"/>
+          </a:xfrm>
+        </p:grpSpPr>
+        <p:sp>
+          <p:nvSpPr>
+            <p:cNvPr id="5" name="TextBox 4"/>
+            <p:cNvSpPr txBox="1"/>
+            <p:nvPr/>
+          </p:nvSpPr>
+          <p:spPr>
+            <a:xfrm>
+              <a:off x="3477172" y="543032"/>
+              <a:ext cx="663964" cy="369332"/>
+            </a:xfrm>
+            <a:prstGeom prst="rect">
+              <a:avLst/>
+            </a:prstGeom>
+            <a:noFill/>
+          </p:spPr>
+          <p:txBody>
+            <a:bodyPr wrap="none" rtlCol="0">
+              <a:spAutoFit/>
+            </a:bodyPr>
+            <a:lstStyle/>
+            <a:p>
+              <a:pPr algn="ctr"/>
+              <a:r>
+                <a:rPr lang="en-US" dirty="0" smtClean="0"/>
+                <a:t>Logic</a:t>
+              </a:r>
+            </a:p>
+          </p:txBody>
+        </p:sp>
+        <p:cxnSp>
+          <p:nvCxnSpPr>
+            <p:cNvPr id="13" name="Straight Connector 12"/>
+            <p:cNvCxnSpPr/>
+            <p:nvPr/>
+          </p:nvCxnSpPr>
+          <p:spPr>
+            <a:xfrm flipH="1">
+              <a:off x="3809154" y="960491"/>
+              <a:ext cx="2" cy="4762389"/>
+            </a:xfrm>
+            <a:prstGeom prst="line">
+              <a:avLst/>
+            </a:prstGeom>
+          </p:spPr>
+          <p:style>
+            <a:lnRef idx="1">
+              <a:schemeClr val="dk1"/>
+            </a:lnRef>
+            <a:fillRef idx="0">
+              <a:schemeClr val="dk1"/>
+            </a:fillRef>
+            <a:effectRef idx="0">
+              <a:schemeClr val="dk1"/>
+            </a:effectRef>
+            <a:fontRef idx="minor">
+              <a:schemeClr val="tx1"/>
+            </a:fontRef>
+          </p:style>
+        </p:cxnSp>
+      </p:grpSp>
+      <p:grpSp>
+        <p:nvGrpSpPr>
+          <p:cNvPr id="78" name="Group 77"/>
+          <p:cNvGrpSpPr/>
+          <p:nvPr/>
+        </p:nvGrpSpPr>
+        <p:grpSpPr>
+          <a:xfrm>
+            <a:off x="3571438" y="539303"/>
+            <a:ext cx="389850" cy="5025924"/>
+            <a:chOff x="5874029" y="539305"/>
+            <a:chExt cx="389850" cy="5183575"/>
+          </a:xfrm>
+        </p:grpSpPr>
+        <p:sp>
+          <p:nvSpPr>
+            <p:cNvPr id="6" name="TextBox 5"/>
+            <p:cNvSpPr txBox="1"/>
+            <p:nvPr/>
+          </p:nvSpPr>
+          <p:spPr>
+            <a:xfrm>
+              <a:off x="5874029" y="539305"/>
+              <a:ext cx="389850" cy="369332"/>
+            </a:xfrm>
+            <a:prstGeom prst="rect">
+              <a:avLst/>
+            </a:prstGeom>
+            <a:noFill/>
+          </p:spPr>
+          <p:txBody>
+            <a:bodyPr wrap="none" rtlCol="0">
+              <a:spAutoFit/>
+            </a:bodyPr>
+            <a:lstStyle/>
+            <a:p>
+              <a:r>
+                <a:rPr lang="en-US" dirty="0" smtClean="0"/>
+                <a:t>UI</a:t>
+              </a:r>
+              <a:endParaRPr lang="en-US" dirty="0"/>
+            </a:p>
+          </p:txBody>
+        </p:sp>
+        <p:cxnSp>
+          <p:nvCxnSpPr>
+            <p:cNvPr id="14" name="Straight Connector 13"/>
+            <p:cNvCxnSpPr/>
+            <p:nvPr/>
+          </p:nvCxnSpPr>
+          <p:spPr>
+            <a:xfrm flipH="1">
+              <a:off x="6072064" y="960491"/>
+              <a:ext cx="2" cy="4762389"/>
+            </a:xfrm>
+            <a:prstGeom prst="line">
+              <a:avLst/>
+            </a:prstGeom>
+          </p:spPr>
+          <p:style>
+            <a:lnRef idx="1">
+              <a:schemeClr val="dk1"/>
+            </a:lnRef>
+            <a:fillRef idx="0">
+              <a:schemeClr val="dk1"/>
+            </a:fillRef>
+            <a:effectRef idx="0">
+              <a:schemeClr val="dk1"/>
+            </a:effectRef>
+            <a:fontRef idx="minor">
+              <a:schemeClr val="tx1"/>
+            </a:fontRef>
+          </p:style>
+        </p:cxnSp>
+      </p:grpSp>
+      <p:grpSp>
+        <p:nvGrpSpPr>
+          <p:cNvPr id="102" name="Group 101"/>
+          <p:cNvGrpSpPr/>
+          <p:nvPr/>
+        </p:nvGrpSpPr>
+        <p:grpSpPr>
+          <a:xfrm>
+            <a:off x="8035324" y="539302"/>
+            <a:ext cx="770467" cy="5025925"/>
+            <a:chOff x="8035324" y="539303"/>
+            <a:chExt cx="770467" cy="5183576"/>
+          </a:xfrm>
+        </p:grpSpPr>
+        <p:sp>
+          <p:nvSpPr>
+            <p:cNvPr id="7" name="TextBox 6"/>
+            <p:cNvSpPr txBox="1"/>
+            <p:nvPr/>
+          </p:nvSpPr>
+          <p:spPr>
+            <a:xfrm>
+              <a:off x="8035324" y="539303"/>
+              <a:ext cx="770467" cy="369332"/>
+            </a:xfrm>
+            <a:prstGeom prst="rect">
+              <a:avLst/>
+            </a:prstGeom>
+            <a:noFill/>
+          </p:spPr>
+          <p:txBody>
+            <a:bodyPr wrap="none" rtlCol="0">
+              <a:spAutoFit/>
+            </a:bodyPr>
+            <a:lstStyle/>
+            <a:p>
+              <a:r>
+                <a:rPr lang="en-US" dirty="0" smtClean="0"/>
+                <a:t>Parser</a:t>
+              </a:r>
+              <a:endParaRPr lang="en-US" dirty="0"/>
+            </a:p>
+          </p:txBody>
+        </p:sp>
+        <p:cxnSp>
+          <p:nvCxnSpPr>
+            <p:cNvPr id="15" name="Straight Connector 14"/>
+            <p:cNvCxnSpPr/>
+            <p:nvPr/>
+          </p:nvCxnSpPr>
+          <p:spPr>
+            <a:xfrm flipH="1">
+              <a:off x="8420559" y="960490"/>
+              <a:ext cx="2" cy="4762389"/>
+            </a:xfrm>
+            <a:prstGeom prst="line">
+              <a:avLst/>
+            </a:prstGeom>
+          </p:spPr>
+          <p:style>
+            <a:lnRef idx="1">
+              <a:schemeClr val="dk1"/>
+            </a:lnRef>
+            <a:fillRef idx="0">
+              <a:schemeClr val="dk1"/>
+            </a:fillRef>
+            <a:effectRef idx="0">
+              <a:schemeClr val="dk1"/>
+            </a:effectRef>
+            <a:fontRef idx="minor">
+              <a:schemeClr val="tx1"/>
+            </a:fontRef>
+          </p:style>
+        </p:cxnSp>
+      </p:grpSp>
+      <p:grpSp>
+        <p:nvGrpSpPr>
+          <p:cNvPr id="109" name="Group 108"/>
+          <p:cNvGrpSpPr/>
+          <p:nvPr/>
+        </p:nvGrpSpPr>
+        <p:grpSpPr>
+          <a:xfrm>
+            <a:off x="10175813" y="568790"/>
+            <a:ext cx="895502" cy="4977602"/>
+            <a:chOff x="10175813" y="575020"/>
+            <a:chExt cx="895502" cy="5133737"/>
+          </a:xfrm>
+        </p:grpSpPr>
+        <p:sp>
+          <p:nvSpPr>
+            <p:cNvPr id="8" name="TextBox 7"/>
+            <p:cNvSpPr txBox="1"/>
+            <p:nvPr/>
+          </p:nvSpPr>
+          <p:spPr>
+            <a:xfrm>
+              <a:off x="10175813" y="575020"/>
+              <a:ext cx="895502" cy="369332"/>
+            </a:xfrm>
+            <a:prstGeom prst="rect">
+              <a:avLst/>
+            </a:prstGeom>
+            <a:noFill/>
+          </p:spPr>
+          <p:txBody>
+            <a:bodyPr wrap="none" rtlCol="0">
+              <a:spAutoFit/>
+            </a:bodyPr>
+            <a:lstStyle/>
+            <a:p>
+              <a:r>
+                <a:rPr lang="en-US" dirty="0" smtClean="0"/>
+                <a:t>Storage</a:t>
+              </a:r>
+              <a:endParaRPr lang="en-US" dirty="0"/>
+            </a:p>
+          </p:txBody>
+        </p:sp>
+        <p:cxnSp>
+          <p:nvCxnSpPr>
+            <p:cNvPr id="16" name="Straight Connector 15"/>
+            <p:cNvCxnSpPr/>
+            <p:nvPr/>
+          </p:nvCxnSpPr>
+          <p:spPr>
+            <a:xfrm flipH="1">
+              <a:off x="10623564" y="946368"/>
+              <a:ext cx="2" cy="4762389"/>
+            </a:xfrm>
+            <a:prstGeom prst="line">
+              <a:avLst/>
+            </a:prstGeom>
+          </p:spPr>
+          <p:style>
+            <a:lnRef idx="1">
+              <a:schemeClr val="dk1"/>
+            </a:lnRef>
+            <a:fillRef idx="0">
+              <a:schemeClr val="dk1"/>
+            </a:fillRef>
+            <a:effectRef idx="0">
+              <a:schemeClr val="dk1"/>
+            </a:effectRef>
+            <a:fontRef idx="minor">
+              <a:schemeClr val="tx1"/>
+            </a:fontRef>
+          </p:style>
+        </p:cxnSp>
+      </p:grpSp>
+      <p:grpSp>
+        <p:nvGrpSpPr>
+          <p:cNvPr id="108" name="Group 107"/>
+          <p:cNvGrpSpPr/>
+          <p:nvPr/>
+        </p:nvGrpSpPr>
+        <p:grpSpPr>
+          <a:xfrm>
+            <a:off x="1237086" y="539303"/>
+            <a:ext cx="617477" cy="5025764"/>
+            <a:chOff x="1237086" y="539303"/>
+            <a:chExt cx="617477" cy="5183410"/>
+          </a:xfrm>
+        </p:grpSpPr>
+        <p:sp>
+          <p:nvSpPr>
+            <p:cNvPr id="4" name="TextBox 3"/>
+            <p:cNvSpPr txBox="1"/>
+            <p:nvPr/>
+          </p:nvSpPr>
+          <p:spPr>
+            <a:xfrm>
+              <a:off x="1237086" y="539303"/>
+              <a:ext cx="617477" cy="369332"/>
+            </a:xfrm>
+            <a:prstGeom prst="rect">
+              <a:avLst/>
+            </a:prstGeom>
+            <a:noFill/>
+          </p:spPr>
+          <p:txBody>
+            <a:bodyPr wrap="square" rtlCol="0">
+              <a:spAutoFit/>
+            </a:bodyPr>
+            <a:lstStyle/>
+            <a:p>
+              <a:r>
+                <a:rPr lang="en-US" dirty="0" smtClean="0"/>
+                <a:t>User</a:t>
+              </a:r>
+              <a:endParaRPr lang="en-US" dirty="0"/>
+            </a:p>
+          </p:txBody>
+        </p:sp>
+        <p:cxnSp>
+          <p:nvCxnSpPr>
+            <p:cNvPr id="64" name="Straight Connector 63"/>
+            <p:cNvCxnSpPr/>
+            <p:nvPr/>
+          </p:nvCxnSpPr>
+          <p:spPr>
+            <a:xfrm>
+              <a:off x="1530133" y="960489"/>
+              <a:ext cx="0" cy="4762224"/>
+            </a:xfrm>
+            <a:prstGeom prst="line">
+              <a:avLst/>
+            </a:prstGeom>
+          </p:spPr>
+          <p:style>
+            <a:lnRef idx="1">
+              <a:schemeClr val="dk1"/>
+            </a:lnRef>
+            <a:fillRef idx="0">
+              <a:schemeClr val="dk1"/>
+            </a:fillRef>
+            <a:effectRef idx="0">
+              <a:schemeClr val="dk1"/>
+            </a:effectRef>
+            <a:fontRef idx="minor">
+              <a:schemeClr val="tx1"/>
+            </a:fontRef>
+          </p:style>
+        </p:cxnSp>
+      </p:grpSp>
+      <p:cxnSp>
+        <p:nvCxnSpPr>
+          <p:cNvPr id="91" name="Straight Arrow Connector 90"/>
+          <p:cNvCxnSpPr/>
+          <p:nvPr/>
+        </p:nvCxnSpPr>
+        <p:spPr>
+          <a:xfrm>
+            <a:off x="3766363" y="1565004"/>
+            <a:ext cx="2316575" cy="0"/>
+          </a:xfrm>
+          <a:prstGeom prst="straightConnector1">
+            <a:avLst/>
+          </a:prstGeom>
+          <a:ln>
+            <a:tailEnd type="triangle"/>
+          </a:ln>
+        </p:spPr>
+        <p:style>
+          <a:lnRef idx="1">
+            <a:schemeClr val="dk1"/>
+          </a:lnRef>
+          <a:fillRef idx="0">
+            <a:schemeClr val="dk1"/>
+          </a:fillRef>
+          <a:effectRef idx="0">
+            <a:schemeClr val="dk1"/>
+          </a:effectRef>
+          <a:fontRef idx="minor">
+            <a:schemeClr val="tx1"/>
+          </a:fontRef>
+        </p:style>
+      </p:cxnSp>
+      <p:sp>
+        <p:nvSpPr>
+          <p:cNvPr id="93" name="TextBox 92"/>
+          <p:cNvSpPr txBox="1"/>
+          <p:nvPr/>
+        </p:nvSpPr>
+        <p:spPr>
+          <a:xfrm>
+            <a:off x="3766363" y="1269171"/>
+            <a:ext cx="2313463" cy="276999"/>
+          </a:xfrm>
+          <a:prstGeom prst="rect">
+            <a:avLst/>
+          </a:prstGeom>
+          <a:noFill/>
+        </p:spPr>
+        <p:txBody>
+          <a:bodyPr wrap="square" rtlCol="0">
+            <a:spAutoFit/>
+          </a:bodyPr>
+          <a:lstStyle/>
+          <a:p>
+            <a:pPr algn="ctr"/>
+            <a:r>
+              <a:rPr lang="en-US" sz="1200" i="1" dirty="0" err="1" smtClean="0"/>
+              <a:t>passUserInputToLogic</a:t>
+            </a:r>
+            <a:r>
+              <a:rPr lang="en-US" sz="1200" i="1" dirty="0" smtClean="0"/>
+              <a:t>(</a:t>
+            </a:r>
+            <a:r>
+              <a:rPr lang="en-US" sz="1200" i="1" dirty="0" err="1" smtClean="0"/>
+              <a:t>userInput</a:t>
+            </a:r>
+            <a:r>
+              <a:rPr lang="en-US" sz="1200" i="1" dirty="0" smtClean="0"/>
+              <a:t>)</a:t>
+            </a:r>
+          </a:p>
+        </p:txBody>
+      </p:sp>
+      <p:cxnSp>
+        <p:nvCxnSpPr>
+          <p:cNvPr id="52" name="Straight Arrow Connector 51"/>
+          <p:cNvCxnSpPr/>
+          <p:nvPr/>
+        </p:nvCxnSpPr>
+        <p:spPr>
+          <a:xfrm>
+            <a:off x="6082938" y="2442657"/>
+            <a:ext cx="4540626" cy="0"/>
+          </a:xfrm>
+          <a:prstGeom prst="straightConnector1">
+            <a:avLst/>
+          </a:prstGeom>
+          <a:ln>
+            <a:tailEnd type="triangle"/>
+          </a:ln>
+        </p:spPr>
+        <p:style>
+          <a:lnRef idx="1">
+            <a:schemeClr val="dk1"/>
+          </a:lnRef>
+          <a:fillRef idx="0">
+            <a:schemeClr val="dk1"/>
+          </a:fillRef>
+          <a:effectRef idx="0">
+            <a:schemeClr val="dk1"/>
+          </a:effectRef>
+          <a:fontRef idx="minor">
+            <a:schemeClr val="tx1"/>
+          </a:fontRef>
+        </p:style>
+      </p:cxnSp>
+      <p:cxnSp>
+        <p:nvCxnSpPr>
+          <p:cNvPr id="53" name="Straight Arrow Connector 52"/>
+          <p:cNvCxnSpPr/>
+          <p:nvPr/>
+        </p:nvCxnSpPr>
+        <p:spPr>
+          <a:xfrm flipH="1">
+            <a:off x="6082939" y="2760760"/>
+            <a:ext cx="4540625" cy="0"/>
+          </a:xfrm>
+          <a:prstGeom prst="straightConnector1">
+            <a:avLst/>
+          </a:prstGeom>
+          <a:ln>
+            <a:prstDash val="dash"/>
+            <a:tailEnd type="triangle"/>
+          </a:ln>
+        </p:spPr>
+        <p:style>
+          <a:lnRef idx="1">
+            <a:schemeClr val="dk1"/>
+          </a:lnRef>
+          <a:fillRef idx="0">
+            <a:schemeClr val="dk1"/>
+          </a:fillRef>
+          <a:effectRef idx="0">
+            <a:schemeClr val="dk1"/>
+          </a:effectRef>
+          <a:fontRef idx="minor">
+            <a:schemeClr val="tx1"/>
+          </a:fontRef>
+        </p:style>
+      </p:cxnSp>
+      <p:sp>
+        <p:nvSpPr>
+          <p:cNvPr id="54" name="TextBox 53"/>
+          <p:cNvSpPr txBox="1"/>
+          <p:nvPr/>
+        </p:nvSpPr>
+        <p:spPr>
+          <a:xfrm>
+            <a:off x="8353945" y="2148639"/>
+            <a:ext cx="2345805" cy="276999"/>
+          </a:xfrm>
+          <a:prstGeom prst="rect">
+            <a:avLst/>
+          </a:prstGeom>
+          <a:noFill/>
+        </p:spPr>
+        <p:txBody>
+          <a:bodyPr wrap="square" rtlCol="0">
+            <a:spAutoFit/>
+          </a:bodyPr>
+          <a:lstStyle/>
+          <a:p>
+            <a:pPr algn="ctr"/>
+            <a:r>
+              <a:rPr lang="en-US" sz="1200" i="1" dirty="0" err="1" smtClean="0"/>
+              <a:t>getCopyOfItem</a:t>
+            </a:r>
+            <a:r>
+              <a:rPr lang="en-US" sz="1200" i="1" dirty="0" smtClean="0"/>
+              <a:t>(</a:t>
+            </a:r>
+            <a:r>
+              <a:rPr lang="en-US" sz="1200" i="1" dirty="0" err="1" smtClean="0"/>
+              <a:t>indexOfItemToEdit</a:t>
+            </a:r>
+            <a:r>
+              <a:rPr lang="en-US" sz="1200" i="1" dirty="0" smtClean="0"/>
+              <a:t>)</a:t>
+            </a:r>
+          </a:p>
+        </p:txBody>
+      </p:sp>
+      <p:sp>
+        <p:nvSpPr>
+          <p:cNvPr id="55" name="TextBox 54"/>
+          <p:cNvSpPr txBox="1"/>
+          <p:nvPr/>
+        </p:nvSpPr>
+        <p:spPr>
+          <a:xfrm>
+            <a:off x="8417445" y="2465277"/>
+            <a:ext cx="2206119" cy="276999"/>
+          </a:xfrm>
+          <a:prstGeom prst="rect">
+            <a:avLst/>
+          </a:prstGeom>
+          <a:noFill/>
+        </p:spPr>
+        <p:txBody>
+          <a:bodyPr wrap="square" rtlCol="0">
+            <a:spAutoFit/>
+          </a:bodyPr>
+          <a:lstStyle/>
+          <a:p>
+            <a:pPr algn="ctr"/>
+            <a:r>
+              <a:rPr lang="en-US" sz="1200" i="1" dirty="0" err="1" smtClean="0"/>
+              <a:t>itemToEdit</a:t>
+            </a:r>
+            <a:endParaRPr lang="en-US" sz="1200" i="1" dirty="0" smtClean="0"/>
+          </a:p>
+        </p:txBody>
+      </p:sp>
+      <p:cxnSp>
+        <p:nvCxnSpPr>
+          <p:cNvPr id="56" name="Straight Arrow Connector 55"/>
+          <p:cNvCxnSpPr/>
+          <p:nvPr/>
+        </p:nvCxnSpPr>
+        <p:spPr>
+          <a:xfrm>
+            <a:off x="6082936" y="3419613"/>
+            <a:ext cx="4540628" cy="0"/>
+          </a:xfrm>
+          <a:prstGeom prst="straightConnector1">
+            <a:avLst/>
+          </a:prstGeom>
+          <a:ln>
+            <a:tailEnd type="triangle"/>
+          </a:ln>
+        </p:spPr>
+        <p:style>
+          <a:lnRef idx="1">
+            <a:schemeClr val="dk1"/>
+          </a:lnRef>
+          <a:fillRef idx="0">
+            <a:schemeClr val="dk1"/>
+          </a:fillRef>
+          <a:effectRef idx="0">
+            <a:schemeClr val="dk1"/>
+          </a:effectRef>
+          <a:fontRef idx="minor">
+            <a:schemeClr val="tx1"/>
+          </a:fontRef>
+        </p:style>
+      </p:cxnSp>
+      <p:cxnSp>
+        <p:nvCxnSpPr>
+          <p:cNvPr id="57" name="Straight Arrow Connector 56"/>
+          <p:cNvCxnSpPr/>
+          <p:nvPr/>
+        </p:nvCxnSpPr>
+        <p:spPr>
+          <a:xfrm flipH="1">
+            <a:off x="6082936" y="3808552"/>
+            <a:ext cx="4540628" cy="0"/>
+          </a:xfrm>
+          <a:prstGeom prst="straightConnector1">
+            <a:avLst/>
+          </a:prstGeom>
+          <a:ln>
+            <a:prstDash val="dash"/>
+            <a:tailEnd type="triangle"/>
+          </a:ln>
+        </p:spPr>
+        <p:style>
+          <a:lnRef idx="1">
+            <a:schemeClr val="dk1"/>
+          </a:lnRef>
+          <a:fillRef idx="0">
+            <a:schemeClr val="dk1"/>
+          </a:fillRef>
+          <a:effectRef idx="0">
+            <a:schemeClr val="dk1"/>
+          </a:effectRef>
+          <a:fontRef idx="minor">
+            <a:schemeClr val="tx1"/>
+          </a:fontRef>
+        </p:style>
+      </p:cxnSp>
+      <p:sp>
+        <p:nvSpPr>
+          <p:cNvPr id="61" name="TextBox 60"/>
+          <p:cNvSpPr txBox="1"/>
+          <p:nvPr/>
+        </p:nvSpPr>
+        <p:spPr>
+          <a:xfrm>
+            <a:off x="6102777" y="3046441"/>
+            <a:ext cx="2314667" cy="369332"/>
+          </a:xfrm>
+          <a:prstGeom prst="rect">
+            <a:avLst/>
+          </a:prstGeom>
+          <a:noFill/>
+        </p:spPr>
+        <p:txBody>
+          <a:bodyPr wrap="square" rtlCol="0">
+            <a:spAutoFit/>
+          </a:bodyPr>
+          <a:lstStyle/>
+          <a:p>
+            <a:pPr algn="ctr">
+              <a:lnSpc>
+                <a:spcPct val="150000"/>
+              </a:lnSpc>
+            </a:pPr>
+            <a:r>
+              <a:rPr lang="en-US" sz="1200" i="1" dirty="0" smtClean="0"/>
+              <a:t>edit(Item* </a:t>
+            </a:r>
+            <a:r>
+              <a:rPr lang="en-US" sz="1200" i="1" dirty="0" err="1" smtClean="0"/>
+              <a:t>editedItem</a:t>
+            </a:r>
+            <a:r>
+              <a:rPr lang="en-US" sz="1200" i="1" dirty="0" smtClean="0"/>
+              <a:t>)</a:t>
+            </a:r>
+            <a:endParaRPr lang="en-US" sz="1200" i="1" dirty="0"/>
+          </a:p>
+        </p:txBody>
+      </p:sp>
+      <p:sp>
+        <p:nvSpPr>
+          <p:cNvPr id="62" name="TextBox 61"/>
+          <p:cNvSpPr txBox="1"/>
+          <p:nvPr/>
+        </p:nvSpPr>
+        <p:spPr>
+          <a:xfrm>
+            <a:off x="6102778" y="3439220"/>
+            <a:ext cx="2314666" cy="340734"/>
+          </a:xfrm>
+          <a:prstGeom prst="rect">
+            <a:avLst/>
+          </a:prstGeom>
+          <a:noFill/>
+        </p:spPr>
+        <p:txBody>
+          <a:bodyPr wrap="square" rtlCol="0">
+            <a:spAutoFit/>
+          </a:bodyPr>
+          <a:lstStyle/>
+          <a:p>
+            <a:pPr algn="ctr">
+              <a:lnSpc>
+                <a:spcPct val="150000"/>
+              </a:lnSpc>
+            </a:pPr>
+            <a:r>
+              <a:rPr lang="en-US" sz="1200" i="1" dirty="0" smtClean="0"/>
+              <a:t>SUCCESS</a:t>
+            </a:r>
+            <a:endParaRPr lang="en-US" sz="1200" i="1" dirty="0"/>
+          </a:p>
+        </p:txBody>
+      </p:sp>
+      <p:grpSp>
+        <p:nvGrpSpPr>
+          <p:cNvPr id="63" name="Group 62"/>
+          <p:cNvGrpSpPr/>
+          <p:nvPr/>
+        </p:nvGrpSpPr>
+        <p:grpSpPr>
+          <a:xfrm>
+            <a:off x="3766363" y="4719890"/>
+            <a:ext cx="2316575" cy="369332"/>
+            <a:chOff x="3766363" y="3668353"/>
+            <a:chExt cx="2316575" cy="369332"/>
+          </a:xfrm>
+        </p:grpSpPr>
+        <p:cxnSp>
+          <p:nvCxnSpPr>
+            <p:cNvPr id="65" name="Straight Arrow Connector 64"/>
+            <p:cNvCxnSpPr/>
+            <p:nvPr/>
+          </p:nvCxnSpPr>
+          <p:spPr>
+            <a:xfrm flipH="1">
+              <a:off x="3766363" y="4032907"/>
+              <a:ext cx="2316575" cy="0"/>
+            </a:xfrm>
+            <a:prstGeom prst="straightConnector1">
+              <a:avLst/>
+            </a:prstGeom>
+            <a:ln>
+              <a:prstDash val="dash"/>
+              <a:tailEnd type="triangle"/>
+            </a:ln>
+          </p:spPr>
+          <p:style>
+            <a:lnRef idx="1">
+              <a:schemeClr val="dk1"/>
+            </a:lnRef>
+            <a:fillRef idx="0">
+              <a:schemeClr val="dk1"/>
+            </a:fillRef>
+            <a:effectRef idx="0">
+              <a:schemeClr val="dk1"/>
+            </a:effectRef>
+            <a:fontRef idx="minor">
+              <a:schemeClr val="tx1"/>
+            </a:fontRef>
+          </p:style>
+        </p:cxnSp>
+        <p:sp>
+          <p:nvSpPr>
+            <p:cNvPr id="66" name="TextBox 65"/>
+            <p:cNvSpPr txBox="1"/>
+            <p:nvPr/>
+          </p:nvSpPr>
+          <p:spPr>
+            <a:xfrm>
+              <a:off x="3792426" y="3668353"/>
+              <a:ext cx="2278332" cy="369332"/>
+            </a:xfrm>
+            <a:prstGeom prst="rect">
+              <a:avLst/>
+            </a:prstGeom>
+            <a:noFill/>
+          </p:spPr>
+          <p:txBody>
+            <a:bodyPr wrap="square" rtlCol="0">
+              <a:spAutoFit/>
+            </a:bodyPr>
+            <a:lstStyle/>
+            <a:p>
+              <a:pPr algn="ctr">
+                <a:lnSpc>
+                  <a:spcPct val="150000"/>
+                </a:lnSpc>
+              </a:pPr>
+              <a:r>
+                <a:rPr lang="en-US" sz="1200" i="1" dirty="0" smtClean="0"/>
+                <a:t>Feedback EDIT_SUCCESS</a:t>
+              </a:r>
+              <a:endParaRPr lang="en-US" sz="1200" i="1" dirty="0"/>
+            </a:p>
+          </p:txBody>
+        </p:sp>
+      </p:grpSp>
+      <p:cxnSp>
+        <p:nvCxnSpPr>
+          <p:cNvPr id="68" name="Straight Arrow Connector 67"/>
+          <p:cNvCxnSpPr/>
+          <p:nvPr/>
+        </p:nvCxnSpPr>
+        <p:spPr>
+          <a:xfrm flipH="1">
+            <a:off x="1525985" y="5343287"/>
+            <a:ext cx="2220537" cy="0"/>
+          </a:xfrm>
+          <a:prstGeom prst="straightConnector1">
+            <a:avLst/>
+          </a:prstGeom>
+          <a:ln>
+            <a:prstDash val="dash"/>
+            <a:tailEnd type="triangle"/>
+          </a:ln>
+        </p:spPr>
+        <p:style>
+          <a:lnRef idx="1">
+            <a:schemeClr val="dk1"/>
+          </a:lnRef>
+          <a:fillRef idx="0">
+            <a:schemeClr val="dk1"/>
+          </a:fillRef>
+          <a:effectRef idx="0">
+            <a:schemeClr val="dk1"/>
+          </a:effectRef>
+          <a:fontRef idx="minor">
+            <a:schemeClr val="tx1"/>
+          </a:fontRef>
+        </p:style>
+      </p:cxnSp>
+      <p:sp>
+        <p:nvSpPr>
+          <p:cNvPr id="72" name="TextBox 71"/>
+          <p:cNvSpPr txBox="1"/>
+          <p:nvPr/>
+        </p:nvSpPr>
+        <p:spPr>
+          <a:xfrm>
+            <a:off x="1542315" y="4956788"/>
+            <a:ext cx="2224046" cy="340734"/>
+          </a:xfrm>
+          <a:prstGeom prst="rect">
+            <a:avLst/>
+          </a:prstGeom>
+          <a:noFill/>
+        </p:spPr>
+        <p:txBody>
+          <a:bodyPr wrap="square" rtlCol="0">
+            <a:spAutoFit/>
+          </a:bodyPr>
+          <a:lstStyle/>
+          <a:p>
+            <a:pPr algn="ctr">
+              <a:lnSpc>
+                <a:spcPct val="150000"/>
+              </a:lnSpc>
+            </a:pPr>
+            <a:r>
+              <a:rPr lang="en-US" sz="1200" i="1" dirty="0" err="1" smtClean="0"/>
+              <a:t>displayToUser</a:t>
+            </a:r>
+            <a:r>
+              <a:rPr lang="en-US" sz="1200" i="1" dirty="0" smtClean="0"/>
+              <a:t>()</a:t>
+            </a:r>
+            <a:endParaRPr lang="en-US" sz="1200" i="1" dirty="0"/>
+          </a:p>
+        </p:txBody>
+      </p:sp>
+      <p:cxnSp>
+        <p:nvCxnSpPr>
+          <p:cNvPr id="42" name="Straight Arrow Connector 41"/>
+          <p:cNvCxnSpPr/>
+          <p:nvPr/>
+        </p:nvCxnSpPr>
+        <p:spPr>
+          <a:xfrm>
+            <a:off x="6082936" y="4486413"/>
+            <a:ext cx="4540628" cy="0"/>
+          </a:xfrm>
+          <a:prstGeom prst="straightConnector1">
+            <a:avLst/>
+          </a:prstGeom>
+          <a:ln>
+            <a:tailEnd type="triangle"/>
+          </a:ln>
+        </p:spPr>
+        <p:style>
+          <a:lnRef idx="1">
+            <a:schemeClr val="dk1"/>
+          </a:lnRef>
+          <a:fillRef idx="0">
+            <a:schemeClr val="dk1"/>
+          </a:fillRef>
+          <a:effectRef idx="0">
+            <a:schemeClr val="dk1"/>
+          </a:effectRef>
+          <a:fontRef idx="minor">
+            <a:schemeClr val="tx1"/>
+          </a:fontRef>
+        </p:style>
+      </p:cxnSp>
+      <p:cxnSp>
+        <p:nvCxnSpPr>
+          <p:cNvPr id="43" name="Straight Arrow Connector 42"/>
+          <p:cNvCxnSpPr/>
+          <p:nvPr/>
+        </p:nvCxnSpPr>
+        <p:spPr>
+          <a:xfrm flipH="1">
+            <a:off x="6082936" y="4875352"/>
+            <a:ext cx="4540628" cy="0"/>
+          </a:xfrm>
+          <a:prstGeom prst="straightConnector1">
+            <a:avLst/>
+          </a:prstGeom>
+          <a:ln>
+            <a:prstDash val="dash"/>
+            <a:tailEnd type="triangle"/>
+          </a:ln>
+        </p:spPr>
+        <p:style>
+          <a:lnRef idx="1">
+            <a:schemeClr val="dk1"/>
+          </a:lnRef>
+          <a:fillRef idx="0">
+            <a:schemeClr val="dk1"/>
+          </a:fillRef>
+          <a:effectRef idx="0">
+            <a:schemeClr val="dk1"/>
+          </a:effectRef>
+          <a:fontRef idx="minor">
+            <a:schemeClr val="tx1"/>
+          </a:fontRef>
+        </p:style>
+      </p:cxnSp>
+      <p:sp>
+        <p:nvSpPr>
+          <p:cNvPr id="44" name="TextBox 43"/>
+          <p:cNvSpPr txBox="1"/>
+          <p:nvPr/>
+        </p:nvSpPr>
+        <p:spPr>
+          <a:xfrm>
+            <a:off x="6095120" y="4117081"/>
+            <a:ext cx="2325437" cy="369332"/>
+          </a:xfrm>
+          <a:prstGeom prst="rect">
+            <a:avLst/>
+          </a:prstGeom>
+          <a:noFill/>
+        </p:spPr>
+        <p:txBody>
+          <a:bodyPr wrap="square" rtlCol="0">
+            <a:spAutoFit/>
+          </a:bodyPr>
+          <a:lstStyle/>
+          <a:p>
+            <a:pPr algn="ctr">
+              <a:lnSpc>
+                <a:spcPct val="150000"/>
+              </a:lnSpc>
+            </a:pPr>
+            <a:r>
+              <a:rPr lang="en-US" sz="1200" i="1" dirty="0" err="1" smtClean="0"/>
+              <a:t>getCopyToDisplay</a:t>
+            </a:r>
+            <a:r>
+              <a:rPr lang="en-US" sz="1200" i="1" dirty="0" smtClean="0"/>
+              <a:t>()</a:t>
+            </a:r>
+            <a:endParaRPr lang="en-US" sz="1200" i="1" dirty="0"/>
+          </a:p>
+        </p:txBody>
+      </p:sp>
+      <p:sp>
+        <p:nvSpPr>
+          <p:cNvPr id="45" name="TextBox 44"/>
+          <p:cNvSpPr txBox="1"/>
+          <p:nvPr/>
+        </p:nvSpPr>
+        <p:spPr>
+          <a:xfrm>
+            <a:off x="6414920" y="4506020"/>
+            <a:ext cx="1848714" cy="369332"/>
+          </a:xfrm>
+          <a:prstGeom prst="rect">
+            <a:avLst/>
+          </a:prstGeom>
+          <a:noFill/>
+        </p:spPr>
+        <p:txBody>
+          <a:bodyPr wrap="square" rtlCol="0">
+            <a:spAutoFit/>
+          </a:bodyPr>
+          <a:lstStyle/>
+          <a:p>
+            <a:pPr>
+              <a:lnSpc>
+                <a:spcPct val="150000"/>
+              </a:lnSpc>
+            </a:pPr>
+            <a:r>
+              <a:rPr lang="en-US" sz="1200" i="1" dirty="0" err="1" smtClean="0"/>
+              <a:t>copyOfScheduleToDisplay</a:t>
+            </a:r>
+            <a:endParaRPr lang="en-US" sz="1200" i="1" dirty="0"/>
+          </a:p>
+        </p:txBody>
+      </p:sp>
+      <p:sp>
+        <p:nvSpPr>
+          <p:cNvPr id="46" name="TextBox 45"/>
+          <p:cNvSpPr txBox="1"/>
+          <p:nvPr/>
+        </p:nvSpPr>
+        <p:spPr>
+          <a:xfrm>
+            <a:off x="5285441" y="6053269"/>
+            <a:ext cx="1634678" cy="369332"/>
+          </a:xfrm>
+          <a:prstGeom prst="rect">
+            <a:avLst/>
+          </a:prstGeom>
+          <a:noFill/>
+        </p:spPr>
+        <p:txBody>
+          <a:bodyPr wrap="none" rtlCol="0">
+            <a:spAutoFit/>
+          </a:bodyPr>
+          <a:lstStyle/>
+          <a:p>
+            <a:pPr algn="ctr"/>
+            <a:r>
+              <a:rPr lang="en-US" dirty="0" smtClean="0"/>
+              <a:t>Edit VALID Item</a:t>
+            </a:r>
+            <a:endParaRPr lang="en-US" dirty="0"/>
+          </a:p>
+        </p:txBody>
+      </p:sp>
+    </p:spTree>
+    <p:extLst>
+      <p:ext uri="{BB962C8B-B14F-4D97-AF65-F5344CB8AC3E}">
+        <p14:creationId xmlns:p14="http://schemas.microsoft.com/office/powerpoint/2010/main" val="3416314006"/>
+      </p:ext>
+    </p:extLst>
+  </p:cSld>
+  <p:clrMapOvr>
+    <a:masterClrMapping/>
+  </p:clrMapOvr>
+</p:sld>
+</file>
+
+<file path=ppt/slides/slide11.xml><?xml version="1.0" encoding="utf-8"?>
+<p:sld xmlns:a="http://schemas.openxmlformats.org/drawingml/2006/main" xmlns:r="http://schemas.openxmlformats.org/officeDocument/2006/relationships" xmlns:p="http://schemas.openxmlformats.org/presentationml/2006/main">
+  <p:cSld>
+    <p:spTree>
+      <p:nvGrpSpPr>
+        <p:cNvPr id="1" name=""/>
+        <p:cNvGrpSpPr/>
+        <p:nvPr/>
+      </p:nvGrpSpPr>
+      <p:grpSpPr>
+        <a:xfrm>
+          <a:off x="0" y="0"/>
+          <a:ext cx="0" cy="0"/>
+          <a:chOff x="0" y="0"/>
+          <a:chExt cx="0" cy="0"/>
+        </a:xfrm>
+      </p:grpSpPr>
+      <p:cxnSp>
+        <p:nvCxnSpPr>
+          <p:cNvPr id="19" name="Straight Arrow Connector 18"/>
+          <p:cNvCxnSpPr/>
+          <p:nvPr/>
+        </p:nvCxnSpPr>
+        <p:spPr>
+          <a:xfrm>
+            <a:off x="1545825" y="1369061"/>
+            <a:ext cx="2220538" cy="0"/>
+          </a:xfrm>
+          <a:prstGeom prst="straightConnector1">
+            <a:avLst/>
+          </a:prstGeom>
+          <a:ln>
+            <a:tailEnd type="triangle"/>
+          </a:ln>
+        </p:spPr>
+        <p:style>
+          <a:lnRef idx="1">
+            <a:schemeClr val="dk1"/>
+          </a:lnRef>
+          <a:fillRef idx="0">
+            <a:schemeClr val="dk1"/>
+          </a:fillRef>
+          <a:effectRef idx="0">
+            <a:schemeClr val="dk1"/>
+          </a:effectRef>
+          <a:fontRef idx="minor">
+            <a:schemeClr val="tx1"/>
+          </a:fontRef>
+        </p:style>
+      </p:cxnSp>
+      <p:cxnSp>
+        <p:nvCxnSpPr>
+          <p:cNvPr id="20" name="Straight Arrow Connector 19"/>
+          <p:cNvCxnSpPr/>
+          <p:nvPr/>
+        </p:nvCxnSpPr>
+        <p:spPr>
+          <a:xfrm>
+            <a:off x="6082938" y="1756419"/>
+            <a:ext cx="2337620" cy="0"/>
+          </a:xfrm>
+          <a:prstGeom prst="straightConnector1">
+            <a:avLst/>
+          </a:prstGeom>
+          <a:ln>
+            <a:tailEnd type="triangle"/>
+          </a:ln>
+        </p:spPr>
+        <p:style>
+          <a:lnRef idx="1">
+            <a:schemeClr val="dk1"/>
+          </a:lnRef>
+          <a:fillRef idx="0">
+            <a:schemeClr val="dk1"/>
+          </a:fillRef>
+          <a:effectRef idx="0">
+            <a:schemeClr val="dk1"/>
+          </a:effectRef>
+          <a:fontRef idx="minor">
+            <a:schemeClr val="tx1"/>
+          </a:fontRef>
+        </p:style>
+      </p:cxnSp>
+      <p:cxnSp>
+        <p:nvCxnSpPr>
+          <p:cNvPr id="22" name="Straight Arrow Connector 21"/>
+          <p:cNvCxnSpPr/>
+          <p:nvPr/>
+        </p:nvCxnSpPr>
+        <p:spPr>
+          <a:xfrm flipH="1">
+            <a:off x="6082938" y="2083911"/>
+            <a:ext cx="2337621" cy="0"/>
+          </a:xfrm>
+          <a:prstGeom prst="straightConnector1">
+            <a:avLst/>
+          </a:prstGeom>
+          <a:ln>
+            <a:prstDash val="dash"/>
+            <a:tailEnd type="triangle"/>
+          </a:ln>
+        </p:spPr>
+        <p:style>
+          <a:lnRef idx="1">
+            <a:schemeClr val="dk1"/>
+          </a:lnRef>
+          <a:fillRef idx="0">
+            <a:schemeClr val="dk1"/>
+          </a:fillRef>
+          <a:effectRef idx="0">
+            <a:schemeClr val="dk1"/>
+          </a:effectRef>
+          <a:fontRef idx="minor">
+            <a:schemeClr val="tx1"/>
+          </a:fontRef>
+        </p:style>
+      </p:cxnSp>
       <p:cxnSp>
         <p:nvCxnSpPr>
           <p:cNvPr id="29" name="Straight Arrow Connector 28"/>
@@ -6780,7 +8181,7 @@
 </p:sld>
 </file>
 
-<file path=ppt/slides/slide11.xml><?xml version="1.0" encoding="utf-8"?>
+<file path=ppt/slides/slide12.xml><?xml version="1.0" encoding="utf-8"?>
 <p:sld xmlns:a="http://schemas.openxmlformats.org/drawingml/2006/main" xmlns:r="http://schemas.openxmlformats.org/officeDocument/2006/relationships" xmlns:p="http://schemas.openxmlformats.org/presentationml/2006/main">
   <p:cSld>
     <p:spTree>
@@ -7760,7 +9161,7 @@
 </p:sld>
 </file>
 
-<file path=ppt/slides/slide12.xml><?xml version="1.0" encoding="utf-8"?>
+<file path=ppt/slides/slide13.xml><?xml version="1.0" encoding="utf-8"?>
 <p:sld xmlns:a="http://schemas.openxmlformats.org/drawingml/2006/main" xmlns:r="http://schemas.openxmlformats.org/officeDocument/2006/relationships" xmlns:p="http://schemas.openxmlformats.org/presentationml/2006/main">
   <p:cSld>
     <p:spTree>
@@ -7821,7 +9222,7 @@
 </p:sld>
 </file>
 
-<file path=ppt/slides/slide13.xml><?xml version="1.0" encoding="utf-8"?>
+<file path=ppt/slides/slide14.xml><?xml version="1.0" encoding="utf-8"?>
 <p:sld xmlns:a="http://schemas.openxmlformats.org/drawingml/2006/main" xmlns:r="http://schemas.openxmlformats.org/officeDocument/2006/relationships" xmlns:p="http://schemas.openxmlformats.org/presentationml/2006/main">
   <p:cSld>
     <p:spTree>
@@ -8984,7 +10385,7 @@
 </p:sld>
 </file>
 
-<file path=ppt/slides/slide14.xml><?xml version="1.0" encoding="utf-8"?>
+<file path=ppt/slides/slide15.xml><?xml version="1.0" encoding="utf-8"?>
 <p:sld xmlns:a="http://schemas.openxmlformats.org/drawingml/2006/main" xmlns:r="http://schemas.openxmlformats.org/officeDocument/2006/relationships" xmlns:p="http://schemas.openxmlformats.org/presentationml/2006/main">
   <p:cSld>
     <p:spTree>
@@ -9871,7 +11272,7 @@
 </p:sld>
 </file>
 
-<file path=ppt/slides/slide15.xml><?xml version="1.0" encoding="utf-8"?>
+<file path=ppt/slides/slide16.xml><?xml version="1.0" encoding="utf-8"?>
 <p:sld xmlns:a="http://schemas.openxmlformats.org/drawingml/2006/main" xmlns:r="http://schemas.openxmlformats.org/officeDocument/2006/relationships" xmlns:p="http://schemas.openxmlformats.org/presentationml/2006/main">
   <p:cSld>
     <p:spTree>
@@ -11034,7 +12435,7 @@
 </p:sld>
 </file>
 
-<file path=ppt/slides/slide16.xml><?xml version="1.0" encoding="utf-8"?>
+<file path=ppt/slides/slide17.xml><?xml version="1.0" encoding="utf-8"?>
 <p:sld xmlns:a="http://schemas.openxmlformats.org/drawingml/2006/main" xmlns:r="http://schemas.openxmlformats.org/officeDocument/2006/relationships" xmlns:p="http://schemas.openxmlformats.org/presentationml/2006/main">
   <p:cSld>
     <p:spTree>
@@ -12197,7 +13598,7 @@
 </p:sld>
 </file>
 
-<file path=ppt/slides/slide17.xml><?xml version="1.0" encoding="utf-8"?>
+<file path=ppt/slides/slide18.xml><?xml version="1.0" encoding="utf-8"?>
 <p:sld xmlns:a="http://schemas.openxmlformats.org/drawingml/2006/main" xmlns:r="http://schemas.openxmlformats.org/officeDocument/2006/relationships" xmlns:p="http://schemas.openxmlformats.org/presentationml/2006/main">
   <p:cSld>
     <p:spTree>
@@ -13092,7 +14493,7 @@
 </p:sld>
 </file>
 
-<file path=ppt/slides/slide18.xml><?xml version="1.0" encoding="utf-8"?>
+<file path=ppt/slides/slide19.xml><?xml version="1.0" encoding="utf-8"?>
 <p:sld xmlns:a="http://schemas.openxmlformats.org/drawingml/2006/main" xmlns:r="http://schemas.openxmlformats.org/officeDocument/2006/relationships" xmlns:p="http://schemas.openxmlformats.org/presentationml/2006/main">
   <p:cSld>
     <p:spTree>
@@ -13153,7 +14554,68 @@
 </p:sld>
 </file>
 
-<file path=ppt/slides/slide19.xml><?xml version="1.0" encoding="utf-8"?>
+<file path=ppt/slides/slide2.xml><?xml version="1.0" encoding="utf-8"?>
+<p:sld xmlns:a="http://schemas.openxmlformats.org/drawingml/2006/main" xmlns:r="http://schemas.openxmlformats.org/officeDocument/2006/relationships" xmlns:p="http://schemas.openxmlformats.org/presentationml/2006/main">
+  <p:cSld>
+    <p:spTree>
+      <p:nvGrpSpPr>
+        <p:cNvPr id="1" name=""/>
+        <p:cNvGrpSpPr/>
+        <p:nvPr/>
+      </p:nvGrpSpPr>
+      <p:grpSpPr>
+        <a:xfrm>
+          <a:off x="0" y="0"/>
+          <a:ext cx="0" cy="0"/>
+          <a:chOff x="0" y="0"/>
+          <a:chExt cx="0" cy="0"/>
+        </a:xfrm>
+      </p:grpSpPr>
+      <p:sp>
+        <p:nvSpPr>
+          <p:cNvPr id="2" name="TextBox 1"/>
+          <p:cNvSpPr txBox="1"/>
+          <p:nvPr/>
+        </p:nvSpPr>
+        <p:spPr>
+          <a:xfrm>
+            <a:off x="4306760" y="2767281"/>
+            <a:ext cx="3578480" cy="707886"/>
+          </a:xfrm>
+          <a:prstGeom prst="rect">
+            <a:avLst/>
+          </a:prstGeom>
+          <a:noFill/>
+        </p:spPr>
+        <p:txBody>
+          <a:bodyPr wrap="none" rtlCol="0">
+            <a:spAutoFit/>
+          </a:bodyPr>
+          <a:lstStyle/>
+          <a:p>
+            <a:pPr algn="ctr"/>
+            <a:r>
+              <a:rPr lang="en-US" sz="4000" dirty="0" smtClean="0"/>
+              <a:t>Add/Delete/Edit</a:t>
+            </a:r>
+            <a:endParaRPr lang="en-US" sz="4000" dirty="0"/>
+          </a:p>
+        </p:txBody>
+      </p:sp>
+    </p:spTree>
+    <p:extLst>
+      <p:ext uri="{BB962C8B-B14F-4D97-AF65-F5344CB8AC3E}">
+        <p14:creationId xmlns:p14="http://schemas.microsoft.com/office/powerpoint/2010/main" val="1410538576"/>
+      </p:ext>
+    </p:extLst>
+  </p:cSld>
+  <p:clrMapOvr>
+    <a:masterClrMapping/>
+  </p:clrMapOvr>
+</p:sld>
+</file>
+
+<file path=ppt/slides/slide20.xml><?xml version="1.0" encoding="utf-8"?>
 <p:sld xmlns:a="http://schemas.openxmlformats.org/drawingml/2006/main" xmlns:r="http://schemas.openxmlformats.org/officeDocument/2006/relationships" xmlns:p="http://schemas.openxmlformats.org/presentationml/2006/main">
   <p:cSld>
     <p:spTree>
@@ -14304,68 +15766,7 @@
 </p:sld>
 </file>
 
-<file path=ppt/slides/slide2.xml><?xml version="1.0" encoding="utf-8"?>
-<p:sld xmlns:a="http://schemas.openxmlformats.org/drawingml/2006/main" xmlns:r="http://schemas.openxmlformats.org/officeDocument/2006/relationships" xmlns:p="http://schemas.openxmlformats.org/presentationml/2006/main">
-  <p:cSld>
-    <p:spTree>
-      <p:nvGrpSpPr>
-        <p:cNvPr id="1" name=""/>
-        <p:cNvGrpSpPr/>
-        <p:nvPr/>
-      </p:nvGrpSpPr>
-      <p:grpSpPr>
-        <a:xfrm>
-          <a:off x="0" y="0"/>
-          <a:ext cx="0" cy="0"/>
-          <a:chOff x="0" y="0"/>
-          <a:chExt cx="0" cy="0"/>
-        </a:xfrm>
-      </p:grpSpPr>
-      <p:sp>
-        <p:nvSpPr>
-          <p:cNvPr id="2" name="TextBox 1"/>
-          <p:cNvSpPr txBox="1"/>
-          <p:nvPr/>
-        </p:nvSpPr>
-        <p:spPr>
-          <a:xfrm>
-            <a:off x="4306760" y="2767281"/>
-            <a:ext cx="3578480" cy="707886"/>
-          </a:xfrm>
-          <a:prstGeom prst="rect">
-            <a:avLst/>
-          </a:prstGeom>
-          <a:noFill/>
-        </p:spPr>
-        <p:txBody>
-          <a:bodyPr wrap="none" rtlCol="0">
-            <a:spAutoFit/>
-          </a:bodyPr>
-          <a:lstStyle/>
-          <a:p>
-            <a:pPr algn="ctr"/>
-            <a:r>
-              <a:rPr lang="en-US" sz="4000" dirty="0" smtClean="0"/>
-              <a:t>Add/Delete/Edit</a:t>
-            </a:r>
-            <a:endParaRPr lang="en-US" sz="4000" dirty="0"/>
-          </a:p>
-        </p:txBody>
-      </p:sp>
-    </p:spTree>
-    <p:extLst>
-      <p:ext uri="{BB962C8B-B14F-4D97-AF65-F5344CB8AC3E}">
-        <p14:creationId xmlns:p14="http://schemas.microsoft.com/office/powerpoint/2010/main" val="1410538576"/>
-      </p:ext>
-    </p:extLst>
-  </p:cSld>
-  <p:clrMapOvr>
-    <a:masterClrMapping/>
-  </p:clrMapOvr>
-</p:sld>
-</file>
-
-<file path=ppt/slides/slide20.xml><?xml version="1.0" encoding="utf-8"?>
+<file path=ppt/slides/slide21.xml><?xml version="1.0" encoding="utf-8"?>
 <p:sld xmlns:a="http://schemas.openxmlformats.org/drawingml/2006/main" xmlns:r="http://schemas.openxmlformats.org/officeDocument/2006/relationships" xmlns:p="http://schemas.openxmlformats.org/presentationml/2006/main">
   <p:cSld>
     <p:spTree>
@@ -15718,240 +17119,6 @@
           <a:chExt cx="0" cy="0"/>
         </a:xfrm>
       </p:grpSpPr>
-      <p:cxnSp>
-        <p:nvCxnSpPr>
-          <p:cNvPr id="19" name="Straight Arrow Connector 18"/>
-          <p:cNvCxnSpPr/>
-          <p:nvPr/>
-        </p:nvCxnSpPr>
-        <p:spPr>
-          <a:xfrm>
-            <a:off x="1545825" y="1369061"/>
-            <a:ext cx="2220538" cy="0"/>
-          </a:xfrm>
-          <a:prstGeom prst="straightConnector1">
-            <a:avLst/>
-          </a:prstGeom>
-          <a:ln>
-            <a:tailEnd type="triangle"/>
-          </a:ln>
-        </p:spPr>
-        <p:style>
-          <a:lnRef idx="1">
-            <a:schemeClr val="dk1"/>
-          </a:lnRef>
-          <a:fillRef idx="0">
-            <a:schemeClr val="dk1"/>
-          </a:fillRef>
-          <a:effectRef idx="0">
-            <a:schemeClr val="dk1"/>
-          </a:effectRef>
-          <a:fontRef idx="minor">
-            <a:schemeClr val="tx1"/>
-          </a:fontRef>
-        </p:style>
-      </p:cxnSp>
-      <p:cxnSp>
-        <p:nvCxnSpPr>
-          <p:cNvPr id="20" name="Straight Arrow Connector 19"/>
-          <p:cNvCxnSpPr/>
-          <p:nvPr/>
-        </p:nvCxnSpPr>
-        <p:spPr>
-          <a:xfrm>
-            <a:off x="6082938" y="1756419"/>
-            <a:ext cx="2337620" cy="0"/>
-          </a:xfrm>
-          <a:prstGeom prst="straightConnector1">
-            <a:avLst/>
-          </a:prstGeom>
-          <a:ln>
-            <a:tailEnd type="triangle"/>
-          </a:ln>
-        </p:spPr>
-        <p:style>
-          <a:lnRef idx="1">
-            <a:schemeClr val="dk1"/>
-          </a:lnRef>
-          <a:fillRef idx="0">
-            <a:schemeClr val="dk1"/>
-          </a:fillRef>
-          <a:effectRef idx="0">
-            <a:schemeClr val="dk1"/>
-          </a:effectRef>
-          <a:fontRef idx="minor">
-            <a:schemeClr val="tx1"/>
-          </a:fontRef>
-        </p:style>
-      </p:cxnSp>
-      <p:cxnSp>
-        <p:nvCxnSpPr>
-          <p:cNvPr id="22" name="Straight Arrow Connector 21"/>
-          <p:cNvCxnSpPr/>
-          <p:nvPr/>
-        </p:nvCxnSpPr>
-        <p:spPr>
-          <a:xfrm flipH="1">
-            <a:off x="6082938" y="2083911"/>
-            <a:ext cx="2337621" cy="0"/>
-          </a:xfrm>
-          <a:prstGeom prst="straightConnector1">
-            <a:avLst/>
-          </a:prstGeom>
-          <a:ln>
-            <a:prstDash val="dash"/>
-            <a:tailEnd type="triangle"/>
-          </a:ln>
-        </p:spPr>
-        <p:style>
-          <a:lnRef idx="1">
-            <a:schemeClr val="dk1"/>
-          </a:lnRef>
-          <a:fillRef idx="0">
-            <a:schemeClr val="dk1"/>
-          </a:fillRef>
-          <a:effectRef idx="0">
-            <a:schemeClr val="dk1"/>
-          </a:effectRef>
-          <a:fontRef idx="minor">
-            <a:schemeClr val="tx1"/>
-          </a:fontRef>
-        </p:style>
-      </p:cxnSp>
-      <p:cxnSp>
-        <p:nvCxnSpPr>
-          <p:cNvPr id="29" name="Straight Arrow Connector 28"/>
-          <p:cNvCxnSpPr/>
-          <p:nvPr/>
-        </p:nvCxnSpPr>
-        <p:spPr>
-          <a:xfrm>
-            <a:off x="6082938" y="2442657"/>
-            <a:ext cx="4540626" cy="0"/>
-          </a:xfrm>
-          <a:prstGeom prst="straightConnector1">
-            <a:avLst/>
-          </a:prstGeom>
-          <a:ln>
-            <a:tailEnd type="triangle"/>
-          </a:ln>
-        </p:spPr>
-        <p:style>
-          <a:lnRef idx="1">
-            <a:schemeClr val="dk1"/>
-          </a:lnRef>
-          <a:fillRef idx="0">
-            <a:schemeClr val="dk1"/>
-          </a:fillRef>
-          <a:effectRef idx="0">
-            <a:schemeClr val="dk1"/>
-          </a:effectRef>
-          <a:fontRef idx="minor">
-            <a:schemeClr val="tx1"/>
-          </a:fontRef>
-        </p:style>
-      </p:cxnSp>
-      <p:cxnSp>
-        <p:nvCxnSpPr>
-          <p:cNvPr id="31" name="Straight Arrow Connector 30"/>
-          <p:cNvCxnSpPr/>
-          <p:nvPr/>
-        </p:nvCxnSpPr>
-        <p:spPr>
-          <a:xfrm flipH="1">
-            <a:off x="6082939" y="2760760"/>
-            <a:ext cx="4540625" cy="0"/>
-          </a:xfrm>
-          <a:prstGeom prst="straightConnector1">
-            <a:avLst/>
-          </a:prstGeom>
-          <a:ln>
-            <a:prstDash val="dash"/>
-            <a:tailEnd type="triangle"/>
-          </a:ln>
-        </p:spPr>
-        <p:style>
-          <a:lnRef idx="1">
-            <a:schemeClr val="dk1"/>
-          </a:lnRef>
-          <a:fillRef idx="0">
-            <a:schemeClr val="dk1"/>
-          </a:fillRef>
-          <a:effectRef idx="0">
-            <a:schemeClr val="dk1"/>
-          </a:effectRef>
-          <a:fontRef idx="minor">
-            <a:schemeClr val="tx1"/>
-          </a:fontRef>
-        </p:style>
-      </p:cxnSp>
-      <p:cxnSp>
-        <p:nvCxnSpPr>
-          <p:cNvPr id="38" name="Straight Arrow Connector 37"/>
-          <p:cNvCxnSpPr/>
-          <p:nvPr/>
-        </p:nvCxnSpPr>
-        <p:spPr>
-          <a:xfrm>
-            <a:off x="6082936" y="3419613"/>
-            <a:ext cx="4540628" cy="0"/>
-          </a:xfrm>
-          <a:prstGeom prst="straightConnector1">
-            <a:avLst/>
-          </a:prstGeom>
-          <a:ln>
-            <a:tailEnd type="triangle"/>
-          </a:ln>
-        </p:spPr>
-        <p:style>
-          <a:lnRef idx="1">
-            <a:schemeClr val="dk1"/>
-          </a:lnRef>
-          <a:fillRef idx="0">
-            <a:schemeClr val="dk1"/>
-          </a:fillRef>
-          <a:effectRef idx="0">
-            <a:schemeClr val="dk1"/>
-          </a:effectRef>
-          <a:fontRef idx="minor">
-            <a:schemeClr val="tx1"/>
-          </a:fontRef>
-        </p:style>
-      </p:cxnSp>
-      <p:cxnSp>
-        <p:nvCxnSpPr>
-          <p:cNvPr id="40" name="Straight Arrow Connector 39"/>
-          <p:cNvCxnSpPr/>
-          <p:nvPr/>
-        </p:nvCxnSpPr>
-        <p:spPr>
-          <a:xfrm flipH="1">
-            <a:off x="6082936" y="3808552"/>
-            <a:ext cx="4540628" cy="0"/>
-          </a:xfrm>
-          <a:prstGeom prst="straightConnector1">
-            <a:avLst/>
-          </a:prstGeom>
-          <a:ln>
-            <a:prstDash val="dash"/>
-            <a:tailEnd type="triangle"/>
-          </a:ln>
-        </p:spPr>
-        <p:style>
-          <a:lnRef idx="1">
-            <a:schemeClr val="dk1"/>
-          </a:lnRef>
-          <a:fillRef idx="0">
-            <a:schemeClr val="dk1"/>
-          </a:fillRef>
-          <a:effectRef idx="0">
-            <a:schemeClr val="dk1"/>
-          </a:effectRef>
-          <a:fontRef idx="minor">
-            <a:schemeClr val="tx1"/>
-          </a:fontRef>
-        </p:style>
-      </p:cxnSp>
       <p:sp>
         <p:nvSpPr>
           <p:cNvPr id="58" name="TextBox 57"/>
@@ -15960,7 +17127,7 @@
         </p:nvSpPr>
         <p:spPr>
           <a:xfrm>
-            <a:off x="1533244" y="1061031"/>
+            <a:off x="1519797" y="1087925"/>
             <a:ext cx="2233119" cy="276999"/>
           </a:xfrm>
           <a:prstGeom prst="rect">
@@ -15976,8 +17143,8 @@
           <a:p>
             <a:pPr algn="ctr"/>
             <a:r>
-              <a:rPr lang="en-US" sz="1200" dirty="0" err="1" smtClean="0"/>
-              <a:t>userInput</a:t>
+              <a:rPr lang="en-US" sz="1200" dirty="0" smtClean="0"/>
+              <a:t>User types in a command</a:t>
             </a:r>
             <a:endParaRPr lang="en-US" sz="1200" dirty="0" smtClean="0"/>
           </a:p>
@@ -16007,21 +17174,10 @@
           <a:p>
             <a:pPr algn="ctr"/>
             <a:r>
-              <a:rPr lang="en-US" sz="1200" i="1" dirty="0" err="1" smtClean="0"/>
-              <a:t>parseUserInput</a:t>
-            </a:r>
-            <a:r>
               <a:rPr lang="en-US" sz="1200" i="1" dirty="0" smtClean="0"/>
-              <a:t>(</a:t>
-            </a:r>
-            <a:r>
-              <a:rPr lang="en-US" sz="1200" i="1" dirty="0" err="1" smtClean="0"/>
-              <a:t>userInput</a:t>
-            </a:r>
-            <a:r>
-              <a:rPr lang="en-US" sz="1200" i="1" dirty="0" smtClean="0"/>
-              <a:t>)</a:t>
-            </a:r>
+              <a:t>parse(string)</a:t>
+            </a:r>
+            <a:endParaRPr lang="en-US" sz="1200" i="1" dirty="0" smtClean="0"/>
           </a:p>
         </p:txBody>
       </p:sp>
@@ -16033,7 +17189,7 @@
         </p:nvSpPr>
         <p:spPr>
           <a:xfrm>
-            <a:off x="6102778" y="1776925"/>
+            <a:off x="6102778" y="1790372"/>
             <a:ext cx="2314668" cy="276999"/>
           </a:xfrm>
           <a:prstGeom prst="rect">
@@ -16049,13 +17205,10 @@
           <a:p>
             <a:pPr algn="ctr"/>
             <a:r>
-              <a:rPr lang="en-US" sz="1200" i="1" dirty="0" err="1" smtClean="0"/>
-              <a:t>instructionsForLogic</a:t>
-            </a:r>
-            <a:r>
               <a:rPr lang="en-US" sz="1200" dirty="0" smtClean="0"/>
-              <a:t> ADD</a:t>
-            </a:r>
+              <a:t>list of instructions for Logic</a:t>
+            </a:r>
+            <a:endParaRPr lang="en-US" sz="1200" dirty="0" smtClean="0"/>
           </a:p>
         </p:txBody>
       </p:sp>
@@ -16067,10 +17220,10 @@
         </p:nvGrpSpPr>
         <p:grpSpPr>
           <a:xfrm>
-            <a:off x="1237086" y="539303"/>
-            <a:ext cx="9834229" cy="4279440"/>
-            <a:chOff x="1237086" y="539303"/>
-            <a:chExt cx="9834229" cy="5183576"/>
+            <a:off x="1237086" y="507093"/>
+            <a:ext cx="9834229" cy="4311650"/>
+            <a:chOff x="1237086" y="500288"/>
+            <a:chExt cx="9834229" cy="5222591"/>
           </a:xfrm>
         </p:grpSpPr>
         <p:grpSp>
@@ -16081,10 +17234,10 @@
           </p:nvGrpSpPr>
           <p:grpSpPr>
             <a:xfrm>
-              <a:off x="5750956" y="543030"/>
-              <a:ext cx="663964" cy="5179848"/>
-              <a:chOff x="3477172" y="543032"/>
-              <a:chExt cx="663964" cy="5179848"/>
+              <a:off x="5750956" y="504015"/>
+              <a:ext cx="663964" cy="5218863"/>
+              <a:chOff x="3477172" y="504017"/>
+              <a:chExt cx="663964" cy="5218863"/>
             </a:xfrm>
           </p:grpSpPr>
           <p:sp>
@@ -16095,16 +17248,29 @@
             </p:nvSpPr>
             <p:spPr>
               <a:xfrm>
-                <a:off x="3477172" y="543032"/>
-                <a:ext cx="663964" cy="369332"/>
+                <a:off x="3477172" y="504017"/>
+                <a:ext cx="663964" cy="447362"/>
               </a:xfrm>
               <a:prstGeom prst="rect">
                 <a:avLst/>
               </a:prstGeom>
-              <a:noFill/>
             </p:spPr>
+            <p:style>
+              <a:lnRef idx="1">
+                <a:schemeClr val="accent1"/>
+              </a:lnRef>
+              <a:fillRef idx="2">
+                <a:schemeClr val="accent1"/>
+              </a:fillRef>
+              <a:effectRef idx="1">
+                <a:schemeClr val="accent1"/>
+              </a:effectRef>
+              <a:fontRef idx="minor">
+                <a:schemeClr val="dk1"/>
+              </a:fontRef>
+            </p:style>
             <p:txBody>
-              <a:bodyPr wrap="none" rtlCol="0">
+              <a:bodyPr wrap="none" rtlCol="0" anchor="ctr">
                 <a:spAutoFit/>
               </a:bodyPr>
               <a:lstStyle/>
@@ -16156,42 +17322,12 @@
           </p:nvGrpSpPr>
           <p:grpSpPr>
             <a:xfrm>
-              <a:off x="3571438" y="539303"/>
-              <a:ext cx="389850" cy="5183575"/>
-              <a:chOff x="5874029" y="539305"/>
-              <a:chExt cx="389850" cy="5183575"/>
+              <a:off x="3504203" y="539303"/>
+              <a:ext cx="535724" cy="5183575"/>
+              <a:chOff x="5806794" y="539305"/>
+              <a:chExt cx="535724" cy="5183575"/>
             </a:xfrm>
           </p:grpSpPr>
-          <p:sp>
-            <p:nvSpPr>
-              <p:cNvPr id="6" name="TextBox 5"/>
-              <p:cNvSpPr txBox="1"/>
-              <p:nvPr/>
-            </p:nvSpPr>
-            <p:spPr>
-              <a:xfrm>
-                <a:off x="5874029" y="539305"/>
-                <a:ext cx="389850" cy="369332"/>
-              </a:xfrm>
-              <a:prstGeom prst="rect">
-                <a:avLst/>
-              </a:prstGeom>
-              <a:noFill/>
-            </p:spPr>
-            <p:txBody>
-              <a:bodyPr wrap="none" rtlCol="0">
-                <a:spAutoFit/>
-              </a:bodyPr>
-              <a:lstStyle/>
-              <a:p>
-                <a:r>
-                  <a:rPr lang="en-US" dirty="0" smtClean="0"/>
-                  <a:t>UI</a:t>
-                </a:r>
-                <a:endParaRPr lang="en-US" dirty="0"/>
-              </a:p>
-            </p:txBody>
-          </p:sp>
           <p:cxnSp>
             <p:nvCxnSpPr>
               <p:cNvPr id="14" name="Straight Connector 13"/>
@@ -16222,6 +17358,49 @@
               </a:fontRef>
             </p:style>
           </p:cxnSp>
+          <p:sp>
+            <p:nvSpPr>
+              <p:cNvPr id="6" name="TextBox 5"/>
+              <p:cNvSpPr txBox="1"/>
+              <p:nvPr/>
+            </p:nvSpPr>
+            <p:spPr>
+              <a:xfrm>
+                <a:off x="5806794" y="539305"/>
+                <a:ext cx="535724" cy="447362"/>
+              </a:xfrm>
+              <a:prstGeom prst="rect">
+                <a:avLst/>
+              </a:prstGeom>
+            </p:spPr>
+            <p:style>
+              <a:lnRef idx="1">
+                <a:schemeClr val="accent2"/>
+              </a:lnRef>
+              <a:fillRef idx="2">
+                <a:schemeClr val="accent2"/>
+              </a:fillRef>
+              <a:effectRef idx="1">
+                <a:schemeClr val="accent2"/>
+              </a:effectRef>
+              <a:fontRef idx="minor">
+                <a:schemeClr val="dk1"/>
+              </a:fontRef>
+            </p:style>
+            <p:txBody>
+              <a:bodyPr wrap="none" rtlCol="0" anchor="ctr">
+                <a:spAutoFit/>
+              </a:bodyPr>
+              <a:lstStyle/>
+              <a:p>
+                <a:r>
+                  <a:rPr lang="en-US" dirty="0" smtClean="0"/>
+                  <a:t>GUI</a:t>
+                </a:r>
+                <a:endParaRPr lang="en-US" dirty="0"/>
+              </a:p>
+            </p:txBody>
+          </p:sp>
         </p:grpSp>
         <p:grpSp>
           <p:nvGrpSpPr>
@@ -16237,36 +17416,6 @@
               <a:chExt cx="770467" cy="5183576"/>
             </a:xfrm>
           </p:grpSpPr>
-          <p:sp>
-            <p:nvSpPr>
-              <p:cNvPr id="7" name="TextBox 6"/>
-              <p:cNvSpPr txBox="1"/>
-              <p:nvPr/>
-            </p:nvSpPr>
-            <p:spPr>
-              <a:xfrm>
-                <a:off x="8035324" y="539303"/>
-                <a:ext cx="770467" cy="369332"/>
-              </a:xfrm>
-              <a:prstGeom prst="rect">
-                <a:avLst/>
-              </a:prstGeom>
-              <a:noFill/>
-            </p:spPr>
-            <p:txBody>
-              <a:bodyPr wrap="none" rtlCol="0">
-                <a:spAutoFit/>
-              </a:bodyPr>
-              <a:lstStyle/>
-              <a:p>
-                <a:r>
-                  <a:rPr lang="en-US" dirty="0" smtClean="0"/>
-                  <a:t>Parser</a:t>
-                </a:r>
-                <a:endParaRPr lang="en-US" dirty="0"/>
-              </a:p>
-            </p:txBody>
-          </p:sp>
           <p:cxnSp>
             <p:nvCxnSpPr>
               <p:cNvPr id="15" name="Straight Connector 14"/>
@@ -16297,6 +17446,50 @@
               </a:fontRef>
             </p:style>
           </p:cxnSp>
+          <p:sp>
+            <p:nvSpPr>
+              <p:cNvPr id="7" name="TextBox 6"/>
+              <p:cNvSpPr txBox="1"/>
+              <p:nvPr/>
+            </p:nvSpPr>
+            <p:spPr>
+              <a:xfrm>
+                <a:off x="8035324" y="539303"/>
+                <a:ext cx="770467" cy="447362"/>
+              </a:xfrm>
+              <a:prstGeom prst="rect">
+                <a:avLst/>
+              </a:prstGeom>
+            </p:spPr>
+            <p:style>
+              <a:lnRef idx="1">
+                <a:schemeClr val="accent3"/>
+              </a:lnRef>
+              <a:fillRef idx="2">
+                <a:schemeClr val="accent3"/>
+              </a:fillRef>
+              <a:effectRef idx="1">
+                <a:schemeClr val="accent3"/>
+              </a:effectRef>
+              <a:fontRef idx="minor">
+                <a:schemeClr val="dk1"/>
+              </a:fontRef>
+            </p:style>
+            <p:txBody>
+              <a:bodyPr wrap="none" rtlCol="0" anchor="ctr">
+                <a:spAutoFit/>
+              </a:bodyPr>
+              <a:lstStyle/>
+              <a:p>
+                <a:pPr algn="ctr"/>
+                <a:r>
+                  <a:rPr lang="en-US" dirty="0" smtClean="0"/>
+                  <a:t>Parser</a:t>
+                </a:r>
+                <a:endParaRPr lang="en-US" dirty="0"/>
+              </a:p>
+            </p:txBody>
+          </p:sp>
         </p:grpSp>
         <p:grpSp>
           <p:nvGrpSpPr>
@@ -16306,42 +17499,12 @@
           </p:nvGrpSpPr>
           <p:grpSpPr>
             <a:xfrm>
-              <a:off x="10175813" y="575020"/>
-              <a:ext cx="895502" cy="5133737"/>
-              <a:chOff x="10175813" y="575020"/>
-              <a:chExt cx="895502" cy="5133737"/>
+              <a:off x="10175813" y="536005"/>
+              <a:ext cx="895502" cy="5172752"/>
+              <a:chOff x="10175813" y="536005"/>
+              <a:chExt cx="895502" cy="5172752"/>
             </a:xfrm>
           </p:grpSpPr>
-          <p:sp>
-            <p:nvSpPr>
-              <p:cNvPr id="8" name="TextBox 7"/>
-              <p:cNvSpPr txBox="1"/>
-              <p:nvPr/>
-            </p:nvSpPr>
-            <p:spPr>
-              <a:xfrm>
-                <a:off x="10175813" y="575020"/>
-                <a:ext cx="895502" cy="369332"/>
-              </a:xfrm>
-              <a:prstGeom prst="rect">
-                <a:avLst/>
-              </a:prstGeom>
-              <a:noFill/>
-            </p:spPr>
-            <p:txBody>
-              <a:bodyPr wrap="none" rtlCol="0">
-                <a:spAutoFit/>
-              </a:bodyPr>
-              <a:lstStyle/>
-              <a:p>
-                <a:r>
-                  <a:rPr lang="en-US" dirty="0" smtClean="0"/>
-                  <a:t>Storage</a:t>
-                </a:r>
-                <a:endParaRPr lang="en-US" dirty="0"/>
-              </a:p>
-            </p:txBody>
-          </p:sp>
           <p:cxnSp>
             <p:nvCxnSpPr>
               <p:cNvPr id="16" name="Straight Connector 15"/>
@@ -16372,6 +17535,49 @@
               </a:fontRef>
             </p:style>
           </p:cxnSp>
+          <p:sp>
+            <p:nvSpPr>
+              <p:cNvPr id="8" name="TextBox 7"/>
+              <p:cNvSpPr txBox="1"/>
+              <p:nvPr/>
+            </p:nvSpPr>
+            <p:spPr>
+              <a:xfrm>
+                <a:off x="10175813" y="536005"/>
+                <a:ext cx="895502" cy="447362"/>
+              </a:xfrm>
+              <a:prstGeom prst="rect">
+                <a:avLst/>
+              </a:prstGeom>
+            </p:spPr>
+            <p:style>
+              <a:lnRef idx="1">
+                <a:schemeClr val="accent6"/>
+              </a:lnRef>
+              <a:fillRef idx="2">
+                <a:schemeClr val="accent6"/>
+              </a:fillRef>
+              <a:effectRef idx="1">
+                <a:schemeClr val="accent6"/>
+              </a:effectRef>
+              <a:fontRef idx="minor">
+                <a:schemeClr val="dk1"/>
+              </a:fontRef>
+            </p:style>
+            <p:txBody>
+              <a:bodyPr wrap="none" rtlCol="0" anchor="ctr">
+                <a:spAutoFit/>
+              </a:bodyPr>
+              <a:lstStyle/>
+              <a:p>
+                <a:r>
+                  <a:rPr lang="en-US" dirty="0" smtClean="0"/>
+                  <a:t>Storage</a:t>
+                </a:r>
+                <a:endParaRPr lang="en-US" dirty="0"/>
+              </a:p>
+            </p:txBody>
+          </p:sp>
         </p:grpSp>
         <p:grpSp>
           <p:nvGrpSpPr>
@@ -16381,10 +17587,10 @@
           </p:nvGrpSpPr>
           <p:grpSpPr>
             <a:xfrm>
-              <a:off x="1237086" y="539303"/>
-              <a:ext cx="617477" cy="5183410"/>
-              <a:chOff x="1237086" y="539303"/>
-              <a:chExt cx="617477" cy="5183410"/>
+              <a:off x="1237086" y="500288"/>
+              <a:ext cx="617477" cy="5222425"/>
+              <a:chOff x="1237086" y="500288"/>
+              <a:chExt cx="617477" cy="5222425"/>
             </a:xfrm>
           </p:grpSpPr>
           <p:sp>
@@ -16395,16 +17601,31 @@
             </p:nvSpPr>
             <p:spPr>
               <a:xfrm>
-                <a:off x="1237086" y="539303"/>
-                <a:ext cx="617477" cy="369332"/>
+                <a:off x="1237086" y="500288"/>
+                <a:ext cx="617477" cy="447362"/>
               </a:xfrm>
               <a:prstGeom prst="rect">
                 <a:avLst/>
               </a:prstGeom>
-              <a:noFill/>
             </p:spPr>
+            <p:style>
+              <a:lnRef idx="2">
+                <a:schemeClr val="dk1">
+                  <a:shade val="50000"/>
+                </a:schemeClr>
+              </a:lnRef>
+              <a:fillRef idx="1">
+                <a:schemeClr val="dk1"/>
+              </a:fillRef>
+              <a:effectRef idx="0">
+                <a:schemeClr val="dk1"/>
+              </a:effectRef>
+              <a:fontRef idx="minor">
+                <a:schemeClr val="lt1"/>
+              </a:fontRef>
+            </p:style>
             <p:txBody>
-              <a:bodyPr wrap="square" rtlCol="0">
+              <a:bodyPr wrap="square" rtlCol="0" anchor="ctr">
                 <a:spAutoFit/>
               </a:bodyPr>
               <a:lstStyle/>
@@ -16473,20 +17694,348 @@
           <a:p>
             <a:pPr algn="ctr"/>
             <a:r>
+              <a:rPr lang="en-US" sz="1200" i="1" dirty="0" err="1" smtClean="0"/>
+              <a:t>addItemToSchedule</a:t>
+            </a:r>
+            <a:r>
               <a:rPr lang="en-US" sz="1200" i="1" dirty="0" smtClean="0"/>
-              <a:t>add(Item* </a:t>
-            </a:r>
+              <a:t>(Item)</a:t>
+            </a:r>
+            <a:endParaRPr lang="en-US" sz="1200" i="1" dirty="0" smtClean="0"/>
+          </a:p>
+        </p:txBody>
+      </p:sp>
+      <p:sp>
+        <p:nvSpPr>
+          <p:cNvPr id="70" name="TextBox 69"/>
+          <p:cNvSpPr txBox="1"/>
+          <p:nvPr/>
+        </p:nvSpPr>
+        <p:spPr>
+          <a:xfrm>
+            <a:off x="6082936" y="3050280"/>
+            <a:ext cx="2337621" cy="369332"/>
+          </a:xfrm>
+          <a:prstGeom prst="rect">
+            <a:avLst/>
+          </a:prstGeom>
+          <a:noFill/>
+        </p:spPr>
+        <p:txBody>
+          <a:bodyPr wrap="square" rtlCol="0">
+            <a:spAutoFit/>
+          </a:bodyPr>
+          <a:lstStyle/>
+          <a:p>
+            <a:pPr algn="ctr">
+              <a:lnSpc>
+                <a:spcPct val="150000"/>
+              </a:lnSpc>
+            </a:pPr>
             <a:r>
               <a:rPr lang="en-US" sz="1200" i="1" dirty="0" err="1" smtClean="0"/>
-              <a:t>newItem</a:t>
+              <a:t>retreiveDisplaySchedule</a:t>
             </a:r>
             <a:r>
               <a:rPr lang="en-US" sz="1200" i="1" dirty="0" smtClean="0"/>
-              <a:t>)</a:t>
-            </a:r>
-          </a:p>
-        </p:txBody>
-      </p:sp>
+              <a:t>()</a:t>
+            </a:r>
+            <a:endParaRPr lang="en-US" sz="1200" i="1" dirty="0"/>
+          </a:p>
+        </p:txBody>
+      </p:sp>
+      <p:sp>
+        <p:nvSpPr>
+          <p:cNvPr id="71" name="TextBox 70"/>
+          <p:cNvSpPr txBox="1"/>
+          <p:nvPr/>
+        </p:nvSpPr>
+        <p:spPr>
+          <a:xfrm>
+            <a:off x="6102777" y="3452667"/>
+            <a:ext cx="2314668" cy="369332"/>
+          </a:xfrm>
+          <a:prstGeom prst="rect">
+            <a:avLst/>
+          </a:prstGeom>
+          <a:noFill/>
+        </p:spPr>
+        <p:txBody>
+          <a:bodyPr wrap="square" rtlCol="0">
+            <a:spAutoFit/>
+          </a:bodyPr>
+          <a:lstStyle/>
+          <a:p>
+            <a:pPr algn="ctr">
+              <a:lnSpc>
+                <a:spcPct val="150000"/>
+              </a:lnSpc>
+            </a:pPr>
+            <a:r>
+              <a:rPr lang="en-US" sz="1200" i="1" dirty="0"/>
+              <a:t>v</a:t>
+            </a:r>
+            <a:r>
+              <a:rPr lang="en-US" sz="1200" i="1" dirty="0" smtClean="0"/>
+              <a:t>ector&lt;Item&gt;</a:t>
+            </a:r>
+            <a:endParaRPr lang="en-US" sz="1200" i="1" dirty="0"/>
+          </a:p>
+        </p:txBody>
+      </p:sp>
+      <p:sp>
+        <p:nvSpPr>
+          <p:cNvPr id="73" name="TextBox 72"/>
+          <p:cNvSpPr txBox="1"/>
+          <p:nvPr/>
+        </p:nvSpPr>
+        <p:spPr>
+          <a:xfrm>
+            <a:off x="8417445" y="2465277"/>
+            <a:ext cx="2206119" cy="276999"/>
+          </a:xfrm>
+          <a:prstGeom prst="rect">
+            <a:avLst/>
+          </a:prstGeom>
+          <a:noFill/>
+        </p:spPr>
+        <p:txBody>
+          <a:bodyPr wrap="square" rtlCol="0">
+            <a:spAutoFit/>
+          </a:bodyPr>
+          <a:lstStyle/>
+          <a:p>
+            <a:pPr algn="ctr"/>
+            <a:r>
+              <a:rPr lang="en-US" sz="1200" dirty="0"/>
+              <a:t>a</a:t>
+            </a:r>
+            <a:r>
+              <a:rPr lang="en-US" sz="1200" dirty="0" smtClean="0"/>
+              <a:t>dd Item success/failure</a:t>
+            </a:r>
+            <a:endParaRPr lang="en-US" sz="1200" dirty="0" smtClean="0"/>
+          </a:p>
+        </p:txBody>
+      </p:sp>
+      <p:cxnSp>
+        <p:nvCxnSpPr>
+          <p:cNvPr id="75" name="Straight Arrow Connector 74"/>
+          <p:cNvCxnSpPr/>
+          <p:nvPr/>
+        </p:nvCxnSpPr>
+        <p:spPr>
+          <a:xfrm flipH="1">
+            <a:off x="1525985" y="4444646"/>
+            <a:ext cx="2220537" cy="0"/>
+          </a:xfrm>
+          <a:prstGeom prst="straightConnector1">
+            <a:avLst/>
+          </a:prstGeom>
+          <a:ln>
+            <a:prstDash val="dash"/>
+            <a:tailEnd type="triangle"/>
+          </a:ln>
+        </p:spPr>
+        <p:style>
+          <a:lnRef idx="1">
+            <a:schemeClr val="dk1"/>
+          </a:lnRef>
+          <a:fillRef idx="0">
+            <a:schemeClr val="dk1"/>
+          </a:fillRef>
+          <a:effectRef idx="0">
+            <a:schemeClr val="dk1"/>
+          </a:effectRef>
+          <a:fontRef idx="minor">
+            <a:schemeClr val="tx1"/>
+          </a:fontRef>
+        </p:style>
+      </p:cxnSp>
+      <p:sp>
+        <p:nvSpPr>
+          <p:cNvPr id="93" name="TextBox 92"/>
+          <p:cNvSpPr txBox="1"/>
+          <p:nvPr/>
+        </p:nvSpPr>
+        <p:spPr>
+          <a:xfrm>
+            <a:off x="3739469" y="1255724"/>
+            <a:ext cx="2414855" cy="276999"/>
+          </a:xfrm>
+          <a:prstGeom prst="rect">
+            <a:avLst/>
+          </a:prstGeom>
+          <a:noFill/>
+        </p:spPr>
+        <p:txBody>
+          <a:bodyPr wrap="square" rtlCol="0">
+            <a:spAutoFit/>
+          </a:bodyPr>
+          <a:lstStyle/>
+          <a:p>
+            <a:pPr algn="ctr"/>
+            <a:r>
+              <a:rPr lang="en-US" sz="1200" i="1" dirty="0" err="1" smtClean="0"/>
+              <a:t>initiateCommandAction</a:t>
+            </a:r>
+            <a:r>
+              <a:rPr lang="en-US" sz="1200" i="1" dirty="0" smtClean="0"/>
+              <a:t>(string)</a:t>
+            </a:r>
+            <a:endParaRPr lang="en-US" sz="1200" i="1" dirty="0" smtClean="0"/>
+          </a:p>
+        </p:txBody>
+      </p:sp>
+      <p:sp>
+        <p:nvSpPr>
+          <p:cNvPr id="100" name="TextBox 99"/>
+          <p:cNvSpPr txBox="1"/>
+          <p:nvPr/>
+        </p:nvSpPr>
+        <p:spPr>
+          <a:xfrm>
+            <a:off x="1533244" y="4085041"/>
+            <a:ext cx="2217742" cy="340734"/>
+          </a:xfrm>
+          <a:prstGeom prst="rect">
+            <a:avLst/>
+          </a:prstGeom>
+          <a:noFill/>
+        </p:spPr>
+        <p:txBody>
+          <a:bodyPr wrap="square" rtlCol="0">
+            <a:spAutoFit/>
+          </a:bodyPr>
+          <a:lstStyle/>
+          <a:p>
+            <a:pPr algn="ctr">
+              <a:lnSpc>
+                <a:spcPct val="150000"/>
+              </a:lnSpc>
+            </a:pPr>
+            <a:r>
+              <a:rPr lang="en-US" sz="1200" dirty="0" smtClean="0"/>
+              <a:t>User sees updated schedule</a:t>
+            </a:r>
+            <a:endParaRPr lang="en-US" sz="1200" dirty="0"/>
+          </a:p>
+        </p:txBody>
+      </p:sp>
+      <p:sp>
+        <p:nvSpPr>
+          <p:cNvPr id="2" name="TextBox 1"/>
+          <p:cNvSpPr txBox="1"/>
+          <p:nvPr/>
+        </p:nvSpPr>
+        <p:spPr>
+          <a:xfrm>
+            <a:off x="5277328" y="6053269"/>
+            <a:ext cx="1650901" cy="369332"/>
+          </a:xfrm>
+          <a:prstGeom prst="rect">
+            <a:avLst/>
+          </a:prstGeom>
+          <a:noFill/>
+        </p:spPr>
+        <p:txBody>
+          <a:bodyPr wrap="none" rtlCol="0">
+            <a:spAutoFit/>
+          </a:bodyPr>
+          <a:lstStyle/>
+          <a:p>
+            <a:pPr algn="ctr"/>
+            <a:r>
+              <a:rPr lang="en-US" dirty="0" smtClean="0"/>
+              <a:t>Add VALID Item</a:t>
+            </a:r>
+            <a:endParaRPr lang="en-US" dirty="0"/>
+          </a:p>
+        </p:txBody>
+      </p:sp>
+      <p:sp>
+        <p:nvSpPr>
+          <p:cNvPr id="3" name="Rectangle 2"/>
+          <p:cNvSpPr/>
+          <p:nvPr/>
+        </p:nvSpPr>
+        <p:spPr>
+          <a:xfrm>
+            <a:off x="3715194" y="1364924"/>
+            <a:ext cx="101508" cy="3079722"/>
+          </a:xfrm>
+          <a:prstGeom prst="rect">
+            <a:avLst/>
+          </a:prstGeom>
+          <a:solidFill>
+            <a:schemeClr val="bg2"/>
+          </a:solidFill>
+          <a:ln>
+            <a:solidFill>
+              <a:schemeClr val="bg1">
+                <a:lumMod val="75000"/>
+              </a:schemeClr>
+            </a:solidFill>
+          </a:ln>
+        </p:spPr>
+        <p:style>
+          <a:lnRef idx="2">
+            <a:schemeClr val="accent1">
+              <a:shade val="50000"/>
+            </a:schemeClr>
+          </a:lnRef>
+          <a:fillRef idx="1">
+            <a:schemeClr val="accent1"/>
+          </a:fillRef>
+          <a:effectRef idx="0">
+            <a:schemeClr val="accent1"/>
+          </a:effectRef>
+          <a:fontRef idx="minor">
+            <a:schemeClr val="lt1"/>
+          </a:fontRef>
+        </p:style>
+        <p:txBody>
+          <a:bodyPr rtlCol="0" anchor="ctr"/>
+          <a:lstStyle/>
+          <a:p>
+            <a:pPr algn="ctr"/>
+            <a:endParaRPr lang="en-US"/>
+          </a:p>
+        </p:txBody>
+      </p:sp>
+      <p:cxnSp>
+        <p:nvCxnSpPr>
+          <p:cNvPr id="19" name="Straight Arrow Connector 18"/>
+          <p:cNvCxnSpPr/>
+          <p:nvPr/>
+        </p:nvCxnSpPr>
+        <p:spPr>
+          <a:xfrm>
+            <a:off x="1545825" y="1369061"/>
+            <a:ext cx="2220538" cy="0"/>
+          </a:xfrm>
+          <a:prstGeom prst="straightConnector1">
+            <a:avLst/>
+          </a:prstGeom>
+          <a:ln>
+            <a:tailEnd type="triangle"/>
+          </a:ln>
+        </p:spPr>
+        <p:style>
+          <a:lnRef idx="1">
+            <a:schemeClr val="dk1"/>
+          </a:lnRef>
+          <a:fillRef idx="0">
+            <a:schemeClr val="dk1"/>
+          </a:fillRef>
+          <a:effectRef idx="0">
+            <a:schemeClr val="dk1"/>
+          </a:effectRef>
+          <a:fontRef idx="minor">
+            <a:schemeClr val="tx1"/>
+          </a:fontRef>
+        </p:style>
+      </p:cxnSp>
       <p:grpSp>
         <p:nvGrpSpPr>
           <p:cNvPr id="97" name="Group 96"/>
@@ -16496,9 +18045,9 @@
         <p:grpSpPr>
           <a:xfrm>
             <a:off x="3766363" y="3821249"/>
-            <a:ext cx="2316575" cy="369332"/>
+            <a:ext cx="2316575" cy="364554"/>
             <a:chOff x="3766363" y="3668353"/>
-            <a:chExt cx="2316575" cy="369332"/>
+            <a:chExt cx="2316575" cy="364554"/>
           </a:xfrm>
         </p:grpSpPr>
         <p:cxnSp>
@@ -16544,7 +18093,7 @@
           <p:spPr>
             <a:xfrm>
               <a:off x="3792426" y="3668353"/>
-              <a:ext cx="2287400" cy="369332"/>
+              <a:ext cx="2287400" cy="340734"/>
             </a:xfrm>
             <a:prstGeom prst="rect">
               <a:avLst/>
@@ -16563,128 +18112,142 @@
                 </a:lnSpc>
               </a:pPr>
               <a:r>
-                <a:rPr lang="en-US" sz="1200" i="1" dirty="0" smtClean="0"/>
-                <a:t>Feedback ADD_SUCCESS</a:t>
+                <a:rPr lang="en-US" sz="1200" dirty="0" smtClean="0"/>
+                <a:t>Update GUI</a:t>
               </a:r>
-              <a:endParaRPr lang="en-US" sz="1200" i="1" dirty="0"/>
+              <a:endParaRPr lang="en-US" sz="1200" dirty="0"/>
             </a:p>
           </p:txBody>
         </p:sp>
       </p:grpSp>
       <p:sp>
         <p:nvSpPr>
-          <p:cNvPr id="70" name="TextBox 69"/>
-          <p:cNvSpPr txBox="1"/>
-          <p:nvPr/>
-        </p:nvSpPr>
-        <p:spPr>
-          <a:xfrm>
-            <a:off x="6082936" y="3050280"/>
-            <a:ext cx="2337621" cy="369332"/>
+          <p:cNvPr id="41" name="Rectangle 40"/>
+          <p:cNvSpPr/>
+          <p:nvPr/>
+        </p:nvSpPr>
+        <p:spPr>
+          <a:xfrm>
+            <a:off x="6029072" y="1540245"/>
+            <a:ext cx="101508" cy="2645558"/>
           </a:xfrm>
           <a:prstGeom prst="rect">
             <a:avLst/>
           </a:prstGeom>
-          <a:noFill/>
-        </p:spPr>
-        <p:txBody>
-          <a:bodyPr wrap="square" rtlCol="0">
-            <a:spAutoFit/>
-          </a:bodyPr>
-          <a:lstStyle/>
-          <a:p>
-            <a:pPr algn="ctr">
-              <a:lnSpc>
-                <a:spcPct val="150000"/>
-              </a:lnSpc>
-            </a:pPr>
-            <a:r>
-              <a:rPr lang="en-US" sz="1200" i="1" dirty="0" err="1" smtClean="0"/>
-              <a:t>getCopyToDisplay</a:t>
-            </a:r>
-            <a:r>
-              <a:rPr lang="en-US" sz="1200" i="1" dirty="0" smtClean="0"/>
-              <a:t>()</a:t>
-            </a:r>
-            <a:endParaRPr lang="en-US" sz="1200" i="1" dirty="0"/>
-          </a:p>
-        </p:txBody>
-      </p:sp>
-      <p:sp>
-        <p:nvSpPr>
-          <p:cNvPr id="71" name="TextBox 70"/>
-          <p:cNvSpPr txBox="1"/>
-          <p:nvPr/>
-        </p:nvSpPr>
-        <p:spPr>
-          <a:xfrm>
-            <a:off x="6102777" y="3439220"/>
-            <a:ext cx="2314668" cy="369332"/>
-          </a:xfrm>
-          <a:prstGeom prst="rect">
-            <a:avLst/>
-          </a:prstGeom>
-          <a:noFill/>
-        </p:spPr>
-        <p:txBody>
-          <a:bodyPr wrap="square" rtlCol="0">
-            <a:spAutoFit/>
-          </a:bodyPr>
-          <a:lstStyle/>
-          <a:p>
-            <a:pPr algn="ctr">
-              <a:lnSpc>
-                <a:spcPct val="150000"/>
-              </a:lnSpc>
-            </a:pPr>
-            <a:r>
-              <a:rPr lang="en-US" sz="1200" i="1" dirty="0" err="1" smtClean="0"/>
-              <a:t>copyOfScheduleToDisplay</a:t>
-            </a:r>
-            <a:endParaRPr lang="en-US" sz="1200" i="1" dirty="0"/>
-          </a:p>
-        </p:txBody>
-      </p:sp>
-      <p:sp>
-        <p:nvSpPr>
-          <p:cNvPr id="73" name="TextBox 72"/>
-          <p:cNvSpPr txBox="1"/>
-          <p:nvPr/>
-        </p:nvSpPr>
-        <p:spPr>
-          <a:xfrm>
-            <a:off x="8417445" y="2465277"/>
-            <a:ext cx="2206119" cy="276999"/>
-          </a:xfrm>
-          <a:prstGeom prst="rect">
-            <a:avLst/>
-          </a:prstGeom>
-          <a:noFill/>
-        </p:spPr>
-        <p:txBody>
-          <a:bodyPr wrap="square" rtlCol="0">
-            <a:spAutoFit/>
-          </a:bodyPr>
+          <a:solidFill>
+            <a:schemeClr val="bg2"/>
+          </a:solidFill>
+          <a:ln>
+            <a:solidFill>
+              <a:schemeClr val="bg1">
+                <a:lumMod val="75000"/>
+              </a:schemeClr>
+            </a:solidFill>
+          </a:ln>
+        </p:spPr>
+        <p:style>
+          <a:lnRef idx="2">
+            <a:schemeClr val="accent1">
+              <a:shade val="50000"/>
+            </a:schemeClr>
+          </a:lnRef>
+          <a:fillRef idx="1">
+            <a:schemeClr val="accent1"/>
+          </a:fillRef>
+          <a:effectRef idx="0">
+            <a:schemeClr val="accent1"/>
+          </a:effectRef>
+          <a:fontRef idx="minor">
+            <a:schemeClr val="lt1"/>
+          </a:fontRef>
+        </p:style>
+        <p:txBody>
+          <a:bodyPr rtlCol="0" anchor="ctr"/>
           <a:lstStyle/>
           <a:p>
             <a:pPr algn="ctr"/>
-            <a:r>
-              <a:rPr lang="en-US" sz="1200" i="1" dirty="0" smtClean="0"/>
-              <a:t>SUCCESS</a:t>
-            </a:r>
+            <a:endParaRPr lang="en-US"/>
           </a:p>
         </p:txBody>
       </p:sp>
       <p:cxnSp>
         <p:nvCxnSpPr>
-          <p:cNvPr id="75" name="Straight Arrow Connector 74"/>
+          <p:cNvPr id="22" name="Straight Arrow Connector 21"/>
           <p:cNvCxnSpPr/>
           <p:nvPr/>
         </p:nvCxnSpPr>
         <p:spPr>
           <a:xfrm flipH="1">
-            <a:off x="1525985" y="4444646"/>
-            <a:ext cx="2220537" cy="0"/>
+            <a:off x="6082938" y="2083911"/>
+            <a:ext cx="2337621" cy="0"/>
+          </a:xfrm>
+          <a:prstGeom prst="straightConnector1">
+            <a:avLst/>
+          </a:prstGeom>
+          <a:ln>
+            <a:prstDash val="dash"/>
+            <a:tailEnd type="triangle"/>
+          </a:ln>
+        </p:spPr>
+        <p:style>
+          <a:lnRef idx="1">
+            <a:schemeClr val="dk1"/>
+          </a:lnRef>
+          <a:fillRef idx="0">
+            <a:schemeClr val="dk1"/>
+          </a:fillRef>
+          <a:effectRef idx="0">
+            <a:schemeClr val="dk1"/>
+          </a:effectRef>
+          <a:fontRef idx="minor">
+            <a:schemeClr val="tx1"/>
+          </a:fontRef>
+        </p:style>
+      </p:cxnSp>
+      <p:cxnSp>
+        <p:nvCxnSpPr>
+          <p:cNvPr id="31" name="Straight Arrow Connector 30"/>
+          <p:cNvCxnSpPr/>
+          <p:nvPr/>
+        </p:nvCxnSpPr>
+        <p:spPr>
+          <a:xfrm flipH="1">
+            <a:off x="6082939" y="2760760"/>
+            <a:ext cx="4540625" cy="0"/>
+          </a:xfrm>
+          <a:prstGeom prst="straightConnector1">
+            <a:avLst/>
+          </a:prstGeom>
+          <a:ln>
+            <a:prstDash val="dash"/>
+            <a:tailEnd type="triangle"/>
+          </a:ln>
+        </p:spPr>
+        <p:style>
+          <a:lnRef idx="1">
+            <a:schemeClr val="dk1"/>
+          </a:lnRef>
+          <a:fillRef idx="0">
+            <a:schemeClr val="dk1"/>
+          </a:fillRef>
+          <a:effectRef idx="0">
+            <a:schemeClr val="dk1"/>
+          </a:effectRef>
+          <a:fontRef idx="minor">
+            <a:schemeClr val="tx1"/>
+          </a:fontRef>
+        </p:style>
+      </p:cxnSp>
+      <p:cxnSp>
+        <p:nvCxnSpPr>
+          <p:cNvPr id="40" name="Straight Arrow Connector 39"/>
+          <p:cNvCxnSpPr/>
+          <p:nvPr/>
+        </p:nvCxnSpPr>
+        <p:spPr>
+          <a:xfrm flipH="1">
+            <a:off x="6082936" y="3808552"/>
+            <a:ext cx="4540628" cy="0"/>
           </a:xfrm>
           <a:prstGeom prst="straightConnector1">
             <a:avLst/>
@@ -16717,8 +18280,8 @@
         </p:nvCxnSpPr>
         <p:spPr>
           <a:xfrm>
-            <a:off x="3766363" y="1565004"/>
-            <a:ext cx="2316575" cy="0"/>
+            <a:off x="3816702" y="1565004"/>
+            <a:ext cx="2266236" cy="0"/>
           </a:xfrm>
           <a:prstGeom prst="straightConnector1">
             <a:avLst/>
@@ -16744,116 +18307,253 @@
       </p:cxnSp>
       <p:sp>
         <p:nvSpPr>
-          <p:cNvPr id="93" name="TextBox 92"/>
-          <p:cNvSpPr txBox="1"/>
-          <p:nvPr/>
-        </p:nvSpPr>
-        <p:spPr>
-          <a:xfrm>
-            <a:off x="3766363" y="1269171"/>
-            <a:ext cx="2313463" cy="276999"/>
+          <p:cNvPr id="42" name="Rectangle 41"/>
+          <p:cNvSpPr/>
+          <p:nvPr/>
+        </p:nvSpPr>
+        <p:spPr>
+          <a:xfrm>
+            <a:off x="8366691" y="1769243"/>
+            <a:ext cx="101508" cy="312839"/>
           </a:xfrm>
           <a:prstGeom prst="rect">
             <a:avLst/>
           </a:prstGeom>
-          <a:noFill/>
-        </p:spPr>
-        <p:txBody>
-          <a:bodyPr wrap="square" rtlCol="0">
-            <a:spAutoFit/>
-          </a:bodyPr>
+          <a:solidFill>
+            <a:schemeClr val="bg2"/>
+          </a:solidFill>
+          <a:ln>
+            <a:solidFill>
+              <a:schemeClr val="bg1">
+                <a:lumMod val="75000"/>
+              </a:schemeClr>
+            </a:solidFill>
+          </a:ln>
+        </p:spPr>
+        <p:style>
+          <a:lnRef idx="2">
+            <a:schemeClr val="accent1">
+              <a:shade val="50000"/>
+            </a:schemeClr>
+          </a:lnRef>
+          <a:fillRef idx="1">
+            <a:schemeClr val="accent1"/>
+          </a:fillRef>
+          <a:effectRef idx="0">
+            <a:schemeClr val="accent1"/>
+          </a:effectRef>
+          <a:fontRef idx="minor">
+            <a:schemeClr val="lt1"/>
+          </a:fontRef>
+        </p:style>
+        <p:txBody>
+          <a:bodyPr rtlCol="0" anchor="ctr"/>
           <a:lstStyle/>
           <a:p>
             <a:pPr algn="ctr"/>
-            <a:r>
-              <a:rPr lang="en-US" sz="1200" i="1" dirty="0" err="1" smtClean="0"/>
-              <a:t>passUserInputToLogic</a:t>
-            </a:r>
-            <a:r>
-              <a:rPr lang="en-US" sz="1200" i="1" dirty="0" smtClean="0"/>
-              <a:t>(</a:t>
-            </a:r>
-            <a:r>
-              <a:rPr lang="en-US" sz="1200" i="1" dirty="0" err="1" smtClean="0"/>
-              <a:t>userInput</a:t>
-            </a:r>
-            <a:r>
-              <a:rPr lang="en-US" sz="1200" i="1" dirty="0" smtClean="0"/>
-              <a:t>)</a:t>
-            </a:r>
-          </a:p>
-        </p:txBody>
-      </p:sp>
-      <p:sp>
-        <p:nvSpPr>
-          <p:cNvPr id="100" name="TextBox 99"/>
-          <p:cNvSpPr txBox="1"/>
-          <p:nvPr/>
-        </p:nvSpPr>
-        <p:spPr>
-          <a:xfrm>
-            <a:off x="1533244" y="4058147"/>
-            <a:ext cx="2217742" cy="340734"/>
+            <a:endParaRPr lang="en-US"/>
+          </a:p>
+        </p:txBody>
+      </p:sp>
+      <p:cxnSp>
+        <p:nvCxnSpPr>
+          <p:cNvPr id="20" name="Straight Arrow Connector 19"/>
+          <p:cNvCxnSpPr/>
+          <p:nvPr/>
+        </p:nvCxnSpPr>
+        <p:spPr>
+          <a:xfrm flipV="1">
+            <a:off x="6130580" y="1756419"/>
+            <a:ext cx="2289978" cy="12824"/>
+          </a:xfrm>
+          <a:prstGeom prst="straightConnector1">
+            <a:avLst/>
+          </a:prstGeom>
+          <a:ln>
+            <a:tailEnd type="triangle"/>
+          </a:ln>
+        </p:spPr>
+        <p:style>
+          <a:lnRef idx="1">
+            <a:schemeClr val="dk1"/>
+          </a:lnRef>
+          <a:fillRef idx="0">
+            <a:schemeClr val="dk1"/>
+          </a:fillRef>
+          <a:effectRef idx="0">
+            <a:schemeClr val="dk1"/>
+          </a:effectRef>
+          <a:fontRef idx="minor">
+            <a:schemeClr val="tx1"/>
+          </a:fontRef>
+        </p:style>
+      </p:cxnSp>
+      <p:sp>
+        <p:nvSpPr>
+          <p:cNvPr id="43" name="Rectangle 42"/>
+          <p:cNvSpPr/>
+          <p:nvPr/>
+        </p:nvSpPr>
+        <p:spPr>
+          <a:xfrm>
+            <a:off x="10572810" y="2447356"/>
+            <a:ext cx="101508" cy="312839"/>
           </a:xfrm>
           <a:prstGeom prst="rect">
             <a:avLst/>
           </a:prstGeom>
-          <a:noFill/>
-        </p:spPr>
-        <p:txBody>
-          <a:bodyPr wrap="square" rtlCol="0">
-            <a:spAutoFit/>
-          </a:bodyPr>
-          <a:lstStyle/>
-          <a:p>
-            <a:pPr algn="ctr">
-              <a:lnSpc>
-                <a:spcPct val="150000"/>
-              </a:lnSpc>
-            </a:pPr>
-            <a:r>
-              <a:rPr lang="en-US" sz="1200" i="1" dirty="0" err="1" smtClean="0"/>
-              <a:t>displayToUser</a:t>
-            </a:r>
-            <a:r>
-              <a:rPr lang="en-US" sz="1200" i="1" dirty="0" smtClean="0"/>
-              <a:t>()</a:t>
-            </a:r>
-            <a:endParaRPr lang="en-US" sz="1200" i="1" dirty="0"/>
-          </a:p>
-        </p:txBody>
-      </p:sp>
-      <p:sp>
-        <p:nvSpPr>
-          <p:cNvPr id="2" name="TextBox 1"/>
-          <p:cNvSpPr txBox="1"/>
-          <p:nvPr/>
-        </p:nvSpPr>
-        <p:spPr>
-          <a:xfrm>
-            <a:off x="5277328" y="6053269"/>
-            <a:ext cx="1650901" cy="369332"/>
+          <a:solidFill>
+            <a:schemeClr val="bg2"/>
+          </a:solidFill>
+          <a:ln>
+            <a:solidFill>
+              <a:schemeClr val="bg1">
+                <a:lumMod val="75000"/>
+              </a:schemeClr>
+            </a:solidFill>
+          </a:ln>
+        </p:spPr>
+        <p:style>
+          <a:lnRef idx="2">
+            <a:schemeClr val="accent1">
+              <a:shade val="50000"/>
+            </a:schemeClr>
+          </a:lnRef>
+          <a:fillRef idx="1">
+            <a:schemeClr val="accent1"/>
+          </a:fillRef>
+          <a:effectRef idx="0">
+            <a:schemeClr val="accent1"/>
+          </a:effectRef>
+          <a:fontRef idx="minor">
+            <a:schemeClr val="lt1"/>
+          </a:fontRef>
+        </p:style>
+        <p:txBody>
+          <a:bodyPr rtlCol="0" anchor="ctr"/>
+          <a:lstStyle/>
+          <a:p>
+            <a:pPr algn="ctr"/>
+            <a:endParaRPr lang="en-US"/>
+          </a:p>
+        </p:txBody>
+      </p:sp>
+      <p:cxnSp>
+        <p:nvCxnSpPr>
+          <p:cNvPr id="29" name="Straight Arrow Connector 28"/>
+          <p:cNvCxnSpPr/>
+          <p:nvPr/>
+        </p:nvCxnSpPr>
+        <p:spPr>
+          <a:xfrm flipV="1">
+            <a:off x="6130580" y="2442658"/>
+            <a:ext cx="4492984" cy="4698"/>
+          </a:xfrm>
+          <a:prstGeom prst="straightConnector1">
+            <a:avLst/>
+          </a:prstGeom>
+          <a:ln>
+            <a:tailEnd type="triangle"/>
+          </a:ln>
+        </p:spPr>
+        <p:style>
+          <a:lnRef idx="1">
+            <a:schemeClr val="dk1"/>
+          </a:lnRef>
+          <a:fillRef idx="0">
+            <a:schemeClr val="dk1"/>
+          </a:fillRef>
+          <a:effectRef idx="0">
+            <a:schemeClr val="dk1"/>
+          </a:effectRef>
+          <a:fontRef idx="minor">
+            <a:schemeClr val="tx1"/>
+          </a:fontRef>
+        </p:style>
+      </p:cxnSp>
+      <p:sp>
+        <p:nvSpPr>
+          <p:cNvPr id="44" name="Rectangle 43"/>
+          <p:cNvSpPr/>
+          <p:nvPr/>
+        </p:nvSpPr>
+        <p:spPr>
+          <a:xfrm>
+            <a:off x="10572810" y="3405067"/>
+            <a:ext cx="101508" cy="403485"/>
           </a:xfrm>
           <a:prstGeom prst="rect">
             <a:avLst/>
           </a:prstGeom>
-          <a:noFill/>
-        </p:spPr>
-        <p:txBody>
-          <a:bodyPr wrap="none" rtlCol="0">
-            <a:spAutoFit/>
-          </a:bodyPr>
+          <a:solidFill>
+            <a:schemeClr val="bg2"/>
+          </a:solidFill>
+          <a:ln>
+            <a:solidFill>
+              <a:schemeClr val="bg1">
+                <a:lumMod val="75000"/>
+              </a:schemeClr>
+            </a:solidFill>
+          </a:ln>
+        </p:spPr>
+        <p:style>
+          <a:lnRef idx="2">
+            <a:schemeClr val="accent1">
+              <a:shade val="50000"/>
+            </a:schemeClr>
+          </a:lnRef>
+          <a:fillRef idx="1">
+            <a:schemeClr val="accent1"/>
+          </a:fillRef>
+          <a:effectRef idx="0">
+            <a:schemeClr val="accent1"/>
+          </a:effectRef>
+          <a:fontRef idx="minor">
+            <a:schemeClr val="lt1"/>
+          </a:fontRef>
+        </p:style>
+        <p:txBody>
+          <a:bodyPr rtlCol="0" anchor="ctr"/>
           <a:lstStyle/>
           <a:p>
             <a:pPr algn="ctr"/>
-            <a:r>
-              <a:rPr lang="en-US" dirty="0" smtClean="0"/>
-              <a:t>Add VALID Item</a:t>
-            </a:r>
-            <a:endParaRPr lang="en-US" dirty="0"/>
-          </a:p>
-        </p:txBody>
-      </p:sp>
+            <a:endParaRPr lang="en-US"/>
+          </a:p>
+        </p:txBody>
+      </p:sp>
+      <p:cxnSp>
+        <p:nvCxnSpPr>
+          <p:cNvPr id="38" name="Straight Arrow Connector 37"/>
+          <p:cNvCxnSpPr/>
+          <p:nvPr/>
+        </p:nvCxnSpPr>
+        <p:spPr>
+          <a:xfrm>
+            <a:off x="6082936" y="3419613"/>
+            <a:ext cx="4540628" cy="0"/>
+          </a:xfrm>
+          <a:prstGeom prst="straightConnector1">
+            <a:avLst/>
+          </a:prstGeom>
+          <a:ln>
+            <a:tailEnd type="triangle"/>
+          </a:ln>
+        </p:spPr>
+        <p:style>
+          <a:lnRef idx="1">
+            <a:schemeClr val="dk1"/>
+          </a:lnRef>
+          <a:fillRef idx="0">
+            <a:schemeClr val="dk1"/>
+          </a:fillRef>
+          <a:effectRef idx="0">
+            <a:schemeClr val="dk1"/>
+          </a:effectRef>
+          <a:fontRef idx="minor">
+            <a:schemeClr val="tx1"/>
+          </a:fontRef>
+        </p:style>
+      </p:cxnSp>
     </p:spTree>
     <p:extLst>
       <p:ext uri="{BB962C8B-B14F-4D97-AF65-F5344CB8AC3E}">
@@ -16868,6 +18568,1437 @@
 </file>
 
 <file path=ppt/slides/slide5.xml><?xml version="1.0" encoding="utf-8"?>
+<p:sld xmlns:a="http://schemas.openxmlformats.org/drawingml/2006/main" xmlns:r="http://schemas.openxmlformats.org/officeDocument/2006/relationships" xmlns:p="http://schemas.openxmlformats.org/presentationml/2006/main">
+  <p:cSld>
+    <p:spTree>
+      <p:nvGrpSpPr>
+        <p:cNvPr id="1" name=""/>
+        <p:cNvGrpSpPr/>
+        <p:nvPr/>
+      </p:nvGrpSpPr>
+      <p:grpSpPr>
+        <a:xfrm>
+          <a:off x="0" y="0"/>
+          <a:ext cx="0" cy="0"/>
+          <a:chOff x="0" y="0"/>
+          <a:chExt cx="0" cy="0"/>
+        </a:xfrm>
+      </p:grpSpPr>
+      <p:sp>
+        <p:nvSpPr>
+          <p:cNvPr id="58" name="TextBox 57"/>
+          <p:cNvSpPr txBox="1"/>
+          <p:nvPr/>
+        </p:nvSpPr>
+        <p:spPr>
+          <a:xfrm>
+            <a:off x="1519797" y="1087925"/>
+            <a:ext cx="2233119" cy="276999"/>
+          </a:xfrm>
+          <a:prstGeom prst="rect">
+            <a:avLst/>
+          </a:prstGeom>
+          <a:noFill/>
+        </p:spPr>
+        <p:txBody>
+          <a:bodyPr wrap="square" rtlCol="0">
+            <a:spAutoFit/>
+          </a:bodyPr>
+          <a:lstStyle/>
+          <a:p>
+            <a:pPr algn="ctr"/>
+            <a:r>
+              <a:rPr lang="en-US" sz="1200" dirty="0" smtClean="0"/>
+              <a:t>User types in a command</a:t>
+            </a:r>
+            <a:endParaRPr lang="en-US" sz="1200" dirty="0" smtClean="0"/>
+          </a:p>
+        </p:txBody>
+      </p:sp>
+      <p:sp>
+        <p:nvSpPr>
+          <p:cNvPr id="59" name="TextBox 58"/>
+          <p:cNvSpPr txBox="1"/>
+          <p:nvPr/>
+        </p:nvSpPr>
+        <p:spPr>
+          <a:xfrm>
+            <a:off x="6102777" y="1449198"/>
+            <a:ext cx="2314668" cy="276999"/>
+          </a:xfrm>
+          <a:prstGeom prst="rect">
+            <a:avLst/>
+          </a:prstGeom>
+          <a:noFill/>
+        </p:spPr>
+        <p:txBody>
+          <a:bodyPr wrap="square" rtlCol="0">
+            <a:spAutoFit/>
+          </a:bodyPr>
+          <a:lstStyle/>
+          <a:p>
+            <a:pPr algn="ctr"/>
+            <a:r>
+              <a:rPr lang="en-US" sz="1200" i="1" dirty="0" smtClean="0"/>
+              <a:t>parse(string)</a:t>
+            </a:r>
+            <a:endParaRPr lang="en-US" sz="1200" i="1" dirty="0" smtClean="0"/>
+          </a:p>
+        </p:txBody>
+      </p:sp>
+      <p:sp>
+        <p:nvSpPr>
+          <p:cNvPr id="60" name="TextBox 59"/>
+          <p:cNvSpPr txBox="1"/>
+          <p:nvPr/>
+        </p:nvSpPr>
+        <p:spPr>
+          <a:xfrm>
+            <a:off x="6102778" y="1790372"/>
+            <a:ext cx="2314668" cy="276999"/>
+          </a:xfrm>
+          <a:prstGeom prst="rect">
+            <a:avLst/>
+          </a:prstGeom>
+          <a:noFill/>
+        </p:spPr>
+        <p:txBody>
+          <a:bodyPr wrap="square" rtlCol="0">
+            <a:spAutoFit/>
+          </a:bodyPr>
+          <a:lstStyle/>
+          <a:p>
+            <a:pPr algn="ctr"/>
+            <a:r>
+              <a:rPr lang="en-US" sz="1200" dirty="0" smtClean="0"/>
+              <a:t>list of instructions for Logic</a:t>
+            </a:r>
+            <a:endParaRPr lang="en-US" sz="1200" dirty="0" smtClean="0"/>
+          </a:p>
+        </p:txBody>
+      </p:sp>
+      <p:sp>
+        <p:nvSpPr>
+          <p:cNvPr id="67" name="TextBox 66"/>
+          <p:cNvSpPr txBox="1"/>
+          <p:nvPr/>
+        </p:nvSpPr>
+        <p:spPr>
+          <a:xfrm>
+            <a:off x="8215740" y="2136272"/>
+            <a:ext cx="2653870" cy="276999"/>
+          </a:xfrm>
+          <a:prstGeom prst="rect">
+            <a:avLst/>
+          </a:prstGeom>
+          <a:noFill/>
+        </p:spPr>
+        <p:txBody>
+          <a:bodyPr wrap="square" rtlCol="0">
+            <a:spAutoFit/>
+          </a:bodyPr>
+          <a:lstStyle/>
+          <a:p>
+            <a:pPr algn="ctr"/>
+            <a:r>
+              <a:rPr lang="en-US" sz="1200" i="1" dirty="0" err="1" smtClean="0"/>
+              <a:t>filterDisplayScheduleByKeyword</a:t>
+            </a:r>
+            <a:r>
+              <a:rPr lang="en-US" sz="1200" i="1" dirty="0" smtClean="0"/>
+              <a:t>()</a:t>
+            </a:r>
+            <a:endParaRPr lang="en-US" sz="1200" i="1" dirty="0" smtClean="0"/>
+          </a:p>
+        </p:txBody>
+      </p:sp>
+      <p:sp>
+        <p:nvSpPr>
+          <p:cNvPr id="70" name="TextBox 69"/>
+          <p:cNvSpPr txBox="1"/>
+          <p:nvPr/>
+        </p:nvSpPr>
+        <p:spPr>
+          <a:xfrm>
+            <a:off x="6082936" y="3050280"/>
+            <a:ext cx="2337621" cy="369332"/>
+          </a:xfrm>
+          <a:prstGeom prst="rect">
+            <a:avLst/>
+          </a:prstGeom>
+          <a:noFill/>
+        </p:spPr>
+        <p:txBody>
+          <a:bodyPr wrap="square" rtlCol="0">
+            <a:spAutoFit/>
+          </a:bodyPr>
+          <a:lstStyle/>
+          <a:p>
+            <a:pPr algn="ctr">
+              <a:lnSpc>
+                <a:spcPct val="150000"/>
+              </a:lnSpc>
+            </a:pPr>
+            <a:r>
+              <a:rPr lang="en-US" sz="1200" i="1" dirty="0" err="1" smtClean="0"/>
+              <a:t>retreiveDisplaySchedule</a:t>
+            </a:r>
+            <a:r>
+              <a:rPr lang="en-US" sz="1200" i="1" dirty="0" smtClean="0"/>
+              <a:t>()</a:t>
+            </a:r>
+            <a:endParaRPr lang="en-US" sz="1200" i="1" dirty="0"/>
+          </a:p>
+        </p:txBody>
+      </p:sp>
+      <p:sp>
+        <p:nvSpPr>
+          <p:cNvPr id="71" name="TextBox 70"/>
+          <p:cNvSpPr txBox="1"/>
+          <p:nvPr/>
+        </p:nvSpPr>
+        <p:spPr>
+          <a:xfrm>
+            <a:off x="6102777" y="3452667"/>
+            <a:ext cx="2314668" cy="369332"/>
+          </a:xfrm>
+          <a:prstGeom prst="rect">
+            <a:avLst/>
+          </a:prstGeom>
+          <a:noFill/>
+        </p:spPr>
+        <p:txBody>
+          <a:bodyPr wrap="square" rtlCol="0">
+            <a:spAutoFit/>
+          </a:bodyPr>
+          <a:lstStyle/>
+          <a:p>
+            <a:pPr algn="ctr">
+              <a:lnSpc>
+                <a:spcPct val="150000"/>
+              </a:lnSpc>
+            </a:pPr>
+            <a:r>
+              <a:rPr lang="en-US" sz="1200" i="1" dirty="0"/>
+              <a:t>v</a:t>
+            </a:r>
+            <a:r>
+              <a:rPr lang="en-US" sz="1200" i="1" dirty="0" smtClean="0"/>
+              <a:t>ector&lt;Item&gt;</a:t>
+            </a:r>
+            <a:endParaRPr lang="en-US" sz="1200" i="1" dirty="0"/>
+          </a:p>
+        </p:txBody>
+      </p:sp>
+      <p:cxnSp>
+        <p:nvCxnSpPr>
+          <p:cNvPr id="75" name="Straight Arrow Connector 74"/>
+          <p:cNvCxnSpPr/>
+          <p:nvPr/>
+        </p:nvCxnSpPr>
+        <p:spPr>
+          <a:xfrm flipH="1">
+            <a:off x="1525985" y="4444646"/>
+            <a:ext cx="2220537" cy="0"/>
+          </a:xfrm>
+          <a:prstGeom prst="straightConnector1">
+            <a:avLst/>
+          </a:prstGeom>
+          <a:ln>
+            <a:prstDash val="dash"/>
+            <a:tailEnd type="triangle"/>
+          </a:ln>
+        </p:spPr>
+        <p:style>
+          <a:lnRef idx="1">
+            <a:schemeClr val="dk1"/>
+          </a:lnRef>
+          <a:fillRef idx="0">
+            <a:schemeClr val="dk1"/>
+          </a:fillRef>
+          <a:effectRef idx="0">
+            <a:schemeClr val="dk1"/>
+          </a:effectRef>
+          <a:fontRef idx="minor">
+            <a:schemeClr val="tx1"/>
+          </a:fontRef>
+        </p:style>
+      </p:cxnSp>
+      <p:sp>
+        <p:nvSpPr>
+          <p:cNvPr id="93" name="TextBox 92"/>
+          <p:cNvSpPr txBox="1"/>
+          <p:nvPr/>
+        </p:nvSpPr>
+        <p:spPr>
+          <a:xfrm>
+            <a:off x="3739469" y="1255724"/>
+            <a:ext cx="2414855" cy="276999"/>
+          </a:xfrm>
+          <a:prstGeom prst="rect">
+            <a:avLst/>
+          </a:prstGeom>
+          <a:noFill/>
+        </p:spPr>
+        <p:txBody>
+          <a:bodyPr wrap="square" rtlCol="0">
+            <a:spAutoFit/>
+          </a:bodyPr>
+          <a:lstStyle/>
+          <a:p>
+            <a:pPr algn="ctr"/>
+            <a:r>
+              <a:rPr lang="en-US" sz="1200" i="1" dirty="0" err="1" smtClean="0"/>
+              <a:t>initiateCommandAction</a:t>
+            </a:r>
+            <a:r>
+              <a:rPr lang="en-US" sz="1200" i="1" dirty="0" smtClean="0"/>
+              <a:t>(string)</a:t>
+            </a:r>
+            <a:endParaRPr lang="en-US" sz="1200" i="1" dirty="0" smtClean="0"/>
+          </a:p>
+        </p:txBody>
+      </p:sp>
+      <p:sp>
+        <p:nvSpPr>
+          <p:cNvPr id="100" name="TextBox 99"/>
+          <p:cNvSpPr txBox="1"/>
+          <p:nvPr/>
+        </p:nvSpPr>
+        <p:spPr>
+          <a:xfrm>
+            <a:off x="1533244" y="4085041"/>
+            <a:ext cx="2217742" cy="340734"/>
+          </a:xfrm>
+          <a:prstGeom prst="rect">
+            <a:avLst/>
+          </a:prstGeom>
+          <a:noFill/>
+        </p:spPr>
+        <p:txBody>
+          <a:bodyPr wrap="square" rtlCol="0">
+            <a:spAutoFit/>
+          </a:bodyPr>
+          <a:lstStyle/>
+          <a:p>
+            <a:pPr algn="ctr">
+              <a:lnSpc>
+                <a:spcPct val="150000"/>
+              </a:lnSpc>
+            </a:pPr>
+            <a:r>
+              <a:rPr lang="en-US" sz="1200" dirty="0" smtClean="0"/>
+              <a:t>User sees updated schedule</a:t>
+            </a:r>
+            <a:endParaRPr lang="en-US" sz="1200" dirty="0"/>
+          </a:p>
+        </p:txBody>
+      </p:sp>
+      <p:sp>
+        <p:nvSpPr>
+          <p:cNvPr id="2" name="TextBox 1"/>
+          <p:cNvSpPr txBox="1"/>
+          <p:nvPr/>
+        </p:nvSpPr>
+        <p:spPr>
+          <a:xfrm>
+            <a:off x="5270182" y="6053269"/>
+            <a:ext cx="1665199" cy="369332"/>
+          </a:xfrm>
+          <a:prstGeom prst="rect">
+            <a:avLst/>
+          </a:prstGeom>
+          <a:noFill/>
+        </p:spPr>
+        <p:txBody>
+          <a:bodyPr wrap="none" rtlCol="0">
+            <a:spAutoFit/>
+          </a:bodyPr>
+          <a:lstStyle/>
+          <a:p>
+            <a:pPr algn="ctr"/>
+            <a:r>
+              <a:rPr lang="en-US" dirty="0" smtClean="0"/>
+              <a:t>Search keyword</a:t>
+            </a:r>
+            <a:endParaRPr lang="en-US" dirty="0"/>
+          </a:p>
+        </p:txBody>
+      </p:sp>
+      <p:grpSp>
+        <p:nvGrpSpPr>
+          <p:cNvPr id="110" name="Group 109"/>
+          <p:cNvGrpSpPr/>
+          <p:nvPr/>
+        </p:nvGrpSpPr>
+        <p:grpSpPr>
+          <a:xfrm>
+            <a:off x="1237209" y="511856"/>
+            <a:ext cx="9834229" cy="4311650"/>
+            <a:chOff x="1237086" y="500288"/>
+            <a:chExt cx="9834229" cy="5222591"/>
+          </a:xfrm>
+        </p:grpSpPr>
+        <p:grpSp>
+          <p:nvGrpSpPr>
+            <p:cNvPr id="77" name="Group 76"/>
+            <p:cNvGrpSpPr/>
+            <p:nvPr/>
+          </p:nvGrpSpPr>
+          <p:grpSpPr>
+            <a:xfrm>
+              <a:off x="5750956" y="504015"/>
+              <a:ext cx="663964" cy="5218863"/>
+              <a:chOff x="3477172" y="504017"/>
+              <a:chExt cx="663964" cy="5218863"/>
+            </a:xfrm>
+          </p:grpSpPr>
+          <p:sp>
+            <p:nvSpPr>
+              <p:cNvPr id="5" name="TextBox 4"/>
+              <p:cNvSpPr txBox="1"/>
+              <p:nvPr/>
+            </p:nvSpPr>
+            <p:spPr>
+              <a:xfrm>
+                <a:off x="3477172" y="504017"/>
+                <a:ext cx="663964" cy="447362"/>
+              </a:xfrm>
+              <a:prstGeom prst="rect">
+                <a:avLst/>
+              </a:prstGeom>
+            </p:spPr>
+            <p:style>
+              <a:lnRef idx="1">
+                <a:schemeClr val="accent1"/>
+              </a:lnRef>
+              <a:fillRef idx="2">
+                <a:schemeClr val="accent1"/>
+              </a:fillRef>
+              <a:effectRef idx="1">
+                <a:schemeClr val="accent1"/>
+              </a:effectRef>
+              <a:fontRef idx="minor">
+                <a:schemeClr val="dk1"/>
+              </a:fontRef>
+            </p:style>
+            <p:txBody>
+              <a:bodyPr wrap="none" rtlCol="0" anchor="ctr">
+                <a:spAutoFit/>
+              </a:bodyPr>
+              <a:lstStyle/>
+              <a:p>
+                <a:pPr algn="ctr"/>
+                <a:r>
+                  <a:rPr lang="en-US" dirty="0" smtClean="0"/>
+                  <a:t>Logic</a:t>
+                </a:r>
+              </a:p>
+            </p:txBody>
+          </p:sp>
+          <p:cxnSp>
+            <p:nvCxnSpPr>
+              <p:cNvPr id="13" name="Straight Connector 12"/>
+              <p:cNvCxnSpPr/>
+              <p:nvPr/>
+            </p:nvCxnSpPr>
+            <p:spPr>
+              <a:xfrm flipH="1">
+                <a:off x="3809154" y="960491"/>
+                <a:ext cx="2" cy="4762389"/>
+              </a:xfrm>
+              <a:prstGeom prst="line">
+                <a:avLst/>
+              </a:prstGeom>
+            </p:spPr>
+            <p:style>
+              <a:lnRef idx="1">
+                <a:schemeClr val="dk1"/>
+              </a:lnRef>
+              <a:fillRef idx="0">
+                <a:schemeClr val="dk1"/>
+              </a:fillRef>
+              <a:effectRef idx="0">
+                <a:schemeClr val="dk1"/>
+              </a:effectRef>
+              <a:fontRef idx="minor">
+                <a:schemeClr val="tx1"/>
+              </a:fontRef>
+            </p:style>
+          </p:cxnSp>
+        </p:grpSp>
+        <p:grpSp>
+          <p:nvGrpSpPr>
+            <p:cNvPr id="78" name="Group 77"/>
+            <p:cNvGrpSpPr/>
+            <p:nvPr/>
+          </p:nvGrpSpPr>
+          <p:grpSpPr>
+            <a:xfrm>
+              <a:off x="3504203" y="539303"/>
+              <a:ext cx="535724" cy="5183575"/>
+              <a:chOff x="5806794" y="539305"/>
+              <a:chExt cx="535724" cy="5183575"/>
+            </a:xfrm>
+          </p:grpSpPr>
+          <p:cxnSp>
+            <p:nvCxnSpPr>
+              <p:cNvPr id="14" name="Straight Connector 13"/>
+              <p:cNvCxnSpPr/>
+              <p:nvPr/>
+            </p:nvCxnSpPr>
+            <p:spPr>
+              <a:xfrm flipH="1">
+                <a:off x="6072064" y="960491"/>
+                <a:ext cx="2" cy="4762389"/>
+              </a:xfrm>
+              <a:prstGeom prst="line">
+                <a:avLst/>
+              </a:prstGeom>
+            </p:spPr>
+            <p:style>
+              <a:lnRef idx="1">
+                <a:schemeClr val="dk1"/>
+              </a:lnRef>
+              <a:fillRef idx="0">
+                <a:schemeClr val="dk1"/>
+              </a:fillRef>
+              <a:effectRef idx="0">
+                <a:schemeClr val="dk1"/>
+              </a:effectRef>
+              <a:fontRef idx="minor">
+                <a:schemeClr val="tx1"/>
+              </a:fontRef>
+            </p:style>
+          </p:cxnSp>
+          <p:sp>
+            <p:nvSpPr>
+              <p:cNvPr id="6" name="TextBox 5"/>
+              <p:cNvSpPr txBox="1"/>
+              <p:nvPr/>
+            </p:nvSpPr>
+            <p:spPr>
+              <a:xfrm>
+                <a:off x="5806794" y="539305"/>
+                <a:ext cx="535724" cy="447362"/>
+              </a:xfrm>
+              <a:prstGeom prst="rect">
+                <a:avLst/>
+              </a:prstGeom>
+            </p:spPr>
+            <p:style>
+              <a:lnRef idx="1">
+                <a:schemeClr val="accent2"/>
+              </a:lnRef>
+              <a:fillRef idx="2">
+                <a:schemeClr val="accent2"/>
+              </a:fillRef>
+              <a:effectRef idx="1">
+                <a:schemeClr val="accent2"/>
+              </a:effectRef>
+              <a:fontRef idx="minor">
+                <a:schemeClr val="dk1"/>
+              </a:fontRef>
+            </p:style>
+            <p:txBody>
+              <a:bodyPr wrap="none" rtlCol="0" anchor="ctr">
+                <a:spAutoFit/>
+              </a:bodyPr>
+              <a:lstStyle/>
+              <a:p>
+                <a:r>
+                  <a:rPr lang="en-US" dirty="0" smtClean="0"/>
+                  <a:t>GUI</a:t>
+                </a:r>
+                <a:endParaRPr lang="en-US" dirty="0"/>
+              </a:p>
+            </p:txBody>
+          </p:sp>
+        </p:grpSp>
+        <p:grpSp>
+          <p:nvGrpSpPr>
+            <p:cNvPr id="102" name="Group 101"/>
+            <p:cNvGrpSpPr/>
+            <p:nvPr/>
+          </p:nvGrpSpPr>
+          <p:grpSpPr>
+            <a:xfrm>
+              <a:off x="8035324" y="539303"/>
+              <a:ext cx="770467" cy="5183576"/>
+              <a:chOff x="8035324" y="539303"/>
+              <a:chExt cx="770467" cy="5183576"/>
+            </a:xfrm>
+          </p:grpSpPr>
+          <p:cxnSp>
+            <p:nvCxnSpPr>
+              <p:cNvPr id="15" name="Straight Connector 14"/>
+              <p:cNvCxnSpPr/>
+              <p:nvPr/>
+            </p:nvCxnSpPr>
+            <p:spPr>
+              <a:xfrm flipH="1">
+                <a:off x="8420559" y="960490"/>
+                <a:ext cx="2" cy="4762389"/>
+              </a:xfrm>
+              <a:prstGeom prst="line">
+                <a:avLst/>
+              </a:prstGeom>
+            </p:spPr>
+            <p:style>
+              <a:lnRef idx="1">
+                <a:schemeClr val="dk1"/>
+              </a:lnRef>
+              <a:fillRef idx="0">
+                <a:schemeClr val="dk1"/>
+              </a:fillRef>
+              <a:effectRef idx="0">
+                <a:schemeClr val="dk1"/>
+              </a:effectRef>
+              <a:fontRef idx="minor">
+                <a:schemeClr val="tx1"/>
+              </a:fontRef>
+            </p:style>
+          </p:cxnSp>
+          <p:sp>
+            <p:nvSpPr>
+              <p:cNvPr id="7" name="TextBox 6"/>
+              <p:cNvSpPr txBox="1"/>
+              <p:nvPr/>
+            </p:nvSpPr>
+            <p:spPr>
+              <a:xfrm>
+                <a:off x="8035324" y="539303"/>
+                <a:ext cx="770467" cy="447362"/>
+              </a:xfrm>
+              <a:prstGeom prst="rect">
+                <a:avLst/>
+              </a:prstGeom>
+            </p:spPr>
+            <p:style>
+              <a:lnRef idx="1">
+                <a:schemeClr val="accent3"/>
+              </a:lnRef>
+              <a:fillRef idx="2">
+                <a:schemeClr val="accent3"/>
+              </a:fillRef>
+              <a:effectRef idx="1">
+                <a:schemeClr val="accent3"/>
+              </a:effectRef>
+              <a:fontRef idx="minor">
+                <a:schemeClr val="dk1"/>
+              </a:fontRef>
+            </p:style>
+            <p:txBody>
+              <a:bodyPr wrap="none" rtlCol="0" anchor="ctr">
+                <a:spAutoFit/>
+              </a:bodyPr>
+              <a:lstStyle/>
+              <a:p>
+                <a:pPr algn="ctr"/>
+                <a:r>
+                  <a:rPr lang="en-US" dirty="0" smtClean="0"/>
+                  <a:t>Parser</a:t>
+                </a:r>
+                <a:endParaRPr lang="en-US" dirty="0"/>
+              </a:p>
+            </p:txBody>
+          </p:sp>
+        </p:grpSp>
+        <p:grpSp>
+          <p:nvGrpSpPr>
+            <p:cNvPr id="109" name="Group 108"/>
+            <p:cNvGrpSpPr/>
+            <p:nvPr/>
+          </p:nvGrpSpPr>
+          <p:grpSpPr>
+            <a:xfrm>
+              <a:off x="10175813" y="536005"/>
+              <a:ext cx="895502" cy="5172752"/>
+              <a:chOff x="10175813" y="536005"/>
+              <a:chExt cx="895502" cy="5172752"/>
+            </a:xfrm>
+          </p:grpSpPr>
+          <p:cxnSp>
+            <p:nvCxnSpPr>
+              <p:cNvPr id="16" name="Straight Connector 15"/>
+              <p:cNvCxnSpPr/>
+              <p:nvPr/>
+            </p:nvCxnSpPr>
+            <p:spPr>
+              <a:xfrm flipH="1">
+                <a:off x="10623564" y="946368"/>
+                <a:ext cx="2" cy="4762389"/>
+              </a:xfrm>
+              <a:prstGeom prst="line">
+                <a:avLst/>
+              </a:prstGeom>
+            </p:spPr>
+            <p:style>
+              <a:lnRef idx="1">
+                <a:schemeClr val="dk1"/>
+              </a:lnRef>
+              <a:fillRef idx="0">
+                <a:schemeClr val="dk1"/>
+              </a:fillRef>
+              <a:effectRef idx="0">
+                <a:schemeClr val="dk1"/>
+              </a:effectRef>
+              <a:fontRef idx="minor">
+                <a:schemeClr val="tx1"/>
+              </a:fontRef>
+            </p:style>
+          </p:cxnSp>
+          <p:sp>
+            <p:nvSpPr>
+              <p:cNvPr id="8" name="TextBox 7"/>
+              <p:cNvSpPr txBox="1"/>
+              <p:nvPr/>
+            </p:nvSpPr>
+            <p:spPr>
+              <a:xfrm>
+                <a:off x="10175813" y="536005"/>
+                <a:ext cx="895502" cy="447362"/>
+              </a:xfrm>
+              <a:prstGeom prst="rect">
+                <a:avLst/>
+              </a:prstGeom>
+            </p:spPr>
+            <p:style>
+              <a:lnRef idx="1">
+                <a:schemeClr val="accent6"/>
+              </a:lnRef>
+              <a:fillRef idx="2">
+                <a:schemeClr val="accent6"/>
+              </a:fillRef>
+              <a:effectRef idx="1">
+                <a:schemeClr val="accent6"/>
+              </a:effectRef>
+              <a:fontRef idx="minor">
+                <a:schemeClr val="dk1"/>
+              </a:fontRef>
+            </p:style>
+            <p:txBody>
+              <a:bodyPr wrap="none" rtlCol="0" anchor="ctr">
+                <a:spAutoFit/>
+              </a:bodyPr>
+              <a:lstStyle/>
+              <a:p>
+                <a:r>
+                  <a:rPr lang="en-US" dirty="0" smtClean="0"/>
+                  <a:t>Storage</a:t>
+                </a:r>
+                <a:endParaRPr lang="en-US" dirty="0"/>
+              </a:p>
+            </p:txBody>
+          </p:sp>
+        </p:grpSp>
+        <p:grpSp>
+          <p:nvGrpSpPr>
+            <p:cNvPr id="108" name="Group 107"/>
+            <p:cNvGrpSpPr/>
+            <p:nvPr/>
+          </p:nvGrpSpPr>
+          <p:grpSpPr>
+            <a:xfrm>
+              <a:off x="1237086" y="500288"/>
+              <a:ext cx="617477" cy="5222425"/>
+              <a:chOff x="1237086" y="500288"/>
+              <a:chExt cx="617477" cy="5222425"/>
+            </a:xfrm>
+          </p:grpSpPr>
+          <p:sp>
+            <p:nvSpPr>
+              <p:cNvPr id="4" name="TextBox 3"/>
+              <p:cNvSpPr txBox="1"/>
+              <p:nvPr/>
+            </p:nvSpPr>
+            <p:spPr>
+              <a:xfrm>
+                <a:off x="1237086" y="500288"/>
+                <a:ext cx="617477" cy="447362"/>
+              </a:xfrm>
+              <a:prstGeom prst="rect">
+                <a:avLst/>
+              </a:prstGeom>
+            </p:spPr>
+            <p:style>
+              <a:lnRef idx="2">
+                <a:schemeClr val="dk1">
+                  <a:shade val="50000"/>
+                </a:schemeClr>
+              </a:lnRef>
+              <a:fillRef idx="1">
+                <a:schemeClr val="dk1"/>
+              </a:fillRef>
+              <a:effectRef idx="0">
+                <a:schemeClr val="dk1"/>
+              </a:effectRef>
+              <a:fontRef idx="minor">
+                <a:schemeClr val="lt1"/>
+              </a:fontRef>
+            </p:style>
+            <p:txBody>
+              <a:bodyPr wrap="square" rtlCol="0" anchor="ctr">
+                <a:spAutoFit/>
+              </a:bodyPr>
+              <a:lstStyle/>
+              <a:p>
+                <a:r>
+                  <a:rPr lang="en-US" dirty="0" smtClean="0"/>
+                  <a:t>User</a:t>
+                </a:r>
+                <a:endParaRPr lang="en-US" dirty="0"/>
+              </a:p>
+            </p:txBody>
+          </p:sp>
+          <p:cxnSp>
+            <p:nvCxnSpPr>
+              <p:cNvPr id="64" name="Straight Connector 63"/>
+              <p:cNvCxnSpPr/>
+              <p:nvPr/>
+            </p:nvCxnSpPr>
+            <p:spPr>
+              <a:xfrm>
+                <a:off x="1530133" y="960489"/>
+                <a:ext cx="0" cy="4762224"/>
+              </a:xfrm>
+              <a:prstGeom prst="line">
+                <a:avLst/>
+              </a:prstGeom>
+            </p:spPr>
+            <p:style>
+              <a:lnRef idx="1">
+                <a:schemeClr val="dk1"/>
+              </a:lnRef>
+              <a:fillRef idx="0">
+                <a:schemeClr val="dk1"/>
+              </a:fillRef>
+              <a:effectRef idx="0">
+                <a:schemeClr val="dk1"/>
+              </a:effectRef>
+              <a:fontRef idx="minor">
+                <a:schemeClr val="tx1"/>
+              </a:fontRef>
+            </p:style>
+          </p:cxnSp>
+        </p:grpSp>
+      </p:grpSp>
+      <p:sp>
+        <p:nvSpPr>
+          <p:cNvPr id="42" name="Rectangle 41"/>
+          <p:cNvSpPr/>
+          <p:nvPr/>
+        </p:nvSpPr>
+        <p:spPr>
+          <a:xfrm>
+            <a:off x="6029072" y="1540245"/>
+            <a:ext cx="101508" cy="2645558"/>
+          </a:xfrm>
+          <a:prstGeom prst="rect">
+            <a:avLst/>
+          </a:prstGeom>
+          <a:solidFill>
+            <a:schemeClr val="bg2"/>
+          </a:solidFill>
+          <a:ln>
+            <a:solidFill>
+              <a:schemeClr val="bg1">
+                <a:lumMod val="75000"/>
+              </a:schemeClr>
+            </a:solidFill>
+          </a:ln>
+        </p:spPr>
+        <p:style>
+          <a:lnRef idx="2">
+            <a:schemeClr val="accent1">
+              <a:shade val="50000"/>
+            </a:schemeClr>
+          </a:lnRef>
+          <a:fillRef idx="1">
+            <a:schemeClr val="accent1"/>
+          </a:fillRef>
+          <a:effectRef idx="0">
+            <a:schemeClr val="accent1"/>
+          </a:effectRef>
+          <a:fontRef idx="minor">
+            <a:schemeClr val="lt1"/>
+          </a:fontRef>
+        </p:style>
+        <p:txBody>
+          <a:bodyPr rtlCol="0" anchor="ctr"/>
+          <a:lstStyle/>
+          <a:p>
+            <a:pPr algn="ctr"/>
+            <a:endParaRPr lang="en-US"/>
+          </a:p>
+        </p:txBody>
+      </p:sp>
+      <p:sp>
+        <p:nvSpPr>
+          <p:cNvPr id="41" name="Rectangle 40"/>
+          <p:cNvSpPr/>
+          <p:nvPr/>
+        </p:nvSpPr>
+        <p:spPr>
+          <a:xfrm>
+            <a:off x="3715194" y="1364924"/>
+            <a:ext cx="101508" cy="3079722"/>
+          </a:xfrm>
+          <a:prstGeom prst="rect">
+            <a:avLst/>
+          </a:prstGeom>
+          <a:solidFill>
+            <a:schemeClr val="bg2"/>
+          </a:solidFill>
+          <a:ln>
+            <a:solidFill>
+              <a:schemeClr val="bg1">
+                <a:lumMod val="75000"/>
+              </a:schemeClr>
+            </a:solidFill>
+          </a:ln>
+        </p:spPr>
+        <p:style>
+          <a:lnRef idx="2">
+            <a:schemeClr val="accent1">
+              <a:shade val="50000"/>
+            </a:schemeClr>
+          </a:lnRef>
+          <a:fillRef idx="1">
+            <a:schemeClr val="accent1"/>
+          </a:fillRef>
+          <a:effectRef idx="0">
+            <a:schemeClr val="accent1"/>
+          </a:effectRef>
+          <a:fontRef idx="minor">
+            <a:schemeClr val="lt1"/>
+          </a:fontRef>
+        </p:style>
+        <p:txBody>
+          <a:bodyPr rtlCol="0" anchor="ctr"/>
+          <a:lstStyle/>
+          <a:p>
+            <a:pPr algn="ctr"/>
+            <a:endParaRPr lang="en-US"/>
+          </a:p>
+        </p:txBody>
+      </p:sp>
+      <p:sp>
+        <p:nvSpPr>
+          <p:cNvPr id="49" name="TextBox 48"/>
+          <p:cNvSpPr txBox="1"/>
+          <p:nvPr/>
+        </p:nvSpPr>
+        <p:spPr>
+          <a:xfrm>
+            <a:off x="3792426" y="3817112"/>
+            <a:ext cx="2287400" cy="340734"/>
+          </a:xfrm>
+          <a:prstGeom prst="rect">
+            <a:avLst/>
+          </a:prstGeom>
+          <a:noFill/>
+        </p:spPr>
+        <p:txBody>
+          <a:bodyPr wrap="square" rtlCol="0">
+            <a:spAutoFit/>
+          </a:bodyPr>
+          <a:lstStyle/>
+          <a:p>
+            <a:pPr algn="ctr">
+              <a:lnSpc>
+                <a:spcPct val="150000"/>
+              </a:lnSpc>
+            </a:pPr>
+            <a:r>
+              <a:rPr lang="en-US" sz="1200" dirty="0" smtClean="0"/>
+              <a:t>Update GUI</a:t>
+            </a:r>
+            <a:endParaRPr lang="en-US" sz="1200" dirty="0"/>
+          </a:p>
+        </p:txBody>
+      </p:sp>
+      <p:cxnSp>
+        <p:nvCxnSpPr>
+          <p:cNvPr id="91" name="Straight Arrow Connector 90"/>
+          <p:cNvCxnSpPr/>
+          <p:nvPr/>
+        </p:nvCxnSpPr>
+        <p:spPr>
+          <a:xfrm>
+            <a:off x="3816702" y="1565004"/>
+            <a:ext cx="2266236" cy="0"/>
+          </a:xfrm>
+          <a:prstGeom prst="straightConnector1">
+            <a:avLst/>
+          </a:prstGeom>
+          <a:ln>
+            <a:tailEnd type="triangle"/>
+          </a:ln>
+        </p:spPr>
+        <p:style>
+          <a:lnRef idx="1">
+            <a:schemeClr val="dk1"/>
+          </a:lnRef>
+          <a:fillRef idx="0">
+            <a:schemeClr val="dk1"/>
+          </a:fillRef>
+          <a:effectRef idx="0">
+            <a:schemeClr val="dk1"/>
+          </a:effectRef>
+          <a:fontRef idx="minor">
+            <a:schemeClr val="tx1"/>
+          </a:fontRef>
+        </p:style>
+      </p:cxnSp>
+      <p:cxnSp>
+        <p:nvCxnSpPr>
+          <p:cNvPr id="19" name="Straight Arrow Connector 18"/>
+          <p:cNvCxnSpPr/>
+          <p:nvPr/>
+        </p:nvCxnSpPr>
+        <p:spPr>
+          <a:xfrm>
+            <a:off x="1545825" y="1369061"/>
+            <a:ext cx="2220538" cy="0"/>
+          </a:xfrm>
+          <a:prstGeom prst="straightConnector1">
+            <a:avLst/>
+          </a:prstGeom>
+          <a:ln>
+            <a:tailEnd type="triangle"/>
+          </a:ln>
+        </p:spPr>
+        <p:style>
+          <a:lnRef idx="1">
+            <a:schemeClr val="dk1"/>
+          </a:lnRef>
+          <a:fillRef idx="0">
+            <a:schemeClr val="dk1"/>
+          </a:fillRef>
+          <a:effectRef idx="0">
+            <a:schemeClr val="dk1"/>
+          </a:effectRef>
+          <a:fontRef idx="minor">
+            <a:schemeClr val="tx1"/>
+          </a:fontRef>
+        </p:style>
+      </p:cxnSp>
+      <p:cxnSp>
+        <p:nvCxnSpPr>
+          <p:cNvPr id="40" name="Straight Arrow Connector 39"/>
+          <p:cNvCxnSpPr/>
+          <p:nvPr/>
+        </p:nvCxnSpPr>
+        <p:spPr>
+          <a:xfrm flipH="1">
+            <a:off x="6082936" y="3808552"/>
+            <a:ext cx="4540628" cy="0"/>
+          </a:xfrm>
+          <a:prstGeom prst="straightConnector1">
+            <a:avLst/>
+          </a:prstGeom>
+          <a:ln>
+            <a:prstDash val="dash"/>
+            <a:tailEnd type="triangle"/>
+          </a:ln>
+        </p:spPr>
+        <p:style>
+          <a:lnRef idx="1">
+            <a:schemeClr val="dk1"/>
+          </a:lnRef>
+          <a:fillRef idx="0">
+            <a:schemeClr val="dk1"/>
+          </a:fillRef>
+          <a:effectRef idx="0">
+            <a:schemeClr val="dk1"/>
+          </a:effectRef>
+          <a:fontRef idx="minor">
+            <a:schemeClr val="tx1"/>
+          </a:fontRef>
+        </p:style>
+      </p:cxnSp>
+      <p:cxnSp>
+        <p:nvCxnSpPr>
+          <p:cNvPr id="22" name="Straight Arrow Connector 21"/>
+          <p:cNvCxnSpPr/>
+          <p:nvPr/>
+        </p:nvCxnSpPr>
+        <p:spPr>
+          <a:xfrm flipH="1">
+            <a:off x="6082938" y="2083911"/>
+            <a:ext cx="2337621" cy="0"/>
+          </a:xfrm>
+          <a:prstGeom prst="straightConnector1">
+            <a:avLst/>
+          </a:prstGeom>
+          <a:ln>
+            <a:prstDash val="dash"/>
+            <a:tailEnd type="triangle"/>
+          </a:ln>
+        </p:spPr>
+        <p:style>
+          <a:lnRef idx="1">
+            <a:schemeClr val="dk1"/>
+          </a:lnRef>
+          <a:fillRef idx="0">
+            <a:schemeClr val="dk1"/>
+          </a:fillRef>
+          <a:effectRef idx="0">
+            <a:schemeClr val="dk1"/>
+          </a:effectRef>
+          <a:fontRef idx="minor">
+            <a:schemeClr val="tx1"/>
+          </a:fontRef>
+        </p:style>
+      </p:cxnSp>
+      <p:grpSp>
+        <p:nvGrpSpPr>
+          <p:cNvPr id="97" name="Group 96"/>
+          <p:cNvGrpSpPr/>
+          <p:nvPr/>
+        </p:nvGrpSpPr>
+        <p:grpSpPr>
+          <a:xfrm>
+            <a:off x="3766363" y="3821249"/>
+            <a:ext cx="2316575" cy="364554"/>
+            <a:chOff x="3766363" y="3668353"/>
+            <a:chExt cx="2316575" cy="364554"/>
+          </a:xfrm>
+        </p:grpSpPr>
+        <p:cxnSp>
+          <p:nvCxnSpPr>
+            <p:cNvPr id="33" name="Straight Arrow Connector 32"/>
+            <p:cNvCxnSpPr/>
+            <p:nvPr/>
+          </p:nvCxnSpPr>
+          <p:spPr>
+            <a:xfrm flipH="1">
+              <a:off x="3766363" y="4032907"/>
+              <a:ext cx="2316575" cy="0"/>
+            </a:xfrm>
+            <a:prstGeom prst="straightConnector1">
+              <a:avLst/>
+            </a:prstGeom>
+            <a:ln>
+              <a:prstDash val="dash"/>
+              <a:tailEnd type="triangle"/>
+            </a:ln>
+          </p:spPr>
+          <p:style>
+            <a:lnRef idx="1">
+              <a:schemeClr val="dk1"/>
+            </a:lnRef>
+            <a:fillRef idx="0">
+              <a:schemeClr val="dk1"/>
+            </a:fillRef>
+            <a:effectRef idx="0">
+              <a:schemeClr val="dk1"/>
+            </a:effectRef>
+            <a:fontRef idx="minor">
+              <a:schemeClr val="tx1"/>
+            </a:fontRef>
+          </p:style>
+        </p:cxnSp>
+        <p:sp>
+          <p:nvSpPr>
+            <p:cNvPr id="69" name="TextBox 68"/>
+            <p:cNvSpPr txBox="1"/>
+            <p:nvPr/>
+          </p:nvSpPr>
+          <p:spPr>
+            <a:xfrm>
+              <a:off x="3792426" y="3668353"/>
+              <a:ext cx="2287400" cy="340734"/>
+            </a:xfrm>
+            <a:prstGeom prst="rect">
+              <a:avLst/>
+            </a:prstGeom>
+            <a:noFill/>
+          </p:spPr>
+          <p:txBody>
+            <a:bodyPr wrap="square" rtlCol="0">
+              <a:spAutoFit/>
+            </a:bodyPr>
+            <a:lstStyle/>
+            <a:p>
+              <a:pPr algn="ctr">
+                <a:lnSpc>
+                  <a:spcPct val="150000"/>
+                </a:lnSpc>
+              </a:pPr>
+              <a:r>
+                <a:rPr lang="en-US" sz="1200" dirty="0" smtClean="0"/>
+                <a:t>Update GUI</a:t>
+              </a:r>
+              <a:endParaRPr lang="en-US" sz="1200" dirty="0"/>
+            </a:p>
+          </p:txBody>
+        </p:sp>
+      </p:grpSp>
+      <p:sp>
+        <p:nvSpPr>
+          <p:cNvPr id="43" name="Rectangle 42"/>
+          <p:cNvSpPr/>
+          <p:nvPr/>
+        </p:nvSpPr>
+        <p:spPr>
+          <a:xfrm>
+            <a:off x="8366691" y="1769243"/>
+            <a:ext cx="101508" cy="312839"/>
+          </a:xfrm>
+          <a:prstGeom prst="rect">
+            <a:avLst/>
+          </a:prstGeom>
+          <a:solidFill>
+            <a:schemeClr val="bg2"/>
+          </a:solidFill>
+          <a:ln>
+            <a:solidFill>
+              <a:schemeClr val="bg1">
+                <a:lumMod val="75000"/>
+              </a:schemeClr>
+            </a:solidFill>
+          </a:ln>
+        </p:spPr>
+        <p:style>
+          <a:lnRef idx="2">
+            <a:schemeClr val="accent1">
+              <a:shade val="50000"/>
+            </a:schemeClr>
+          </a:lnRef>
+          <a:fillRef idx="1">
+            <a:schemeClr val="accent1"/>
+          </a:fillRef>
+          <a:effectRef idx="0">
+            <a:schemeClr val="accent1"/>
+          </a:effectRef>
+          <a:fontRef idx="minor">
+            <a:schemeClr val="lt1"/>
+          </a:fontRef>
+        </p:style>
+        <p:txBody>
+          <a:bodyPr rtlCol="0" anchor="ctr"/>
+          <a:lstStyle/>
+          <a:p>
+            <a:pPr algn="ctr"/>
+            <a:endParaRPr lang="en-US"/>
+          </a:p>
+        </p:txBody>
+      </p:sp>
+      <p:cxnSp>
+        <p:nvCxnSpPr>
+          <p:cNvPr id="20" name="Straight Arrow Connector 19"/>
+          <p:cNvCxnSpPr/>
+          <p:nvPr/>
+        </p:nvCxnSpPr>
+        <p:spPr>
+          <a:xfrm>
+            <a:off x="6130580" y="1756419"/>
+            <a:ext cx="2289978" cy="0"/>
+          </a:xfrm>
+          <a:prstGeom prst="straightConnector1">
+            <a:avLst/>
+          </a:prstGeom>
+          <a:ln>
+            <a:tailEnd type="triangle"/>
+          </a:ln>
+        </p:spPr>
+        <p:style>
+          <a:lnRef idx="1">
+            <a:schemeClr val="dk1"/>
+          </a:lnRef>
+          <a:fillRef idx="0">
+            <a:schemeClr val="dk1"/>
+          </a:fillRef>
+          <a:effectRef idx="0">
+            <a:schemeClr val="dk1"/>
+          </a:effectRef>
+          <a:fontRef idx="minor">
+            <a:schemeClr val="tx1"/>
+          </a:fontRef>
+        </p:style>
+      </p:cxnSp>
+      <p:sp>
+        <p:nvSpPr>
+          <p:cNvPr id="44" name="Rectangle 43"/>
+          <p:cNvSpPr/>
+          <p:nvPr/>
+        </p:nvSpPr>
+        <p:spPr>
+          <a:xfrm>
+            <a:off x="10572810" y="2447356"/>
+            <a:ext cx="101508" cy="312839"/>
+          </a:xfrm>
+          <a:prstGeom prst="rect">
+            <a:avLst/>
+          </a:prstGeom>
+          <a:solidFill>
+            <a:schemeClr val="bg2"/>
+          </a:solidFill>
+          <a:ln>
+            <a:solidFill>
+              <a:schemeClr val="bg1">
+                <a:lumMod val="75000"/>
+              </a:schemeClr>
+            </a:solidFill>
+          </a:ln>
+        </p:spPr>
+        <p:style>
+          <a:lnRef idx="2">
+            <a:schemeClr val="accent1">
+              <a:shade val="50000"/>
+            </a:schemeClr>
+          </a:lnRef>
+          <a:fillRef idx="1">
+            <a:schemeClr val="accent1"/>
+          </a:fillRef>
+          <a:effectRef idx="0">
+            <a:schemeClr val="accent1"/>
+          </a:effectRef>
+          <a:fontRef idx="minor">
+            <a:schemeClr val="lt1"/>
+          </a:fontRef>
+        </p:style>
+        <p:txBody>
+          <a:bodyPr rtlCol="0" anchor="ctr"/>
+          <a:lstStyle/>
+          <a:p>
+            <a:pPr algn="ctr"/>
+            <a:endParaRPr lang="en-US"/>
+          </a:p>
+        </p:txBody>
+      </p:sp>
+      <p:cxnSp>
+        <p:nvCxnSpPr>
+          <p:cNvPr id="29" name="Straight Arrow Connector 28"/>
+          <p:cNvCxnSpPr/>
+          <p:nvPr/>
+        </p:nvCxnSpPr>
+        <p:spPr>
+          <a:xfrm>
+            <a:off x="6130580" y="2442657"/>
+            <a:ext cx="4492984" cy="0"/>
+          </a:xfrm>
+          <a:prstGeom prst="straightConnector1">
+            <a:avLst/>
+          </a:prstGeom>
+          <a:ln>
+            <a:tailEnd type="triangle"/>
+          </a:ln>
+        </p:spPr>
+        <p:style>
+          <a:lnRef idx="1">
+            <a:schemeClr val="dk1"/>
+          </a:lnRef>
+          <a:fillRef idx="0">
+            <a:schemeClr val="dk1"/>
+          </a:fillRef>
+          <a:effectRef idx="0">
+            <a:schemeClr val="dk1"/>
+          </a:effectRef>
+          <a:fontRef idx="minor">
+            <a:schemeClr val="tx1"/>
+          </a:fontRef>
+        </p:style>
+      </p:cxnSp>
+      <p:sp>
+        <p:nvSpPr>
+          <p:cNvPr id="45" name="Rectangle 44"/>
+          <p:cNvSpPr/>
+          <p:nvPr/>
+        </p:nvSpPr>
+        <p:spPr>
+          <a:xfrm>
+            <a:off x="10572810" y="3405067"/>
+            <a:ext cx="101508" cy="403485"/>
+          </a:xfrm>
+          <a:prstGeom prst="rect">
+            <a:avLst/>
+          </a:prstGeom>
+          <a:solidFill>
+            <a:schemeClr val="bg2"/>
+          </a:solidFill>
+          <a:ln>
+            <a:solidFill>
+              <a:schemeClr val="bg1">
+                <a:lumMod val="75000"/>
+              </a:schemeClr>
+            </a:solidFill>
+          </a:ln>
+        </p:spPr>
+        <p:style>
+          <a:lnRef idx="2">
+            <a:schemeClr val="accent1">
+              <a:shade val="50000"/>
+            </a:schemeClr>
+          </a:lnRef>
+          <a:fillRef idx="1">
+            <a:schemeClr val="accent1"/>
+          </a:fillRef>
+          <a:effectRef idx="0">
+            <a:schemeClr val="accent1"/>
+          </a:effectRef>
+          <a:fontRef idx="minor">
+            <a:schemeClr val="lt1"/>
+          </a:fontRef>
+        </p:style>
+        <p:txBody>
+          <a:bodyPr rtlCol="0" anchor="ctr"/>
+          <a:lstStyle/>
+          <a:p>
+            <a:pPr algn="ctr"/>
+            <a:endParaRPr lang="en-US"/>
+          </a:p>
+        </p:txBody>
+      </p:sp>
+      <p:cxnSp>
+        <p:nvCxnSpPr>
+          <p:cNvPr id="38" name="Straight Arrow Connector 37"/>
+          <p:cNvCxnSpPr/>
+          <p:nvPr/>
+        </p:nvCxnSpPr>
+        <p:spPr>
+          <a:xfrm>
+            <a:off x="6130580" y="3419613"/>
+            <a:ext cx="4492984" cy="0"/>
+          </a:xfrm>
+          <a:prstGeom prst="straightConnector1">
+            <a:avLst/>
+          </a:prstGeom>
+          <a:ln>
+            <a:tailEnd type="triangle"/>
+          </a:ln>
+        </p:spPr>
+        <p:style>
+          <a:lnRef idx="1">
+            <a:schemeClr val="dk1"/>
+          </a:lnRef>
+          <a:fillRef idx="0">
+            <a:schemeClr val="dk1"/>
+          </a:fillRef>
+          <a:effectRef idx="0">
+            <a:schemeClr val="dk1"/>
+          </a:effectRef>
+          <a:fontRef idx="minor">
+            <a:schemeClr val="tx1"/>
+          </a:fontRef>
+        </p:style>
+      </p:cxnSp>
+    </p:spTree>
+    <p:extLst>
+      <p:ext uri="{BB962C8B-B14F-4D97-AF65-F5344CB8AC3E}">
+        <p14:creationId xmlns:p14="http://schemas.microsoft.com/office/powerpoint/2010/main" val="2491863364"/>
+      </p:ext>
+    </p:extLst>
+  </p:cSld>
+  <p:clrMapOvr>
+    <a:masterClrMapping/>
+  </p:clrMapOvr>
+</p:sld>
+</file>
+
+<file path=ppt/slides/slide6.xml><?xml version="1.0" encoding="utf-8"?>
 <p:sld xmlns:a="http://schemas.openxmlformats.org/drawingml/2006/main" xmlns:r="http://schemas.openxmlformats.org/officeDocument/2006/relationships" xmlns:p="http://schemas.openxmlformats.org/presentationml/2006/main">
   <p:cSld>
     <p:spTree>
@@ -17798,13 +20929,8 @@
             <a:pPr algn="ctr"/>
             <a:r>
               <a:rPr lang="en-US" dirty="0" smtClean="0"/>
-              <a:t>Add VALID Item, failure at Storage </a:t>
-            </a:r>
-            <a:r>
-              <a:rPr lang="en-US" dirty="0" smtClean="0"/>
-              <a:t>end</a:t>
-            </a:r>
-            <a:endParaRPr lang="en-US" dirty="0" smtClean="0"/>
+              <a:t>Add VALID Item, failure at Storage end</a:t>
+            </a:r>
           </a:p>
         </p:txBody>
       </p:sp>
@@ -17821,7 +20947,7 @@
 </p:sld>
 </file>
 
-<file path=ppt/slides/slide6.xml><?xml version="1.0" encoding="utf-8"?>
+<file path=ppt/slides/slide7.xml><?xml version="1.0" encoding="utf-8"?>
 <p:sld xmlns:a="http://schemas.openxmlformats.org/drawingml/2006/main" xmlns:r="http://schemas.openxmlformats.org/officeDocument/2006/relationships" xmlns:p="http://schemas.openxmlformats.org/presentationml/2006/main">
   <p:cSld>
     <p:spTree>
@@ -18718,7 +21844,7 @@
 </p:sld>
 </file>
 
-<file path=ppt/slides/slide7.xml><?xml version="1.0" encoding="utf-8"?>
+<file path=ppt/slides/slide8.xml><?xml version="1.0" encoding="utf-8"?>
 <p:sld xmlns:a="http://schemas.openxmlformats.org/drawingml/2006/main" xmlns:r="http://schemas.openxmlformats.org/officeDocument/2006/relationships" xmlns:p="http://schemas.openxmlformats.org/presentationml/2006/main">
   <p:cSld>
     <p:spTree>
@@ -19869,7 +22995,7 @@
 </p:sld>
 </file>
 
-<file path=ppt/slides/slide8.xml><?xml version="1.0" encoding="utf-8"?>
+<file path=ppt/slides/slide9.xml><?xml version="1.0" encoding="utf-8"?>
 <p:sld xmlns:a="http://schemas.openxmlformats.org/drawingml/2006/main" xmlns:r="http://schemas.openxmlformats.org/officeDocument/2006/relationships" xmlns:p="http://schemas.openxmlformats.org/presentationml/2006/main">
   <p:cSld>
     <p:spTree>
@@ -20841,1315 +23967,10 @@
 </p:sld>
 </file>
 
-<file path=ppt/slides/slide9.xml><?xml version="1.0" encoding="utf-8"?>
-<p:sld xmlns:a="http://schemas.openxmlformats.org/drawingml/2006/main" xmlns:r="http://schemas.openxmlformats.org/officeDocument/2006/relationships" xmlns:p="http://schemas.openxmlformats.org/presentationml/2006/main">
-  <p:cSld>
-    <p:spTree>
-      <p:nvGrpSpPr>
-        <p:cNvPr id="1" name=""/>
-        <p:cNvGrpSpPr/>
-        <p:nvPr/>
-      </p:nvGrpSpPr>
-      <p:grpSpPr>
-        <a:xfrm>
-          <a:off x="0" y="0"/>
-          <a:ext cx="0" cy="0"/>
-          <a:chOff x="0" y="0"/>
-          <a:chExt cx="0" cy="0"/>
-        </a:xfrm>
-      </p:grpSpPr>
-      <p:cxnSp>
-        <p:nvCxnSpPr>
-          <p:cNvPr id="19" name="Straight Arrow Connector 18"/>
-          <p:cNvCxnSpPr/>
-          <p:nvPr/>
-        </p:nvCxnSpPr>
-        <p:spPr>
-          <a:xfrm>
-            <a:off x="1545825" y="1369061"/>
-            <a:ext cx="2220538" cy="0"/>
-          </a:xfrm>
-          <a:prstGeom prst="straightConnector1">
-            <a:avLst/>
-          </a:prstGeom>
-          <a:ln>
-            <a:tailEnd type="triangle"/>
-          </a:ln>
-        </p:spPr>
-        <p:style>
-          <a:lnRef idx="1">
-            <a:schemeClr val="dk1"/>
-          </a:lnRef>
-          <a:fillRef idx="0">
-            <a:schemeClr val="dk1"/>
-          </a:fillRef>
-          <a:effectRef idx="0">
-            <a:schemeClr val="dk1"/>
-          </a:effectRef>
-          <a:fontRef idx="minor">
-            <a:schemeClr val="tx1"/>
-          </a:fontRef>
-        </p:style>
-      </p:cxnSp>
-      <p:cxnSp>
-        <p:nvCxnSpPr>
-          <p:cNvPr id="20" name="Straight Arrow Connector 19"/>
-          <p:cNvCxnSpPr/>
-          <p:nvPr/>
-        </p:nvCxnSpPr>
-        <p:spPr>
-          <a:xfrm>
-            <a:off x="6082938" y="1756419"/>
-            <a:ext cx="2337620" cy="0"/>
-          </a:xfrm>
-          <a:prstGeom prst="straightConnector1">
-            <a:avLst/>
-          </a:prstGeom>
-          <a:ln>
-            <a:tailEnd type="triangle"/>
-          </a:ln>
-        </p:spPr>
-        <p:style>
-          <a:lnRef idx="1">
-            <a:schemeClr val="dk1"/>
-          </a:lnRef>
-          <a:fillRef idx="0">
-            <a:schemeClr val="dk1"/>
-          </a:fillRef>
-          <a:effectRef idx="0">
-            <a:schemeClr val="dk1"/>
-          </a:effectRef>
-          <a:fontRef idx="minor">
-            <a:schemeClr val="tx1"/>
-          </a:fontRef>
-        </p:style>
-      </p:cxnSp>
-      <p:cxnSp>
-        <p:nvCxnSpPr>
-          <p:cNvPr id="22" name="Straight Arrow Connector 21"/>
-          <p:cNvCxnSpPr/>
-          <p:nvPr/>
-        </p:nvCxnSpPr>
-        <p:spPr>
-          <a:xfrm flipH="1">
-            <a:off x="6082938" y="2083911"/>
-            <a:ext cx="2337621" cy="0"/>
-          </a:xfrm>
-          <a:prstGeom prst="straightConnector1">
-            <a:avLst/>
-          </a:prstGeom>
-          <a:ln>
-            <a:prstDash val="dash"/>
-            <a:tailEnd type="triangle"/>
-          </a:ln>
-        </p:spPr>
-        <p:style>
-          <a:lnRef idx="1">
-            <a:schemeClr val="dk1"/>
-          </a:lnRef>
-          <a:fillRef idx="0">
-            <a:schemeClr val="dk1"/>
-          </a:fillRef>
-          <a:effectRef idx="0">
-            <a:schemeClr val="dk1"/>
-          </a:effectRef>
-          <a:fontRef idx="minor">
-            <a:schemeClr val="tx1"/>
-          </a:fontRef>
-        </p:style>
-      </p:cxnSp>
-      <p:sp>
-        <p:nvSpPr>
-          <p:cNvPr id="58" name="TextBox 57"/>
-          <p:cNvSpPr txBox="1"/>
-          <p:nvPr/>
-        </p:nvSpPr>
-        <p:spPr>
-          <a:xfrm>
-            <a:off x="1533244" y="1061031"/>
-            <a:ext cx="2233119" cy="276999"/>
-          </a:xfrm>
-          <a:prstGeom prst="rect">
-            <a:avLst/>
-          </a:prstGeom>
-          <a:noFill/>
-        </p:spPr>
-        <p:txBody>
-          <a:bodyPr wrap="square" rtlCol="0">
-            <a:spAutoFit/>
-          </a:bodyPr>
-          <a:lstStyle/>
-          <a:p>
-            <a:pPr algn="ctr"/>
-            <a:r>
-              <a:rPr lang="en-US" sz="1200" dirty="0" err="1" smtClean="0"/>
-              <a:t>userInput</a:t>
-            </a:r>
-            <a:endParaRPr lang="en-US" sz="1200" dirty="0" smtClean="0"/>
-          </a:p>
-        </p:txBody>
-      </p:sp>
-      <p:sp>
-        <p:nvSpPr>
-          <p:cNvPr id="59" name="TextBox 58"/>
-          <p:cNvSpPr txBox="1"/>
-          <p:nvPr/>
-        </p:nvSpPr>
-        <p:spPr>
-          <a:xfrm>
-            <a:off x="6102777" y="1449198"/>
-            <a:ext cx="2314668" cy="276999"/>
-          </a:xfrm>
-          <a:prstGeom prst="rect">
-            <a:avLst/>
-          </a:prstGeom>
-          <a:noFill/>
-        </p:spPr>
-        <p:txBody>
-          <a:bodyPr wrap="square" rtlCol="0">
-            <a:spAutoFit/>
-          </a:bodyPr>
-          <a:lstStyle/>
-          <a:p>
-            <a:pPr algn="ctr"/>
-            <a:r>
-              <a:rPr lang="en-US" sz="1200" i="1" dirty="0" err="1" smtClean="0"/>
-              <a:t>parseUserInput</a:t>
-            </a:r>
-            <a:r>
-              <a:rPr lang="en-US" sz="1200" i="1" dirty="0" smtClean="0"/>
-              <a:t>(</a:t>
-            </a:r>
-            <a:r>
-              <a:rPr lang="en-US" sz="1200" i="1" dirty="0" err="1" smtClean="0"/>
-              <a:t>userInput</a:t>
-            </a:r>
-            <a:r>
-              <a:rPr lang="en-US" sz="1200" i="1" dirty="0" smtClean="0"/>
-              <a:t>)</a:t>
-            </a:r>
-          </a:p>
-        </p:txBody>
-      </p:sp>
-      <p:sp>
-        <p:nvSpPr>
-          <p:cNvPr id="60" name="TextBox 59"/>
-          <p:cNvSpPr txBox="1"/>
-          <p:nvPr/>
-        </p:nvSpPr>
-        <p:spPr>
-          <a:xfrm>
-            <a:off x="6102777" y="1777013"/>
-            <a:ext cx="2314668" cy="276999"/>
-          </a:xfrm>
-          <a:prstGeom prst="rect">
-            <a:avLst/>
-          </a:prstGeom>
-          <a:noFill/>
-        </p:spPr>
-        <p:txBody>
-          <a:bodyPr wrap="square" rtlCol="0">
-            <a:spAutoFit/>
-          </a:bodyPr>
-          <a:lstStyle/>
-          <a:p>
-            <a:pPr algn="ctr"/>
-            <a:r>
-              <a:rPr lang="en-US" sz="1200" i="1" dirty="0" err="1" smtClean="0"/>
-              <a:t>instructionsForLogic</a:t>
-            </a:r>
-            <a:r>
-              <a:rPr lang="en-US" sz="1200" i="1" dirty="0" smtClean="0"/>
-              <a:t> </a:t>
-            </a:r>
-            <a:r>
-              <a:rPr lang="en-US" sz="1200" dirty="0" smtClean="0"/>
-              <a:t>EDIT</a:t>
-            </a:r>
-          </a:p>
-        </p:txBody>
-      </p:sp>
-      <p:grpSp>
-        <p:nvGrpSpPr>
-          <p:cNvPr id="77" name="Group 76"/>
-          <p:cNvGrpSpPr/>
-          <p:nvPr/>
-        </p:nvGrpSpPr>
-        <p:grpSpPr>
-          <a:xfrm>
-            <a:off x="5750956" y="542380"/>
-            <a:ext cx="663964" cy="5022310"/>
-            <a:chOff x="3477172" y="543032"/>
-            <a:chExt cx="663964" cy="5179848"/>
-          </a:xfrm>
-        </p:grpSpPr>
-        <p:sp>
-          <p:nvSpPr>
-            <p:cNvPr id="5" name="TextBox 4"/>
-            <p:cNvSpPr txBox="1"/>
-            <p:nvPr/>
-          </p:nvSpPr>
-          <p:spPr>
-            <a:xfrm>
-              <a:off x="3477172" y="543032"/>
-              <a:ext cx="663964" cy="369332"/>
-            </a:xfrm>
-            <a:prstGeom prst="rect">
-              <a:avLst/>
-            </a:prstGeom>
-            <a:noFill/>
-          </p:spPr>
-          <p:txBody>
-            <a:bodyPr wrap="none" rtlCol="0">
-              <a:spAutoFit/>
-            </a:bodyPr>
-            <a:lstStyle/>
-            <a:p>
-              <a:pPr algn="ctr"/>
-              <a:r>
-                <a:rPr lang="en-US" dirty="0" smtClean="0"/>
-                <a:t>Logic</a:t>
-              </a:r>
-            </a:p>
-          </p:txBody>
-        </p:sp>
-        <p:cxnSp>
-          <p:nvCxnSpPr>
-            <p:cNvPr id="13" name="Straight Connector 12"/>
-            <p:cNvCxnSpPr/>
-            <p:nvPr/>
-          </p:nvCxnSpPr>
-          <p:spPr>
-            <a:xfrm flipH="1">
-              <a:off x="3809154" y="960491"/>
-              <a:ext cx="2" cy="4762389"/>
-            </a:xfrm>
-            <a:prstGeom prst="line">
-              <a:avLst/>
-            </a:prstGeom>
-          </p:spPr>
-          <p:style>
-            <a:lnRef idx="1">
-              <a:schemeClr val="dk1"/>
-            </a:lnRef>
-            <a:fillRef idx="0">
-              <a:schemeClr val="dk1"/>
-            </a:fillRef>
-            <a:effectRef idx="0">
-              <a:schemeClr val="dk1"/>
-            </a:effectRef>
-            <a:fontRef idx="minor">
-              <a:schemeClr val="tx1"/>
-            </a:fontRef>
-          </p:style>
-        </p:cxnSp>
-      </p:grpSp>
-      <p:grpSp>
-        <p:nvGrpSpPr>
-          <p:cNvPr id="78" name="Group 77"/>
-          <p:cNvGrpSpPr/>
-          <p:nvPr/>
-        </p:nvGrpSpPr>
-        <p:grpSpPr>
-          <a:xfrm>
-            <a:off x="3571438" y="539303"/>
-            <a:ext cx="389850" cy="5025924"/>
-            <a:chOff x="5874029" y="539305"/>
-            <a:chExt cx="389850" cy="5183575"/>
-          </a:xfrm>
-        </p:grpSpPr>
-        <p:sp>
-          <p:nvSpPr>
-            <p:cNvPr id="6" name="TextBox 5"/>
-            <p:cNvSpPr txBox="1"/>
-            <p:nvPr/>
-          </p:nvSpPr>
-          <p:spPr>
-            <a:xfrm>
-              <a:off x="5874029" y="539305"/>
-              <a:ext cx="389850" cy="369332"/>
-            </a:xfrm>
-            <a:prstGeom prst="rect">
-              <a:avLst/>
-            </a:prstGeom>
-            <a:noFill/>
-          </p:spPr>
-          <p:txBody>
-            <a:bodyPr wrap="none" rtlCol="0">
-              <a:spAutoFit/>
-            </a:bodyPr>
-            <a:lstStyle/>
-            <a:p>
-              <a:r>
-                <a:rPr lang="en-US" dirty="0" smtClean="0"/>
-                <a:t>UI</a:t>
-              </a:r>
-              <a:endParaRPr lang="en-US" dirty="0"/>
-            </a:p>
-          </p:txBody>
-        </p:sp>
-        <p:cxnSp>
-          <p:nvCxnSpPr>
-            <p:cNvPr id="14" name="Straight Connector 13"/>
-            <p:cNvCxnSpPr/>
-            <p:nvPr/>
-          </p:nvCxnSpPr>
-          <p:spPr>
-            <a:xfrm flipH="1">
-              <a:off x="6072064" y="960491"/>
-              <a:ext cx="2" cy="4762389"/>
-            </a:xfrm>
-            <a:prstGeom prst="line">
-              <a:avLst/>
-            </a:prstGeom>
-          </p:spPr>
-          <p:style>
-            <a:lnRef idx="1">
-              <a:schemeClr val="dk1"/>
-            </a:lnRef>
-            <a:fillRef idx="0">
-              <a:schemeClr val="dk1"/>
-            </a:fillRef>
-            <a:effectRef idx="0">
-              <a:schemeClr val="dk1"/>
-            </a:effectRef>
-            <a:fontRef idx="minor">
-              <a:schemeClr val="tx1"/>
-            </a:fontRef>
-          </p:style>
-        </p:cxnSp>
-      </p:grpSp>
-      <p:grpSp>
-        <p:nvGrpSpPr>
-          <p:cNvPr id="102" name="Group 101"/>
-          <p:cNvGrpSpPr/>
-          <p:nvPr/>
-        </p:nvGrpSpPr>
-        <p:grpSpPr>
-          <a:xfrm>
-            <a:off x="8035324" y="539302"/>
-            <a:ext cx="770467" cy="5025925"/>
-            <a:chOff x="8035324" y="539303"/>
-            <a:chExt cx="770467" cy="5183576"/>
-          </a:xfrm>
-        </p:grpSpPr>
-        <p:sp>
-          <p:nvSpPr>
-            <p:cNvPr id="7" name="TextBox 6"/>
-            <p:cNvSpPr txBox="1"/>
-            <p:nvPr/>
-          </p:nvSpPr>
-          <p:spPr>
-            <a:xfrm>
-              <a:off x="8035324" y="539303"/>
-              <a:ext cx="770467" cy="369332"/>
-            </a:xfrm>
-            <a:prstGeom prst="rect">
-              <a:avLst/>
-            </a:prstGeom>
-            <a:noFill/>
-          </p:spPr>
-          <p:txBody>
-            <a:bodyPr wrap="none" rtlCol="0">
-              <a:spAutoFit/>
-            </a:bodyPr>
-            <a:lstStyle/>
-            <a:p>
-              <a:r>
-                <a:rPr lang="en-US" dirty="0" smtClean="0"/>
-                <a:t>Parser</a:t>
-              </a:r>
-              <a:endParaRPr lang="en-US" dirty="0"/>
-            </a:p>
-          </p:txBody>
-        </p:sp>
-        <p:cxnSp>
-          <p:nvCxnSpPr>
-            <p:cNvPr id="15" name="Straight Connector 14"/>
-            <p:cNvCxnSpPr/>
-            <p:nvPr/>
-          </p:nvCxnSpPr>
-          <p:spPr>
-            <a:xfrm flipH="1">
-              <a:off x="8420559" y="960490"/>
-              <a:ext cx="2" cy="4762389"/>
-            </a:xfrm>
-            <a:prstGeom prst="line">
-              <a:avLst/>
-            </a:prstGeom>
-          </p:spPr>
-          <p:style>
-            <a:lnRef idx="1">
-              <a:schemeClr val="dk1"/>
-            </a:lnRef>
-            <a:fillRef idx="0">
-              <a:schemeClr val="dk1"/>
-            </a:fillRef>
-            <a:effectRef idx="0">
-              <a:schemeClr val="dk1"/>
-            </a:effectRef>
-            <a:fontRef idx="minor">
-              <a:schemeClr val="tx1"/>
-            </a:fontRef>
-          </p:style>
-        </p:cxnSp>
-      </p:grpSp>
-      <p:grpSp>
-        <p:nvGrpSpPr>
-          <p:cNvPr id="109" name="Group 108"/>
-          <p:cNvGrpSpPr/>
-          <p:nvPr/>
-        </p:nvGrpSpPr>
-        <p:grpSpPr>
-          <a:xfrm>
-            <a:off x="10175813" y="568790"/>
-            <a:ext cx="895502" cy="4977602"/>
-            <a:chOff x="10175813" y="575020"/>
-            <a:chExt cx="895502" cy="5133737"/>
-          </a:xfrm>
-        </p:grpSpPr>
-        <p:sp>
-          <p:nvSpPr>
-            <p:cNvPr id="8" name="TextBox 7"/>
-            <p:cNvSpPr txBox="1"/>
-            <p:nvPr/>
-          </p:nvSpPr>
-          <p:spPr>
-            <a:xfrm>
-              <a:off x="10175813" y="575020"/>
-              <a:ext cx="895502" cy="369332"/>
-            </a:xfrm>
-            <a:prstGeom prst="rect">
-              <a:avLst/>
-            </a:prstGeom>
-            <a:noFill/>
-          </p:spPr>
-          <p:txBody>
-            <a:bodyPr wrap="none" rtlCol="0">
-              <a:spAutoFit/>
-            </a:bodyPr>
-            <a:lstStyle/>
-            <a:p>
-              <a:r>
-                <a:rPr lang="en-US" dirty="0" smtClean="0"/>
-                <a:t>Storage</a:t>
-              </a:r>
-              <a:endParaRPr lang="en-US" dirty="0"/>
-            </a:p>
-          </p:txBody>
-        </p:sp>
-        <p:cxnSp>
-          <p:nvCxnSpPr>
-            <p:cNvPr id="16" name="Straight Connector 15"/>
-            <p:cNvCxnSpPr/>
-            <p:nvPr/>
-          </p:nvCxnSpPr>
-          <p:spPr>
-            <a:xfrm flipH="1">
-              <a:off x="10623564" y="946368"/>
-              <a:ext cx="2" cy="4762389"/>
-            </a:xfrm>
-            <a:prstGeom prst="line">
-              <a:avLst/>
-            </a:prstGeom>
-          </p:spPr>
-          <p:style>
-            <a:lnRef idx="1">
-              <a:schemeClr val="dk1"/>
-            </a:lnRef>
-            <a:fillRef idx="0">
-              <a:schemeClr val="dk1"/>
-            </a:fillRef>
-            <a:effectRef idx="0">
-              <a:schemeClr val="dk1"/>
-            </a:effectRef>
-            <a:fontRef idx="minor">
-              <a:schemeClr val="tx1"/>
-            </a:fontRef>
-          </p:style>
-        </p:cxnSp>
-      </p:grpSp>
-      <p:grpSp>
-        <p:nvGrpSpPr>
-          <p:cNvPr id="108" name="Group 107"/>
-          <p:cNvGrpSpPr/>
-          <p:nvPr/>
-        </p:nvGrpSpPr>
-        <p:grpSpPr>
-          <a:xfrm>
-            <a:off x="1237086" y="539303"/>
-            <a:ext cx="617477" cy="5025764"/>
-            <a:chOff x="1237086" y="539303"/>
-            <a:chExt cx="617477" cy="5183410"/>
-          </a:xfrm>
-        </p:grpSpPr>
-        <p:sp>
-          <p:nvSpPr>
-            <p:cNvPr id="4" name="TextBox 3"/>
-            <p:cNvSpPr txBox="1"/>
-            <p:nvPr/>
-          </p:nvSpPr>
-          <p:spPr>
-            <a:xfrm>
-              <a:off x="1237086" y="539303"/>
-              <a:ext cx="617477" cy="369332"/>
-            </a:xfrm>
-            <a:prstGeom prst="rect">
-              <a:avLst/>
-            </a:prstGeom>
-            <a:noFill/>
-          </p:spPr>
-          <p:txBody>
-            <a:bodyPr wrap="square" rtlCol="0">
-              <a:spAutoFit/>
-            </a:bodyPr>
-            <a:lstStyle/>
-            <a:p>
-              <a:r>
-                <a:rPr lang="en-US" dirty="0" smtClean="0"/>
-                <a:t>User</a:t>
-              </a:r>
-              <a:endParaRPr lang="en-US" dirty="0"/>
-            </a:p>
-          </p:txBody>
-        </p:sp>
-        <p:cxnSp>
-          <p:nvCxnSpPr>
-            <p:cNvPr id="64" name="Straight Connector 63"/>
-            <p:cNvCxnSpPr/>
-            <p:nvPr/>
-          </p:nvCxnSpPr>
-          <p:spPr>
-            <a:xfrm>
-              <a:off x="1530133" y="960489"/>
-              <a:ext cx="0" cy="4762224"/>
-            </a:xfrm>
-            <a:prstGeom prst="line">
-              <a:avLst/>
-            </a:prstGeom>
-          </p:spPr>
-          <p:style>
-            <a:lnRef idx="1">
-              <a:schemeClr val="dk1"/>
-            </a:lnRef>
-            <a:fillRef idx="0">
-              <a:schemeClr val="dk1"/>
-            </a:fillRef>
-            <a:effectRef idx="0">
-              <a:schemeClr val="dk1"/>
-            </a:effectRef>
-            <a:fontRef idx="minor">
-              <a:schemeClr val="tx1"/>
-            </a:fontRef>
-          </p:style>
-        </p:cxnSp>
-      </p:grpSp>
-      <p:cxnSp>
-        <p:nvCxnSpPr>
-          <p:cNvPr id="91" name="Straight Arrow Connector 90"/>
-          <p:cNvCxnSpPr/>
-          <p:nvPr/>
-        </p:nvCxnSpPr>
-        <p:spPr>
-          <a:xfrm>
-            <a:off x="3766363" y="1565004"/>
-            <a:ext cx="2316575" cy="0"/>
-          </a:xfrm>
-          <a:prstGeom prst="straightConnector1">
-            <a:avLst/>
-          </a:prstGeom>
-          <a:ln>
-            <a:tailEnd type="triangle"/>
-          </a:ln>
-        </p:spPr>
-        <p:style>
-          <a:lnRef idx="1">
-            <a:schemeClr val="dk1"/>
-          </a:lnRef>
-          <a:fillRef idx="0">
-            <a:schemeClr val="dk1"/>
-          </a:fillRef>
-          <a:effectRef idx="0">
-            <a:schemeClr val="dk1"/>
-          </a:effectRef>
-          <a:fontRef idx="minor">
-            <a:schemeClr val="tx1"/>
-          </a:fontRef>
-        </p:style>
-      </p:cxnSp>
-      <p:sp>
-        <p:nvSpPr>
-          <p:cNvPr id="93" name="TextBox 92"/>
-          <p:cNvSpPr txBox="1"/>
-          <p:nvPr/>
-        </p:nvSpPr>
-        <p:spPr>
-          <a:xfrm>
-            <a:off x="3766363" y="1269171"/>
-            <a:ext cx="2313463" cy="276999"/>
-          </a:xfrm>
-          <a:prstGeom prst="rect">
-            <a:avLst/>
-          </a:prstGeom>
-          <a:noFill/>
-        </p:spPr>
-        <p:txBody>
-          <a:bodyPr wrap="square" rtlCol="0">
-            <a:spAutoFit/>
-          </a:bodyPr>
-          <a:lstStyle/>
-          <a:p>
-            <a:pPr algn="ctr"/>
-            <a:r>
-              <a:rPr lang="en-US" sz="1200" i="1" dirty="0" err="1" smtClean="0"/>
-              <a:t>passUserInputToLogic</a:t>
-            </a:r>
-            <a:r>
-              <a:rPr lang="en-US" sz="1200" i="1" dirty="0" smtClean="0"/>
-              <a:t>(</a:t>
-            </a:r>
-            <a:r>
-              <a:rPr lang="en-US" sz="1200" i="1" dirty="0" err="1" smtClean="0"/>
-              <a:t>userInput</a:t>
-            </a:r>
-            <a:r>
-              <a:rPr lang="en-US" sz="1200" i="1" dirty="0" smtClean="0"/>
-              <a:t>)</a:t>
-            </a:r>
-          </a:p>
-        </p:txBody>
-      </p:sp>
-      <p:cxnSp>
-        <p:nvCxnSpPr>
-          <p:cNvPr id="52" name="Straight Arrow Connector 51"/>
-          <p:cNvCxnSpPr/>
-          <p:nvPr/>
-        </p:nvCxnSpPr>
-        <p:spPr>
-          <a:xfrm>
-            <a:off x="6082938" y="2442657"/>
-            <a:ext cx="4540626" cy="0"/>
-          </a:xfrm>
-          <a:prstGeom prst="straightConnector1">
-            <a:avLst/>
-          </a:prstGeom>
-          <a:ln>
-            <a:tailEnd type="triangle"/>
-          </a:ln>
-        </p:spPr>
-        <p:style>
-          <a:lnRef idx="1">
-            <a:schemeClr val="dk1"/>
-          </a:lnRef>
-          <a:fillRef idx="0">
-            <a:schemeClr val="dk1"/>
-          </a:fillRef>
-          <a:effectRef idx="0">
-            <a:schemeClr val="dk1"/>
-          </a:effectRef>
-          <a:fontRef idx="minor">
-            <a:schemeClr val="tx1"/>
-          </a:fontRef>
-        </p:style>
-      </p:cxnSp>
-      <p:cxnSp>
-        <p:nvCxnSpPr>
-          <p:cNvPr id="53" name="Straight Arrow Connector 52"/>
-          <p:cNvCxnSpPr/>
-          <p:nvPr/>
-        </p:nvCxnSpPr>
-        <p:spPr>
-          <a:xfrm flipH="1">
-            <a:off x="6082939" y="2760760"/>
-            <a:ext cx="4540625" cy="0"/>
-          </a:xfrm>
-          <a:prstGeom prst="straightConnector1">
-            <a:avLst/>
-          </a:prstGeom>
-          <a:ln>
-            <a:prstDash val="dash"/>
-            <a:tailEnd type="triangle"/>
-          </a:ln>
-        </p:spPr>
-        <p:style>
-          <a:lnRef idx="1">
-            <a:schemeClr val="dk1"/>
-          </a:lnRef>
-          <a:fillRef idx="0">
-            <a:schemeClr val="dk1"/>
-          </a:fillRef>
-          <a:effectRef idx="0">
-            <a:schemeClr val="dk1"/>
-          </a:effectRef>
-          <a:fontRef idx="minor">
-            <a:schemeClr val="tx1"/>
-          </a:fontRef>
-        </p:style>
-      </p:cxnSp>
-      <p:sp>
-        <p:nvSpPr>
-          <p:cNvPr id="54" name="TextBox 53"/>
-          <p:cNvSpPr txBox="1"/>
-          <p:nvPr/>
-        </p:nvSpPr>
-        <p:spPr>
-          <a:xfrm>
-            <a:off x="8353945" y="2148639"/>
-            <a:ext cx="2345805" cy="276999"/>
-          </a:xfrm>
-          <a:prstGeom prst="rect">
-            <a:avLst/>
-          </a:prstGeom>
-          <a:noFill/>
-        </p:spPr>
-        <p:txBody>
-          <a:bodyPr wrap="square" rtlCol="0">
-            <a:spAutoFit/>
-          </a:bodyPr>
-          <a:lstStyle/>
-          <a:p>
-            <a:pPr algn="ctr"/>
-            <a:r>
-              <a:rPr lang="en-US" sz="1200" i="1" dirty="0" err="1" smtClean="0"/>
-              <a:t>getCopyOfItem</a:t>
-            </a:r>
-            <a:r>
-              <a:rPr lang="en-US" sz="1200" i="1" dirty="0" smtClean="0"/>
-              <a:t>(</a:t>
-            </a:r>
-            <a:r>
-              <a:rPr lang="en-US" sz="1200" i="1" dirty="0" err="1" smtClean="0"/>
-              <a:t>indexOfItemToEdit</a:t>
-            </a:r>
-            <a:r>
-              <a:rPr lang="en-US" sz="1200" i="1" dirty="0" smtClean="0"/>
-              <a:t>)</a:t>
-            </a:r>
-          </a:p>
-        </p:txBody>
-      </p:sp>
-      <p:sp>
-        <p:nvSpPr>
-          <p:cNvPr id="55" name="TextBox 54"/>
-          <p:cNvSpPr txBox="1"/>
-          <p:nvPr/>
-        </p:nvSpPr>
-        <p:spPr>
-          <a:xfrm>
-            <a:off x="8417445" y="2465277"/>
-            <a:ext cx="2206119" cy="276999"/>
-          </a:xfrm>
-          <a:prstGeom prst="rect">
-            <a:avLst/>
-          </a:prstGeom>
-          <a:noFill/>
-        </p:spPr>
-        <p:txBody>
-          <a:bodyPr wrap="square" rtlCol="0">
-            <a:spAutoFit/>
-          </a:bodyPr>
-          <a:lstStyle/>
-          <a:p>
-            <a:pPr algn="ctr"/>
-            <a:r>
-              <a:rPr lang="en-US" sz="1200" i="1" dirty="0" err="1" smtClean="0"/>
-              <a:t>itemToEdit</a:t>
-            </a:r>
-            <a:endParaRPr lang="en-US" sz="1200" i="1" dirty="0" smtClean="0"/>
-          </a:p>
-        </p:txBody>
-      </p:sp>
-      <p:cxnSp>
-        <p:nvCxnSpPr>
-          <p:cNvPr id="56" name="Straight Arrow Connector 55"/>
-          <p:cNvCxnSpPr/>
-          <p:nvPr/>
-        </p:nvCxnSpPr>
-        <p:spPr>
-          <a:xfrm>
-            <a:off x="6082936" y="3419613"/>
-            <a:ext cx="4540628" cy="0"/>
-          </a:xfrm>
-          <a:prstGeom prst="straightConnector1">
-            <a:avLst/>
-          </a:prstGeom>
-          <a:ln>
-            <a:tailEnd type="triangle"/>
-          </a:ln>
-        </p:spPr>
-        <p:style>
-          <a:lnRef idx="1">
-            <a:schemeClr val="dk1"/>
-          </a:lnRef>
-          <a:fillRef idx="0">
-            <a:schemeClr val="dk1"/>
-          </a:fillRef>
-          <a:effectRef idx="0">
-            <a:schemeClr val="dk1"/>
-          </a:effectRef>
-          <a:fontRef idx="minor">
-            <a:schemeClr val="tx1"/>
-          </a:fontRef>
-        </p:style>
-      </p:cxnSp>
-      <p:cxnSp>
-        <p:nvCxnSpPr>
-          <p:cNvPr id="57" name="Straight Arrow Connector 56"/>
-          <p:cNvCxnSpPr/>
-          <p:nvPr/>
-        </p:nvCxnSpPr>
-        <p:spPr>
-          <a:xfrm flipH="1">
-            <a:off x="6082936" y="3808552"/>
-            <a:ext cx="4540628" cy="0"/>
-          </a:xfrm>
-          <a:prstGeom prst="straightConnector1">
-            <a:avLst/>
-          </a:prstGeom>
-          <a:ln>
-            <a:prstDash val="dash"/>
-            <a:tailEnd type="triangle"/>
-          </a:ln>
-        </p:spPr>
-        <p:style>
-          <a:lnRef idx="1">
-            <a:schemeClr val="dk1"/>
-          </a:lnRef>
-          <a:fillRef idx="0">
-            <a:schemeClr val="dk1"/>
-          </a:fillRef>
-          <a:effectRef idx="0">
-            <a:schemeClr val="dk1"/>
-          </a:effectRef>
-          <a:fontRef idx="minor">
-            <a:schemeClr val="tx1"/>
-          </a:fontRef>
-        </p:style>
-      </p:cxnSp>
-      <p:sp>
-        <p:nvSpPr>
-          <p:cNvPr id="61" name="TextBox 60"/>
-          <p:cNvSpPr txBox="1"/>
-          <p:nvPr/>
-        </p:nvSpPr>
-        <p:spPr>
-          <a:xfrm>
-            <a:off x="6102777" y="3046441"/>
-            <a:ext cx="2314667" cy="369332"/>
-          </a:xfrm>
-          <a:prstGeom prst="rect">
-            <a:avLst/>
-          </a:prstGeom>
-          <a:noFill/>
-        </p:spPr>
-        <p:txBody>
-          <a:bodyPr wrap="square" rtlCol="0">
-            <a:spAutoFit/>
-          </a:bodyPr>
-          <a:lstStyle/>
-          <a:p>
-            <a:pPr algn="ctr">
-              <a:lnSpc>
-                <a:spcPct val="150000"/>
-              </a:lnSpc>
-            </a:pPr>
-            <a:r>
-              <a:rPr lang="en-US" sz="1200" i="1" dirty="0" smtClean="0"/>
-              <a:t>edit(Item* </a:t>
-            </a:r>
-            <a:r>
-              <a:rPr lang="en-US" sz="1200" i="1" dirty="0" err="1" smtClean="0"/>
-              <a:t>editedItem</a:t>
-            </a:r>
-            <a:r>
-              <a:rPr lang="en-US" sz="1200" i="1" dirty="0" smtClean="0"/>
-              <a:t>)</a:t>
-            </a:r>
-            <a:endParaRPr lang="en-US" sz="1200" i="1" dirty="0"/>
-          </a:p>
-        </p:txBody>
-      </p:sp>
-      <p:sp>
-        <p:nvSpPr>
-          <p:cNvPr id="62" name="TextBox 61"/>
-          <p:cNvSpPr txBox="1"/>
-          <p:nvPr/>
-        </p:nvSpPr>
-        <p:spPr>
-          <a:xfrm>
-            <a:off x="6102778" y="3439220"/>
-            <a:ext cx="2314666" cy="340734"/>
-          </a:xfrm>
-          <a:prstGeom prst="rect">
-            <a:avLst/>
-          </a:prstGeom>
-          <a:noFill/>
-        </p:spPr>
-        <p:txBody>
-          <a:bodyPr wrap="square" rtlCol="0">
-            <a:spAutoFit/>
-          </a:bodyPr>
-          <a:lstStyle/>
-          <a:p>
-            <a:pPr algn="ctr">
-              <a:lnSpc>
-                <a:spcPct val="150000"/>
-              </a:lnSpc>
-            </a:pPr>
-            <a:r>
-              <a:rPr lang="en-US" sz="1200" i="1" dirty="0" smtClean="0"/>
-              <a:t>SUCCESS</a:t>
-            </a:r>
-            <a:endParaRPr lang="en-US" sz="1200" i="1" dirty="0"/>
-          </a:p>
-        </p:txBody>
-      </p:sp>
-      <p:grpSp>
-        <p:nvGrpSpPr>
-          <p:cNvPr id="63" name="Group 62"/>
-          <p:cNvGrpSpPr/>
-          <p:nvPr/>
-        </p:nvGrpSpPr>
-        <p:grpSpPr>
-          <a:xfrm>
-            <a:off x="3766363" y="4719890"/>
-            <a:ext cx="2316575" cy="369332"/>
-            <a:chOff x="3766363" y="3668353"/>
-            <a:chExt cx="2316575" cy="369332"/>
-          </a:xfrm>
-        </p:grpSpPr>
-        <p:cxnSp>
-          <p:nvCxnSpPr>
-            <p:cNvPr id="65" name="Straight Arrow Connector 64"/>
-            <p:cNvCxnSpPr/>
-            <p:nvPr/>
-          </p:nvCxnSpPr>
-          <p:spPr>
-            <a:xfrm flipH="1">
-              <a:off x="3766363" y="4032907"/>
-              <a:ext cx="2316575" cy="0"/>
-            </a:xfrm>
-            <a:prstGeom prst="straightConnector1">
-              <a:avLst/>
-            </a:prstGeom>
-            <a:ln>
-              <a:prstDash val="dash"/>
-              <a:tailEnd type="triangle"/>
-            </a:ln>
-          </p:spPr>
-          <p:style>
-            <a:lnRef idx="1">
-              <a:schemeClr val="dk1"/>
-            </a:lnRef>
-            <a:fillRef idx="0">
-              <a:schemeClr val="dk1"/>
-            </a:fillRef>
-            <a:effectRef idx="0">
-              <a:schemeClr val="dk1"/>
-            </a:effectRef>
-            <a:fontRef idx="minor">
-              <a:schemeClr val="tx1"/>
-            </a:fontRef>
-          </p:style>
-        </p:cxnSp>
-        <p:sp>
-          <p:nvSpPr>
-            <p:cNvPr id="66" name="TextBox 65"/>
-            <p:cNvSpPr txBox="1"/>
-            <p:nvPr/>
-          </p:nvSpPr>
-          <p:spPr>
-            <a:xfrm>
-              <a:off x="3792426" y="3668353"/>
-              <a:ext cx="2278332" cy="369332"/>
-            </a:xfrm>
-            <a:prstGeom prst="rect">
-              <a:avLst/>
-            </a:prstGeom>
-            <a:noFill/>
-          </p:spPr>
-          <p:txBody>
-            <a:bodyPr wrap="square" rtlCol="0">
-              <a:spAutoFit/>
-            </a:bodyPr>
-            <a:lstStyle/>
-            <a:p>
-              <a:pPr algn="ctr">
-                <a:lnSpc>
-                  <a:spcPct val="150000"/>
-                </a:lnSpc>
-              </a:pPr>
-              <a:r>
-                <a:rPr lang="en-US" sz="1200" i="1" dirty="0" smtClean="0"/>
-                <a:t>Feedback EDIT_SUCCESS</a:t>
-              </a:r>
-              <a:endParaRPr lang="en-US" sz="1200" i="1" dirty="0"/>
-            </a:p>
-          </p:txBody>
-        </p:sp>
-      </p:grpSp>
-      <p:cxnSp>
-        <p:nvCxnSpPr>
-          <p:cNvPr id="68" name="Straight Arrow Connector 67"/>
-          <p:cNvCxnSpPr/>
-          <p:nvPr/>
-        </p:nvCxnSpPr>
-        <p:spPr>
-          <a:xfrm flipH="1">
-            <a:off x="1525985" y="5343287"/>
-            <a:ext cx="2220537" cy="0"/>
-          </a:xfrm>
-          <a:prstGeom prst="straightConnector1">
-            <a:avLst/>
-          </a:prstGeom>
-          <a:ln>
-            <a:prstDash val="dash"/>
-            <a:tailEnd type="triangle"/>
-          </a:ln>
-        </p:spPr>
-        <p:style>
-          <a:lnRef idx="1">
-            <a:schemeClr val="dk1"/>
-          </a:lnRef>
-          <a:fillRef idx="0">
-            <a:schemeClr val="dk1"/>
-          </a:fillRef>
-          <a:effectRef idx="0">
-            <a:schemeClr val="dk1"/>
-          </a:effectRef>
-          <a:fontRef idx="minor">
-            <a:schemeClr val="tx1"/>
-          </a:fontRef>
-        </p:style>
-      </p:cxnSp>
-      <p:sp>
-        <p:nvSpPr>
-          <p:cNvPr id="72" name="TextBox 71"/>
-          <p:cNvSpPr txBox="1"/>
-          <p:nvPr/>
-        </p:nvSpPr>
-        <p:spPr>
-          <a:xfrm>
-            <a:off x="1542315" y="4956788"/>
-            <a:ext cx="2224046" cy="340734"/>
-          </a:xfrm>
-          <a:prstGeom prst="rect">
-            <a:avLst/>
-          </a:prstGeom>
-          <a:noFill/>
-        </p:spPr>
-        <p:txBody>
-          <a:bodyPr wrap="square" rtlCol="0">
-            <a:spAutoFit/>
-          </a:bodyPr>
-          <a:lstStyle/>
-          <a:p>
-            <a:pPr algn="ctr">
-              <a:lnSpc>
-                <a:spcPct val="150000"/>
-              </a:lnSpc>
-            </a:pPr>
-            <a:r>
-              <a:rPr lang="en-US" sz="1200" i="1" dirty="0" err="1" smtClean="0"/>
-              <a:t>displayToUser</a:t>
-            </a:r>
-            <a:r>
-              <a:rPr lang="en-US" sz="1200" i="1" dirty="0" smtClean="0"/>
-              <a:t>()</a:t>
-            </a:r>
-            <a:endParaRPr lang="en-US" sz="1200" i="1" dirty="0"/>
-          </a:p>
-        </p:txBody>
-      </p:sp>
-      <p:cxnSp>
-        <p:nvCxnSpPr>
-          <p:cNvPr id="42" name="Straight Arrow Connector 41"/>
-          <p:cNvCxnSpPr/>
-          <p:nvPr/>
-        </p:nvCxnSpPr>
-        <p:spPr>
-          <a:xfrm>
-            <a:off x="6082936" y="4486413"/>
-            <a:ext cx="4540628" cy="0"/>
-          </a:xfrm>
-          <a:prstGeom prst="straightConnector1">
-            <a:avLst/>
-          </a:prstGeom>
-          <a:ln>
-            <a:tailEnd type="triangle"/>
-          </a:ln>
-        </p:spPr>
-        <p:style>
-          <a:lnRef idx="1">
-            <a:schemeClr val="dk1"/>
-          </a:lnRef>
-          <a:fillRef idx="0">
-            <a:schemeClr val="dk1"/>
-          </a:fillRef>
-          <a:effectRef idx="0">
-            <a:schemeClr val="dk1"/>
-          </a:effectRef>
-          <a:fontRef idx="minor">
-            <a:schemeClr val="tx1"/>
-          </a:fontRef>
-        </p:style>
-      </p:cxnSp>
-      <p:cxnSp>
-        <p:nvCxnSpPr>
-          <p:cNvPr id="43" name="Straight Arrow Connector 42"/>
-          <p:cNvCxnSpPr/>
-          <p:nvPr/>
-        </p:nvCxnSpPr>
-        <p:spPr>
-          <a:xfrm flipH="1">
-            <a:off x="6082936" y="4875352"/>
-            <a:ext cx="4540628" cy="0"/>
-          </a:xfrm>
-          <a:prstGeom prst="straightConnector1">
-            <a:avLst/>
-          </a:prstGeom>
-          <a:ln>
-            <a:prstDash val="dash"/>
-            <a:tailEnd type="triangle"/>
-          </a:ln>
-        </p:spPr>
-        <p:style>
-          <a:lnRef idx="1">
-            <a:schemeClr val="dk1"/>
-          </a:lnRef>
-          <a:fillRef idx="0">
-            <a:schemeClr val="dk1"/>
-          </a:fillRef>
-          <a:effectRef idx="0">
-            <a:schemeClr val="dk1"/>
-          </a:effectRef>
-          <a:fontRef idx="minor">
-            <a:schemeClr val="tx1"/>
-          </a:fontRef>
-        </p:style>
-      </p:cxnSp>
-      <p:sp>
-        <p:nvSpPr>
-          <p:cNvPr id="44" name="TextBox 43"/>
-          <p:cNvSpPr txBox="1"/>
-          <p:nvPr/>
-        </p:nvSpPr>
-        <p:spPr>
-          <a:xfrm>
-            <a:off x="6095120" y="4117081"/>
-            <a:ext cx="2325437" cy="369332"/>
-          </a:xfrm>
-          <a:prstGeom prst="rect">
-            <a:avLst/>
-          </a:prstGeom>
-          <a:noFill/>
-        </p:spPr>
-        <p:txBody>
-          <a:bodyPr wrap="square" rtlCol="0">
-            <a:spAutoFit/>
-          </a:bodyPr>
-          <a:lstStyle/>
-          <a:p>
-            <a:pPr algn="ctr">
-              <a:lnSpc>
-                <a:spcPct val="150000"/>
-              </a:lnSpc>
-            </a:pPr>
-            <a:r>
-              <a:rPr lang="en-US" sz="1200" i="1" dirty="0" err="1" smtClean="0"/>
-              <a:t>getCopyToDisplay</a:t>
-            </a:r>
-            <a:r>
-              <a:rPr lang="en-US" sz="1200" i="1" dirty="0" smtClean="0"/>
-              <a:t>()</a:t>
-            </a:r>
-            <a:endParaRPr lang="en-US" sz="1200" i="1" dirty="0"/>
-          </a:p>
-        </p:txBody>
-      </p:sp>
-      <p:sp>
-        <p:nvSpPr>
-          <p:cNvPr id="45" name="TextBox 44"/>
-          <p:cNvSpPr txBox="1"/>
-          <p:nvPr/>
-        </p:nvSpPr>
-        <p:spPr>
-          <a:xfrm>
-            <a:off x="6414920" y="4506020"/>
-            <a:ext cx="1848714" cy="369332"/>
-          </a:xfrm>
-          <a:prstGeom prst="rect">
-            <a:avLst/>
-          </a:prstGeom>
-          <a:noFill/>
-        </p:spPr>
-        <p:txBody>
-          <a:bodyPr wrap="square" rtlCol="0">
-            <a:spAutoFit/>
-          </a:bodyPr>
-          <a:lstStyle/>
-          <a:p>
-            <a:pPr>
-              <a:lnSpc>
-                <a:spcPct val="150000"/>
-              </a:lnSpc>
-            </a:pPr>
-            <a:r>
-              <a:rPr lang="en-US" sz="1200" i="1" dirty="0" err="1" smtClean="0"/>
-              <a:t>copyOfScheduleToDisplay</a:t>
-            </a:r>
-            <a:endParaRPr lang="en-US" sz="1200" i="1" dirty="0"/>
-          </a:p>
-        </p:txBody>
-      </p:sp>
-      <p:sp>
-        <p:nvSpPr>
-          <p:cNvPr id="46" name="TextBox 45"/>
-          <p:cNvSpPr txBox="1"/>
-          <p:nvPr/>
-        </p:nvSpPr>
-        <p:spPr>
-          <a:xfrm>
-            <a:off x="5285441" y="6053269"/>
-            <a:ext cx="1634678" cy="369332"/>
-          </a:xfrm>
-          <a:prstGeom prst="rect">
-            <a:avLst/>
-          </a:prstGeom>
-          <a:noFill/>
-        </p:spPr>
-        <p:txBody>
-          <a:bodyPr wrap="none" rtlCol="0">
-            <a:spAutoFit/>
-          </a:bodyPr>
-          <a:lstStyle/>
-          <a:p>
-            <a:pPr algn="ctr"/>
-            <a:r>
-              <a:rPr lang="en-US" dirty="0" smtClean="0"/>
-              <a:t>Edit VALID Item</a:t>
-            </a:r>
-            <a:endParaRPr lang="en-US" dirty="0"/>
-          </a:p>
-        </p:txBody>
-      </p:sp>
-    </p:spTree>
-    <p:extLst>
-      <p:ext uri="{BB962C8B-B14F-4D97-AF65-F5344CB8AC3E}">
-        <p14:creationId xmlns:p14="http://schemas.microsoft.com/office/powerpoint/2010/main" val="3416314006"/>
-      </p:ext>
-    </p:extLst>
-  </p:cSld>
-  <p:clrMapOvr>
-    <a:masterClrMapping/>
-  </p:clrMapOvr>
-</p:sld>
-</file>
-
 <file path=ppt/theme/theme1.xml><?xml version="1.0" encoding="utf-8"?>
 <a:theme xmlns:a="http://schemas.openxmlformats.org/drawingml/2006/main" name="Office Theme">
   <a:themeElements>
-    <a:clrScheme name="Office">
+    <a:clrScheme name="Office 2007-2010">
       <a:dk1>
         <a:sysClr val="windowText" lastClr="000000"/>
       </a:dk1>
@@ -22157,34 +23978,34 @@
         <a:sysClr val="window" lastClr="FFFFFF"/>
       </a:lt1>
       <a:dk2>
-        <a:srgbClr val="44546A"/>
+        <a:srgbClr val="1F497D"/>
       </a:dk2>
       <a:lt2>
-        <a:srgbClr val="E7E6E6"/>
+        <a:srgbClr val="EEECE1"/>
       </a:lt2>
       <a:accent1>
-        <a:srgbClr val="5B9BD5"/>
+        <a:srgbClr val="4F81BD"/>
       </a:accent1>
       <a:accent2>
-        <a:srgbClr val="ED7D31"/>
+        <a:srgbClr val="C0504D"/>
       </a:accent2>
       <a:accent3>
-        <a:srgbClr val="A5A5A5"/>
+        <a:srgbClr val="9BBB59"/>
       </a:accent3>
       <a:accent4>
-        <a:srgbClr val="FFC000"/>
+        <a:srgbClr val="8064A2"/>
       </a:accent4>
       <a:accent5>
-        <a:srgbClr val="4472C4"/>
+        <a:srgbClr val="4BACC6"/>
       </a:accent5>
       <a:accent6>
-        <a:srgbClr val="70AD47"/>
+        <a:srgbClr val="F79646"/>
       </a:accent6>
       <a:hlink>
-        <a:srgbClr val="0563C1"/>
+        <a:srgbClr val="0000FF"/>
       </a:hlink>
       <a:folHlink>
-        <a:srgbClr val="954F72"/>
+        <a:srgbClr val="800080"/>
       </a:folHlink>
     </a:clrScheme>
     <a:fontScheme name="Office">

--- a/iPlanner Documentation/[V0.5]/Sequence Diagrams.pptx
+++ b/iPlanner Documentation/[V0.5]/Sequence Diagrams.pptx
@@ -17121,14 +17121,14 @@
       </p:grpSpPr>
       <p:sp>
         <p:nvSpPr>
-          <p:cNvPr id="58" name="TextBox 57"/>
+          <p:cNvPr id="2" name="TextBox 1"/>
           <p:cNvSpPr txBox="1"/>
           <p:nvPr/>
         </p:nvSpPr>
         <p:spPr>
           <a:xfrm>
-            <a:off x="1519797" y="1087925"/>
-            <a:ext cx="2233119" cy="276999"/>
+            <a:off x="5277328" y="6053269"/>
+            <a:ext cx="1650901" cy="369332"/>
           </a:xfrm>
           <a:prstGeom prst="rect">
             <a:avLst/>
@@ -17136,85 +17136,23 @@
           <a:noFill/>
         </p:spPr>
         <p:txBody>
-          <a:bodyPr wrap="square" rtlCol="0">
+          <a:bodyPr wrap="none" rtlCol="0">
             <a:spAutoFit/>
           </a:bodyPr>
           <a:lstStyle/>
           <a:p>
             <a:pPr algn="ctr"/>
             <a:r>
-              <a:rPr lang="en-US" sz="1200" dirty="0" smtClean="0"/>
-              <a:t>User types in a command</a:t>
-            </a:r>
-            <a:endParaRPr lang="en-US" sz="1200" dirty="0" smtClean="0"/>
-          </a:p>
-        </p:txBody>
-      </p:sp>
-      <p:sp>
-        <p:nvSpPr>
-          <p:cNvPr id="59" name="TextBox 58"/>
-          <p:cNvSpPr txBox="1"/>
-          <p:nvPr/>
-        </p:nvSpPr>
-        <p:spPr>
-          <a:xfrm>
-            <a:off x="6102777" y="1449198"/>
-            <a:ext cx="2314668" cy="276999"/>
-          </a:xfrm>
-          <a:prstGeom prst="rect">
-            <a:avLst/>
-          </a:prstGeom>
-          <a:noFill/>
-        </p:spPr>
-        <p:txBody>
-          <a:bodyPr wrap="square" rtlCol="0">
-            <a:spAutoFit/>
-          </a:bodyPr>
-          <a:lstStyle/>
-          <a:p>
-            <a:pPr algn="ctr"/>
-            <a:r>
-              <a:rPr lang="en-US" sz="1200" i="1" dirty="0" smtClean="0"/>
-              <a:t>parse(string)</a:t>
-            </a:r>
-            <a:endParaRPr lang="en-US" sz="1200" i="1" dirty="0" smtClean="0"/>
-          </a:p>
-        </p:txBody>
-      </p:sp>
-      <p:sp>
-        <p:nvSpPr>
-          <p:cNvPr id="60" name="TextBox 59"/>
-          <p:cNvSpPr txBox="1"/>
-          <p:nvPr/>
-        </p:nvSpPr>
-        <p:spPr>
-          <a:xfrm>
-            <a:off x="6102778" y="1790372"/>
-            <a:ext cx="2314668" cy="276999"/>
-          </a:xfrm>
-          <a:prstGeom prst="rect">
-            <a:avLst/>
-          </a:prstGeom>
-          <a:noFill/>
-        </p:spPr>
-        <p:txBody>
-          <a:bodyPr wrap="square" rtlCol="0">
-            <a:spAutoFit/>
-          </a:bodyPr>
-          <a:lstStyle/>
-          <a:p>
-            <a:pPr algn="ctr"/>
-            <a:r>
-              <a:rPr lang="en-US" sz="1200" dirty="0" smtClean="0"/>
-              <a:t>list of instructions for Logic</a:t>
-            </a:r>
-            <a:endParaRPr lang="en-US" sz="1200" dirty="0" smtClean="0"/>
+              <a:rPr lang="en-US" dirty="0" smtClean="0"/>
+              <a:t>Add VALID Item</a:t>
+            </a:r>
+            <a:endParaRPr lang="en-US" dirty="0"/>
           </a:p>
         </p:txBody>
       </p:sp>
       <p:grpSp>
         <p:nvGrpSpPr>
-          <p:cNvPr id="110" name="Group 109"/>
+          <p:cNvPr id="21" name="Group 20"/>
           <p:cNvGrpSpPr/>
           <p:nvPr/>
         </p:nvGrpSpPr>
@@ -17222,844 +17160,719 @@
           <a:xfrm>
             <a:off x="1237086" y="507093"/>
             <a:ext cx="9834229" cy="4311650"/>
-            <a:chOff x="1237086" y="500288"/>
-            <a:chExt cx="9834229" cy="5222591"/>
+            <a:chOff x="1237086" y="507093"/>
+            <a:chExt cx="9834229" cy="4311650"/>
           </a:xfrm>
         </p:grpSpPr>
+        <p:sp>
+          <p:nvSpPr>
+            <p:cNvPr id="58" name="TextBox 57"/>
+            <p:cNvSpPr txBox="1"/>
+            <p:nvPr/>
+          </p:nvSpPr>
+          <p:spPr>
+            <a:xfrm>
+              <a:off x="1519797" y="1087925"/>
+              <a:ext cx="2233119" cy="276999"/>
+            </a:xfrm>
+            <a:prstGeom prst="rect">
+              <a:avLst/>
+            </a:prstGeom>
+            <a:noFill/>
+          </p:spPr>
+          <p:txBody>
+            <a:bodyPr wrap="square" rtlCol="0">
+              <a:spAutoFit/>
+            </a:bodyPr>
+            <a:lstStyle/>
+            <a:p>
+              <a:pPr algn="ctr"/>
+              <a:r>
+                <a:rPr lang="en-US" sz="1200" dirty="0" smtClean="0"/>
+                <a:t>User types in a command</a:t>
+              </a:r>
+              <a:endParaRPr lang="en-US" sz="1200" dirty="0" smtClean="0"/>
+            </a:p>
+          </p:txBody>
+        </p:sp>
+        <p:sp>
+          <p:nvSpPr>
+            <p:cNvPr id="59" name="TextBox 58"/>
+            <p:cNvSpPr txBox="1"/>
+            <p:nvPr/>
+          </p:nvSpPr>
+          <p:spPr>
+            <a:xfrm>
+              <a:off x="6102777" y="1449198"/>
+              <a:ext cx="2314668" cy="276999"/>
+            </a:xfrm>
+            <a:prstGeom prst="rect">
+              <a:avLst/>
+            </a:prstGeom>
+            <a:noFill/>
+          </p:spPr>
+          <p:txBody>
+            <a:bodyPr wrap="square" rtlCol="0">
+              <a:spAutoFit/>
+            </a:bodyPr>
+            <a:lstStyle/>
+            <a:p>
+              <a:pPr algn="ctr"/>
+              <a:r>
+                <a:rPr lang="en-US" sz="1200" i="1" dirty="0" smtClean="0"/>
+                <a:t>parse(string)</a:t>
+              </a:r>
+              <a:endParaRPr lang="en-US" sz="1200" i="1" dirty="0" smtClean="0"/>
+            </a:p>
+          </p:txBody>
+        </p:sp>
+        <p:sp>
+          <p:nvSpPr>
+            <p:cNvPr id="60" name="TextBox 59"/>
+            <p:cNvSpPr txBox="1"/>
+            <p:nvPr/>
+          </p:nvSpPr>
+          <p:spPr>
+            <a:xfrm>
+              <a:off x="6102778" y="1790372"/>
+              <a:ext cx="2314668" cy="276999"/>
+            </a:xfrm>
+            <a:prstGeom prst="rect">
+              <a:avLst/>
+            </a:prstGeom>
+            <a:noFill/>
+          </p:spPr>
+          <p:txBody>
+            <a:bodyPr wrap="square" rtlCol="0">
+              <a:spAutoFit/>
+            </a:bodyPr>
+            <a:lstStyle/>
+            <a:p>
+              <a:pPr algn="ctr"/>
+              <a:r>
+                <a:rPr lang="en-US" sz="1200" dirty="0" smtClean="0"/>
+                <a:t>list of instructions for Logic</a:t>
+              </a:r>
+              <a:endParaRPr lang="en-US" sz="1200" dirty="0" smtClean="0"/>
+            </a:p>
+          </p:txBody>
+        </p:sp>
         <p:grpSp>
           <p:nvGrpSpPr>
-            <p:cNvPr id="77" name="Group 76"/>
+            <p:cNvPr id="110" name="Group 109"/>
             <p:cNvGrpSpPr/>
             <p:nvPr/>
           </p:nvGrpSpPr>
           <p:grpSpPr>
             <a:xfrm>
-              <a:off x="5750956" y="504015"/>
-              <a:ext cx="663964" cy="5218863"/>
-              <a:chOff x="3477172" y="504017"/>
-              <a:chExt cx="663964" cy="5218863"/>
+              <a:off x="1237086" y="507093"/>
+              <a:ext cx="9834229" cy="4311650"/>
+              <a:chOff x="1237086" y="500288"/>
+              <a:chExt cx="9834229" cy="5222591"/>
             </a:xfrm>
           </p:grpSpPr>
-          <p:sp>
-            <p:nvSpPr>
-              <p:cNvPr id="5" name="TextBox 4"/>
-              <p:cNvSpPr txBox="1"/>
+          <p:grpSp>
+            <p:nvGrpSpPr>
+              <p:cNvPr id="77" name="Group 76"/>
+              <p:cNvGrpSpPr/>
               <p:nvPr/>
-            </p:nvSpPr>
-            <p:spPr>
+            </p:nvGrpSpPr>
+            <p:grpSpPr>
               <a:xfrm>
-                <a:off x="3477172" y="504017"/>
-                <a:ext cx="663964" cy="447362"/>
+                <a:off x="5750956" y="504015"/>
+                <a:ext cx="663964" cy="5218863"/>
+                <a:chOff x="3477172" y="504017"/>
+                <a:chExt cx="663964" cy="5218863"/>
               </a:xfrm>
-              <a:prstGeom prst="rect">
-                <a:avLst/>
-              </a:prstGeom>
-            </p:spPr>
-            <p:style>
-              <a:lnRef idx="1">
-                <a:schemeClr val="accent1"/>
-              </a:lnRef>
-              <a:fillRef idx="2">
-                <a:schemeClr val="accent1"/>
-              </a:fillRef>
-              <a:effectRef idx="1">
-                <a:schemeClr val="accent1"/>
-              </a:effectRef>
-              <a:fontRef idx="minor">
-                <a:schemeClr val="dk1"/>
-              </a:fontRef>
-            </p:style>
-            <p:txBody>
-              <a:bodyPr wrap="none" rtlCol="0" anchor="ctr">
-                <a:spAutoFit/>
-              </a:bodyPr>
-              <a:lstStyle/>
-              <a:p>
-                <a:pPr algn="ctr"/>
-                <a:r>
-                  <a:rPr lang="en-US" dirty="0" smtClean="0"/>
-                  <a:t>Logic</a:t>
-                </a:r>
-              </a:p>
-            </p:txBody>
-          </p:sp>
-          <p:cxnSp>
-            <p:nvCxnSpPr>
-              <p:cNvPr id="13" name="Straight Connector 12"/>
-              <p:cNvCxnSpPr/>
+            </p:grpSpPr>
+            <p:sp>
+              <p:nvSpPr>
+                <p:cNvPr id="5" name="TextBox 4"/>
+                <p:cNvSpPr txBox="1"/>
+                <p:nvPr/>
+              </p:nvSpPr>
+              <p:spPr>
+                <a:xfrm>
+                  <a:off x="3477172" y="504017"/>
+                  <a:ext cx="663964" cy="447362"/>
+                </a:xfrm>
+                <a:prstGeom prst="rect">
+                  <a:avLst/>
+                </a:prstGeom>
+              </p:spPr>
+              <p:style>
+                <a:lnRef idx="1">
+                  <a:schemeClr val="accent1"/>
+                </a:lnRef>
+                <a:fillRef idx="2">
+                  <a:schemeClr val="accent1"/>
+                </a:fillRef>
+                <a:effectRef idx="1">
+                  <a:schemeClr val="accent1"/>
+                </a:effectRef>
+                <a:fontRef idx="minor">
+                  <a:schemeClr val="dk1"/>
+                </a:fontRef>
+              </p:style>
+              <p:txBody>
+                <a:bodyPr wrap="none" rtlCol="0" anchor="ctr">
+                  <a:spAutoFit/>
+                </a:bodyPr>
+                <a:lstStyle/>
+                <a:p>
+                  <a:pPr algn="ctr"/>
+                  <a:r>
+                    <a:rPr lang="en-US" dirty="0" smtClean="0"/>
+                    <a:t>Logic</a:t>
+                  </a:r>
+                </a:p>
+              </p:txBody>
+            </p:sp>
+            <p:cxnSp>
+              <p:nvCxnSpPr>
+                <p:cNvPr id="13" name="Straight Connector 12"/>
+                <p:cNvCxnSpPr/>
+                <p:nvPr/>
+              </p:nvCxnSpPr>
+              <p:spPr>
+                <a:xfrm flipH="1">
+                  <a:off x="3809154" y="960491"/>
+                  <a:ext cx="2" cy="4762389"/>
+                </a:xfrm>
+                <a:prstGeom prst="line">
+                  <a:avLst/>
+                </a:prstGeom>
+              </p:spPr>
+              <p:style>
+                <a:lnRef idx="1">
+                  <a:schemeClr val="dk1"/>
+                </a:lnRef>
+                <a:fillRef idx="0">
+                  <a:schemeClr val="dk1"/>
+                </a:fillRef>
+                <a:effectRef idx="0">
+                  <a:schemeClr val="dk1"/>
+                </a:effectRef>
+                <a:fontRef idx="minor">
+                  <a:schemeClr val="tx1"/>
+                </a:fontRef>
+              </p:style>
+            </p:cxnSp>
+          </p:grpSp>
+          <p:grpSp>
+            <p:nvGrpSpPr>
+              <p:cNvPr id="78" name="Group 77"/>
+              <p:cNvGrpSpPr/>
               <p:nvPr/>
-            </p:nvCxnSpPr>
-            <p:spPr>
-              <a:xfrm flipH="1">
-                <a:off x="3809154" y="960491"/>
-                <a:ext cx="2" cy="4762389"/>
+            </p:nvGrpSpPr>
+            <p:grpSpPr>
+              <a:xfrm>
+                <a:off x="3504203" y="539303"/>
+                <a:ext cx="535724" cy="5183575"/>
+                <a:chOff x="5806794" y="539305"/>
+                <a:chExt cx="535724" cy="5183575"/>
               </a:xfrm>
-              <a:prstGeom prst="line">
-                <a:avLst/>
-              </a:prstGeom>
-            </p:spPr>
-            <p:style>
-              <a:lnRef idx="1">
-                <a:schemeClr val="dk1"/>
-              </a:lnRef>
-              <a:fillRef idx="0">
-                <a:schemeClr val="dk1"/>
-              </a:fillRef>
-              <a:effectRef idx="0">
-                <a:schemeClr val="dk1"/>
-              </a:effectRef>
-              <a:fontRef idx="minor">
-                <a:schemeClr val="tx1"/>
-              </a:fontRef>
-            </p:style>
-          </p:cxnSp>
-        </p:grpSp>
-        <p:grpSp>
-          <p:nvGrpSpPr>
-            <p:cNvPr id="78" name="Group 77"/>
-            <p:cNvGrpSpPr/>
-            <p:nvPr/>
-          </p:nvGrpSpPr>
-          <p:grpSpPr>
-            <a:xfrm>
-              <a:off x="3504203" y="539303"/>
-              <a:ext cx="535724" cy="5183575"/>
-              <a:chOff x="5806794" y="539305"/>
-              <a:chExt cx="535724" cy="5183575"/>
-            </a:xfrm>
-          </p:grpSpPr>
-          <p:cxnSp>
-            <p:nvCxnSpPr>
-              <p:cNvPr id="14" name="Straight Connector 13"/>
-              <p:cNvCxnSpPr/>
+            </p:grpSpPr>
+            <p:cxnSp>
+              <p:nvCxnSpPr>
+                <p:cNvPr id="14" name="Straight Connector 13"/>
+                <p:cNvCxnSpPr/>
+                <p:nvPr/>
+              </p:nvCxnSpPr>
+              <p:spPr>
+                <a:xfrm flipH="1">
+                  <a:off x="6072064" y="960491"/>
+                  <a:ext cx="2" cy="4762389"/>
+                </a:xfrm>
+                <a:prstGeom prst="line">
+                  <a:avLst/>
+                </a:prstGeom>
+              </p:spPr>
+              <p:style>
+                <a:lnRef idx="1">
+                  <a:schemeClr val="dk1"/>
+                </a:lnRef>
+                <a:fillRef idx="0">
+                  <a:schemeClr val="dk1"/>
+                </a:fillRef>
+                <a:effectRef idx="0">
+                  <a:schemeClr val="dk1"/>
+                </a:effectRef>
+                <a:fontRef idx="minor">
+                  <a:schemeClr val="tx1"/>
+                </a:fontRef>
+              </p:style>
+            </p:cxnSp>
+            <p:sp>
+              <p:nvSpPr>
+                <p:cNvPr id="6" name="TextBox 5"/>
+                <p:cNvSpPr txBox="1"/>
+                <p:nvPr/>
+              </p:nvSpPr>
+              <p:spPr>
+                <a:xfrm>
+                  <a:off x="5806794" y="539305"/>
+                  <a:ext cx="535724" cy="447362"/>
+                </a:xfrm>
+                <a:prstGeom prst="rect">
+                  <a:avLst/>
+                </a:prstGeom>
+              </p:spPr>
+              <p:style>
+                <a:lnRef idx="1">
+                  <a:schemeClr val="accent2"/>
+                </a:lnRef>
+                <a:fillRef idx="2">
+                  <a:schemeClr val="accent2"/>
+                </a:fillRef>
+                <a:effectRef idx="1">
+                  <a:schemeClr val="accent2"/>
+                </a:effectRef>
+                <a:fontRef idx="minor">
+                  <a:schemeClr val="dk1"/>
+                </a:fontRef>
+              </p:style>
+              <p:txBody>
+                <a:bodyPr wrap="none" rtlCol="0" anchor="ctr">
+                  <a:spAutoFit/>
+                </a:bodyPr>
+                <a:lstStyle/>
+                <a:p>
+                  <a:r>
+                    <a:rPr lang="en-US" dirty="0" smtClean="0"/>
+                    <a:t>GUI</a:t>
+                  </a:r>
+                  <a:endParaRPr lang="en-US" dirty="0"/>
+                </a:p>
+              </p:txBody>
+            </p:sp>
+          </p:grpSp>
+          <p:grpSp>
+            <p:nvGrpSpPr>
+              <p:cNvPr id="102" name="Group 101"/>
+              <p:cNvGrpSpPr/>
               <p:nvPr/>
-            </p:nvCxnSpPr>
-            <p:spPr>
-              <a:xfrm flipH="1">
-                <a:off x="6072064" y="960491"/>
-                <a:ext cx="2" cy="4762389"/>
-              </a:xfrm>
-              <a:prstGeom prst="line">
-                <a:avLst/>
-              </a:prstGeom>
-            </p:spPr>
-            <p:style>
-              <a:lnRef idx="1">
-                <a:schemeClr val="dk1"/>
-              </a:lnRef>
-              <a:fillRef idx="0">
-                <a:schemeClr val="dk1"/>
-              </a:fillRef>
-              <a:effectRef idx="0">
-                <a:schemeClr val="dk1"/>
-              </a:effectRef>
-              <a:fontRef idx="minor">
-                <a:schemeClr val="tx1"/>
-              </a:fontRef>
-            </p:style>
-          </p:cxnSp>
-          <p:sp>
-            <p:nvSpPr>
-              <p:cNvPr id="6" name="TextBox 5"/>
-              <p:cNvSpPr txBox="1"/>
-              <p:nvPr/>
-            </p:nvSpPr>
-            <p:spPr>
-              <a:xfrm>
-                <a:off x="5806794" y="539305"/>
-                <a:ext cx="535724" cy="447362"/>
-              </a:xfrm>
-              <a:prstGeom prst="rect">
-                <a:avLst/>
-              </a:prstGeom>
-            </p:spPr>
-            <p:style>
-              <a:lnRef idx="1">
-                <a:schemeClr val="accent2"/>
-              </a:lnRef>
-              <a:fillRef idx="2">
-                <a:schemeClr val="accent2"/>
-              </a:fillRef>
-              <a:effectRef idx="1">
-                <a:schemeClr val="accent2"/>
-              </a:effectRef>
-              <a:fontRef idx="minor">
-                <a:schemeClr val="dk1"/>
-              </a:fontRef>
-            </p:style>
-            <p:txBody>
-              <a:bodyPr wrap="none" rtlCol="0" anchor="ctr">
-                <a:spAutoFit/>
-              </a:bodyPr>
-              <a:lstStyle/>
-              <a:p>
-                <a:r>
-                  <a:rPr lang="en-US" dirty="0" smtClean="0"/>
-                  <a:t>GUI</a:t>
-                </a:r>
-                <a:endParaRPr lang="en-US" dirty="0"/>
-              </a:p>
-            </p:txBody>
-          </p:sp>
-        </p:grpSp>
-        <p:grpSp>
-          <p:nvGrpSpPr>
-            <p:cNvPr id="102" name="Group 101"/>
-            <p:cNvGrpSpPr/>
-            <p:nvPr/>
-          </p:nvGrpSpPr>
-          <p:grpSpPr>
-            <a:xfrm>
-              <a:off x="8035324" y="539303"/>
-              <a:ext cx="770467" cy="5183576"/>
-              <a:chOff x="8035324" y="539303"/>
-              <a:chExt cx="770467" cy="5183576"/>
-            </a:xfrm>
-          </p:grpSpPr>
-          <p:cxnSp>
-            <p:nvCxnSpPr>
-              <p:cNvPr id="15" name="Straight Connector 14"/>
-              <p:cNvCxnSpPr/>
-              <p:nvPr/>
-            </p:nvCxnSpPr>
-            <p:spPr>
-              <a:xfrm flipH="1">
-                <a:off x="8420559" y="960490"/>
-                <a:ext cx="2" cy="4762389"/>
-              </a:xfrm>
-              <a:prstGeom prst="line">
-                <a:avLst/>
-              </a:prstGeom>
-            </p:spPr>
-            <p:style>
-              <a:lnRef idx="1">
-                <a:schemeClr val="dk1"/>
-              </a:lnRef>
-              <a:fillRef idx="0">
-                <a:schemeClr val="dk1"/>
-              </a:fillRef>
-              <a:effectRef idx="0">
-                <a:schemeClr val="dk1"/>
-              </a:effectRef>
-              <a:fontRef idx="minor">
-                <a:schemeClr val="tx1"/>
-              </a:fontRef>
-            </p:style>
-          </p:cxnSp>
-          <p:sp>
-            <p:nvSpPr>
-              <p:cNvPr id="7" name="TextBox 6"/>
-              <p:cNvSpPr txBox="1"/>
-              <p:nvPr/>
-            </p:nvSpPr>
-            <p:spPr>
+            </p:nvGrpSpPr>
+            <p:grpSpPr>
               <a:xfrm>
                 <a:off x="8035324" y="539303"/>
-                <a:ext cx="770467" cy="447362"/>
+                <a:ext cx="770467" cy="5183576"/>
+                <a:chOff x="8035324" y="539303"/>
+                <a:chExt cx="770467" cy="5183576"/>
               </a:xfrm>
-              <a:prstGeom prst="rect">
-                <a:avLst/>
-              </a:prstGeom>
-            </p:spPr>
-            <p:style>
-              <a:lnRef idx="1">
-                <a:schemeClr val="accent3"/>
-              </a:lnRef>
-              <a:fillRef idx="2">
-                <a:schemeClr val="accent3"/>
-              </a:fillRef>
-              <a:effectRef idx="1">
-                <a:schemeClr val="accent3"/>
-              </a:effectRef>
-              <a:fontRef idx="minor">
-                <a:schemeClr val="dk1"/>
-              </a:fontRef>
-            </p:style>
-            <p:txBody>
-              <a:bodyPr wrap="none" rtlCol="0" anchor="ctr">
-                <a:spAutoFit/>
-              </a:bodyPr>
-              <a:lstStyle/>
-              <a:p>
-                <a:pPr algn="ctr"/>
-                <a:r>
-                  <a:rPr lang="en-US" dirty="0" smtClean="0"/>
-                  <a:t>Parser</a:t>
-                </a:r>
-                <a:endParaRPr lang="en-US" dirty="0"/>
-              </a:p>
-            </p:txBody>
-          </p:sp>
-        </p:grpSp>
-        <p:grpSp>
-          <p:nvGrpSpPr>
-            <p:cNvPr id="109" name="Group 108"/>
-            <p:cNvGrpSpPr/>
-            <p:nvPr/>
-          </p:nvGrpSpPr>
-          <p:grpSpPr>
-            <a:xfrm>
-              <a:off x="10175813" y="536005"/>
-              <a:ext cx="895502" cy="5172752"/>
-              <a:chOff x="10175813" y="536005"/>
-              <a:chExt cx="895502" cy="5172752"/>
-            </a:xfrm>
-          </p:grpSpPr>
-          <p:cxnSp>
-            <p:nvCxnSpPr>
-              <p:cNvPr id="16" name="Straight Connector 15"/>
-              <p:cNvCxnSpPr/>
+            </p:grpSpPr>
+            <p:cxnSp>
+              <p:nvCxnSpPr>
+                <p:cNvPr id="15" name="Straight Connector 14"/>
+                <p:cNvCxnSpPr/>
+                <p:nvPr/>
+              </p:nvCxnSpPr>
+              <p:spPr>
+                <a:xfrm flipH="1">
+                  <a:off x="8420559" y="960490"/>
+                  <a:ext cx="2" cy="4762389"/>
+                </a:xfrm>
+                <a:prstGeom prst="line">
+                  <a:avLst/>
+                </a:prstGeom>
+              </p:spPr>
+              <p:style>
+                <a:lnRef idx="1">
+                  <a:schemeClr val="dk1"/>
+                </a:lnRef>
+                <a:fillRef idx="0">
+                  <a:schemeClr val="dk1"/>
+                </a:fillRef>
+                <a:effectRef idx="0">
+                  <a:schemeClr val="dk1"/>
+                </a:effectRef>
+                <a:fontRef idx="minor">
+                  <a:schemeClr val="tx1"/>
+                </a:fontRef>
+              </p:style>
+            </p:cxnSp>
+            <p:sp>
+              <p:nvSpPr>
+                <p:cNvPr id="7" name="TextBox 6"/>
+                <p:cNvSpPr txBox="1"/>
+                <p:nvPr/>
+              </p:nvSpPr>
+              <p:spPr>
+                <a:xfrm>
+                  <a:off x="8035324" y="539303"/>
+                  <a:ext cx="770467" cy="447362"/>
+                </a:xfrm>
+                <a:prstGeom prst="rect">
+                  <a:avLst/>
+                </a:prstGeom>
+              </p:spPr>
+              <p:style>
+                <a:lnRef idx="1">
+                  <a:schemeClr val="accent3"/>
+                </a:lnRef>
+                <a:fillRef idx="2">
+                  <a:schemeClr val="accent3"/>
+                </a:fillRef>
+                <a:effectRef idx="1">
+                  <a:schemeClr val="accent3"/>
+                </a:effectRef>
+                <a:fontRef idx="minor">
+                  <a:schemeClr val="dk1"/>
+                </a:fontRef>
+              </p:style>
+              <p:txBody>
+                <a:bodyPr wrap="none" rtlCol="0" anchor="ctr">
+                  <a:spAutoFit/>
+                </a:bodyPr>
+                <a:lstStyle/>
+                <a:p>
+                  <a:pPr algn="ctr"/>
+                  <a:r>
+                    <a:rPr lang="en-US" dirty="0" smtClean="0"/>
+                    <a:t>Parser</a:t>
+                  </a:r>
+                  <a:endParaRPr lang="en-US" dirty="0"/>
+                </a:p>
+              </p:txBody>
+            </p:sp>
+          </p:grpSp>
+          <p:grpSp>
+            <p:nvGrpSpPr>
+              <p:cNvPr id="109" name="Group 108"/>
+              <p:cNvGrpSpPr/>
               <p:nvPr/>
-            </p:nvCxnSpPr>
-            <p:spPr>
-              <a:xfrm flipH="1">
-                <a:off x="10623564" y="946368"/>
-                <a:ext cx="2" cy="4762389"/>
-              </a:xfrm>
-              <a:prstGeom prst="line">
-                <a:avLst/>
-              </a:prstGeom>
-            </p:spPr>
-            <p:style>
-              <a:lnRef idx="1">
-                <a:schemeClr val="dk1"/>
-              </a:lnRef>
-              <a:fillRef idx="0">
-                <a:schemeClr val="dk1"/>
-              </a:fillRef>
-              <a:effectRef idx="0">
-                <a:schemeClr val="dk1"/>
-              </a:effectRef>
-              <a:fontRef idx="minor">
-                <a:schemeClr val="tx1"/>
-              </a:fontRef>
-            </p:style>
-          </p:cxnSp>
-          <p:sp>
-            <p:nvSpPr>
-              <p:cNvPr id="8" name="TextBox 7"/>
-              <p:cNvSpPr txBox="1"/>
-              <p:nvPr/>
-            </p:nvSpPr>
-            <p:spPr>
+            </p:nvGrpSpPr>
+            <p:grpSpPr>
               <a:xfrm>
                 <a:off x="10175813" y="536005"/>
-                <a:ext cx="895502" cy="447362"/>
+                <a:ext cx="895502" cy="5172752"/>
+                <a:chOff x="10175813" y="536005"/>
+                <a:chExt cx="895502" cy="5172752"/>
               </a:xfrm>
-              <a:prstGeom prst="rect">
-                <a:avLst/>
-              </a:prstGeom>
-            </p:spPr>
-            <p:style>
-              <a:lnRef idx="1">
-                <a:schemeClr val="accent6"/>
-              </a:lnRef>
-              <a:fillRef idx="2">
-                <a:schemeClr val="accent6"/>
-              </a:fillRef>
-              <a:effectRef idx="1">
-                <a:schemeClr val="accent6"/>
-              </a:effectRef>
-              <a:fontRef idx="minor">
-                <a:schemeClr val="dk1"/>
-              </a:fontRef>
-            </p:style>
-            <p:txBody>
-              <a:bodyPr wrap="none" rtlCol="0" anchor="ctr">
-                <a:spAutoFit/>
-              </a:bodyPr>
-              <a:lstStyle/>
-              <a:p>
-                <a:r>
-                  <a:rPr lang="en-US" dirty="0" smtClean="0"/>
-                  <a:t>Storage</a:t>
-                </a:r>
-                <a:endParaRPr lang="en-US" dirty="0"/>
-              </a:p>
-            </p:txBody>
-          </p:sp>
-        </p:grpSp>
-        <p:grpSp>
-          <p:nvGrpSpPr>
-            <p:cNvPr id="108" name="Group 107"/>
-            <p:cNvGrpSpPr/>
-            <p:nvPr/>
-          </p:nvGrpSpPr>
-          <p:grpSpPr>
-            <a:xfrm>
-              <a:off x="1237086" y="500288"/>
-              <a:ext cx="617477" cy="5222425"/>
-              <a:chOff x="1237086" y="500288"/>
-              <a:chExt cx="617477" cy="5222425"/>
-            </a:xfrm>
-          </p:grpSpPr>
-          <p:sp>
-            <p:nvSpPr>
-              <p:cNvPr id="4" name="TextBox 3"/>
-              <p:cNvSpPr txBox="1"/>
+            </p:grpSpPr>
+            <p:cxnSp>
+              <p:nvCxnSpPr>
+                <p:cNvPr id="16" name="Straight Connector 15"/>
+                <p:cNvCxnSpPr/>
+                <p:nvPr/>
+              </p:nvCxnSpPr>
+              <p:spPr>
+                <a:xfrm flipH="1">
+                  <a:off x="10623564" y="946368"/>
+                  <a:ext cx="2" cy="4762389"/>
+                </a:xfrm>
+                <a:prstGeom prst="line">
+                  <a:avLst/>
+                </a:prstGeom>
+              </p:spPr>
+              <p:style>
+                <a:lnRef idx="1">
+                  <a:schemeClr val="dk1"/>
+                </a:lnRef>
+                <a:fillRef idx="0">
+                  <a:schemeClr val="dk1"/>
+                </a:fillRef>
+                <a:effectRef idx="0">
+                  <a:schemeClr val="dk1"/>
+                </a:effectRef>
+                <a:fontRef idx="minor">
+                  <a:schemeClr val="tx1"/>
+                </a:fontRef>
+              </p:style>
+            </p:cxnSp>
+            <p:sp>
+              <p:nvSpPr>
+                <p:cNvPr id="8" name="TextBox 7"/>
+                <p:cNvSpPr txBox="1"/>
+                <p:nvPr/>
+              </p:nvSpPr>
+              <p:spPr>
+                <a:xfrm>
+                  <a:off x="10175813" y="536005"/>
+                  <a:ext cx="895502" cy="447362"/>
+                </a:xfrm>
+                <a:prstGeom prst="rect">
+                  <a:avLst/>
+                </a:prstGeom>
+              </p:spPr>
+              <p:style>
+                <a:lnRef idx="1">
+                  <a:schemeClr val="accent6"/>
+                </a:lnRef>
+                <a:fillRef idx="2">
+                  <a:schemeClr val="accent6"/>
+                </a:fillRef>
+                <a:effectRef idx="1">
+                  <a:schemeClr val="accent6"/>
+                </a:effectRef>
+                <a:fontRef idx="minor">
+                  <a:schemeClr val="dk1"/>
+                </a:fontRef>
+              </p:style>
+              <p:txBody>
+                <a:bodyPr wrap="none" rtlCol="0" anchor="ctr">
+                  <a:spAutoFit/>
+                </a:bodyPr>
+                <a:lstStyle/>
+                <a:p>
+                  <a:r>
+                    <a:rPr lang="en-US" dirty="0" smtClean="0"/>
+                    <a:t>Storage</a:t>
+                  </a:r>
+                  <a:endParaRPr lang="en-US" dirty="0"/>
+                </a:p>
+              </p:txBody>
+            </p:sp>
+          </p:grpSp>
+          <p:grpSp>
+            <p:nvGrpSpPr>
+              <p:cNvPr id="108" name="Group 107"/>
+              <p:cNvGrpSpPr/>
               <p:nvPr/>
-            </p:nvSpPr>
-            <p:spPr>
+            </p:nvGrpSpPr>
+            <p:grpSpPr>
               <a:xfrm>
                 <a:off x="1237086" y="500288"/>
-                <a:ext cx="617477" cy="447362"/>
+                <a:ext cx="617477" cy="5222425"/>
+                <a:chOff x="1237086" y="500288"/>
+                <a:chExt cx="617477" cy="5222425"/>
               </a:xfrm>
-              <a:prstGeom prst="rect">
-                <a:avLst/>
-              </a:prstGeom>
-            </p:spPr>
-            <p:style>
-              <a:lnRef idx="2">
-                <a:schemeClr val="dk1">
-                  <a:shade val="50000"/>
-                </a:schemeClr>
-              </a:lnRef>
-              <a:fillRef idx="1">
-                <a:schemeClr val="dk1"/>
-              </a:fillRef>
-              <a:effectRef idx="0">
-                <a:schemeClr val="dk1"/>
-              </a:effectRef>
-              <a:fontRef idx="minor">
-                <a:schemeClr val="lt1"/>
-              </a:fontRef>
-            </p:style>
-            <p:txBody>
-              <a:bodyPr wrap="square" rtlCol="0" anchor="ctr">
-                <a:spAutoFit/>
-              </a:bodyPr>
-              <a:lstStyle/>
-              <a:p>
-                <a:r>
-                  <a:rPr lang="en-US" dirty="0" smtClean="0"/>
-                  <a:t>User</a:t>
-                </a:r>
-                <a:endParaRPr lang="en-US" dirty="0"/>
-              </a:p>
-            </p:txBody>
-          </p:sp>
-          <p:cxnSp>
-            <p:nvCxnSpPr>
-              <p:cNvPr id="64" name="Straight Connector 63"/>
-              <p:cNvCxnSpPr/>
-              <p:nvPr/>
-            </p:nvCxnSpPr>
-            <p:spPr>
-              <a:xfrm>
-                <a:off x="1530133" y="960489"/>
-                <a:ext cx="0" cy="4762224"/>
-              </a:xfrm>
-              <a:prstGeom prst="line">
-                <a:avLst/>
-              </a:prstGeom>
-            </p:spPr>
-            <p:style>
-              <a:lnRef idx="1">
-                <a:schemeClr val="dk1"/>
-              </a:lnRef>
-              <a:fillRef idx="0">
-                <a:schemeClr val="dk1"/>
-              </a:fillRef>
-              <a:effectRef idx="0">
-                <a:schemeClr val="dk1"/>
-              </a:effectRef>
-              <a:fontRef idx="minor">
-                <a:schemeClr val="tx1"/>
-              </a:fontRef>
-            </p:style>
-          </p:cxnSp>
+            </p:grpSpPr>
+            <p:sp>
+              <p:nvSpPr>
+                <p:cNvPr id="4" name="TextBox 3"/>
+                <p:cNvSpPr txBox="1"/>
+                <p:nvPr/>
+              </p:nvSpPr>
+              <p:spPr>
+                <a:xfrm>
+                  <a:off x="1237086" y="500288"/>
+                  <a:ext cx="617477" cy="447362"/>
+                </a:xfrm>
+                <a:prstGeom prst="rect">
+                  <a:avLst/>
+                </a:prstGeom>
+              </p:spPr>
+              <p:style>
+                <a:lnRef idx="2">
+                  <a:schemeClr val="dk1">
+                    <a:shade val="50000"/>
+                  </a:schemeClr>
+                </a:lnRef>
+                <a:fillRef idx="1">
+                  <a:schemeClr val="dk1"/>
+                </a:fillRef>
+                <a:effectRef idx="0">
+                  <a:schemeClr val="dk1"/>
+                </a:effectRef>
+                <a:fontRef idx="minor">
+                  <a:schemeClr val="lt1"/>
+                </a:fontRef>
+              </p:style>
+              <p:txBody>
+                <a:bodyPr wrap="square" rtlCol="0" anchor="ctr">
+                  <a:spAutoFit/>
+                </a:bodyPr>
+                <a:lstStyle/>
+                <a:p>
+                  <a:r>
+                    <a:rPr lang="en-US" dirty="0" smtClean="0"/>
+                    <a:t>User</a:t>
+                  </a:r>
+                  <a:endParaRPr lang="en-US" dirty="0"/>
+                </a:p>
+              </p:txBody>
+            </p:sp>
+            <p:cxnSp>
+              <p:nvCxnSpPr>
+                <p:cNvPr id="64" name="Straight Connector 63"/>
+                <p:cNvCxnSpPr/>
+                <p:nvPr/>
+              </p:nvCxnSpPr>
+              <p:spPr>
+                <a:xfrm>
+                  <a:off x="1530133" y="960489"/>
+                  <a:ext cx="0" cy="4762224"/>
+                </a:xfrm>
+                <a:prstGeom prst="line">
+                  <a:avLst/>
+                </a:prstGeom>
+              </p:spPr>
+              <p:style>
+                <a:lnRef idx="1">
+                  <a:schemeClr val="dk1"/>
+                </a:lnRef>
+                <a:fillRef idx="0">
+                  <a:schemeClr val="dk1"/>
+                </a:fillRef>
+                <a:effectRef idx="0">
+                  <a:schemeClr val="dk1"/>
+                </a:effectRef>
+                <a:fontRef idx="minor">
+                  <a:schemeClr val="tx1"/>
+                </a:fontRef>
+              </p:style>
+            </p:cxnSp>
+          </p:grpSp>
         </p:grpSp>
-      </p:grpSp>
-      <p:sp>
-        <p:nvSpPr>
-          <p:cNvPr id="67" name="TextBox 66"/>
-          <p:cNvSpPr txBox="1"/>
-          <p:nvPr/>
-        </p:nvSpPr>
-        <p:spPr>
-          <a:xfrm>
-            <a:off x="8417445" y="2136272"/>
-            <a:ext cx="2206119" cy="276999"/>
-          </a:xfrm>
-          <a:prstGeom prst="rect">
-            <a:avLst/>
-          </a:prstGeom>
-          <a:noFill/>
-        </p:spPr>
-        <p:txBody>
-          <a:bodyPr wrap="square" rtlCol="0">
-            <a:spAutoFit/>
-          </a:bodyPr>
-          <a:lstStyle/>
-          <a:p>
-            <a:pPr algn="ctr"/>
-            <a:r>
-              <a:rPr lang="en-US" sz="1200" i="1" dirty="0" err="1" smtClean="0"/>
-              <a:t>addItemToSchedule</a:t>
-            </a:r>
-            <a:r>
-              <a:rPr lang="en-US" sz="1200" i="1" dirty="0" smtClean="0"/>
-              <a:t>(Item)</a:t>
-            </a:r>
-            <a:endParaRPr lang="en-US" sz="1200" i="1" dirty="0" smtClean="0"/>
-          </a:p>
-        </p:txBody>
-      </p:sp>
-      <p:sp>
-        <p:nvSpPr>
-          <p:cNvPr id="70" name="TextBox 69"/>
-          <p:cNvSpPr txBox="1"/>
-          <p:nvPr/>
-        </p:nvSpPr>
-        <p:spPr>
-          <a:xfrm>
-            <a:off x="6082936" y="3050280"/>
-            <a:ext cx="2337621" cy="369332"/>
-          </a:xfrm>
-          <a:prstGeom prst="rect">
-            <a:avLst/>
-          </a:prstGeom>
-          <a:noFill/>
-        </p:spPr>
-        <p:txBody>
-          <a:bodyPr wrap="square" rtlCol="0">
-            <a:spAutoFit/>
-          </a:bodyPr>
-          <a:lstStyle/>
-          <a:p>
-            <a:pPr algn="ctr">
-              <a:lnSpc>
-                <a:spcPct val="150000"/>
-              </a:lnSpc>
-            </a:pPr>
-            <a:r>
-              <a:rPr lang="en-US" sz="1200" i="1" dirty="0" err="1" smtClean="0"/>
-              <a:t>retreiveDisplaySchedule</a:t>
-            </a:r>
-            <a:r>
-              <a:rPr lang="en-US" sz="1200" i="1" dirty="0" smtClean="0"/>
-              <a:t>()</a:t>
-            </a:r>
-            <a:endParaRPr lang="en-US" sz="1200" i="1" dirty="0"/>
-          </a:p>
-        </p:txBody>
-      </p:sp>
-      <p:sp>
-        <p:nvSpPr>
-          <p:cNvPr id="71" name="TextBox 70"/>
-          <p:cNvSpPr txBox="1"/>
-          <p:nvPr/>
-        </p:nvSpPr>
-        <p:spPr>
-          <a:xfrm>
-            <a:off x="6102777" y="3452667"/>
-            <a:ext cx="2314668" cy="369332"/>
-          </a:xfrm>
-          <a:prstGeom prst="rect">
-            <a:avLst/>
-          </a:prstGeom>
-          <a:noFill/>
-        </p:spPr>
-        <p:txBody>
-          <a:bodyPr wrap="square" rtlCol="0">
-            <a:spAutoFit/>
-          </a:bodyPr>
-          <a:lstStyle/>
-          <a:p>
-            <a:pPr algn="ctr">
-              <a:lnSpc>
-                <a:spcPct val="150000"/>
-              </a:lnSpc>
-            </a:pPr>
-            <a:r>
-              <a:rPr lang="en-US" sz="1200" i="1" dirty="0"/>
-              <a:t>v</a:t>
-            </a:r>
-            <a:r>
-              <a:rPr lang="en-US" sz="1200" i="1" dirty="0" smtClean="0"/>
-              <a:t>ector&lt;Item&gt;</a:t>
-            </a:r>
-            <a:endParaRPr lang="en-US" sz="1200" i="1" dirty="0"/>
-          </a:p>
-        </p:txBody>
-      </p:sp>
-      <p:sp>
-        <p:nvSpPr>
-          <p:cNvPr id="73" name="TextBox 72"/>
-          <p:cNvSpPr txBox="1"/>
-          <p:nvPr/>
-        </p:nvSpPr>
-        <p:spPr>
-          <a:xfrm>
-            <a:off x="8417445" y="2465277"/>
-            <a:ext cx="2206119" cy="276999"/>
-          </a:xfrm>
-          <a:prstGeom prst="rect">
-            <a:avLst/>
-          </a:prstGeom>
-          <a:noFill/>
-        </p:spPr>
-        <p:txBody>
-          <a:bodyPr wrap="square" rtlCol="0">
-            <a:spAutoFit/>
-          </a:bodyPr>
-          <a:lstStyle/>
-          <a:p>
-            <a:pPr algn="ctr"/>
-            <a:r>
-              <a:rPr lang="en-US" sz="1200" dirty="0"/>
-              <a:t>a</a:t>
-            </a:r>
-            <a:r>
-              <a:rPr lang="en-US" sz="1200" dirty="0" smtClean="0"/>
-              <a:t>dd Item success/failure</a:t>
-            </a:r>
-            <a:endParaRPr lang="en-US" sz="1200" dirty="0" smtClean="0"/>
-          </a:p>
-        </p:txBody>
-      </p:sp>
-      <p:cxnSp>
-        <p:nvCxnSpPr>
-          <p:cNvPr id="75" name="Straight Arrow Connector 74"/>
-          <p:cNvCxnSpPr/>
-          <p:nvPr/>
-        </p:nvCxnSpPr>
-        <p:spPr>
-          <a:xfrm flipH="1">
-            <a:off x="1525985" y="4444646"/>
-            <a:ext cx="2220537" cy="0"/>
-          </a:xfrm>
-          <a:prstGeom prst="straightConnector1">
-            <a:avLst/>
-          </a:prstGeom>
-          <a:ln>
-            <a:prstDash val="dash"/>
-            <a:tailEnd type="triangle"/>
-          </a:ln>
-        </p:spPr>
-        <p:style>
-          <a:lnRef idx="1">
-            <a:schemeClr val="dk1"/>
-          </a:lnRef>
-          <a:fillRef idx="0">
-            <a:schemeClr val="dk1"/>
-          </a:fillRef>
-          <a:effectRef idx="0">
-            <a:schemeClr val="dk1"/>
-          </a:effectRef>
-          <a:fontRef idx="minor">
-            <a:schemeClr val="tx1"/>
-          </a:fontRef>
-        </p:style>
-      </p:cxnSp>
-      <p:sp>
-        <p:nvSpPr>
-          <p:cNvPr id="93" name="TextBox 92"/>
-          <p:cNvSpPr txBox="1"/>
-          <p:nvPr/>
-        </p:nvSpPr>
-        <p:spPr>
-          <a:xfrm>
-            <a:off x="3739469" y="1255724"/>
-            <a:ext cx="2414855" cy="276999"/>
-          </a:xfrm>
-          <a:prstGeom prst="rect">
-            <a:avLst/>
-          </a:prstGeom>
-          <a:noFill/>
-        </p:spPr>
-        <p:txBody>
-          <a:bodyPr wrap="square" rtlCol="0">
-            <a:spAutoFit/>
-          </a:bodyPr>
-          <a:lstStyle/>
-          <a:p>
-            <a:pPr algn="ctr"/>
-            <a:r>
-              <a:rPr lang="en-US" sz="1200" i="1" dirty="0" err="1" smtClean="0"/>
-              <a:t>initiateCommandAction</a:t>
-            </a:r>
-            <a:r>
-              <a:rPr lang="en-US" sz="1200" i="1" dirty="0" smtClean="0"/>
-              <a:t>(string)</a:t>
-            </a:r>
-            <a:endParaRPr lang="en-US" sz="1200" i="1" dirty="0" smtClean="0"/>
-          </a:p>
-        </p:txBody>
-      </p:sp>
-      <p:sp>
-        <p:nvSpPr>
-          <p:cNvPr id="100" name="TextBox 99"/>
-          <p:cNvSpPr txBox="1"/>
-          <p:nvPr/>
-        </p:nvSpPr>
-        <p:spPr>
-          <a:xfrm>
-            <a:off x="1533244" y="4085041"/>
-            <a:ext cx="2217742" cy="340734"/>
-          </a:xfrm>
-          <a:prstGeom prst="rect">
-            <a:avLst/>
-          </a:prstGeom>
-          <a:noFill/>
-        </p:spPr>
-        <p:txBody>
-          <a:bodyPr wrap="square" rtlCol="0">
-            <a:spAutoFit/>
-          </a:bodyPr>
-          <a:lstStyle/>
-          <a:p>
-            <a:pPr algn="ctr">
-              <a:lnSpc>
-                <a:spcPct val="150000"/>
-              </a:lnSpc>
-            </a:pPr>
-            <a:r>
-              <a:rPr lang="en-US" sz="1200" dirty="0" smtClean="0"/>
-              <a:t>User sees updated schedule</a:t>
-            </a:r>
-            <a:endParaRPr lang="en-US" sz="1200" dirty="0"/>
-          </a:p>
-        </p:txBody>
-      </p:sp>
-      <p:sp>
-        <p:nvSpPr>
-          <p:cNvPr id="2" name="TextBox 1"/>
-          <p:cNvSpPr txBox="1"/>
-          <p:nvPr/>
-        </p:nvSpPr>
-        <p:spPr>
-          <a:xfrm>
-            <a:off x="5277328" y="6053269"/>
-            <a:ext cx="1650901" cy="369332"/>
-          </a:xfrm>
-          <a:prstGeom prst="rect">
-            <a:avLst/>
-          </a:prstGeom>
-          <a:noFill/>
-        </p:spPr>
-        <p:txBody>
-          <a:bodyPr wrap="none" rtlCol="0">
-            <a:spAutoFit/>
-          </a:bodyPr>
-          <a:lstStyle/>
-          <a:p>
-            <a:pPr algn="ctr"/>
-            <a:r>
-              <a:rPr lang="en-US" dirty="0" smtClean="0"/>
-              <a:t>Add VALID Item</a:t>
-            </a:r>
-            <a:endParaRPr lang="en-US" dirty="0"/>
-          </a:p>
-        </p:txBody>
-      </p:sp>
-      <p:sp>
-        <p:nvSpPr>
-          <p:cNvPr id="3" name="Rectangle 2"/>
-          <p:cNvSpPr/>
-          <p:nvPr/>
-        </p:nvSpPr>
-        <p:spPr>
-          <a:xfrm>
-            <a:off x="3715194" y="1364924"/>
-            <a:ext cx="101508" cy="3079722"/>
-          </a:xfrm>
-          <a:prstGeom prst="rect">
-            <a:avLst/>
-          </a:prstGeom>
-          <a:solidFill>
-            <a:schemeClr val="bg2"/>
-          </a:solidFill>
-          <a:ln>
-            <a:solidFill>
-              <a:schemeClr val="bg1">
-                <a:lumMod val="75000"/>
-              </a:schemeClr>
-            </a:solidFill>
-          </a:ln>
-        </p:spPr>
-        <p:style>
-          <a:lnRef idx="2">
-            <a:schemeClr val="accent1">
-              <a:shade val="50000"/>
-            </a:schemeClr>
-          </a:lnRef>
-          <a:fillRef idx="1">
-            <a:schemeClr val="accent1"/>
-          </a:fillRef>
-          <a:effectRef idx="0">
-            <a:schemeClr val="accent1"/>
-          </a:effectRef>
-          <a:fontRef idx="minor">
-            <a:schemeClr val="lt1"/>
-          </a:fontRef>
-        </p:style>
-        <p:txBody>
-          <a:bodyPr rtlCol="0" anchor="ctr"/>
-          <a:lstStyle/>
-          <a:p>
-            <a:pPr algn="ctr"/>
-            <a:endParaRPr lang="en-US"/>
-          </a:p>
-        </p:txBody>
-      </p:sp>
-      <p:cxnSp>
-        <p:nvCxnSpPr>
-          <p:cNvPr id="19" name="Straight Arrow Connector 18"/>
-          <p:cNvCxnSpPr/>
-          <p:nvPr/>
-        </p:nvCxnSpPr>
-        <p:spPr>
-          <a:xfrm>
-            <a:off x="1545825" y="1369061"/>
-            <a:ext cx="2220538" cy="0"/>
-          </a:xfrm>
-          <a:prstGeom prst="straightConnector1">
-            <a:avLst/>
-          </a:prstGeom>
-          <a:ln>
-            <a:tailEnd type="triangle"/>
-          </a:ln>
-        </p:spPr>
-        <p:style>
-          <a:lnRef idx="1">
-            <a:schemeClr val="dk1"/>
-          </a:lnRef>
-          <a:fillRef idx="0">
-            <a:schemeClr val="dk1"/>
-          </a:fillRef>
-          <a:effectRef idx="0">
-            <a:schemeClr val="dk1"/>
-          </a:effectRef>
-          <a:fontRef idx="minor">
-            <a:schemeClr val="tx1"/>
-          </a:fontRef>
-        </p:style>
-      </p:cxnSp>
-      <p:grpSp>
-        <p:nvGrpSpPr>
-          <p:cNvPr id="97" name="Group 96"/>
-          <p:cNvGrpSpPr/>
-          <p:nvPr/>
-        </p:nvGrpSpPr>
-        <p:grpSpPr>
-          <a:xfrm>
-            <a:off x="3766363" y="3821249"/>
-            <a:ext cx="2316575" cy="364554"/>
-            <a:chOff x="3766363" y="3668353"/>
-            <a:chExt cx="2316575" cy="364554"/>
-          </a:xfrm>
-        </p:grpSpPr>
+        <p:sp>
+          <p:nvSpPr>
+            <p:cNvPr id="67" name="TextBox 66"/>
+            <p:cNvSpPr txBox="1"/>
+            <p:nvPr/>
+          </p:nvSpPr>
+          <p:spPr>
+            <a:xfrm>
+              <a:off x="8417445" y="2136272"/>
+              <a:ext cx="2206119" cy="276999"/>
+            </a:xfrm>
+            <a:prstGeom prst="rect">
+              <a:avLst/>
+            </a:prstGeom>
+            <a:noFill/>
+          </p:spPr>
+          <p:txBody>
+            <a:bodyPr wrap="square" rtlCol="0">
+              <a:spAutoFit/>
+            </a:bodyPr>
+            <a:lstStyle/>
+            <a:p>
+              <a:pPr algn="ctr"/>
+              <a:r>
+                <a:rPr lang="en-US" sz="1200" i="1" dirty="0" err="1" smtClean="0"/>
+                <a:t>addItemToSchedule</a:t>
+              </a:r>
+              <a:r>
+                <a:rPr lang="en-US" sz="1200" i="1" dirty="0" smtClean="0"/>
+                <a:t>(Item)</a:t>
+              </a:r>
+              <a:endParaRPr lang="en-US" sz="1200" i="1" dirty="0" smtClean="0"/>
+            </a:p>
+          </p:txBody>
+        </p:sp>
+        <p:sp>
+          <p:nvSpPr>
+            <p:cNvPr id="70" name="TextBox 69"/>
+            <p:cNvSpPr txBox="1"/>
+            <p:nvPr/>
+          </p:nvSpPr>
+          <p:spPr>
+            <a:xfrm>
+              <a:off x="6082936" y="3050280"/>
+              <a:ext cx="2337621" cy="369332"/>
+            </a:xfrm>
+            <a:prstGeom prst="rect">
+              <a:avLst/>
+            </a:prstGeom>
+            <a:noFill/>
+          </p:spPr>
+          <p:txBody>
+            <a:bodyPr wrap="square" rtlCol="0">
+              <a:spAutoFit/>
+            </a:bodyPr>
+            <a:lstStyle/>
+            <a:p>
+              <a:pPr algn="ctr">
+                <a:lnSpc>
+                  <a:spcPct val="150000"/>
+                </a:lnSpc>
+              </a:pPr>
+              <a:r>
+                <a:rPr lang="en-US" sz="1200" i="1" dirty="0" err="1" smtClean="0"/>
+                <a:t>retreiveDisplaySchedule</a:t>
+              </a:r>
+              <a:r>
+                <a:rPr lang="en-US" sz="1200" i="1" dirty="0" smtClean="0"/>
+                <a:t>()</a:t>
+              </a:r>
+              <a:endParaRPr lang="en-US" sz="1200" i="1" dirty="0"/>
+            </a:p>
+          </p:txBody>
+        </p:sp>
+        <p:sp>
+          <p:nvSpPr>
+            <p:cNvPr id="71" name="TextBox 70"/>
+            <p:cNvSpPr txBox="1"/>
+            <p:nvPr/>
+          </p:nvSpPr>
+          <p:spPr>
+            <a:xfrm>
+              <a:off x="6102777" y="3452667"/>
+              <a:ext cx="2314668" cy="369332"/>
+            </a:xfrm>
+            <a:prstGeom prst="rect">
+              <a:avLst/>
+            </a:prstGeom>
+            <a:noFill/>
+          </p:spPr>
+          <p:txBody>
+            <a:bodyPr wrap="square" rtlCol="0">
+              <a:spAutoFit/>
+            </a:bodyPr>
+            <a:lstStyle/>
+            <a:p>
+              <a:pPr algn="ctr">
+                <a:lnSpc>
+                  <a:spcPct val="150000"/>
+                </a:lnSpc>
+              </a:pPr>
+              <a:r>
+                <a:rPr lang="en-US" sz="1200" i="1" dirty="0"/>
+                <a:t>v</a:t>
+              </a:r>
+              <a:r>
+                <a:rPr lang="en-US" sz="1200" i="1" dirty="0" smtClean="0"/>
+                <a:t>ector&lt;Item&gt;</a:t>
+              </a:r>
+              <a:endParaRPr lang="en-US" sz="1200" i="1" dirty="0"/>
+            </a:p>
+          </p:txBody>
+        </p:sp>
+        <p:sp>
+          <p:nvSpPr>
+            <p:cNvPr id="73" name="TextBox 72"/>
+            <p:cNvSpPr txBox="1"/>
+            <p:nvPr/>
+          </p:nvSpPr>
+          <p:spPr>
+            <a:xfrm>
+              <a:off x="8417445" y="2465277"/>
+              <a:ext cx="2206119" cy="276999"/>
+            </a:xfrm>
+            <a:prstGeom prst="rect">
+              <a:avLst/>
+            </a:prstGeom>
+            <a:noFill/>
+          </p:spPr>
+          <p:txBody>
+            <a:bodyPr wrap="square" rtlCol="0">
+              <a:spAutoFit/>
+            </a:bodyPr>
+            <a:lstStyle/>
+            <a:p>
+              <a:pPr algn="ctr"/>
+              <a:r>
+                <a:rPr lang="en-US" sz="1200" dirty="0"/>
+                <a:t>a</a:t>
+              </a:r>
+              <a:r>
+                <a:rPr lang="en-US" sz="1200" dirty="0" smtClean="0"/>
+                <a:t>dd Item success/failure</a:t>
+              </a:r>
+              <a:endParaRPr lang="en-US" sz="1200" dirty="0" smtClean="0"/>
+            </a:p>
+          </p:txBody>
+        </p:sp>
         <p:cxnSp>
           <p:nvCxnSpPr>
-            <p:cNvPr id="33" name="Straight Arrow Connector 32"/>
+            <p:cNvPr id="75" name="Straight Arrow Connector 74"/>
             <p:cNvCxnSpPr/>
             <p:nvPr/>
           </p:nvCxnSpPr>
           <p:spPr>
             <a:xfrm flipH="1">
-              <a:off x="3766363" y="4032907"/>
-              <a:ext cx="2316575" cy="0"/>
+              <a:off x="1525985" y="4444646"/>
+              <a:ext cx="2220537" cy="0"/>
             </a:xfrm>
             <a:prstGeom prst="straightConnector1">
               <a:avLst/>
@@ -18086,14 +17899,49 @@
         </p:cxnSp>
         <p:sp>
           <p:nvSpPr>
-            <p:cNvPr id="69" name="TextBox 68"/>
+            <p:cNvPr id="93" name="TextBox 92"/>
             <p:cNvSpPr txBox="1"/>
             <p:nvPr/>
           </p:nvSpPr>
           <p:spPr>
             <a:xfrm>
-              <a:off x="3792426" y="3668353"/>
-              <a:ext cx="2287400" cy="340734"/>
+              <a:off x="3739469" y="1255724"/>
+              <a:ext cx="2414855" cy="276999"/>
+            </a:xfrm>
+            <a:prstGeom prst="rect">
+              <a:avLst/>
+            </a:prstGeom>
+            <a:noFill/>
+          </p:spPr>
+          <p:txBody>
+            <a:bodyPr wrap="square" rtlCol="0">
+              <a:spAutoFit/>
+            </a:bodyPr>
+            <a:lstStyle/>
+            <a:p>
+              <a:pPr algn="ctr"/>
+              <a:r>
+                <a:rPr lang="en-US" sz="1200" i="1" dirty="0" err="1" smtClean="0"/>
+                <a:t>initiateCommandAction</a:t>
+              </a:r>
+              <a:r>
+                <a:rPr lang="en-US" sz="1200" i="1" dirty="0" smtClean="0"/>
+                <a:t>(string)</a:t>
+              </a:r>
+              <a:endParaRPr lang="en-US" sz="1200" i="1" dirty="0" smtClean="0"/>
+            </a:p>
+          </p:txBody>
+        </p:sp>
+        <p:sp>
+          <p:nvSpPr>
+            <p:cNvPr id="100" name="TextBox 99"/>
+            <p:cNvSpPr txBox="1"/>
+            <p:nvPr/>
+          </p:nvSpPr>
+          <p:spPr>
+            <a:xfrm>
+              <a:off x="1533244" y="4085041"/>
+              <a:ext cx="2217742" cy="340734"/>
             </a:xfrm>
             <a:prstGeom prst="rect">
               <a:avLst/>
@@ -18113,447 +17961,614 @@
               </a:pPr>
               <a:r>
                 <a:rPr lang="en-US" sz="1200" dirty="0" smtClean="0"/>
-                <a:t>Update GUI</a:t>
+                <a:t>User sees updated schedule</a:t>
               </a:r>
               <a:endParaRPr lang="en-US" sz="1200" dirty="0"/>
             </a:p>
           </p:txBody>
         </p:sp>
+        <p:sp>
+          <p:nvSpPr>
+            <p:cNvPr id="3" name="Rectangle 2"/>
+            <p:cNvSpPr/>
+            <p:nvPr/>
+          </p:nvSpPr>
+          <p:spPr>
+            <a:xfrm>
+              <a:off x="3715194" y="1364924"/>
+              <a:ext cx="101508" cy="3079722"/>
+            </a:xfrm>
+            <a:prstGeom prst="rect">
+              <a:avLst/>
+            </a:prstGeom>
+            <a:solidFill>
+              <a:schemeClr val="bg2"/>
+            </a:solidFill>
+            <a:ln>
+              <a:solidFill>
+                <a:schemeClr val="bg1">
+                  <a:lumMod val="75000"/>
+                </a:schemeClr>
+              </a:solidFill>
+            </a:ln>
+          </p:spPr>
+          <p:style>
+            <a:lnRef idx="2">
+              <a:schemeClr val="accent1">
+                <a:shade val="50000"/>
+              </a:schemeClr>
+            </a:lnRef>
+            <a:fillRef idx="1">
+              <a:schemeClr val="accent1"/>
+            </a:fillRef>
+            <a:effectRef idx="0">
+              <a:schemeClr val="accent1"/>
+            </a:effectRef>
+            <a:fontRef idx="minor">
+              <a:schemeClr val="lt1"/>
+            </a:fontRef>
+          </p:style>
+          <p:txBody>
+            <a:bodyPr rtlCol="0" anchor="ctr"/>
+            <a:lstStyle/>
+            <a:p>
+              <a:pPr algn="ctr"/>
+              <a:endParaRPr lang="en-US"/>
+            </a:p>
+          </p:txBody>
+        </p:sp>
+        <p:cxnSp>
+          <p:nvCxnSpPr>
+            <p:cNvPr id="19" name="Straight Arrow Connector 18"/>
+            <p:cNvCxnSpPr/>
+            <p:nvPr/>
+          </p:nvCxnSpPr>
+          <p:spPr>
+            <a:xfrm>
+              <a:off x="1545825" y="1369061"/>
+              <a:ext cx="2220538" cy="0"/>
+            </a:xfrm>
+            <a:prstGeom prst="straightConnector1">
+              <a:avLst/>
+            </a:prstGeom>
+            <a:ln>
+              <a:tailEnd type="triangle"/>
+            </a:ln>
+          </p:spPr>
+          <p:style>
+            <a:lnRef idx="1">
+              <a:schemeClr val="dk1"/>
+            </a:lnRef>
+            <a:fillRef idx="0">
+              <a:schemeClr val="dk1"/>
+            </a:fillRef>
+            <a:effectRef idx="0">
+              <a:schemeClr val="dk1"/>
+            </a:effectRef>
+            <a:fontRef idx="minor">
+              <a:schemeClr val="tx1"/>
+            </a:fontRef>
+          </p:style>
+        </p:cxnSp>
+        <p:grpSp>
+          <p:nvGrpSpPr>
+            <p:cNvPr id="97" name="Group 96"/>
+            <p:cNvGrpSpPr/>
+            <p:nvPr/>
+          </p:nvGrpSpPr>
+          <p:grpSpPr>
+            <a:xfrm>
+              <a:off x="3766363" y="3821249"/>
+              <a:ext cx="2316575" cy="364554"/>
+              <a:chOff x="3766363" y="3668353"/>
+              <a:chExt cx="2316575" cy="364554"/>
+            </a:xfrm>
+          </p:grpSpPr>
+          <p:cxnSp>
+            <p:nvCxnSpPr>
+              <p:cNvPr id="33" name="Straight Arrow Connector 32"/>
+              <p:cNvCxnSpPr/>
+              <p:nvPr/>
+            </p:nvCxnSpPr>
+            <p:spPr>
+              <a:xfrm flipH="1">
+                <a:off x="3766363" y="4032907"/>
+                <a:ext cx="2316575" cy="0"/>
+              </a:xfrm>
+              <a:prstGeom prst="straightConnector1">
+                <a:avLst/>
+              </a:prstGeom>
+              <a:ln>
+                <a:prstDash val="dash"/>
+                <a:tailEnd type="triangle"/>
+              </a:ln>
+            </p:spPr>
+            <p:style>
+              <a:lnRef idx="1">
+                <a:schemeClr val="dk1"/>
+              </a:lnRef>
+              <a:fillRef idx="0">
+                <a:schemeClr val="dk1"/>
+              </a:fillRef>
+              <a:effectRef idx="0">
+                <a:schemeClr val="dk1"/>
+              </a:effectRef>
+              <a:fontRef idx="minor">
+                <a:schemeClr val="tx1"/>
+              </a:fontRef>
+            </p:style>
+          </p:cxnSp>
+          <p:sp>
+            <p:nvSpPr>
+              <p:cNvPr id="69" name="TextBox 68"/>
+              <p:cNvSpPr txBox="1"/>
+              <p:nvPr/>
+            </p:nvSpPr>
+            <p:spPr>
+              <a:xfrm>
+                <a:off x="3792426" y="3668353"/>
+                <a:ext cx="2287400" cy="340734"/>
+              </a:xfrm>
+              <a:prstGeom prst="rect">
+                <a:avLst/>
+              </a:prstGeom>
+              <a:noFill/>
+            </p:spPr>
+            <p:txBody>
+              <a:bodyPr wrap="square" rtlCol="0">
+                <a:spAutoFit/>
+              </a:bodyPr>
+              <a:lstStyle/>
+              <a:p>
+                <a:pPr algn="ctr">
+                  <a:lnSpc>
+                    <a:spcPct val="150000"/>
+                  </a:lnSpc>
+                </a:pPr>
+                <a:r>
+                  <a:rPr lang="en-US" sz="1200" dirty="0" smtClean="0"/>
+                  <a:t>Update GUI</a:t>
+                </a:r>
+                <a:endParaRPr lang="en-US" sz="1200" dirty="0"/>
+              </a:p>
+            </p:txBody>
+          </p:sp>
+        </p:grpSp>
+        <p:sp>
+          <p:nvSpPr>
+            <p:cNvPr id="41" name="Rectangle 40"/>
+            <p:cNvSpPr/>
+            <p:nvPr/>
+          </p:nvSpPr>
+          <p:spPr>
+            <a:xfrm>
+              <a:off x="6029072" y="1540245"/>
+              <a:ext cx="101508" cy="2645558"/>
+            </a:xfrm>
+            <a:prstGeom prst="rect">
+              <a:avLst/>
+            </a:prstGeom>
+            <a:solidFill>
+              <a:schemeClr val="bg2"/>
+            </a:solidFill>
+            <a:ln>
+              <a:solidFill>
+                <a:schemeClr val="bg1">
+                  <a:lumMod val="75000"/>
+                </a:schemeClr>
+              </a:solidFill>
+            </a:ln>
+          </p:spPr>
+          <p:style>
+            <a:lnRef idx="2">
+              <a:schemeClr val="accent1">
+                <a:shade val="50000"/>
+              </a:schemeClr>
+            </a:lnRef>
+            <a:fillRef idx="1">
+              <a:schemeClr val="accent1"/>
+            </a:fillRef>
+            <a:effectRef idx="0">
+              <a:schemeClr val="accent1"/>
+            </a:effectRef>
+            <a:fontRef idx="minor">
+              <a:schemeClr val="lt1"/>
+            </a:fontRef>
+          </p:style>
+          <p:txBody>
+            <a:bodyPr rtlCol="0" anchor="ctr"/>
+            <a:lstStyle/>
+            <a:p>
+              <a:pPr algn="ctr"/>
+              <a:endParaRPr lang="en-US"/>
+            </a:p>
+          </p:txBody>
+        </p:sp>
+        <p:cxnSp>
+          <p:nvCxnSpPr>
+            <p:cNvPr id="22" name="Straight Arrow Connector 21"/>
+            <p:cNvCxnSpPr/>
+            <p:nvPr/>
+          </p:nvCxnSpPr>
+          <p:spPr>
+            <a:xfrm flipH="1">
+              <a:off x="6082938" y="2083911"/>
+              <a:ext cx="2337621" cy="0"/>
+            </a:xfrm>
+            <a:prstGeom prst="straightConnector1">
+              <a:avLst/>
+            </a:prstGeom>
+            <a:ln>
+              <a:prstDash val="dash"/>
+              <a:tailEnd type="triangle"/>
+            </a:ln>
+          </p:spPr>
+          <p:style>
+            <a:lnRef idx="1">
+              <a:schemeClr val="dk1"/>
+            </a:lnRef>
+            <a:fillRef idx="0">
+              <a:schemeClr val="dk1"/>
+            </a:fillRef>
+            <a:effectRef idx="0">
+              <a:schemeClr val="dk1"/>
+            </a:effectRef>
+            <a:fontRef idx="minor">
+              <a:schemeClr val="tx1"/>
+            </a:fontRef>
+          </p:style>
+        </p:cxnSp>
+        <p:cxnSp>
+          <p:nvCxnSpPr>
+            <p:cNvPr id="31" name="Straight Arrow Connector 30"/>
+            <p:cNvCxnSpPr/>
+            <p:nvPr/>
+          </p:nvCxnSpPr>
+          <p:spPr>
+            <a:xfrm flipH="1">
+              <a:off x="6082939" y="2760760"/>
+              <a:ext cx="4540625" cy="0"/>
+            </a:xfrm>
+            <a:prstGeom prst="straightConnector1">
+              <a:avLst/>
+            </a:prstGeom>
+            <a:ln>
+              <a:prstDash val="dash"/>
+              <a:tailEnd type="triangle"/>
+            </a:ln>
+          </p:spPr>
+          <p:style>
+            <a:lnRef idx="1">
+              <a:schemeClr val="dk1"/>
+            </a:lnRef>
+            <a:fillRef idx="0">
+              <a:schemeClr val="dk1"/>
+            </a:fillRef>
+            <a:effectRef idx="0">
+              <a:schemeClr val="dk1"/>
+            </a:effectRef>
+            <a:fontRef idx="minor">
+              <a:schemeClr val="tx1"/>
+            </a:fontRef>
+          </p:style>
+        </p:cxnSp>
+        <p:cxnSp>
+          <p:nvCxnSpPr>
+            <p:cNvPr id="40" name="Straight Arrow Connector 39"/>
+            <p:cNvCxnSpPr/>
+            <p:nvPr/>
+          </p:nvCxnSpPr>
+          <p:spPr>
+            <a:xfrm flipH="1">
+              <a:off x="6082936" y="3808552"/>
+              <a:ext cx="4540628" cy="0"/>
+            </a:xfrm>
+            <a:prstGeom prst="straightConnector1">
+              <a:avLst/>
+            </a:prstGeom>
+            <a:ln>
+              <a:prstDash val="dash"/>
+              <a:tailEnd type="triangle"/>
+            </a:ln>
+          </p:spPr>
+          <p:style>
+            <a:lnRef idx="1">
+              <a:schemeClr val="dk1"/>
+            </a:lnRef>
+            <a:fillRef idx="0">
+              <a:schemeClr val="dk1"/>
+            </a:fillRef>
+            <a:effectRef idx="0">
+              <a:schemeClr val="dk1"/>
+            </a:effectRef>
+            <a:fontRef idx="minor">
+              <a:schemeClr val="tx1"/>
+            </a:fontRef>
+          </p:style>
+        </p:cxnSp>
+        <p:cxnSp>
+          <p:nvCxnSpPr>
+            <p:cNvPr id="91" name="Straight Arrow Connector 90"/>
+            <p:cNvCxnSpPr/>
+            <p:nvPr/>
+          </p:nvCxnSpPr>
+          <p:spPr>
+            <a:xfrm>
+              <a:off x="3816702" y="1565004"/>
+              <a:ext cx="2266236" cy="0"/>
+            </a:xfrm>
+            <a:prstGeom prst="straightConnector1">
+              <a:avLst/>
+            </a:prstGeom>
+            <a:ln>
+              <a:tailEnd type="triangle"/>
+            </a:ln>
+          </p:spPr>
+          <p:style>
+            <a:lnRef idx="1">
+              <a:schemeClr val="dk1"/>
+            </a:lnRef>
+            <a:fillRef idx="0">
+              <a:schemeClr val="dk1"/>
+            </a:fillRef>
+            <a:effectRef idx="0">
+              <a:schemeClr val="dk1"/>
+            </a:effectRef>
+            <a:fontRef idx="minor">
+              <a:schemeClr val="tx1"/>
+            </a:fontRef>
+          </p:style>
+        </p:cxnSp>
+        <p:sp>
+          <p:nvSpPr>
+            <p:cNvPr id="42" name="Rectangle 41"/>
+            <p:cNvSpPr/>
+            <p:nvPr/>
+          </p:nvSpPr>
+          <p:spPr>
+            <a:xfrm>
+              <a:off x="8366691" y="1769243"/>
+              <a:ext cx="101508" cy="312839"/>
+            </a:xfrm>
+            <a:prstGeom prst="rect">
+              <a:avLst/>
+            </a:prstGeom>
+            <a:solidFill>
+              <a:schemeClr val="bg2"/>
+            </a:solidFill>
+            <a:ln>
+              <a:solidFill>
+                <a:schemeClr val="bg1">
+                  <a:lumMod val="75000"/>
+                </a:schemeClr>
+              </a:solidFill>
+            </a:ln>
+          </p:spPr>
+          <p:style>
+            <a:lnRef idx="2">
+              <a:schemeClr val="accent1">
+                <a:shade val="50000"/>
+              </a:schemeClr>
+            </a:lnRef>
+            <a:fillRef idx="1">
+              <a:schemeClr val="accent1"/>
+            </a:fillRef>
+            <a:effectRef idx="0">
+              <a:schemeClr val="accent1"/>
+            </a:effectRef>
+            <a:fontRef idx="minor">
+              <a:schemeClr val="lt1"/>
+            </a:fontRef>
+          </p:style>
+          <p:txBody>
+            <a:bodyPr rtlCol="0" anchor="ctr"/>
+            <a:lstStyle/>
+            <a:p>
+              <a:pPr algn="ctr"/>
+              <a:endParaRPr lang="en-US"/>
+            </a:p>
+          </p:txBody>
+        </p:sp>
+        <p:cxnSp>
+          <p:nvCxnSpPr>
+            <p:cNvPr id="20" name="Straight Arrow Connector 19"/>
+            <p:cNvCxnSpPr/>
+            <p:nvPr/>
+          </p:nvCxnSpPr>
+          <p:spPr>
+            <a:xfrm flipV="1">
+              <a:off x="6130580" y="1756419"/>
+              <a:ext cx="2289978" cy="12824"/>
+            </a:xfrm>
+            <a:prstGeom prst="straightConnector1">
+              <a:avLst/>
+            </a:prstGeom>
+            <a:ln>
+              <a:tailEnd type="triangle"/>
+            </a:ln>
+          </p:spPr>
+          <p:style>
+            <a:lnRef idx="1">
+              <a:schemeClr val="dk1"/>
+            </a:lnRef>
+            <a:fillRef idx="0">
+              <a:schemeClr val="dk1"/>
+            </a:fillRef>
+            <a:effectRef idx="0">
+              <a:schemeClr val="dk1"/>
+            </a:effectRef>
+            <a:fontRef idx="minor">
+              <a:schemeClr val="tx1"/>
+            </a:fontRef>
+          </p:style>
+        </p:cxnSp>
+        <p:sp>
+          <p:nvSpPr>
+            <p:cNvPr id="43" name="Rectangle 42"/>
+            <p:cNvSpPr/>
+            <p:nvPr/>
+          </p:nvSpPr>
+          <p:spPr>
+            <a:xfrm>
+              <a:off x="10572810" y="2447356"/>
+              <a:ext cx="101508" cy="312839"/>
+            </a:xfrm>
+            <a:prstGeom prst="rect">
+              <a:avLst/>
+            </a:prstGeom>
+            <a:solidFill>
+              <a:schemeClr val="bg2"/>
+            </a:solidFill>
+            <a:ln>
+              <a:solidFill>
+                <a:schemeClr val="bg1">
+                  <a:lumMod val="75000"/>
+                </a:schemeClr>
+              </a:solidFill>
+            </a:ln>
+          </p:spPr>
+          <p:style>
+            <a:lnRef idx="2">
+              <a:schemeClr val="accent1">
+                <a:shade val="50000"/>
+              </a:schemeClr>
+            </a:lnRef>
+            <a:fillRef idx="1">
+              <a:schemeClr val="accent1"/>
+            </a:fillRef>
+            <a:effectRef idx="0">
+              <a:schemeClr val="accent1"/>
+            </a:effectRef>
+            <a:fontRef idx="minor">
+              <a:schemeClr val="lt1"/>
+            </a:fontRef>
+          </p:style>
+          <p:txBody>
+            <a:bodyPr rtlCol="0" anchor="ctr"/>
+            <a:lstStyle/>
+            <a:p>
+              <a:pPr algn="ctr"/>
+              <a:endParaRPr lang="en-US"/>
+            </a:p>
+          </p:txBody>
+        </p:sp>
+        <p:cxnSp>
+          <p:nvCxnSpPr>
+            <p:cNvPr id="29" name="Straight Arrow Connector 28"/>
+            <p:cNvCxnSpPr/>
+            <p:nvPr/>
+          </p:nvCxnSpPr>
+          <p:spPr>
+            <a:xfrm flipV="1">
+              <a:off x="6130580" y="2442658"/>
+              <a:ext cx="4492984" cy="4698"/>
+            </a:xfrm>
+            <a:prstGeom prst="straightConnector1">
+              <a:avLst/>
+            </a:prstGeom>
+            <a:ln>
+              <a:tailEnd type="triangle"/>
+            </a:ln>
+          </p:spPr>
+          <p:style>
+            <a:lnRef idx="1">
+              <a:schemeClr val="dk1"/>
+            </a:lnRef>
+            <a:fillRef idx="0">
+              <a:schemeClr val="dk1"/>
+            </a:fillRef>
+            <a:effectRef idx="0">
+              <a:schemeClr val="dk1"/>
+            </a:effectRef>
+            <a:fontRef idx="minor">
+              <a:schemeClr val="tx1"/>
+            </a:fontRef>
+          </p:style>
+        </p:cxnSp>
+        <p:sp>
+          <p:nvSpPr>
+            <p:cNvPr id="44" name="Rectangle 43"/>
+            <p:cNvSpPr/>
+            <p:nvPr/>
+          </p:nvSpPr>
+          <p:spPr>
+            <a:xfrm>
+              <a:off x="10572810" y="3405067"/>
+              <a:ext cx="101508" cy="403485"/>
+            </a:xfrm>
+            <a:prstGeom prst="rect">
+              <a:avLst/>
+            </a:prstGeom>
+            <a:solidFill>
+              <a:schemeClr val="bg2"/>
+            </a:solidFill>
+            <a:ln>
+              <a:solidFill>
+                <a:schemeClr val="bg1">
+                  <a:lumMod val="75000"/>
+                </a:schemeClr>
+              </a:solidFill>
+            </a:ln>
+          </p:spPr>
+          <p:style>
+            <a:lnRef idx="2">
+              <a:schemeClr val="accent1">
+                <a:shade val="50000"/>
+              </a:schemeClr>
+            </a:lnRef>
+            <a:fillRef idx="1">
+              <a:schemeClr val="accent1"/>
+            </a:fillRef>
+            <a:effectRef idx="0">
+              <a:schemeClr val="accent1"/>
+            </a:effectRef>
+            <a:fontRef idx="minor">
+              <a:schemeClr val="lt1"/>
+            </a:fontRef>
+          </p:style>
+          <p:txBody>
+            <a:bodyPr rtlCol="0" anchor="ctr"/>
+            <a:lstStyle/>
+            <a:p>
+              <a:pPr algn="ctr"/>
+              <a:endParaRPr lang="en-US"/>
+            </a:p>
+          </p:txBody>
+        </p:sp>
+        <p:cxnSp>
+          <p:nvCxnSpPr>
+            <p:cNvPr id="38" name="Straight Arrow Connector 37"/>
+            <p:cNvCxnSpPr/>
+            <p:nvPr/>
+          </p:nvCxnSpPr>
+          <p:spPr>
+            <a:xfrm>
+              <a:off x="6082936" y="3419613"/>
+              <a:ext cx="4540628" cy="0"/>
+            </a:xfrm>
+            <a:prstGeom prst="straightConnector1">
+              <a:avLst/>
+            </a:prstGeom>
+            <a:ln>
+              <a:tailEnd type="triangle"/>
+            </a:ln>
+          </p:spPr>
+          <p:style>
+            <a:lnRef idx="1">
+              <a:schemeClr val="dk1"/>
+            </a:lnRef>
+            <a:fillRef idx="0">
+              <a:schemeClr val="dk1"/>
+            </a:fillRef>
+            <a:effectRef idx="0">
+              <a:schemeClr val="dk1"/>
+            </a:effectRef>
+            <a:fontRef idx="minor">
+              <a:schemeClr val="tx1"/>
+            </a:fontRef>
+          </p:style>
+        </p:cxnSp>
       </p:grpSp>
-      <p:sp>
-        <p:nvSpPr>
-          <p:cNvPr id="41" name="Rectangle 40"/>
-          <p:cNvSpPr/>
-          <p:nvPr/>
-        </p:nvSpPr>
-        <p:spPr>
-          <a:xfrm>
-            <a:off x="6029072" y="1540245"/>
-            <a:ext cx="101508" cy="2645558"/>
-          </a:xfrm>
-          <a:prstGeom prst="rect">
-            <a:avLst/>
-          </a:prstGeom>
-          <a:solidFill>
-            <a:schemeClr val="bg2"/>
-          </a:solidFill>
-          <a:ln>
-            <a:solidFill>
-              <a:schemeClr val="bg1">
-                <a:lumMod val="75000"/>
-              </a:schemeClr>
-            </a:solidFill>
-          </a:ln>
-        </p:spPr>
-        <p:style>
-          <a:lnRef idx="2">
-            <a:schemeClr val="accent1">
-              <a:shade val="50000"/>
-            </a:schemeClr>
-          </a:lnRef>
-          <a:fillRef idx="1">
-            <a:schemeClr val="accent1"/>
-          </a:fillRef>
-          <a:effectRef idx="0">
-            <a:schemeClr val="accent1"/>
-          </a:effectRef>
-          <a:fontRef idx="minor">
-            <a:schemeClr val="lt1"/>
-          </a:fontRef>
-        </p:style>
-        <p:txBody>
-          <a:bodyPr rtlCol="0" anchor="ctr"/>
-          <a:lstStyle/>
-          <a:p>
-            <a:pPr algn="ctr"/>
-            <a:endParaRPr lang="en-US"/>
-          </a:p>
-        </p:txBody>
-      </p:sp>
-      <p:cxnSp>
-        <p:nvCxnSpPr>
-          <p:cNvPr id="22" name="Straight Arrow Connector 21"/>
-          <p:cNvCxnSpPr/>
-          <p:nvPr/>
-        </p:nvCxnSpPr>
-        <p:spPr>
-          <a:xfrm flipH="1">
-            <a:off x="6082938" y="2083911"/>
-            <a:ext cx="2337621" cy="0"/>
-          </a:xfrm>
-          <a:prstGeom prst="straightConnector1">
-            <a:avLst/>
-          </a:prstGeom>
-          <a:ln>
-            <a:prstDash val="dash"/>
-            <a:tailEnd type="triangle"/>
-          </a:ln>
-        </p:spPr>
-        <p:style>
-          <a:lnRef idx="1">
-            <a:schemeClr val="dk1"/>
-          </a:lnRef>
-          <a:fillRef idx="0">
-            <a:schemeClr val="dk1"/>
-          </a:fillRef>
-          <a:effectRef idx="0">
-            <a:schemeClr val="dk1"/>
-          </a:effectRef>
-          <a:fontRef idx="minor">
-            <a:schemeClr val="tx1"/>
-          </a:fontRef>
-        </p:style>
-      </p:cxnSp>
-      <p:cxnSp>
-        <p:nvCxnSpPr>
-          <p:cNvPr id="31" name="Straight Arrow Connector 30"/>
-          <p:cNvCxnSpPr/>
-          <p:nvPr/>
-        </p:nvCxnSpPr>
-        <p:spPr>
-          <a:xfrm flipH="1">
-            <a:off x="6082939" y="2760760"/>
-            <a:ext cx="4540625" cy="0"/>
-          </a:xfrm>
-          <a:prstGeom prst="straightConnector1">
-            <a:avLst/>
-          </a:prstGeom>
-          <a:ln>
-            <a:prstDash val="dash"/>
-            <a:tailEnd type="triangle"/>
-          </a:ln>
-        </p:spPr>
-        <p:style>
-          <a:lnRef idx="1">
-            <a:schemeClr val="dk1"/>
-          </a:lnRef>
-          <a:fillRef idx="0">
-            <a:schemeClr val="dk1"/>
-          </a:fillRef>
-          <a:effectRef idx="0">
-            <a:schemeClr val="dk1"/>
-          </a:effectRef>
-          <a:fontRef idx="minor">
-            <a:schemeClr val="tx1"/>
-          </a:fontRef>
-        </p:style>
-      </p:cxnSp>
-      <p:cxnSp>
-        <p:nvCxnSpPr>
-          <p:cNvPr id="40" name="Straight Arrow Connector 39"/>
-          <p:cNvCxnSpPr/>
-          <p:nvPr/>
-        </p:nvCxnSpPr>
-        <p:spPr>
-          <a:xfrm flipH="1">
-            <a:off x="6082936" y="3808552"/>
-            <a:ext cx="4540628" cy="0"/>
-          </a:xfrm>
-          <a:prstGeom prst="straightConnector1">
-            <a:avLst/>
-          </a:prstGeom>
-          <a:ln>
-            <a:prstDash val="dash"/>
-            <a:tailEnd type="triangle"/>
-          </a:ln>
-        </p:spPr>
-        <p:style>
-          <a:lnRef idx="1">
-            <a:schemeClr val="dk1"/>
-          </a:lnRef>
-          <a:fillRef idx="0">
-            <a:schemeClr val="dk1"/>
-          </a:fillRef>
-          <a:effectRef idx="0">
-            <a:schemeClr val="dk1"/>
-          </a:effectRef>
-          <a:fontRef idx="minor">
-            <a:schemeClr val="tx1"/>
-          </a:fontRef>
-        </p:style>
-      </p:cxnSp>
-      <p:cxnSp>
-        <p:nvCxnSpPr>
-          <p:cNvPr id="91" name="Straight Arrow Connector 90"/>
-          <p:cNvCxnSpPr/>
-          <p:nvPr/>
-        </p:nvCxnSpPr>
-        <p:spPr>
-          <a:xfrm>
-            <a:off x="3816702" y="1565004"/>
-            <a:ext cx="2266236" cy="0"/>
-          </a:xfrm>
-          <a:prstGeom prst="straightConnector1">
-            <a:avLst/>
-          </a:prstGeom>
-          <a:ln>
-            <a:tailEnd type="triangle"/>
-          </a:ln>
-        </p:spPr>
-        <p:style>
-          <a:lnRef idx="1">
-            <a:schemeClr val="dk1"/>
-          </a:lnRef>
-          <a:fillRef idx="0">
-            <a:schemeClr val="dk1"/>
-          </a:fillRef>
-          <a:effectRef idx="0">
-            <a:schemeClr val="dk1"/>
-          </a:effectRef>
-          <a:fontRef idx="minor">
-            <a:schemeClr val="tx1"/>
-          </a:fontRef>
-        </p:style>
-      </p:cxnSp>
-      <p:sp>
-        <p:nvSpPr>
-          <p:cNvPr id="42" name="Rectangle 41"/>
-          <p:cNvSpPr/>
-          <p:nvPr/>
-        </p:nvSpPr>
-        <p:spPr>
-          <a:xfrm>
-            <a:off x="8366691" y="1769243"/>
-            <a:ext cx="101508" cy="312839"/>
-          </a:xfrm>
-          <a:prstGeom prst="rect">
-            <a:avLst/>
-          </a:prstGeom>
-          <a:solidFill>
-            <a:schemeClr val="bg2"/>
-          </a:solidFill>
-          <a:ln>
-            <a:solidFill>
-              <a:schemeClr val="bg1">
-                <a:lumMod val="75000"/>
-              </a:schemeClr>
-            </a:solidFill>
-          </a:ln>
-        </p:spPr>
-        <p:style>
-          <a:lnRef idx="2">
-            <a:schemeClr val="accent1">
-              <a:shade val="50000"/>
-            </a:schemeClr>
-          </a:lnRef>
-          <a:fillRef idx="1">
-            <a:schemeClr val="accent1"/>
-          </a:fillRef>
-          <a:effectRef idx="0">
-            <a:schemeClr val="accent1"/>
-          </a:effectRef>
-          <a:fontRef idx="minor">
-            <a:schemeClr val="lt1"/>
-          </a:fontRef>
-        </p:style>
-        <p:txBody>
-          <a:bodyPr rtlCol="0" anchor="ctr"/>
-          <a:lstStyle/>
-          <a:p>
-            <a:pPr algn="ctr"/>
-            <a:endParaRPr lang="en-US"/>
-          </a:p>
-        </p:txBody>
-      </p:sp>
-      <p:cxnSp>
-        <p:nvCxnSpPr>
-          <p:cNvPr id="20" name="Straight Arrow Connector 19"/>
-          <p:cNvCxnSpPr/>
-          <p:nvPr/>
-        </p:nvCxnSpPr>
-        <p:spPr>
-          <a:xfrm flipV="1">
-            <a:off x="6130580" y="1756419"/>
-            <a:ext cx="2289978" cy="12824"/>
-          </a:xfrm>
-          <a:prstGeom prst="straightConnector1">
-            <a:avLst/>
-          </a:prstGeom>
-          <a:ln>
-            <a:tailEnd type="triangle"/>
-          </a:ln>
-        </p:spPr>
-        <p:style>
-          <a:lnRef idx="1">
-            <a:schemeClr val="dk1"/>
-          </a:lnRef>
-          <a:fillRef idx="0">
-            <a:schemeClr val="dk1"/>
-          </a:fillRef>
-          <a:effectRef idx="0">
-            <a:schemeClr val="dk1"/>
-          </a:effectRef>
-          <a:fontRef idx="minor">
-            <a:schemeClr val="tx1"/>
-          </a:fontRef>
-        </p:style>
-      </p:cxnSp>
-      <p:sp>
-        <p:nvSpPr>
-          <p:cNvPr id="43" name="Rectangle 42"/>
-          <p:cNvSpPr/>
-          <p:nvPr/>
-        </p:nvSpPr>
-        <p:spPr>
-          <a:xfrm>
-            <a:off x="10572810" y="2447356"/>
-            <a:ext cx="101508" cy="312839"/>
-          </a:xfrm>
-          <a:prstGeom prst="rect">
-            <a:avLst/>
-          </a:prstGeom>
-          <a:solidFill>
-            <a:schemeClr val="bg2"/>
-          </a:solidFill>
-          <a:ln>
-            <a:solidFill>
-              <a:schemeClr val="bg1">
-                <a:lumMod val="75000"/>
-              </a:schemeClr>
-            </a:solidFill>
-          </a:ln>
-        </p:spPr>
-        <p:style>
-          <a:lnRef idx="2">
-            <a:schemeClr val="accent1">
-              <a:shade val="50000"/>
-            </a:schemeClr>
-          </a:lnRef>
-          <a:fillRef idx="1">
-            <a:schemeClr val="accent1"/>
-          </a:fillRef>
-          <a:effectRef idx="0">
-            <a:schemeClr val="accent1"/>
-          </a:effectRef>
-          <a:fontRef idx="minor">
-            <a:schemeClr val="lt1"/>
-          </a:fontRef>
-        </p:style>
-        <p:txBody>
-          <a:bodyPr rtlCol="0" anchor="ctr"/>
-          <a:lstStyle/>
-          <a:p>
-            <a:pPr algn="ctr"/>
-            <a:endParaRPr lang="en-US"/>
-          </a:p>
-        </p:txBody>
-      </p:sp>
-      <p:cxnSp>
-        <p:nvCxnSpPr>
-          <p:cNvPr id="29" name="Straight Arrow Connector 28"/>
-          <p:cNvCxnSpPr/>
-          <p:nvPr/>
-        </p:nvCxnSpPr>
-        <p:spPr>
-          <a:xfrm flipV="1">
-            <a:off x="6130580" y="2442658"/>
-            <a:ext cx="4492984" cy="4698"/>
-          </a:xfrm>
-          <a:prstGeom prst="straightConnector1">
-            <a:avLst/>
-          </a:prstGeom>
-          <a:ln>
-            <a:tailEnd type="triangle"/>
-          </a:ln>
-        </p:spPr>
-        <p:style>
-          <a:lnRef idx="1">
-            <a:schemeClr val="dk1"/>
-          </a:lnRef>
-          <a:fillRef idx="0">
-            <a:schemeClr val="dk1"/>
-          </a:fillRef>
-          <a:effectRef idx="0">
-            <a:schemeClr val="dk1"/>
-          </a:effectRef>
-          <a:fontRef idx="minor">
-            <a:schemeClr val="tx1"/>
-          </a:fontRef>
-        </p:style>
-      </p:cxnSp>
-      <p:sp>
-        <p:nvSpPr>
-          <p:cNvPr id="44" name="Rectangle 43"/>
-          <p:cNvSpPr/>
-          <p:nvPr/>
-        </p:nvSpPr>
-        <p:spPr>
-          <a:xfrm>
-            <a:off x="10572810" y="3405067"/>
-            <a:ext cx="101508" cy="403485"/>
-          </a:xfrm>
-          <a:prstGeom prst="rect">
-            <a:avLst/>
-          </a:prstGeom>
-          <a:solidFill>
-            <a:schemeClr val="bg2"/>
-          </a:solidFill>
-          <a:ln>
-            <a:solidFill>
-              <a:schemeClr val="bg1">
-                <a:lumMod val="75000"/>
-              </a:schemeClr>
-            </a:solidFill>
-          </a:ln>
-        </p:spPr>
-        <p:style>
-          <a:lnRef idx="2">
-            <a:schemeClr val="accent1">
-              <a:shade val="50000"/>
-            </a:schemeClr>
-          </a:lnRef>
-          <a:fillRef idx="1">
-            <a:schemeClr val="accent1"/>
-          </a:fillRef>
-          <a:effectRef idx="0">
-            <a:schemeClr val="accent1"/>
-          </a:effectRef>
-          <a:fontRef idx="minor">
-            <a:schemeClr val="lt1"/>
-          </a:fontRef>
-        </p:style>
-        <p:txBody>
-          <a:bodyPr rtlCol="0" anchor="ctr"/>
-          <a:lstStyle/>
-          <a:p>
-            <a:pPr algn="ctr"/>
-            <a:endParaRPr lang="en-US"/>
-          </a:p>
-        </p:txBody>
-      </p:sp>
-      <p:cxnSp>
-        <p:nvCxnSpPr>
-          <p:cNvPr id="38" name="Straight Arrow Connector 37"/>
-          <p:cNvCxnSpPr/>
-          <p:nvPr/>
-        </p:nvCxnSpPr>
-        <p:spPr>
-          <a:xfrm>
-            <a:off x="6082936" y="3419613"/>
-            <a:ext cx="4540628" cy="0"/>
-          </a:xfrm>
-          <a:prstGeom prst="straightConnector1">
-            <a:avLst/>
-          </a:prstGeom>
-          <a:ln>
-            <a:tailEnd type="triangle"/>
-          </a:ln>
-        </p:spPr>
-        <p:style>
-          <a:lnRef idx="1">
-            <a:schemeClr val="dk1"/>
-          </a:lnRef>
-          <a:fillRef idx="0">
-            <a:schemeClr val="dk1"/>
-          </a:fillRef>
-          <a:effectRef idx="0">
-            <a:schemeClr val="dk1"/>
-          </a:effectRef>
-          <a:fontRef idx="minor">
-            <a:schemeClr val="tx1"/>
-          </a:fontRef>
-        </p:style>
-      </p:cxnSp>
     </p:spTree>
     <p:extLst>
       <p:ext uri="{BB962C8B-B14F-4D97-AF65-F5344CB8AC3E}">
@@ -18586,316 +18601,6 @@
       </p:grpSpPr>
       <p:sp>
         <p:nvSpPr>
-          <p:cNvPr id="58" name="TextBox 57"/>
-          <p:cNvSpPr txBox="1"/>
-          <p:nvPr/>
-        </p:nvSpPr>
-        <p:spPr>
-          <a:xfrm>
-            <a:off x="1519797" y="1087925"/>
-            <a:ext cx="2233119" cy="276999"/>
-          </a:xfrm>
-          <a:prstGeom prst="rect">
-            <a:avLst/>
-          </a:prstGeom>
-          <a:noFill/>
-        </p:spPr>
-        <p:txBody>
-          <a:bodyPr wrap="square" rtlCol="0">
-            <a:spAutoFit/>
-          </a:bodyPr>
-          <a:lstStyle/>
-          <a:p>
-            <a:pPr algn="ctr"/>
-            <a:r>
-              <a:rPr lang="en-US" sz="1200" dirty="0" smtClean="0"/>
-              <a:t>User types in a command</a:t>
-            </a:r>
-            <a:endParaRPr lang="en-US" sz="1200" dirty="0" smtClean="0"/>
-          </a:p>
-        </p:txBody>
-      </p:sp>
-      <p:sp>
-        <p:nvSpPr>
-          <p:cNvPr id="59" name="TextBox 58"/>
-          <p:cNvSpPr txBox="1"/>
-          <p:nvPr/>
-        </p:nvSpPr>
-        <p:spPr>
-          <a:xfrm>
-            <a:off x="6102777" y="1449198"/>
-            <a:ext cx="2314668" cy="276999"/>
-          </a:xfrm>
-          <a:prstGeom prst="rect">
-            <a:avLst/>
-          </a:prstGeom>
-          <a:noFill/>
-        </p:spPr>
-        <p:txBody>
-          <a:bodyPr wrap="square" rtlCol="0">
-            <a:spAutoFit/>
-          </a:bodyPr>
-          <a:lstStyle/>
-          <a:p>
-            <a:pPr algn="ctr"/>
-            <a:r>
-              <a:rPr lang="en-US" sz="1200" i="1" dirty="0" smtClean="0"/>
-              <a:t>parse(string)</a:t>
-            </a:r>
-            <a:endParaRPr lang="en-US" sz="1200" i="1" dirty="0" smtClean="0"/>
-          </a:p>
-        </p:txBody>
-      </p:sp>
-      <p:sp>
-        <p:nvSpPr>
-          <p:cNvPr id="60" name="TextBox 59"/>
-          <p:cNvSpPr txBox="1"/>
-          <p:nvPr/>
-        </p:nvSpPr>
-        <p:spPr>
-          <a:xfrm>
-            <a:off x="6102778" y="1790372"/>
-            <a:ext cx="2314668" cy="276999"/>
-          </a:xfrm>
-          <a:prstGeom prst="rect">
-            <a:avLst/>
-          </a:prstGeom>
-          <a:noFill/>
-        </p:spPr>
-        <p:txBody>
-          <a:bodyPr wrap="square" rtlCol="0">
-            <a:spAutoFit/>
-          </a:bodyPr>
-          <a:lstStyle/>
-          <a:p>
-            <a:pPr algn="ctr"/>
-            <a:r>
-              <a:rPr lang="en-US" sz="1200" dirty="0" smtClean="0"/>
-              <a:t>list of instructions for Logic</a:t>
-            </a:r>
-            <a:endParaRPr lang="en-US" sz="1200" dirty="0" smtClean="0"/>
-          </a:p>
-        </p:txBody>
-      </p:sp>
-      <p:sp>
-        <p:nvSpPr>
-          <p:cNvPr id="67" name="TextBox 66"/>
-          <p:cNvSpPr txBox="1"/>
-          <p:nvPr/>
-        </p:nvSpPr>
-        <p:spPr>
-          <a:xfrm>
-            <a:off x="8215740" y="2136272"/>
-            <a:ext cx="2653870" cy="276999"/>
-          </a:xfrm>
-          <a:prstGeom prst="rect">
-            <a:avLst/>
-          </a:prstGeom>
-          <a:noFill/>
-        </p:spPr>
-        <p:txBody>
-          <a:bodyPr wrap="square" rtlCol="0">
-            <a:spAutoFit/>
-          </a:bodyPr>
-          <a:lstStyle/>
-          <a:p>
-            <a:pPr algn="ctr"/>
-            <a:r>
-              <a:rPr lang="en-US" sz="1200" i="1" dirty="0" err="1" smtClean="0"/>
-              <a:t>filterDisplayScheduleByKeyword</a:t>
-            </a:r>
-            <a:r>
-              <a:rPr lang="en-US" sz="1200" i="1" dirty="0" smtClean="0"/>
-              <a:t>()</a:t>
-            </a:r>
-            <a:endParaRPr lang="en-US" sz="1200" i="1" dirty="0" smtClean="0"/>
-          </a:p>
-        </p:txBody>
-      </p:sp>
-      <p:sp>
-        <p:nvSpPr>
-          <p:cNvPr id="70" name="TextBox 69"/>
-          <p:cNvSpPr txBox="1"/>
-          <p:nvPr/>
-        </p:nvSpPr>
-        <p:spPr>
-          <a:xfrm>
-            <a:off x="6082936" y="3050280"/>
-            <a:ext cx="2337621" cy="369332"/>
-          </a:xfrm>
-          <a:prstGeom prst="rect">
-            <a:avLst/>
-          </a:prstGeom>
-          <a:noFill/>
-        </p:spPr>
-        <p:txBody>
-          <a:bodyPr wrap="square" rtlCol="0">
-            <a:spAutoFit/>
-          </a:bodyPr>
-          <a:lstStyle/>
-          <a:p>
-            <a:pPr algn="ctr">
-              <a:lnSpc>
-                <a:spcPct val="150000"/>
-              </a:lnSpc>
-            </a:pPr>
-            <a:r>
-              <a:rPr lang="en-US" sz="1200" i="1" dirty="0" err="1" smtClean="0"/>
-              <a:t>retreiveDisplaySchedule</a:t>
-            </a:r>
-            <a:r>
-              <a:rPr lang="en-US" sz="1200" i="1" dirty="0" smtClean="0"/>
-              <a:t>()</a:t>
-            </a:r>
-            <a:endParaRPr lang="en-US" sz="1200" i="1" dirty="0"/>
-          </a:p>
-        </p:txBody>
-      </p:sp>
-      <p:sp>
-        <p:nvSpPr>
-          <p:cNvPr id="71" name="TextBox 70"/>
-          <p:cNvSpPr txBox="1"/>
-          <p:nvPr/>
-        </p:nvSpPr>
-        <p:spPr>
-          <a:xfrm>
-            <a:off x="6102777" y="3452667"/>
-            <a:ext cx="2314668" cy="369332"/>
-          </a:xfrm>
-          <a:prstGeom prst="rect">
-            <a:avLst/>
-          </a:prstGeom>
-          <a:noFill/>
-        </p:spPr>
-        <p:txBody>
-          <a:bodyPr wrap="square" rtlCol="0">
-            <a:spAutoFit/>
-          </a:bodyPr>
-          <a:lstStyle/>
-          <a:p>
-            <a:pPr algn="ctr">
-              <a:lnSpc>
-                <a:spcPct val="150000"/>
-              </a:lnSpc>
-            </a:pPr>
-            <a:r>
-              <a:rPr lang="en-US" sz="1200" i="1" dirty="0"/>
-              <a:t>v</a:t>
-            </a:r>
-            <a:r>
-              <a:rPr lang="en-US" sz="1200" i="1" dirty="0" smtClean="0"/>
-              <a:t>ector&lt;Item&gt;</a:t>
-            </a:r>
-            <a:endParaRPr lang="en-US" sz="1200" i="1" dirty="0"/>
-          </a:p>
-        </p:txBody>
-      </p:sp>
-      <p:cxnSp>
-        <p:nvCxnSpPr>
-          <p:cNvPr id="75" name="Straight Arrow Connector 74"/>
-          <p:cNvCxnSpPr/>
-          <p:nvPr/>
-        </p:nvCxnSpPr>
-        <p:spPr>
-          <a:xfrm flipH="1">
-            <a:off x="1525985" y="4444646"/>
-            <a:ext cx="2220537" cy="0"/>
-          </a:xfrm>
-          <a:prstGeom prst="straightConnector1">
-            <a:avLst/>
-          </a:prstGeom>
-          <a:ln>
-            <a:prstDash val="dash"/>
-            <a:tailEnd type="triangle"/>
-          </a:ln>
-        </p:spPr>
-        <p:style>
-          <a:lnRef idx="1">
-            <a:schemeClr val="dk1"/>
-          </a:lnRef>
-          <a:fillRef idx="0">
-            <a:schemeClr val="dk1"/>
-          </a:fillRef>
-          <a:effectRef idx="0">
-            <a:schemeClr val="dk1"/>
-          </a:effectRef>
-          <a:fontRef idx="minor">
-            <a:schemeClr val="tx1"/>
-          </a:fontRef>
-        </p:style>
-      </p:cxnSp>
-      <p:sp>
-        <p:nvSpPr>
-          <p:cNvPr id="93" name="TextBox 92"/>
-          <p:cNvSpPr txBox="1"/>
-          <p:nvPr/>
-        </p:nvSpPr>
-        <p:spPr>
-          <a:xfrm>
-            <a:off x="3739469" y="1255724"/>
-            <a:ext cx="2414855" cy="276999"/>
-          </a:xfrm>
-          <a:prstGeom prst="rect">
-            <a:avLst/>
-          </a:prstGeom>
-          <a:noFill/>
-        </p:spPr>
-        <p:txBody>
-          <a:bodyPr wrap="square" rtlCol="0">
-            <a:spAutoFit/>
-          </a:bodyPr>
-          <a:lstStyle/>
-          <a:p>
-            <a:pPr algn="ctr"/>
-            <a:r>
-              <a:rPr lang="en-US" sz="1200" i="1" dirty="0" err="1" smtClean="0"/>
-              <a:t>initiateCommandAction</a:t>
-            </a:r>
-            <a:r>
-              <a:rPr lang="en-US" sz="1200" i="1" dirty="0" smtClean="0"/>
-              <a:t>(string)</a:t>
-            </a:r>
-            <a:endParaRPr lang="en-US" sz="1200" i="1" dirty="0" smtClean="0"/>
-          </a:p>
-        </p:txBody>
-      </p:sp>
-      <p:sp>
-        <p:nvSpPr>
-          <p:cNvPr id="100" name="TextBox 99"/>
-          <p:cNvSpPr txBox="1"/>
-          <p:nvPr/>
-        </p:nvSpPr>
-        <p:spPr>
-          <a:xfrm>
-            <a:off x="1533244" y="4085041"/>
-            <a:ext cx="2217742" cy="340734"/>
-          </a:xfrm>
-          <a:prstGeom prst="rect">
-            <a:avLst/>
-          </a:prstGeom>
-          <a:noFill/>
-        </p:spPr>
-        <p:txBody>
-          <a:bodyPr wrap="square" rtlCol="0">
-            <a:spAutoFit/>
-          </a:bodyPr>
-          <a:lstStyle/>
-          <a:p>
-            <a:pPr algn="ctr">
-              <a:lnSpc>
-                <a:spcPct val="150000"/>
-              </a:lnSpc>
-            </a:pPr>
-            <a:r>
-              <a:rPr lang="en-US" sz="1200" dirty="0" smtClean="0"/>
-              <a:t>User sees updated schedule</a:t>
-            </a:r>
-            <a:endParaRPr lang="en-US" sz="1200" dirty="0"/>
-          </a:p>
-        </p:txBody>
-      </p:sp>
-      <p:sp>
-        <p:nvSpPr>
           <p:cNvPr id="2" name="TextBox 1"/>
           <p:cNvSpPr txBox="1"/>
           <p:nvPr/>
@@ -18927,7 +18632,7 @@
       </p:sp>
       <p:grpSp>
         <p:nvGrpSpPr>
-          <p:cNvPr id="110" name="Group 109"/>
+          <p:cNvPr id="23" name="Group 22"/>
           <p:cNvGrpSpPr/>
           <p:nvPr/>
         </p:nvGrpSpPr>
@@ -18935,747 +18640,226 @@
           <a:xfrm>
             <a:off x="1237209" y="511856"/>
             <a:ext cx="9834229" cy="4311650"/>
-            <a:chOff x="1237086" y="500288"/>
-            <a:chExt cx="9834229" cy="5222591"/>
+            <a:chOff x="1237209" y="511856"/>
+            <a:chExt cx="9834229" cy="4311650"/>
           </a:xfrm>
         </p:grpSpPr>
-        <p:grpSp>
-          <p:nvGrpSpPr>
-            <p:cNvPr id="77" name="Group 76"/>
-            <p:cNvGrpSpPr/>
+        <p:sp>
+          <p:nvSpPr>
+            <p:cNvPr id="58" name="TextBox 57"/>
+            <p:cNvSpPr txBox="1"/>
             <p:nvPr/>
-          </p:nvGrpSpPr>
-          <p:grpSpPr>
+          </p:nvSpPr>
+          <p:spPr>
             <a:xfrm>
-              <a:off x="5750956" y="504015"/>
-              <a:ext cx="663964" cy="5218863"/>
-              <a:chOff x="3477172" y="504017"/>
-              <a:chExt cx="663964" cy="5218863"/>
+              <a:off x="1519797" y="1087925"/>
+              <a:ext cx="2233119" cy="276999"/>
             </a:xfrm>
-          </p:grpSpPr>
-          <p:sp>
-            <p:nvSpPr>
-              <p:cNvPr id="5" name="TextBox 4"/>
-              <p:cNvSpPr txBox="1"/>
-              <p:nvPr/>
-            </p:nvSpPr>
-            <p:spPr>
-              <a:xfrm>
-                <a:off x="3477172" y="504017"/>
-                <a:ext cx="663964" cy="447362"/>
-              </a:xfrm>
-              <a:prstGeom prst="rect">
-                <a:avLst/>
-              </a:prstGeom>
-            </p:spPr>
-            <p:style>
-              <a:lnRef idx="1">
-                <a:schemeClr val="accent1"/>
-              </a:lnRef>
-              <a:fillRef idx="2">
-                <a:schemeClr val="accent1"/>
-              </a:fillRef>
-              <a:effectRef idx="1">
-                <a:schemeClr val="accent1"/>
-              </a:effectRef>
-              <a:fontRef idx="minor">
-                <a:schemeClr val="dk1"/>
-              </a:fontRef>
-            </p:style>
-            <p:txBody>
-              <a:bodyPr wrap="none" rtlCol="0" anchor="ctr">
-                <a:spAutoFit/>
-              </a:bodyPr>
-              <a:lstStyle/>
-              <a:p>
-                <a:pPr algn="ctr"/>
-                <a:r>
-                  <a:rPr lang="en-US" dirty="0" smtClean="0"/>
-                  <a:t>Logic</a:t>
-                </a:r>
-              </a:p>
-            </p:txBody>
-          </p:sp>
-          <p:cxnSp>
-            <p:nvCxnSpPr>
-              <p:cNvPr id="13" name="Straight Connector 12"/>
-              <p:cNvCxnSpPr/>
-              <p:nvPr/>
-            </p:nvCxnSpPr>
-            <p:spPr>
-              <a:xfrm flipH="1">
-                <a:off x="3809154" y="960491"/>
-                <a:ext cx="2" cy="4762389"/>
-              </a:xfrm>
-              <a:prstGeom prst="line">
-                <a:avLst/>
-              </a:prstGeom>
-            </p:spPr>
-            <p:style>
-              <a:lnRef idx="1">
-                <a:schemeClr val="dk1"/>
-              </a:lnRef>
-              <a:fillRef idx="0">
-                <a:schemeClr val="dk1"/>
-              </a:fillRef>
-              <a:effectRef idx="0">
-                <a:schemeClr val="dk1"/>
-              </a:effectRef>
-              <a:fontRef idx="minor">
-                <a:schemeClr val="tx1"/>
-              </a:fontRef>
-            </p:style>
-          </p:cxnSp>
-        </p:grpSp>
-        <p:grpSp>
-          <p:nvGrpSpPr>
-            <p:cNvPr id="78" name="Group 77"/>
-            <p:cNvGrpSpPr/>
+            <a:prstGeom prst="rect">
+              <a:avLst/>
+            </a:prstGeom>
+            <a:noFill/>
+          </p:spPr>
+          <p:txBody>
+            <a:bodyPr wrap="square" rtlCol="0">
+              <a:spAutoFit/>
+            </a:bodyPr>
+            <a:lstStyle/>
+            <a:p>
+              <a:pPr algn="ctr"/>
+              <a:r>
+                <a:rPr lang="en-US" sz="1200" dirty="0" smtClean="0"/>
+                <a:t>User types in a command</a:t>
+              </a:r>
+              <a:endParaRPr lang="en-US" sz="1200" dirty="0" smtClean="0"/>
+            </a:p>
+          </p:txBody>
+        </p:sp>
+        <p:sp>
+          <p:nvSpPr>
+            <p:cNvPr id="59" name="TextBox 58"/>
+            <p:cNvSpPr txBox="1"/>
             <p:nvPr/>
-          </p:nvGrpSpPr>
-          <p:grpSpPr>
+          </p:nvSpPr>
+          <p:spPr>
             <a:xfrm>
-              <a:off x="3504203" y="539303"/>
-              <a:ext cx="535724" cy="5183575"/>
-              <a:chOff x="5806794" y="539305"/>
-              <a:chExt cx="535724" cy="5183575"/>
+              <a:off x="6102777" y="1449198"/>
+              <a:ext cx="2314668" cy="276999"/>
             </a:xfrm>
-          </p:grpSpPr>
-          <p:cxnSp>
-            <p:nvCxnSpPr>
-              <p:cNvPr id="14" name="Straight Connector 13"/>
-              <p:cNvCxnSpPr/>
-              <p:nvPr/>
-            </p:nvCxnSpPr>
-            <p:spPr>
-              <a:xfrm flipH="1">
-                <a:off x="6072064" y="960491"/>
-                <a:ext cx="2" cy="4762389"/>
-              </a:xfrm>
-              <a:prstGeom prst="line">
-                <a:avLst/>
-              </a:prstGeom>
-            </p:spPr>
-            <p:style>
-              <a:lnRef idx="1">
-                <a:schemeClr val="dk1"/>
-              </a:lnRef>
-              <a:fillRef idx="0">
-                <a:schemeClr val="dk1"/>
-              </a:fillRef>
-              <a:effectRef idx="0">
-                <a:schemeClr val="dk1"/>
-              </a:effectRef>
-              <a:fontRef idx="minor">
-                <a:schemeClr val="tx1"/>
-              </a:fontRef>
-            </p:style>
-          </p:cxnSp>
-          <p:sp>
-            <p:nvSpPr>
-              <p:cNvPr id="6" name="TextBox 5"/>
-              <p:cNvSpPr txBox="1"/>
-              <p:nvPr/>
-            </p:nvSpPr>
-            <p:spPr>
-              <a:xfrm>
-                <a:off x="5806794" y="539305"/>
-                <a:ext cx="535724" cy="447362"/>
-              </a:xfrm>
-              <a:prstGeom prst="rect">
-                <a:avLst/>
-              </a:prstGeom>
-            </p:spPr>
-            <p:style>
-              <a:lnRef idx="1">
-                <a:schemeClr val="accent2"/>
-              </a:lnRef>
-              <a:fillRef idx="2">
-                <a:schemeClr val="accent2"/>
-              </a:fillRef>
-              <a:effectRef idx="1">
-                <a:schemeClr val="accent2"/>
-              </a:effectRef>
-              <a:fontRef idx="minor">
-                <a:schemeClr val="dk1"/>
-              </a:fontRef>
-            </p:style>
-            <p:txBody>
-              <a:bodyPr wrap="none" rtlCol="0" anchor="ctr">
-                <a:spAutoFit/>
-              </a:bodyPr>
-              <a:lstStyle/>
-              <a:p>
-                <a:r>
-                  <a:rPr lang="en-US" dirty="0" smtClean="0"/>
-                  <a:t>GUI</a:t>
-                </a:r>
-                <a:endParaRPr lang="en-US" dirty="0"/>
-              </a:p>
-            </p:txBody>
-          </p:sp>
-        </p:grpSp>
-        <p:grpSp>
-          <p:nvGrpSpPr>
-            <p:cNvPr id="102" name="Group 101"/>
-            <p:cNvGrpSpPr/>
+            <a:prstGeom prst="rect">
+              <a:avLst/>
+            </a:prstGeom>
+            <a:noFill/>
+          </p:spPr>
+          <p:txBody>
+            <a:bodyPr wrap="square" rtlCol="0">
+              <a:spAutoFit/>
+            </a:bodyPr>
+            <a:lstStyle/>
+            <a:p>
+              <a:pPr algn="ctr"/>
+              <a:r>
+                <a:rPr lang="en-US" sz="1200" i="1" dirty="0" smtClean="0"/>
+                <a:t>parse(string)</a:t>
+              </a:r>
+              <a:endParaRPr lang="en-US" sz="1200" i="1" dirty="0" smtClean="0"/>
+            </a:p>
+          </p:txBody>
+        </p:sp>
+        <p:sp>
+          <p:nvSpPr>
+            <p:cNvPr id="60" name="TextBox 59"/>
+            <p:cNvSpPr txBox="1"/>
             <p:nvPr/>
-          </p:nvGrpSpPr>
-          <p:grpSpPr>
+          </p:nvSpPr>
+          <p:spPr>
             <a:xfrm>
-              <a:off x="8035324" y="539303"/>
-              <a:ext cx="770467" cy="5183576"/>
-              <a:chOff x="8035324" y="539303"/>
-              <a:chExt cx="770467" cy="5183576"/>
+              <a:off x="6102778" y="1790372"/>
+              <a:ext cx="2314668" cy="276999"/>
             </a:xfrm>
-          </p:grpSpPr>
-          <p:cxnSp>
-            <p:nvCxnSpPr>
-              <p:cNvPr id="15" name="Straight Connector 14"/>
-              <p:cNvCxnSpPr/>
-              <p:nvPr/>
-            </p:nvCxnSpPr>
-            <p:spPr>
-              <a:xfrm flipH="1">
-                <a:off x="8420559" y="960490"/>
-                <a:ext cx="2" cy="4762389"/>
-              </a:xfrm>
-              <a:prstGeom prst="line">
-                <a:avLst/>
-              </a:prstGeom>
-            </p:spPr>
-            <p:style>
-              <a:lnRef idx="1">
-                <a:schemeClr val="dk1"/>
-              </a:lnRef>
-              <a:fillRef idx="0">
-                <a:schemeClr val="dk1"/>
-              </a:fillRef>
-              <a:effectRef idx="0">
-                <a:schemeClr val="dk1"/>
-              </a:effectRef>
-              <a:fontRef idx="minor">
-                <a:schemeClr val="tx1"/>
-              </a:fontRef>
-            </p:style>
-          </p:cxnSp>
-          <p:sp>
-            <p:nvSpPr>
-              <p:cNvPr id="7" name="TextBox 6"/>
-              <p:cNvSpPr txBox="1"/>
-              <p:nvPr/>
-            </p:nvSpPr>
-            <p:spPr>
-              <a:xfrm>
-                <a:off x="8035324" y="539303"/>
-                <a:ext cx="770467" cy="447362"/>
-              </a:xfrm>
-              <a:prstGeom prst="rect">
-                <a:avLst/>
-              </a:prstGeom>
-            </p:spPr>
-            <p:style>
-              <a:lnRef idx="1">
-                <a:schemeClr val="accent3"/>
-              </a:lnRef>
-              <a:fillRef idx="2">
-                <a:schemeClr val="accent3"/>
-              </a:fillRef>
-              <a:effectRef idx="1">
-                <a:schemeClr val="accent3"/>
-              </a:effectRef>
-              <a:fontRef idx="minor">
-                <a:schemeClr val="dk1"/>
-              </a:fontRef>
-            </p:style>
-            <p:txBody>
-              <a:bodyPr wrap="none" rtlCol="0" anchor="ctr">
-                <a:spAutoFit/>
-              </a:bodyPr>
-              <a:lstStyle/>
-              <a:p>
-                <a:pPr algn="ctr"/>
-                <a:r>
-                  <a:rPr lang="en-US" dirty="0" smtClean="0"/>
-                  <a:t>Parser</a:t>
-                </a:r>
-                <a:endParaRPr lang="en-US" dirty="0"/>
-              </a:p>
-            </p:txBody>
-          </p:sp>
-        </p:grpSp>
-        <p:grpSp>
-          <p:nvGrpSpPr>
-            <p:cNvPr id="109" name="Group 108"/>
-            <p:cNvGrpSpPr/>
+            <a:prstGeom prst="rect">
+              <a:avLst/>
+            </a:prstGeom>
+            <a:noFill/>
+          </p:spPr>
+          <p:txBody>
+            <a:bodyPr wrap="square" rtlCol="0">
+              <a:spAutoFit/>
+            </a:bodyPr>
+            <a:lstStyle/>
+            <a:p>
+              <a:pPr algn="ctr"/>
+              <a:r>
+                <a:rPr lang="en-US" sz="1200" dirty="0" smtClean="0"/>
+                <a:t>list of instructions for Logic</a:t>
+              </a:r>
+              <a:endParaRPr lang="en-US" sz="1200" dirty="0" smtClean="0"/>
+            </a:p>
+          </p:txBody>
+        </p:sp>
+        <p:sp>
+          <p:nvSpPr>
+            <p:cNvPr id="67" name="TextBox 66"/>
+            <p:cNvSpPr txBox="1"/>
             <p:nvPr/>
-          </p:nvGrpSpPr>
-          <p:grpSpPr>
+          </p:nvSpPr>
+          <p:spPr>
             <a:xfrm>
-              <a:off x="10175813" y="536005"/>
-              <a:ext cx="895502" cy="5172752"/>
-              <a:chOff x="10175813" y="536005"/>
-              <a:chExt cx="895502" cy="5172752"/>
+              <a:off x="8215740" y="2136272"/>
+              <a:ext cx="2653870" cy="276999"/>
             </a:xfrm>
-          </p:grpSpPr>
-          <p:cxnSp>
-            <p:nvCxnSpPr>
-              <p:cNvPr id="16" name="Straight Connector 15"/>
-              <p:cNvCxnSpPr/>
-              <p:nvPr/>
-            </p:nvCxnSpPr>
-            <p:spPr>
-              <a:xfrm flipH="1">
-                <a:off x="10623564" y="946368"/>
-                <a:ext cx="2" cy="4762389"/>
-              </a:xfrm>
-              <a:prstGeom prst="line">
-                <a:avLst/>
-              </a:prstGeom>
-            </p:spPr>
-            <p:style>
-              <a:lnRef idx="1">
-                <a:schemeClr val="dk1"/>
-              </a:lnRef>
-              <a:fillRef idx="0">
-                <a:schemeClr val="dk1"/>
-              </a:fillRef>
-              <a:effectRef idx="0">
-                <a:schemeClr val="dk1"/>
-              </a:effectRef>
-              <a:fontRef idx="minor">
-                <a:schemeClr val="tx1"/>
-              </a:fontRef>
-            </p:style>
-          </p:cxnSp>
-          <p:sp>
-            <p:nvSpPr>
-              <p:cNvPr id="8" name="TextBox 7"/>
-              <p:cNvSpPr txBox="1"/>
-              <p:nvPr/>
-            </p:nvSpPr>
-            <p:spPr>
-              <a:xfrm>
-                <a:off x="10175813" y="536005"/>
-                <a:ext cx="895502" cy="447362"/>
-              </a:xfrm>
-              <a:prstGeom prst="rect">
-                <a:avLst/>
-              </a:prstGeom>
-            </p:spPr>
-            <p:style>
-              <a:lnRef idx="1">
-                <a:schemeClr val="accent6"/>
-              </a:lnRef>
-              <a:fillRef idx="2">
-                <a:schemeClr val="accent6"/>
-              </a:fillRef>
-              <a:effectRef idx="1">
-                <a:schemeClr val="accent6"/>
-              </a:effectRef>
-              <a:fontRef idx="minor">
-                <a:schemeClr val="dk1"/>
-              </a:fontRef>
-            </p:style>
-            <p:txBody>
-              <a:bodyPr wrap="none" rtlCol="0" anchor="ctr">
-                <a:spAutoFit/>
-              </a:bodyPr>
-              <a:lstStyle/>
-              <a:p>
-                <a:r>
-                  <a:rPr lang="en-US" dirty="0" smtClean="0"/>
-                  <a:t>Storage</a:t>
-                </a:r>
-                <a:endParaRPr lang="en-US" dirty="0"/>
-              </a:p>
-            </p:txBody>
-          </p:sp>
-        </p:grpSp>
-        <p:grpSp>
-          <p:nvGrpSpPr>
-            <p:cNvPr id="108" name="Group 107"/>
-            <p:cNvGrpSpPr/>
+            <a:prstGeom prst="rect">
+              <a:avLst/>
+            </a:prstGeom>
+            <a:noFill/>
+          </p:spPr>
+          <p:txBody>
+            <a:bodyPr wrap="square" rtlCol="0">
+              <a:spAutoFit/>
+            </a:bodyPr>
+            <a:lstStyle/>
+            <a:p>
+              <a:pPr algn="ctr"/>
+              <a:r>
+                <a:rPr lang="en-US" sz="1200" i="1" dirty="0" err="1" smtClean="0"/>
+                <a:t>filterDisplayScheduleByKeyword</a:t>
+              </a:r>
+              <a:r>
+                <a:rPr lang="en-US" sz="1200" i="1" dirty="0" smtClean="0"/>
+                <a:t>()</a:t>
+              </a:r>
+              <a:endParaRPr lang="en-US" sz="1200" i="1" dirty="0" smtClean="0"/>
+            </a:p>
+          </p:txBody>
+        </p:sp>
+        <p:sp>
+          <p:nvSpPr>
+            <p:cNvPr id="70" name="TextBox 69"/>
+            <p:cNvSpPr txBox="1"/>
             <p:nvPr/>
-          </p:nvGrpSpPr>
-          <p:grpSpPr>
+          </p:nvSpPr>
+          <p:spPr>
             <a:xfrm>
-              <a:off x="1237086" y="500288"/>
-              <a:ext cx="617477" cy="5222425"/>
-              <a:chOff x="1237086" y="500288"/>
-              <a:chExt cx="617477" cy="5222425"/>
+              <a:off x="6082936" y="3050280"/>
+              <a:ext cx="2337621" cy="369332"/>
             </a:xfrm>
-          </p:grpSpPr>
-          <p:sp>
-            <p:nvSpPr>
-              <p:cNvPr id="4" name="TextBox 3"/>
-              <p:cNvSpPr txBox="1"/>
-              <p:nvPr/>
-            </p:nvSpPr>
-            <p:spPr>
-              <a:xfrm>
-                <a:off x="1237086" y="500288"/>
-                <a:ext cx="617477" cy="447362"/>
-              </a:xfrm>
-              <a:prstGeom prst="rect">
-                <a:avLst/>
-              </a:prstGeom>
-            </p:spPr>
-            <p:style>
-              <a:lnRef idx="2">
-                <a:schemeClr val="dk1">
-                  <a:shade val="50000"/>
-                </a:schemeClr>
-              </a:lnRef>
-              <a:fillRef idx="1">
-                <a:schemeClr val="dk1"/>
-              </a:fillRef>
-              <a:effectRef idx="0">
-                <a:schemeClr val="dk1"/>
-              </a:effectRef>
-              <a:fontRef idx="minor">
-                <a:schemeClr val="lt1"/>
-              </a:fontRef>
-            </p:style>
-            <p:txBody>
-              <a:bodyPr wrap="square" rtlCol="0" anchor="ctr">
-                <a:spAutoFit/>
-              </a:bodyPr>
-              <a:lstStyle/>
-              <a:p>
-                <a:r>
-                  <a:rPr lang="en-US" dirty="0" smtClean="0"/>
-                  <a:t>User</a:t>
-                </a:r>
-                <a:endParaRPr lang="en-US" dirty="0"/>
-              </a:p>
-            </p:txBody>
-          </p:sp>
-          <p:cxnSp>
-            <p:nvCxnSpPr>
-              <p:cNvPr id="64" name="Straight Connector 63"/>
-              <p:cNvCxnSpPr/>
-              <p:nvPr/>
-            </p:nvCxnSpPr>
-            <p:spPr>
-              <a:xfrm>
-                <a:off x="1530133" y="960489"/>
-                <a:ext cx="0" cy="4762224"/>
-              </a:xfrm>
-              <a:prstGeom prst="line">
-                <a:avLst/>
-              </a:prstGeom>
-            </p:spPr>
-            <p:style>
-              <a:lnRef idx="1">
-                <a:schemeClr val="dk1"/>
-              </a:lnRef>
-              <a:fillRef idx="0">
-                <a:schemeClr val="dk1"/>
-              </a:fillRef>
-              <a:effectRef idx="0">
-                <a:schemeClr val="dk1"/>
-              </a:effectRef>
-              <a:fontRef idx="minor">
-                <a:schemeClr val="tx1"/>
-              </a:fontRef>
-            </p:style>
-          </p:cxnSp>
-        </p:grpSp>
-      </p:grpSp>
-      <p:sp>
-        <p:nvSpPr>
-          <p:cNvPr id="42" name="Rectangle 41"/>
-          <p:cNvSpPr/>
-          <p:nvPr/>
-        </p:nvSpPr>
-        <p:spPr>
-          <a:xfrm>
-            <a:off x="6029072" y="1540245"/>
-            <a:ext cx="101508" cy="2645558"/>
-          </a:xfrm>
-          <a:prstGeom prst="rect">
-            <a:avLst/>
-          </a:prstGeom>
-          <a:solidFill>
-            <a:schemeClr val="bg2"/>
-          </a:solidFill>
-          <a:ln>
-            <a:solidFill>
-              <a:schemeClr val="bg1">
-                <a:lumMod val="75000"/>
-              </a:schemeClr>
-            </a:solidFill>
-          </a:ln>
-        </p:spPr>
-        <p:style>
-          <a:lnRef idx="2">
-            <a:schemeClr val="accent1">
-              <a:shade val="50000"/>
-            </a:schemeClr>
-          </a:lnRef>
-          <a:fillRef idx="1">
-            <a:schemeClr val="accent1"/>
-          </a:fillRef>
-          <a:effectRef idx="0">
-            <a:schemeClr val="accent1"/>
-          </a:effectRef>
-          <a:fontRef idx="minor">
-            <a:schemeClr val="lt1"/>
-          </a:fontRef>
-        </p:style>
-        <p:txBody>
-          <a:bodyPr rtlCol="0" anchor="ctr"/>
-          <a:lstStyle/>
-          <a:p>
-            <a:pPr algn="ctr"/>
-            <a:endParaRPr lang="en-US"/>
-          </a:p>
-        </p:txBody>
-      </p:sp>
-      <p:sp>
-        <p:nvSpPr>
-          <p:cNvPr id="41" name="Rectangle 40"/>
-          <p:cNvSpPr/>
-          <p:nvPr/>
-        </p:nvSpPr>
-        <p:spPr>
-          <a:xfrm>
-            <a:off x="3715194" y="1364924"/>
-            <a:ext cx="101508" cy="3079722"/>
-          </a:xfrm>
-          <a:prstGeom prst="rect">
-            <a:avLst/>
-          </a:prstGeom>
-          <a:solidFill>
-            <a:schemeClr val="bg2"/>
-          </a:solidFill>
-          <a:ln>
-            <a:solidFill>
-              <a:schemeClr val="bg1">
-                <a:lumMod val="75000"/>
-              </a:schemeClr>
-            </a:solidFill>
-          </a:ln>
-        </p:spPr>
-        <p:style>
-          <a:lnRef idx="2">
-            <a:schemeClr val="accent1">
-              <a:shade val="50000"/>
-            </a:schemeClr>
-          </a:lnRef>
-          <a:fillRef idx="1">
-            <a:schemeClr val="accent1"/>
-          </a:fillRef>
-          <a:effectRef idx="0">
-            <a:schemeClr val="accent1"/>
-          </a:effectRef>
-          <a:fontRef idx="minor">
-            <a:schemeClr val="lt1"/>
-          </a:fontRef>
-        </p:style>
-        <p:txBody>
-          <a:bodyPr rtlCol="0" anchor="ctr"/>
-          <a:lstStyle/>
-          <a:p>
-            <a:pPr algn="ctr"/>
-            <a:endParaRPr lang="en-US"/>
-          </a:p>
-        </p:txBody>
-      </p:sp>
-      <p:sp>
-        <p:nvSpPr>
-          <p:cNvPr id="49" name="TextBox 48"/>
-          <p:cNvSpPr txBox="1"/>
-          <p:nvPr/>
-        </p:nvSpPr>
-        <p:spPr>
-          <a:xfrm>
-            <a:off x="3792426" y="3817112"/>
-            <a:ext cx="2287400" cy="340734"/>
-          </a:xfrm>
-          <a:prstGeom prst="rect">
-            <a:avLst/>
-          </a:prstGeom>
-          <a:noFill/>
-        </p:spPr>
-        <p:txBody>
-          <a:bodyPr wrap="square" rtlCol="0">
-            <a:spAutoFit/>
-          </a:bodyPr>
-          <a:lstStyle/>
-          <a:p>
-            <a:pPr algn="ctr">
-              <a:lnSpc>
-                <a:spcPct val="150000"/>
-              </a:lnSpc>
-            </a:pPr>
-            <a:r>
-              <a:rPr lang="en-US" sz="1200" dirty="0" smtClean="0"/>
-              <a:t>Update GUI</a:t>
-            </a:r>
-            <a:endParaRPr lang="en-US" sz="1200" dirty="0"/>
-          </a:p>
-        </p:txBody>
-      </p:sp>
-      <p:cxnSp>
-        <p:nvCxnSpPr>
-          <p:cNvPr id="91" name="Straight Arrow Connector 90"/>
-          <p:cNvCxnSpPr/>
-          <p:nvPr/>
-        </p:nvCxnSpPr>
-        <p:spPr>
-          <a:xfrm>
-            <a:off x="3816702" y="1565004"/>
-            <a:ext cx="2266236" cy="0"/>
-          </a:xfrm>
-          <a:prstGeom prst="straightConnector1">
-            <a:avLst/>
-          </a:prstGeom>
-          <a:ln>
-            <a:tailEnd type="triangle"/>
-          </a:ln>
-        </p:spPr>
-        <p:style>
-          <a:lnRef idx="1">
-            <a:schemeClr val="dk1"/>
-          </a:lnRef>
-          <a:fillRef idx="0">
-            <a:schemeClr val="dk1"/>
-          </a:fillRef>
-          <a:effectRef idx="0">
-            <a:schemeClr val="dk1"/>
-          </a:effectRef>
-          <a:fontRef idx="minor">
-            <a:schemeClr val="tx1"/>
-          </a:fontRef>
-        </p:style>
-      </p:cxnSp>
-      <p:cxnSp>
-        <p:nvCxnSpPr>
-          <p:cNvPr id="19" name="Straight Arrow Connector 18"/>
-          <p:cNvCxnSpPr/>
-          <p:nvPr/>
-        </p:nvCxnSpPr>
-        <p:spPr>
-          <a:xfrm>
-            <a:off x="1545825" y="1369061"/>
-            <a:ext cx="2220538" cy="0"/>
-          </a:xfrm>
-          <a:prstGeom prst="straightConnector1">
-            <a:avLst/>
-          </a:prstGeom>
-          <a:ln>
-            <a:tailEnd type="triangle"/>
-          </a:ln>
-        </p:spPr>
-        <p:style>
-          <a:lnRef idx="1">
-            <a:schemeClr val="dk1"/>
-          </a:lnRef>
-          <a:fillRef idx="0">
-            <a:schemeClr val="dk1"/>
-          </a:fillRef>
-          <a:effectRef idx="0">
-            <a:schemeClr val="dk1"/>
-          </a:effectRef>
-          <a:fontRef idx="minor">
-            <a:schemeClr val="tx1"/>
-          </a:fontRef>
-        </p:style>
-      </p:cxnSp>
-      <p:cxnSp>
-        <p:nvCxnSpPr>
-          <p:cNvPr id="40" name="Straight Arrow Connector 39"/>
-          <p:cNvCxnSpPr/>
-          <p:nvPr/>
-        </p:nvCxnSpPr>
-        <p:spPr>
-          <a:xfrm flipH="1">
-            <a:off x="6082936" y="3808552"/>
-            <a:ext cx="4540628" cy="0"/>
-          </a:xfrm>
-          <a:prstGeom prst="straightConnector1">
-            <a:avLst/>
-          </a:prstGeom>
-          <a:ln>
-            <a:prstDash val="dash"/>
-            <a:tailEnd type="triangle"/>
-          </a:ln>
-        </p:spPr>
-        <p:style>
-          <a:lnRef idx="1">
-            <a:schemeClr val="dk1"/>
-          </a:lnRef>
-          <a:fillRef idx="0">
-            <a:schemeClr val="dk1"/>
-          </a:fillRef>
-          <a:effectRef idx="0">
-            <a:schemeClr val="dk1"/>
-          </a:effectRef>
-          <a:fontRef idx="minor">
-            <a:schemeClr val="tx1"/>
-          </a:fontRef>
-        </p:style>
-      </p:cxnSp>
-      <p:cxnSp>
-        <p:nvCxnSpPr>
-          <p:cNvPr id="22" name="Straight Arrow Connector 21"/>
-          <p:cNvCxnSpPr/>
-          <p:nvPr/>
-        </p:nvCxnSpPr>
-        <p:spPr>
-          <a:xfrm flipH="1">
-            <a:off x="6082938" y="2083911"/>
-            <a:ext cx="2337621" cy="0"/>
-          </a:xfrm>
-          <a:prstGeom prst="straightConnector1">
-            <a:avLst/>
-          </a:prstGeom>
-          <a:ln>
-            <a:prstDash val="dash"/>
-            <a:tailEnd type="triangle"/>
-          </a:ln>
-        </p:spPr>
-        <p:style>
-          <a:lnRef idx="1">
-            <a:schemeClr val="dk1"/>
-          </a:lnRef>
-          <a:fillRef idx="0">
-            <a:schemeClr val="dk1"/>
-          </a:fillRef>
-          <a:effectRef idx="0">
-            <a:schemeClr val="dk1"/>
-          </a:effectRef>
-          <a:fontRef idx="minor">
-            <a:schemeClr val="tx1"/>
-          </a:fontRef>
-        </p:style>
-      </p:cxnSp>
-      <p:grpSp>
-        <p:nvGrpSpPr>
-          <p:cNvPr id="97" name="Group 96"/>
-          <p:cNvGrpSpPr/>
-          <p:nvPr/>
-        </p:nvGrpSpPr>
-        <p:grpSpPr>
-          <a:xfrm>
-            <a:off x="3766363" y="3821249"/>
-            <a:ext cx="2316575" cy="364554"/>
-            <a:chOff x="3766363" y="3668353"/>
-            <a:chExt cx="2316575" cy="364554"/>
-          </a:xfrm>
-        </p:grpSpPr>
+            <a:prstGeom prst="rect">
+              <a:avLst/>
+            </a:prstGeom>
+            <a:noFill/>
+          </p:spPr>
+          <p:txBody>
+            <a:bodyPr wrap="square" rtlCol="0">
+              <a:spAutoFit/>
+            </a:bodyPr>
+            <a:lstStyle/>
+            <a:p>
+              <a:pPr algn="ctr">
+                <a:lnSpc>
+                  <a:spcPct val="150000"/>
+                </a:lnSpc>
+              </a:pPr>
+              <a:r>
+                <a:rPr lang="en-US" sz="1200" i="1" dirty="0" err="1" smtClean="0"/>
+                <a:t>retreiveDisplaySchedule</a:t>
+              </a:r>
+              <a:r>
+                <a:rPr lang="en-US" sz="1200" i="1" dirty="0" smtClean="0"/>
+                <a:t>()</a:t>
+              </a:r>
+              <a:endParaRPr lang="en-US" sz="1200" i="1" dirty="0"/>
+            </a:p>
+          </p:txBody>
+        </p:sp>
+        <p:sp>
+          <p:nvSpPr>
+            <p:cNvPr id="71" name="TextBox 70"/>
+            <p:cNvSpPr txBox="1"/>
+            <p:nvPr/>
+          </p:nvSpPr>
+          <p:spPr>
+            <a:xfrm>
+              <a:off x="6102777" y="3452667"/>
+              <a:ext cx="2314668" cy="369332"/>
+            </a:xfrm>
+            <a:prstGeom prst="rect">
+              <a:avLst/>
+            </a:prstGeom>
+            <a:noFill/>
+          </p:spPr>
+          <p:txBody>
+            <a:bodyPr wrap="square" rtlCol="0">
+              <a:spAutoFit/>
+            </a:bodyPr>
+            <a:lstStyle/>
+            <a:p>
+              <a:pPr algn="ctr">
+                <a:lnSpc>
+                  <a:spcPct val="150000"/>
+                </a:lnSpc>
+              </a:pPr>
+              <a:r>
+                <a:rPr lang="en-US" sz="1200" i="1" dirty="0"/>
+                <a:t>v</a:t>
+              </a:r>
+              <a:r>
+                <a:rPr lang="en-US" sz="1200" i="1" dirty="0" smtClean="0"/>
+                <a:t>ector&lt;Item&gt;</a:t>
+              </a:r>
+              <a:endParaRPr lang="en-US" sz="1200" i="1" dirty="0"/>
+            </a:p>
+          </p:txBody>
+        </p:sp>
         <p:cxnSp>
           <p:nvCxnSpPr>
-            <p:cNvPr id="33" name="Straight Arrow Connector 32"/>
+            <p:cNvPr id="75" name="Straight Arrow Connector 74"/>
             <p:cNvCxnSpPr/>
             <p:nvPr/>
           </p:nvCxnSpPr>
           <p:spPr>
             <a:xfrm flipH="1">
-              <a:off x="3766363" y="4032907"/>
-              <a:ext cx="2316575" cy="0"/>
+              <a:off x="1525985" y="4444646"/>
+              <a:ext cx="2220537" cy="0"/>
             </a:xfrm>
             <a:prstGeom prst="straightConnector1">
               <a:avLst/>
@@ -19702,13 +18886,641 @@
         </p:cxnSp>
         <p:sp>
           <p:nvSpPr>
-            <p:cNvPr id="69" name="TextBox 68"/>
+            <p:cNvPr id="93" name="TextBox 92"/>
             <p:cNvSpPr txBox="1"/>
             <p:nvPr/>
           </p:nvSpPr>
           <p:spPr>
             <a:xfrm>
-              <a:off x="3792426" y="3668353"/>
+              <a:off x="3739469" y="1255724"/>
+              <a:ext cx="2414855" cy="276999"/>
+            </a:xfrm>
+            <a:prstGeom prst="rect">
+              <a:avLst/>
+            </a:prstGeom>
+            <a:noFill/>
+          </p:spPr>
+          <p:txBody>
+            <a:bodyPr wrap="square" rtlCol="0">
+              <a:spAutoFit/>
+            </a:bodyPr>
+            <a:lstStyle/>
+            <a:p>
+              <a:pPr algn="ctr"/>
+              <a:r>
+                <a:rPr lang="en-US" sz="1200" i="1" dirty="0" err="1" smtClean="0"/>
+                <a:t>initiateCommandAction</a:t>
+              </a:r>
+              <a:r>
+                <a:rPr lang="en-US" sz="1200" i="1" dirty="0" smtClean="0"/>
+                <a:t>(string)</a:t>
+              </a:r>
+              <a:endParaRPr lang="en-US" sz="1200" i="1" dirty="0" smtClean="0"/>
+            </a:p>
+          </p:txBody>
+        </p:sp>
+        <p:sp>
+          <p:nvSpPr>
+            <p:cNvPr id="100" name="TextBox 99"/>
+            <p:cNvSpPr txBox="1"/>
+            <p:nvPr/>
+          </p:nvSpPr>
+          <p:spPr>
+            <a:xfrm>
+              <a:off x="1533244" y="4085041"/>
+              <a:ext cx="2217742" cy="340734"/>
+            </a:xfrm>
+            <a:prstGeom prst="rect">
+              <a:avLst/>
+            </a:prstGeom>
+            <a:noFill/>
+          </p:spPr>
+          <p:txBody>
+            <a:bodyPr wrap="square" rtlCol="0">
+              <a:spAutoFit/>
+            </a:bodyPr>
+            <a:lstStyle/>
+            <a:p>
+              <a:pPr algn="ctr">
+                <a:lnSpc>
+                  <a:spcPct val="150000"/>
+                </a:lnSpc>
+              </a:pPr>
+              <a:r>
+                <a:rPr lang="en-US" sz="1200" dirty="0" smtClean="0"/>
+                <a:t>User sees updated schedule</a:t>
+              </a:r>
+              <a:endParaRPr lang="en-US" sz="1200" dirty="0"/>
+            </a:p>
+          </p:txBody>
+        </p:sp>
+        <p:grpSp>
+          <p:nvGrpSpPr>
+            <p:cNvPr id="110" name="Group 109"/>
+            <p:cNvGrpSpPr/>
+            <p:nvPr/>
+          </p:nvGrpSpPr>
+          <p:grpSpPr>
+            <a:xfrm>
+              <a:off x="1237209" y="511856"/>
+              <a:ext cx="9834229" cy="4311650"/>
+              <a:chOff x="1237086" y="500288"/>
+              <a:chExt cx="9834229" cy="5222591"/>
+            </a:xfrm>
+          </p:grpSpPr>
+          <p:grpSp>
+            <p:nvGrpSpPr>
+              <p:cNvPr id="77" name="Group 76"/>
+              <p:cNvGrpSpPr/>
+              <p:nvPr/>
+            </p:nvGrpSpPr>
+            <p:grpSpPr>
+              <a:xfrm>
+                <a:off x="5750956" y="504015"/>
+                <a:ext cx="663964" cy="5218863"/>
+                <a:chOff x="3477172" y="504017"/>
+                <a:chExt cx="663964" cy="5218863"/>
+              </a:xfrm>
+            </p:grpSpPr>
+            <p:sp>
+              <p:nvSpPr>
+                <p:cNvPr id="5" name="TextBox 4"/>
+                <p:cNvSpPr txBox="1"/>
+                <p:nvPr/>
+              </p:nvSpPr>
+              <p:spPr>
+                <a:xfrm>
+                  <a:off x="3477172" y="504017"/>
+                  <a:ext cx="663964" cy="447362"/>
+                </a:xfrm>
+                <a:prstGeom prst="rect">
+                  <a:avLst/>
+                </a:prstGeom>
+              </p:spPr>
+              <p:style>
+                <a:lnRef idx="1">
+                  <a:schemeClr val="accent1"/>
+                </a:lnRef>
+                <a:fillRef idx="2">
+                  <a:schemeClr val="accent1"/>
+                </a:fillRef>
+                <a:effectRef idx="1">
+                  <a:schemeClr val="accent1"/>
+                </a:effectRef>
+                <a:fontRef idx="minor">
+                  <a:schemeClr val="dk1"/>
+                </a:fontRef>
+              </p:style>
+              <p:txBody>
+                <a:bodyPr wrap="none" rtlCol="0" anchor="ctr">
+                  <a:spAutoFit/>
+                </a:bodyPr>
+                <a:lstStyle/>
+                <a:p>
+                  <a:pPr algn="ctr"/>
+                  <a:r>
+                    <a:rPr lang="en-US" dirty="0" smtClean="0"/>
+                    <a:t>Logic</a:t>
+                  </a:r>
+                </a:p>
+              </p:txBody>
+            </p:sp>
+            <p:cxnSp>
+              <p:nvCxnSpPr>
+                <p:cNvPr id="13" name="Straight Connector 12"/>
+                <p:cNvCxnSpPr/>
+                <p:nvPr/>
+              </p:nvCxnSpPr>
+              <p:spPr>
+                <a:xfrm flipH="1">
+                  <a:off x="3809154" y="960491"/>
+                  <a:ext cx="2" cy="4762389"/>
+                </a:xfrm>
+                <a:prstGeom prst="line">
+                  <a:avLst/>
+                </a:prstGeom>
+              </p:spPr>
+              <p:style>
+                <a:lnRef idx="1">
+                  <a:schemeClr val="dk1"/>
+                </a:lnRef>
+                <a:fillRef idx="0">
+                  <a:schemeClr val="dk1"/>
+                </a:fillRef>
+                <a:effectRef idx="0">
+                  <a:schemeClr val="dk1"/>
+                </a:effectRef>
+                <a:fontRef idx="minor">
+                  <a:schemeClr val="tx1"/>
+                </a:fontRef>
+              </p:style>
+            </p:cxnSp>
+          </p:grpSp>
+          <p:grpSp>
+            <p:nvGrpSpPr>
+              <p:cNvPr id="78" name="Group 77"/>
+              <p:cNvGrpSpPr/>
+              <p:nvPr/>
+            </p:nvGrpSpPr>
+            <p:grpSpPr>
+              <a:xfrm>
+                <a:off x="3504203" y="539303"/>
+                <a:ext cx="535724" cy="5183575"/>
+                <a:chOff x="5806794" y="539305"/>
+                <a:chExt cx="535724" cy="5183575"/>
+              </a:xfrm>
+            </p:grpSpPr>
+            <p:cxnSp>
+              <p:nvCxnSpPr>
+                <p:cNvPr id="14" name="Straight Connector 13"/>
+                <p:cNvCxnSpPr/>
+                <p:nvPr/>
+              </p:nvCxnSpPr>
+              <p:spPr>
+                <a:xfrm flipH="1">
+                  <a:off x="6072064" y="960491"/>
+                  <a:ext cx="2" cy="4762389"/>
+                </a:xfrm>
+                <a:prstGeom prst="line">
+                  <a:avLst/>
+                </a:prstGeom>
+              </p:spPr>
+              <p:style>
+                <a:lnRef idx="1">
+                  <a:schemeClr val="dk1"/>
+                </a:lnRef>
+                <a:fillRef idx="0">
+                  <a:schemeClr val="dk1"/>
+                </a:fillRef>
+                <a:effectRef idx="0">
+                  <a:schemeClr val="dk1"/>
+                </a:effectRef>
+                <a:fontRef idx="minor">
+                  <a:schemeClr val="tx1"/>
+                </a:fontRef>
+              </p:style>
+            </p:cxnSp>
+            <p:sp>
+              <p:nvSpPr>
+                <p:cNvPr id="6" name="TextBox 5"/>
+                <p:cNvSpPr txBox="1"/>
+                <p:nvPr/>
+              </p:nvSpPr>
+              <p:spPr>
+                <a:xfrm>
+                  <a:off x="5806794" y="539305"/>
+                  <a:ext cx="535724" cy="447362"/>
+                </a:xfrm>
+                <a:prstGeom prst="rect">
+                  <a:avLst/>
+                </a:prstGeom>
+              </p:spPr>
+              <p:style>
+                <a:lnRef idx="1">
+                  <a:schemeClr val="accent2"/>
+                </a:lnRef>
+                <a:fillRef idx="2">
+                  <a:schemeClr val="accent2"/>
+                </a:fillRef>
+                <a:effectRef idx="1">
+                  <a:schemeClr val="accent2"/>
+                </a:effectRef>
+                <a:fontRef idx="minor">
+                  <a:schemeClr val="dk1"/>
+                </a:fontRef>
+              </p:style>
+              <p:txBody>
+                <a:bodyPr wrap="none" rtlCol="0" anchor="ctr">
+                  <a:spAutoFit/>
+                </a:bodyPr>
+                <a:lstStyle/>
+                <a:p>
+                  <a:r>
+                    <a:rPr lang="en-US" dirty="0" smtClean="0"/>
+                    <a:t>GUI</a:t>
+                  </a:r>
+                  <a:endParaRPr lang="en-US" dirty="0"/>
+                </a:p>
+              </p:txBody>
+            </p:sp>
+          </p:grpSp>
+          <p:grpSp>
+            <p:nvGrpSpPr>
+              <p:cNvPr id="102" name="Group 101"/>
+              <p:cNvGrpSpPr/>
+              <p:nvPr/>
+            </p:nvGrpSpPr>
+            <p:grpSpPr>
+              <a:xfrm>
+                <a:off x="8035324" y="539303"/>
+                <a:ext cx="770467" cy="5183576"/>
+                <a:chOff x="8035324" y="539303"/>
+                <a:chExt cx="770467" cy="5183576"/>
+              </a:xfrm>
+            </p:grpSpPr>
+            <p:cxnSp>
+              <p:nvCxnSpPr>
+                <p:cNvPr id="15" name="Straight Connector 14"/>
+                <p:cNvCxnSpPr/>
+                <p:nvPr/>
+              </p:nvCxnSpPr>
+              <p:spPr>
+                <a:xfrm flipH="1">
+                  <a:off x="8420559" y="960490"/>
+                  <a:ext cx="2" cy="4762389"/>
+                </a:xfrm>
+                <a:prstGeom prst="line">
+                  <a:avLst/>
+                </a:prstGeom>
+              </p:spPr>
+              <p:style>
+                <a:lnRef idx="1">
+                  <a:schemeClr val="dk1"/>
+                </a:lnRef>
+                <a:fillRef idx="0">
+                  <a:schemeClr val="dk1"/>
+                </a:fillRef>
+                <a:effectRef idx="0">
+                  <a:schemeClr val="dk1"/>
+                </a:effectRef>
+                <a:fontRef idx="minor">
+                  <a:schemeClr val="tx1"/>
+                </a:fontRef>
+              </p:style>
+            </p:cxnSp>
+            <p:sp>
+              <p:nvSpPr>
+                <p:cNvPr id="7" name="TextBox 6"/>
+                <p:cNvSpPr txBox="1"/>
+                <p:nvPr/>
+              </p:nvSpPr>
+              <p:spPr>
+                <a:xfrm>
+                  <a:off x="8035324" y="539303"/>
+                  <a:ext cx="770467" cy="447362"/>
+                </a:xfrm>
+                <a:prstGeom prst="rect">
+                  <a:avLst/>
+                </a:prstGeom>
+              </p:spPr>
+              <p:style>
+                <a:lnRef idx="1">
+                  <a:schemeClr val="accent3"/>
+                </a:lnRef>
+                <a:fillRef idx="2">
+                  <a:schemeClr val="accent3"/>
+                </a:fillRef>
+                <a:effectRef idx="1">
+                  <a:schemeClr val="accent3"/>
+                </a:effectRef>
+                <a:fontRef idx="minor">
+                  <a:schemeClr val="dk1"/>
+                </a:fontRef>
+              </p:style>
+              <p:txBody>
+                <a:bodyPr wrap="none" rtlCol="0" anchor="ctr">
+                  <a:spAutoFit/>
+                </a:bodyPr>
+                <a:lstStyle/>
+                <a:p>
+                  <a:pPr algn="ctr"/>
+                  <a:r>
+                    <a:rPr lang="en-US" dirty="0" smtClean="0"/>
+                    <a:t>Parser</a:t>
+                  </a:r>
+                  <a:endParaRPr lang="en-US" dirty="0"/>
+                </a:p>
+              </p:txBody>
+            </p:sp>
+          </p:grpSp>
+          <p:grpSp>
+            <p:nvGrpSpPr>
+              <p:cNvPr id="109" name="Group 108"/>
+              <p:cNvGrpSpPr/>
+              <p:nvPr/>
+            </p:nvGrpSpPr>
+            <p:grpSpPr>
+              <a:xfrm>
+                <a:off x="10175813" y="536005"/>
+                <a:ext cx="895502" cy="5172752"/>
+                <a:chOff x="10175813" y="536005"/>
+                <a:chExt cx="895502" cy="5172752"/>
+              </a:xfrm>
+            </p:grpSpPr>
+            <p:cxnSp>
+              <p:nvCxnSpPr>
+                <p:cNvPr id="16" name="Straight Connector 15"/>
+                <p:cNvCxnSpPr/>
+                <p:nvPr/>
+              </p:nvCxnSpPr>
+              <p:spPr>
+                <a:xfrm flipH="1">
+                  <a:off x="10623564" y="946368"/>
+                  <a:ext cx="2" cy="4762389"/>
+                </a:xfrm>
+                <a:prstGeom prst="line">
+                  <a:avLst/>
+                </a:prstGeom>
+              </p:spPr>
+              <p:style>
+                <a:lnRef idx="1">
+                  <a:schemeClr val="dk1"/>
+                </a:lnRef>
+                <a:fillRef idx="0">
+                  <a:schemeClr val="dk1"/>
+                </a:fillRef>
+                <a:effectRef idx="0">
+                  <a:schemeClr val="dk1"/>
+                </a:effectRef>
+                <a:fontRef idx="minor">
+                  <a:schemeClr val="tx1"/>
+                </a:fontRef>
+              </p:style>
+            </p:cxnSp>
+            <p:sp>
+              <p:nvSpPr>
+                <p:cNvPr id="8" name="TextBox 7"/>
+                <p:cNvSpPr txBox="1"/>
+                <p:nvPr/>
+              </p:nvSpPr>
+              <p:spPr>
+                <a:xfrm>
+                  <a:off x="10175813" y="536005"/>
+                  <a:ext cx="895502" cy="447362"/>
+                </a:xfrm>
+                <a:prstGeom prst="rect">
+                  <a:avLst/>
+                </a:prstGeom>
+              </p:spPr>
+              <p:style>
+                <a:lnRef idx="1">
+                  <a:schemeClr val="accent6"/>
+                </a:lnRef>
+                <a:fillRef idx="2">
+                  <a:schemeClr val="accent6"/>
+                </a:fillRef>
+                <a:effectRef idx="1">
+                  <a:schemeClr val="accent6"/>
+                </a:effectRef>
+                <a:fontRef idx="minor">
+                  <a:schemeClr val="dk1"/>
+                </a:fontRef>
+              </p:style>
+              <p:txBody>
+                <a:bodyPr wrap="none" rtlCol="0" anchor="ctr">
+                  <a:spAutoFit/>
+                </a:bodyPr>
+                <a:lstStyle/>
+                <a:p>
+                  <a:r>
+                    <a:rPr lang="en-US" dirty="0" smtClean="0"/>
+                    <a:t>Storage</a:t>
+                  </a:r>
+                  <a:endParaRPr lang="en-US" dirty="0"/>
+                </a:p>
+              </p:txBody>
+            </p:sp>
+          </p:grpSp>
+          <p:grpSp>
+            <p:nvGrpSpPr>
+              <p:cNvPr id="108" name="Group 107"/>
+              <p:cNvGrpSpPr/>
+              <p:nvPr/>
+            </p:nvGrpSpPr>
+            <p:grpSpPr>
+              <a:xfrm>
+                <a:off x="1237086" y="500288"/>
+                <a:ext cx="617477" cy="5222425"/>
+                <a:chOff x="1237086" y="500288"/>
+                <a:chExt cx="617477" cy="5222425"/>
+              </a:xfrm>
+            </p:grpSpPr>
+            <p:sp>
+              <p:nvSpPr>
+                <p:cNvPr id="4" name="TextBox 3"/>
+                <p:cNvSpPr txBox="1"/>
+                <p:nvPr/>
+              </p:nvSpPr>
+              <p:spPr>
+                <a:xfrm>
+                  <a:off x="1237086" y="500288"/>
+                  <a:ext cx="617477" cy="447362"/>
+                </a:xfrm>
+                <a:prstGeom prst="rect">
+                  <a:avLst/>
+                </a:prstGeom>
+              </p:spPr>
+              <p:style>
+                <a:lnRef idx="2">
+                  <a:schemeClr val="dk1">
+                    <a:shade val="50000"/>
+                  </a:schemeClr>
+                </a:lnRef>
+                <a:fillRef idx="1">
+                  <a:schemeClr val="dk1"/>
+                </a:fillRef>
+                <a:effectRef idx="0">
+                  <a:schemeClr val="dk1"/>
+                </a:effectRef>
+                <a:fontRef idx="minor">
+                  <a:schemeClr val="lt1"/>
+                </a:fontRef>
+              </p:style>
+              <p:txBody>
+                <a:bodyPr wrap="square" rtlCol="0" anchor="ctr">
+                  <a:spAutoFit/>
+                </a:bodyPr>
+                <a:lstStyle/>
+                <a:p>
+                  <a:r>
+                    <a:rPr lang="en-US" dirty="0" smtClean="0"/>
+                    <a:t>User</a:t>
+                  </a:r>
+                  <a:endParaRPr lang="en-US" dirty="0"/>
+                </a:p>
+              </p:txBody>
+            </p:sp>
+            <p:cxnSp>
+              <p:nvCxnSpPr>
+                <p:cNvPr id="64" name="Straight Connector 63"/>
+                <p:cNvCxnSpPr/>
+                <p:nvPr/>
+              </p:nvCxnSpPr>
+              <p:spPr>
+                <a:xfrm>
+                  <a:off x="1530133" y="960489"/>
+                  <a:ext cx="0" cy="4762224"/>
+                </a:xfrm>
+                <a:prstGeom prst="line">
+                  <a:avLst/>
+                </a:prstGeom>
+              </p:spPr>
+              <p:style>
+                <a:lnRef idx="1">
+                  <a:schemeClr val="dk1"/>
+                </a:lnRef>
+                <a:fillRef idx="0">
+                  <a:schemeClr val="dk1"/>
+                </a:fillRef>
+                <a:effectRef idx="0">
+                  <a:schemeClr val="dk1"/>
+                </a:effectRef>
+                <a:fontRef idx="minor">
+                  <a:schemeClr val="tx1"/>
+                </a:fontRef>
+              </p:style>
+            </p:cxnSp>
+          </p:grpSp>
+        </p:grpSp>
+        <p:sp>
+          <p:nvSpPr>
+            <p:cNvPr id="42" name="Rectangle 41"/>
+            <p:cNvSpPr/>
+            <p:nvPr/>
+          </p:nvSpPr>
+          <p:spPr>
+            <a:xfrm>
+              <a:off x="6029072" y="1540245"/>
+              <a:ext cx="101508" cy="2645558"/>
+            </a:xfrm>
+            <a:prstGeom prst="rect">
+              <a:avLst/>
+            </a:prstGeom>
+            <a:solidFill>
+              <a:schemeClr val="bg2"/>
+            </a:solidFill>
+            <a:ln>
+              <a:solidFill>
+                <a:schemeClr val="bg1">
+                  <a:lumMod val="75000"/>
+                </a:schemeClr>
+              </a:solidFill>
+            </a:ln>
+          </p:spPr>
+          <p:style>
+            <a:lnRef idx="2">
+              <a:schemeClr val="accent1">
+                <a:shade val="50000"/>
+              </a:schemeClr>
+            </a:lnRef>
+            <a:fillRef idx="1">
+              <a:schemeClr val="accent1"/>
+            </a:fillRef>
+            <a:effectRef idx="0">
+              <a:schemeClr val="accent1"/>
+            </a:effectRef>
+            <a:fontRef idx="minor">
+              <a:schemeClr val="lt1"/>
+            </a:fontRef>
+          </p:style>
+          <p:txBody>
+            <a:bodyPr rtlCol="0" anchor="ctr"/>
+            <a:lstStyle/>
+            <a:p>
+              <a:pPr algn="ctr"/>
+              <a:endParaRPr lang="en-US"/>
+            </a:p>
+          </p:txBody>
+        </p:sp>
+        <p:sp>
+          <p:nvSpPr>
+            <p:cNvPr id="41" name="Rectangle 40"/>
+            <p:cNvSpPr/>
+            <p:nvPr/>
+          </p:nvSpPr>
+          <p:spPr>
+            <a:xfrm>
+              <a:off x="3715194" y="1364924"/>
+              <a:ext cx="101508" cy="3079722"/>
+            </a:xfrm>
+            <a:prstGeom prst="rect">
+              <a:avLst/>
+            </a:prstGeom>
+            <a:solidFill>
+              <a:schemeClr val="bg2"/>
+            </a:solidFill>
+            <a:ln>
+              <a:solidFill>
+                <a:schemeClr val="bg1">
+                  <a:lumMod val="75000"/>
+                </a:schemeClr>
+              </a:solidFill>
+            </a:ln>
+          </p:spPr>
+          <p:style>
+            <a:lnRef idx="2">
+              <a:schemeClr val="accent1">
+                <a:shade val="50000"/>
+              </a:schemeClr>
+            </a:lnRef>
+            <a:fillRef idx="1">
+              <a:schemeClr val="accent1"/>
+            </a:fillRef>
+            <a:effectRef idx="0">
+              <a:schemeClr val="accent1"/>
+            </a:effectRef>
+            <a:fontRef idx="minor">
+              <a:schemeClr val="lt1"/>
+            </a:fontRef>
+          </p:style>
+          <p:txBody>
+            <a:bodyPr rtlCol="0" anchor="ctr"/>
+            <a:lstStyle/>
+            <a:p>
+              <a:pPr algn="ctr"/>
+              <a:endParaRPr lang="en-US"/>
+            </a:p>
+          </p:txBody>
+        </p:sp>
+        <p:sp>
+          <p:nvSpPr>
+            <p:cNvPr id="49" name="TextBox 48"/>
+            <p:cNvSpPr txBox="1"/>
+            <p:nvPr/>
+          </p:nvSpPr>
+          <p:spPr>
+            <a:xfrm>
+              <a:off x="3792426" y="3817112"/>
               <a:ext cx="2287400" cy="340734"/>
             </a:xfrm>
             <a:prstGeom prst="rect">
@@ -19735,256 +19547,474 @@
             </a:p>
           </p:txBody>
         </p:sp>
+        <p:cxnSp>
+          <p:nvCxnSpPr>
+            <p:cNvPr id="91" name="Straight Arrow Connector 90"/>
+            <p:cNvCxnSpPr/>
+            <p:nvPr/>
+          </p:nvCxnSpPr>
+          <p:spPr>
+            <a:xfrm>
+              <a:off x="3816702" y="1565004"/>
+              <a:ext cx="2266236" cy="0"/>
+            </a:xfrm>
+            <a:prstGeom prst="straightConnector1">
+              <a:avLst/>
+            </a:prstGeom>
+            <a:ln>
+              <a:tailEnd type="triangle"/>
+            </a:ln>
+          </p:spPr>
+          <p:style>
+            <a:lnRef idx="1">
+              <a:schemeClr val="dk1"/>
+            </a:lnRef>
+            <a:fillRef idx="0">
+              <a:schemeClr val="dk1"/>
+            </a:fillRef>
+            <a:effectRef idx="0">
+              <a:schemeClr val="dk1"/>
+            </a:effectRef>
+            <a:fontRef idx="minor">
+              <a:schemeClr val="tx1"/>
+            </a:fontRef>
+          </p:style>
+        </p:cxnSp>
+        <p:cxnSp>
+          <p:nvCxnSpPr>
+            <p:cNvPr id="19" name="Straight Arrow Connector 18"/>
+            <p:cNvCxnSpPr/>
+            <p:nvPr/>
+          </p:nvCxnSpPr>
+          <p:spPr>
+            <a:xfrm>
+              <a:off x="1545825" y="1369061"/>
+              <a:ext cx="2220538" cy="0"/>
+            </a:xfrm>
+            <a:prstGeom prst="straightConnector1">
+              <a:avLst/>
+            </a:prstGeom>
+            <a:ln>
+              <a:tailEnd type="triangle"/>
+            </a:ln>
+          </p:spPr>
+          <p:style>
+            <a:lnRef idx="1">
+              <a:schemeClr val="dk1"/>
+            </a:lnRef>
+            <a:fillRef idx="0">
+              <a:schemeClr val="dk1"/>
+            </a:fillRef>
+            <a:effectRef idx="0">
+              <a:schemeClr val="dk1"/>
+            </a:effectRef>
+            <a:fontRef idx="minor">
+              <a:schemeClr val="tx1"/>
+            </a:fontRef>
+          </p:style>
+        </p:cxnSp>
+        <p:cxnSp>
+          <p:nvCxnSpPr>
+            <p:cNvPr id="40" name="Straight Arrow Connector 39"/>
+            <p:cNvCxnSpPr/>
+            <p:nvPr/>
+          </p:nvCxnSpPr>
+          <p:spPr>
+            <a:xfrm flipH="1">
+              <a:off x="6082936" y="3808552"/>
+              <a:ext cx="4540628" cy="0"/>
+            </a:xfrm>
+            <a:prstGeom prst="straightConnector1">
+              <a:avLst/>
+            </a:prstGeom>
+            <a:ln>
+              <a:prstDash val="dash"/>
+              <a:tailEnd type="triangle"/>
+            </a:ln>
+          </p:spPr>
+          <p:style>
+            <a:lnRef idx="1">
+              <a:schemeClr val="dk1"/>
+            </a:lnRef>
+            <a:fillRef idx="0">
+              <a:schemeClr val="dk1"/>
+            </a:fillRef>
+            <a:effectRef idx="0">
+              <a:schemeClr val="dk1"/>
+            </a:effectRef>
+            <a:fontRef idx="minor">
+              <a:schemeClr val="tx1"/>
+            </a:fontRef>
+          </p:style>
+        </p:cxnSp>
+        <p:cxnSp>
+          <p:nvCxnSpPr>
+            <p:cNvPr id="22" name="Straight Arrow Connector 21"/>
+            <p:cNvCxnSpPr/>
+            <p:nvPr/>
+          </p:nvCxnSpPr>
+          <p:spPr>
+            <a:xfrm flipH="1">
+              <a:off x="6082938" y="2083911"/>
+              <a:ext cx="2337621" cy="0"/>
+            </a:xfrm>
+            <a:prstGeom prst="straightConnector1">
+              <a:avLst/>
+            </a:prstGeom>
+            <a:ln>
+              <a:prstDash val="dash"/>
+              <a:tailEnd type="triangle"/>
+            </a:ln>
+          </p:spPr>
+          <p:style>
+            <a:lnRef idx="1">
+              <a:schemeClr val="dk1"/>
+            </a:lnRef>
+            <a:fillRef idx="0">
+              <a:schemeClr val="dk1"/>
+            </a:fillRef>
+            <a:effectRef idx="0">
+              <a:schemeClr val="dk1"/>
+            </a:effectRef>
+            <a:fontRef idx="minor">
+              <a:schemeClr val="tx1"/>
+            </a:fontRef>
+          </p:style>
+        </p:cxnSp>
+        <p:grpSp>
+          <p:nvGrpSpPr>
+            <p:cNvPr id="97" name="Group 96"/>
+            <p:cNvGrpSpPr/>
+            <p:nvPr/>
+          </p:nvGrpSpPr>
+          <p:grpSpPr>
+            <a:xfrm>
+              <a:off x="3766363" y="3821249"/>
+              <a:ext cx="2316575" cy="364554"/>
+              <a:chOff x="3766363" y="3668353"/>
+              <a:chExt cx="2316575" cy="364554"/>
+            </a:xfrm>
+          </p:grpSpPr>
+          <p:cxnSp>
+            <p:nvCxnSpPr>
+              <p:cNvPr id="33" name="Straight Arrow Connector 32"/>
+              <p:cNvCxnSpPr/>
+              <p:nvPr/>
+            </p:nvCxnSpPr>
+            <p:spPr>
+              <a:xfrm flipH="1">
+                <a:off x="3766363" y="4032907"/>
+                <a:ext cx="2316575" cy="0"/>
+              </a:xfrm>
+              <a:prstGeom prst="straightConnector1">
+                <a:avLst/>
+              </a:prstGeom>
+              <a:ln>
+                <a:prstDash val="dash"/>
+                <a:tailEnd type="triangle"/>
+              </a:ln>
+            </p:spPr>
+            <p:style>
+              <a:lnRef idx="1">
+                <a:schemeClr val="dk1"/>
+              </a:lnRef>
+              <a:fillRef idx="0">
+                <a:schemeClr val="dk1"/>
+              </a:fillRef>
+              <a:effectRef idx="0">
+                <a:schemeClr val="dk1"/>
+              </a:effectRef>
+              <a:fontRef idx="minor">
+                <a:schemeClr val="tx1"/>
+              </a:fontRef>
+            </p:style>
+          </p:cxnSp>
+          <p:sp>
+            <p:nvSpPr>
+              <p:cNvPr id="69" name="TextBox 68"/>
+              <p:cNvSpPr txBox="1"/>
+              <p:nvPr/>
+            </p:nvSpPr>
+            <p:spPr>
+              <a:xfrm>
+                <a:off x="3792426" y="3668353"/>
+                <a:ext cx="2287400" cy="340734"/>
+              </a:xfrm>
+              <a:prstGeom prst="rect">
+                <a:avLst/>
+              </a:prstGeom>
+              <a:noFill/>
+            </p:spPr>
+            <p:txBody>
+              <a:bodyPr wrap="square" rtlCol="0">
+                <a:spAutoFit/>
+              </a:bodyPr>
+              <a:lstStyle/>
+              <a:p>
+                <a:pPr algn="ctr">
+                  <a:lnSpc>
+                    <a:spcPct val="150000"/>
+                  </a:lnSpc>
+                </a:pPr>
+                <a:r>
+                  <a:rPr lang="en-US" sz="1200" dirty="0" smtClean="0"/>
+                  <a:t>Update GUI</a:t>
+                </a:r>
+                <a:endParaRPr lang="en-US" sz="1200" dirty="0"/>
+              </a:p>
+            </p:txBody>
+          </p:sp>
+        </p:grpSp>
+        <p:sp>
+          <p:nvSpPr>
+            <p:cNvPr id="43" name="Rectangle 42"/>
+            <p:cNvSpPr/>
+            <p:nvPr/>
+          </p:nvSpPr>
+          <p:spPr>
+            <a:xfrm>
+              <a:off x="8366691" y="1769243"/>
+              <a:ext cx="101508" cy="312839"/>
+            </a:xfrm>
+            <a:prstGeom prst="rect">
+              <a:avLst/>
+            </a:prstGeom>
+            <a:solidFill>
+              <a:schemeClr val="bg2"/>
+            </a:solidFill>
+            <a:ln>
+              <a:solidFill>
+                <a:schemeClr val="bg1">
+                  <a:lumMod val="75000"/>
+                </a:schemeClr>
+              </a:solidFill>
+            </a:ln>
+          </p:spPr>
+          <p:style>
+            <a:lnRef idx="2">
+              <a:schemeClr val="accent1">
+                <a:shade val="50000"/>
+              </a:schemeClr>
+            </a:lnRef>
+            <a:fillRef idx="1">
+              <a:schemeClr val="accent1"/>
+            </a:fillRef>
+            <a:effectRef idx="0">
+              <a:schemeClr val="accent1"/>
+            </a:effectRef>
+            <a:fontRef idx="minor">
+              <a:schemeClr val="lt1"/>
+            </a:fontRef>
+          </p:style>
+          <p:txBody>
+            <a:bodyPr rtlCol="0" anchor="ctr"/>
+            <a:lstStyle/>
+            <a:p>
+              <a:pPr algn="ctr"/>
+              <a:endParaRPr lang="en-US"/>
+            </a:p>
+          </p:txBody>
+        </p:sp>
+        <p:cxnSp>
+          <p:nvCxnSpPr>
+            <p:cNvPr id="20" name="Straight Arrow Connector 19"/>
+            <p:cNvCxnSpPr/>
+            <p:nvPr/>
+          </p:nvCxnSpPr>
+          <p:spPr>
+            <a:xfrm>
+              <a:off x="6130580" y="1756419"/>
+              <a:ext cx="2289978" cy="0"/>
+            </a:xfrm>
+            <a:prstGeom prst="straightConnector1">
+              <a:avLst/>
+            </a:prstGeom>
+            <a:ln>
+              <a:tailEnd type="triangle"/>
+            </a:ln>
+          </p:spPr>
+          <p:style>
+            <a:lnRef idx="1">
+              <a:schemeClr val="dk1"/>
+            </a:lnRef>
+            <a:fillRef idx="0">
+              <a:schemeClr val="dk1"/>
+            </a:fillRef>
+            <a:effectRef idx="0">
+              <a:schemeClr val="dk1"/>
+            </a:effectRef>
+            <a:fontRef idx="minor">
+              <a:schemeClr val="tx1"/>
+            </a:fontRef>
+          </p:style>
+        </p:cxnSp>
+        <p:sp>
+          <p:nvSpPr>
+            <p:cNvPr id="44" name="Rectangle 43"/>
+            <p:cNvSpPr/>
+            <p:nvPr/>
+          </p:nvSpPr>
+          <p:spPr>
+            <a:xfrm>
+              <a:off x="10572810" y="2447356"/>
+              <a:ext cx="101508" cy="312839"/>
+            </a:xfrm>
+            <a:prstGeom prst="rect">
+              <a:avLst/>
+            </a:prstGeom>
+            <a:solidFill>
+              <a:schemeClr val="bg2"/>
+            </a:solidFill>
+            <a:ln>
+              <a:solidFill>
+                <a:schemeClr val="bg1">
+                  <a:lumMod val="75000"/>
+                </a:schemeClr>
+              </a:solidFill>
+            </a:ln>
+          </p:spPr>
+          <p:style>
+            <a:lnRef idx="2">
+              <a:schemeClr val="accent1">
+                <a:shade val="50000"/>
+              </a:schemeClr>
+            </a:lnRef>
+            <a:fillRef idx="1">
+              <a:schemeClr val="accent1"/>
+            </a:fillRef>
+            <a:effectRef idx="0">
+              <a:schemeClr val="accent1"/>
+            </a:effectRef>
+            <a:fontRef idx="minor">
+              <a:schemeClr val="lt1"/>
+            </a:fontRef>
+          </p:style>
+          <p:txBody>
+            <a:bodyPr rtlCol="0" anchor="ctr"/>
+            <a:lstStyle/>
+            <a:p>
+              <a:pPr algn="ctr"/>
+              <a:endParaRPr lang="en-US"/>
+            </a:p>
+          </p:txBody>
+        </p:sp>
+        <p:cxnSp>
+          <p:nvCxnSpPr>
+            <p:cNvPr id="29" name="Straight Arrow Connector 28"/>
+            <p:cNvCxnSpPr/>
+            <p:nvPr/>
+          </p:nvCxnSpPr>
+          <p:spPr>
+            <a:xfrm>
+              <a:off x="6130580" y="2442657"/>
+              <a:ext cx="4492984" cy="0"/>
+            </a:xfrm>
+            <a:prstGeom prst="straightConnector1">
+              <a:avLst/>
+            </a:prstGeom>
+            <a:ln>
+              <a:tailEnd type="triangle"/>
+            </a:ln>
+          </p:spPr>
+          <p:style>
+            <a:lnRef idx="1">
+              <a:schemeClr val="dk1"/>
+            </a:lnRef>
+            <a:fillRef idx="0">
+              <a:schemeClr val="dk1"/>
+            </a:fillRef>
+            <a:effectRef idx="0">
+              <a:schemeClr val="dk1"/>
+            </a:effectRef>
+            <a:fontRef idx="minor">
+              <a:schemeClr val="tx1"/>
+            </a:fontRef>
+          </p:style>
+        </p:cxnSp>
+        <p:sp>
+          <p:nvSpPr>
+            <p:cNvPr id="45" name="Rectangle 44"/>
+            <p:cNvSpPr/>
+            <p:nvPr/>
+          </p:nvSpPr>
+          <p:spPr>
+            <a:xfrm>
+              <a:off x="10572810" y="3405067"/>
+              <a:ext cx="101508" cy="403485"/>
+            </a:xfrm>
+            <a:prstGeom prst="rect">
+              <a:avLst/>
+            </a:prstGeom>
+            <a:solidFill>
+              <a:schemeClr val="bg2"/>
+            </a:solidFill>
+            <a:ln>
+              <a:solidFill>
+                <a:schemeClr val="bg1">
+                  <a:lumMod val="75000"/>
+                </a:schemeClr>
+              </a:solidFill>
+            </a:ln>
+          </p:spPr>
+          <p:style>
+            <a:lnRef idx="2">
+              <a:schemeClr val="accent1">
+                <a:shade val="50000"/>
+              </a:schemeClr>
+            </a:lnRef>
+            <a:fillRef idx="1">
+              <a:schemeClr val="accent1"/>
+            </a:fillRef>
+            <a:effectRef idx="0">
+              <a:schemeClr val="accent1"/>
+            </a:effectRef>
+            <a:fontRef idx="minor">
+              <a:schemeClr val="lt1"/>
+            </a:fontRef>
+          </p:style>
+          <p:txBody>
+            <a:bodyPr rtlCol="0" anchor="ctr"/>
+            <a:lstStyle/>
+            <a:p>
+              <a:pPr algn="ctr"/>
+              <a:endParaRPr lang="en-US"/>
+            </a:p>
+          </p:txBody>
+        </p:sp>
+        <p:cxnSp>
+          <p:nvCxnSpPr>
+            <p:cNvPr id="38" name="Straight Arrow Connector 37"/>
+            <p:cNvCxnSpPr/>
+            <p:nvPr/>
+          </p:nvCxnSpPr>
+          <p:spPr>
+            <a:xfrm>
+              <a:off x="6130580" y="3419613"/>
+              <a:ext cx="4492984" cy="0"/>
+            </a:xfrm>
+            <a:prstGeom prst="straightConnector1">
+              <a:avLst/>
+            </a:prstGeom>
+            <a:ln>
+              <a:tailEnd type="triangle"/>
+            </a:ln>
+          </p:spPr>
+          <p:style>
+            <a:lnRef idx="1">
+              <a:schemeClr val="dk1"/>
+            </a:lnRef>
+            <a:fillRef idx="0">
+              <a:schemeClr val="dk1"/>
+            </a:fillRef>
+            <a:effectRef idx="0">
+              <a:schemeClr val="dk1"/>
+            </a:effectRef>
+            <a:fontRef idx="minor">
+              <a:schemeClr val="tx1"/>
+            </a:fontRef>
+          </p:style>
+        </p:cxnSp>
       </p:grpSp>
-      <p:sp>
-        <p:nvSpPr>
-          <p:cNvPr id="43" name="Rectangle 42"/>
-          <p:cNvSpPr/>
-          <p:nvPr/>
-        </p:nvSpPr>
-        <p:spPr>
-          <a:xfrm>
-            <a:off x="8366691" y="1769243"/>
-            <a:ext cx="101508" cy="312839"/>
-          </a:xfrm>
-          <a:prstGeom prst="rect">
-            <a:avLst/>
-          </a:prstGeom>
-          <a:solidFill>
-            <a:schemeClr val="bg2"/>
-          </a:solidFill>
-          <a:ln>
-            <a:solidFill>
-              <a:schemeClr val="bg1">
-                <a:lumMod val="75000"/>
-              </a:schemeClr>
-            </a:solidFill>
-          </a:ln>
-        </p:spPr>
-        <p:style>
-          <a:lnRef idx="2">
-            <a:schemeClr val="accent1">
-              <a:shade val="50000"/>
-            </a:schemeClr>
-          </a:lnRef>
-          <a:fillRef idx="1">
-            <a:schemeClr val="accent1"/>
-          </a:fillRef>
-          <a:effectRef idx="0">
-            <a:schemeClr val="accent1"/>
-          </a:effectRef>
-          <a:fontRef idx="minor">
-            <a:schemeClr val="lt1"/>
-          </a:fontRef>
-        </p:style>
-        <p:txBody>
-          <a:bodyPr rtlCol="0" anchor="ctr"/>
-          <a:lstStyle/>
-          <a:p>
-            <a:pPr algn="ctr"/>
-            <a:endParaRPr lang="en-US"/>
-          </a:p>
-        </p:txBody>
-      </p:sp>
-      <p:cxnSp>
-        <p:nvCxnSpPr>
-          <p:cNvPr id="20" name="Straight Arrow Connector 19"/>
-          <p:cNvCxnSpPr/>
-          <p:nvPr/>
-        </p:nvCxnSpPr>
-        <p:spPr>
-          <a:xfrm>
-            <a:off x="6130580" y="1756419"/>
-            <a:ext cx="2289978" cy="0"/>
-          </a:xfrm>
-          <a:prstGeom prst="straightConnector1">
-            <a:avLst/>
-          </a:prstGeom>
-          <a:ln>
-            <a:tailEnd type="triangle"/>
-          </a:ln>
-        </p:spPr>
-        <p:style>
-          <a:lnRef idx="1">
-            <a:schemeClr val="dk1"/>
-          </a:lnRef>
-          <a:fillRef idx="0">
-            <a:schemeClr val="dk1"/>
-          </a:fillRef>
-          <a:effectRef idx="0">
-            <a:schemeClr val="dk1"/>
-          </a:effectRef>
-          <a:fontRef idx="minor">
-            <a:schemeClr val="tx1"/>
-          </a:fontRef>
-        </p:style>
-      </p:cxnSp>
-      <p:sp>
-        <p:nvSpPr>
-          <p:cNvPr id="44" name="Rectangle 43"/>
-          <p:cNvSpPr/>
-          <p:nvPr/>
-        </p:nvSpPr>
-        <p:spPr>
-          <a:xfrm>
-            <a:off x="10572810" y="2447356"/>
-            <a:ext cx="101508" cy="312839"/>
-          </a:xfrm>
-          <a:prstGeom prst="rect">
-            <a:avLst/>
-          </a:prstGeom>
-          <a:solidFill>
-            <a:schemeClr val="bg2"/>
-          </a:solidFill>
-          <a:ln>
-            <a:solidFill>
-              <a:schemeClr val="bg1">
-                <a:lumMod val="75000"/>
-              </a:schemeClr>
-            </a:solidFill>
-          </a:ln>
-        </p:spPr>
-        <p:style>
-          <a:lnRef idx="2">
-            <a:schemeClr val="accent1">
-              <a:shade val="50000"/>
-            </a:schemeClr>
-          </a:lnRef>
-          <a:fillRef idx="1">
-            <a:schemeClr val="accent1"/>
-          </a:fillRef>
-          <a:effectRef idx="0">
-            <a:schemeClr val="accent1"/>
-          </a:effectRef>
-          <a:fontRef idx="minor">
-            <a:schemeClr val="lt1"/>
-          </a:fontRef>
-        </p:style>
-        <p:txBody>
-          <a:bodyPr rtlCol="0" anchor="ctr"/>
-          <a:lstStyle/>
-          <a:p>
-            <a:pPr algn="ctr"/>
-            <a:endParaRPr lang="en-US"/>
-          </a:p>
-        </p:txBody>
-      </p:sp>
-      <p:cxnSp>
-        <p:nvCxnSpPr>
-          <p:cNvPr id="29" name="Straight Arrow Connector 28"/>
-          <p:cNvCxnSpPr/>
-          <p:nvPr/>
-        </p:nvCxnSpPr>
-        <p:spPr>
-          <a:xfrm>
-            <a:off x="6130580" y="2442657"/>
-            <a:ext cx="4492984" cy="0"/>
-          </a:xfrm>
-          <a:prstGeom prst="straightConnector1">
-            <a:avLst/>
-          </a:prstGeom>
-          <a:ln>
-            <a:tailEnd type="triangle"/>
-          </a:ln>
-        </p:spPr>
-        <p:style>
-          <a:lnRef idx="1">
-            <a:schemeClr val="dk1"/>
-          </a:lnRef>
-          <a:fillRef idx="0">
-            <a:schemeClr val="dk1"/>
-          </a:fillRef>
-          <a:effectRef idx="0">
-            <a:schemeClr val="dk1"/>
-          </a:effectRef>
-          <a:fontRef idx="minor">
-            <a:schemeClr val="tx1"/>
-          </a:fontRef>
-        </p:style>
-      </p:cxnSp>
-      <p:sp>
-        <p:nvSpPr>
-          <p:cNvPr id="45" name="Rectangle 44"/>
-          <p:cNvSpPr/>
-          <p:nvPr/>
-        </p:nvSpPr>
-        <p:spPr>
-          <a:xfrm>
-            <a:off x="10572810" y="3405067"/>
-            <a:ext cx="101508" cy="403485"/>
-          </a:xfrm>
-          <a:prstGeom prst="rect">
-            <a:avLst/>
-          </a:prstGeom>
-          <a:solidFill>
-            <a:schemeClr val="bg2"/>
-          </a:solidFill>
-          <a:ln>
-            <a:solidFill>
-              <a:schemeClr val="bg1">
-                <a:lumMod val="75000"/>
-              </a:schemeClr>
-            </a:solidFill>
-          </a:ln>
-        </p:spPr>
-        <p:style>
-          <a:lnRef idx="2">
-            <a:schemeClr val="accent1">
-              <a:shade val="50000"/>
-            </a:schemeClr>
-          </a:lnRef>
-          <a:fillRef idx="1">
-            <a:schemeClr val="accent1"/>
-          </a:fillRef>
-          <a:effectRef idx="0">
-            <a:schemeClr val="accent1"/>
-          </a:effectRef>
-          <a:fontRef idx="minor">
-            <a:schemeClr val="lt1"/>
-          </a:fontRef>
-        </p:style>
-        <p:txBody>
-          <a:bodyPr rtlCol="0" anchor="ctr"/>
-          <a:lstStyle/>
-          <a:p>
-            <a:pPr algn="ctr"/>
-            <a:endParaRPr lang="en-US"/>
-          </a:p>
-        </p:txBody>
-      </p:sp>
-      <p:cxnSp>
-        <p:nvCxnSpPr>
-          <p:cNvPr id="38" name="Straight Arrow Connector 37"/>
-          <p:cNvCxnSpPr/>
-          <p:nvPr/>
-        </p:nvCxnSpPr>
-        <p:spPr>
-          <a:xfrm>
-            <a:off x="6130580" y="3419613"/>
-            <a:ext cx="4492984" cy="0"/>
-          </a:xfrm>
-          <a:prstGeom prst="straightConnector1">
-            <a:avLst/>
-          </a:prstGeom>
-          <a:ln>
-            <a:tailEnd type="triangle"/>
-          </a:ln>
-        </p:spPr>
-        <p:style>
-          <a:lnRef idx="1">
-            <a:schemeClr val="dk1"/>
-          </a:lnRef>
-          <a:fillRef idx="0">
-            <a:schemeClr val="dk1"/>
-          </a:fillRef>
-          <a:effectRef idx="0">
-            <a:schemeClr val="dk1"/>
-          </a:effectRef>
-          <a:fontRef idx="minor">
-            <a:schemeClr val="tx1"/>
-          </a:fontRef>
-        </p:style>
-      </p:cxnSp>
     </p:spTree>
     <p:extLst>
       <p:ext uri="{BB962C8B-B14F-4D97-AF65-F5344CB8AC3E}">

--- a/iPlanner Documentation/[V0.5]/Sequence Diagrams.pptx
+++ b/iPlanner Documentation/[V0.5]/Sequence Diagrams.pptx
@@ -17191,7 +17191,6 @@
                 <a:rPr lang="en-US" sz="1200" dirty="0" smtClean="0"/>
                 <a:t>User types in a command</a:t>
               </a:r>
-              <a:endParaRPr lang="en-US" sz="1200" dirty="0" smtClean="0"/>
             </a:p>
           </p:txBody>
         </p:sp>
@@ -17222,7 +17221,6 @@
                 <a:rPr lang="en-US" sz="1200" i="1" dirty="0" smtClean="0"/>
                 <a:t>parse(string)</a:t>
               </a:r>
-              <a:endParaRPr lang="en-US" sz="1200" i="1" dirty="0" smtClean="0"/>
             </a:p>
           </p:txBody>
         </p:sp>
@@ -17253,7 +17251,6 @@
                 <a:rPr lang="en-US" sz="1200" dirty="0" smtClean="0"/>
                 <a:t>list of instructions for Logic</a:t>
               </a:r>
-              <a:endParaRPr lang="en-US" sz="1200" dirty="0" smtClean="0"/>
             </a:p>
           </p:txBody>
         </p:sp>
@@ -17746,7 +17743,6 @@
                 <a:rPr lang="en-US" sz="1200" i="1" dirty="0" smtClean="0"/>
                 <a:t>(Item)</a:t>
               </a:r>
-              <a:endParaRPr lang="en-US" sz="1200" i="1" dirty="0" smtClean="0"/>
             </a:p>
           </p:txBody>
         </p:sp>
@@ -17859,7 +17855,6 @@
                 <a:rPr lang="en-US" sz="1200" dirty="0" smtClean="0"/>
                 <a:t>dd Item success/failure</a:t>
               </a:r>
-              <a:endParaRPr lang="en-US" sz="1200" dirty="0" smtClean="0"/>
             </a:p>
           </p:txBody>
         </p:sp>
@@ -17928,7 +17923,6 @@
                 <a:rPr lang="en-US" sz="1200" i="1" dirty="0" smtClean="0"/>
                 <a:t>(string)</a:t>
               </a:r>
-              <a:endParaRPr lang="en-US" sz="1200" i="1" dirty="0" smtClean="0"/>
             </a:p>
           </p:txBody>
         </p:sp>
@@ -18671,7 +18665,6 @@
                 <a:rPr lang="en-US" sz="1200" dirty="0" smtClean="0"/>
                 <a:t>User types in a command</a:t>
               </a:r>
-              <a:endParaRPr lang="en-US" sz="1200" dirty="0" smtClean="0"/>
             </a:p>
           </p:txBody>
         </p:sp>
@@ -18702,7 +18695,6 @@
                 <a:rPr lang="en-US" sz="1200" i="1" dirty="0" smtClean="0"/>
                 <a:t>parse(string)</a:t>
               </a:r>
-              <a:endParaRPr lang="en-US" sz="1200" i="1" dirty="0" smtClean="0"/>
             </a:p>
           </p:txBody>
         </p:sp>
@@ -18733,7 +18725,6 @@
                 <a:rPr lang="en-US" sz="1200" dirty="0" smtClean="0"/>
                 <a:t>list of instructions for Logic</a:t>
               </a:r>
-              <a:endParaRPr lang="en-US" sz="1200" dirty="0" smtClean="0"/>
             </a:p>
           </p:txBody>
         </p:sp>
@@ -18768,7 +18759,6 @@
                 <a:rPr lang="en-US" sz="1200" i="1" dirty="0" smtClean="0"/>
                 <a:t>()</a:t>
               </a:r>
-              <a:endParaRPr lang="en-US" sz="1200" i="1" dirty="0" smtClean="0"/>
             </a:p>
           </p:txBody>
         </p:sp>
@@ -18915,7 +18905,6 @@
                 <a:rPr lang="en-US" sz="1200" i="1" dirty="0" smtClean="0"/>
                 <a:t>(string)</a:t>
               </a:r>
-              <a:endParaRPr lang="en-US" sz="1200" i="1" dirty="0" smtClean="0"/>
             </a:p>
           </p:txBody>
         </p:sp>
@@ -19681,90 +19670,40 @@
             </a:fontRef>
           </p:style>
         </p:cxnSp>
-        <p:grpSp>
-          <p:nvGrpSpPr>
-            <p:cNvPr id="97" name="Group 96"/>
-            <p:cNvGrpSpPr/>
+        <p:cxnSp>
+          <p:nvCxnSpPr>
+            <p:cNvPr id="33" name="Straight Arrow Connector 32"/>
+            <p:cNvCxnSpPr/>
             <p:nvPr/>
-          </p:nvGrpSpPr>
-          <p:grpSpPr>
-            <a:xfrm>
-              <a:off x="3766363" y="3821249"/>
-              <a:ext cx="2316575" cy="364554"/>
-              <a:chOff x="3766363" y="3668353"/>
-              <a:chExt cx="2316575" cy="364554"/>
+          </p:nvCxnSpPr>
+          <p:spPr>
+            <a:xfrm flipH="1">
+              <a:off x="3766363" y="4185803"/>
+              <a:ext cx="2316575" cy="0"/>
             </a:xfrm>
-          </p:grpSpPr>
-          <p:cxnSp>
-            <p:nvCxnSpPr>
-              <p:cNvPr id="33" name="Straight Arrow Connector 32"/>
-              <p:cNvCxnSpPr/>
-              <p:nvPr/>
-            </p:nvCxnSpPr>
-            <p:spPr>
-              <a:xfrm flipH="1">
-                <a:off x="3766363" y="4032907"/>
-                <a:ext cx="2316575" cy="0"/>
-              </a:xfrm>
-              <a:prstGeom prst="straightConnector1">
-                <a:avLst/>
-              </a:prstGeom>
-              <a:ln>
-                <a:prstDash val="dash"/>
-                <a:tailEnd type="triangle"/>
-              </a:ln>
-            </p:spPr>
-            <p:style>
-              <a:lnRef idx="1">
-                <a:schemeClr val="dk1"/>
-              </a:lnRef>
-              <a:fillRef idx="0">
-                <a:schemeClr val="dk1"/>
-              </a:fillRef>
-              <a:effectRef idx="0">
-                <a:schemeClr val="dk1"/>
-              </a:effectRef>
-              <a:fontRef idx="minor">
-                <a:schemeClr val="tx1"/>
-              </a:fontRef>
-            </p:style>
-          </p:cxnSp>
-          <p:sp>
-            <p:nvSpPr>
-              <p:cNvPr id="69" name="TextBox 68"/>
-              <p:cNvSpPr txBox="1"/>
-              <p:nvPr/>
-            </p:nvSpPr>
-            <p:spPr>
-              <a:xfrm>
-                <a:off x="3792426" y="3668353"/>
-                <a:ext cx="2287400" cy="340734"/>
-              </a:xfrm>
-              <a:prstGeom prst="rect">
-                <a:avLst/>
-              </a:prstGeom>
-              <a:noFill/>
-            </p:spPr>
-            <p:txBody>
-              <a:bodyPr wrap="square" rtlCol="0">
-                <a:spAutoFit/>
-              </a:bodyPr>
-              <a:lstStyle/>
-              <a:p>
-                <a:pPr algn="ctr">
-                  <a:lnSpc>
-                    <a:spcPct val="150000"/>
-                  </a:lnSpc>
-                </a:pPr>
-                <a:r>
-                  <a:rPr lang="en-US" sz="1200" dirty="0" smtClean="0"/>
-                  <a:t>Update GUI</a:t>
-                </a:r>
-                <a:endParaRPr lang="en-US" sz="1200" dirty="0"/>
-              </a:p>
-            </p:txBody>
-          </p:sp>
-        </p:grpSp>
+            <a:prstGeom prst="straightConnector1">
+              <a:avLst/>
+            </a:prstGeom>
+            <a:ln>
+              <a:prstDash val="dash"/>
+              <a:tailEnd type="triangle"/>
+            </a:ln>
+          </p:spPr>
+          <p:style>
+            <a:lnRef idx="1">
+              <a:schemeClr val="dk1"/>
+            </a:lnRef>
+            <a:fillRef idx="0">
+              <a:schemeClr val="dk1"/>
+            </a:fillRef>
+            <a:effectRef idx="0">
+              <a:schemeClr val="dk1"/>
+            </a:effectRef>
+            <a:fontRef idx="minor">
+              <a:schemeClr val="tx1"/>
+            </a:fontRef>
+          </p:style>
+        </p:cxnSp>
         <p:sp>
           <p:nvSpPr>
             <p:cNvPr id="43" name="Rectangle 42"/>
